--- a/Презентация ВКР.pptx
+++ b/Презентация ВКР.pptx
@@ -2,10 +2,13 @@
 <file path=ppt/presentation.xml><?xml version="1.0" encoding="utf-8"?>
 <p:presentation xmlns:a="http://schemas.openxmlformats.org/drawingml/2006/main" xmlns:r="http://schemas.openxmlformats.org/officeDocument/2006/relationships" xmlns:p="http://schemas.openxmlformats.org/presentationml/2006/main" saveSubsetFonts="1">
   <p:sldMasterIdLst>
-    <p:sldMasterId id="2147483660" r:id="rId1"/>
+    <p:sldMasterId id="2147483672" r:id="rId1"/>
   </p:sldMasterIdLst>
+  <p:notesMasterIdLst>
+    <p:notesMasterId r:id="rId21"/>
+  </p:notesMasterIdLst>
   <p:handoutMasterIdLst>
-    <p:handoutMasterId r:id="rId10"/>
+    <p:handoutMasterId r:id="rId22"/>
   </p:handoutMasterIdLst>
   <p:sldIdLst>
     <p:sldId id="256" r:id="rId2"/>
@@ -16,14 +19,25 @@
     <p:sldId id="267" r:id="rId7"/>
     <p:sldId id="268" r:id="rId8"/>
     <p:sldId id="269" r:id="rId9"/>
+    <p:sldId id="270" r:id="rId10"/>
+    <p:sldId id="271" r:id="rId11"/>
+    <p:sldId id="272" r:id="rId12"/>
+    <p:sldId id="273" r:id="rId13"/>
+    <p:sldId id="274" r:id="rId14"/>
+    <p:sldId id="275" r:id="rId15"/>
+    <p:sldId id="276" r:id="rId16"/>
+    <p:sldId id="277" r:id="rId17"/>
+    <p:sldId id="278" r:id="rId18"/>
+    <p:sldId id="279" r:id="rId19"/>
+    <p:sldId id="280" r:id="rId20"/>
   </p:sldIdLst>
-  <p:sldSz cx="9144000" cy="6858000" type="screen4x3"/>
+  <p:sldSz cx="12192000" cy="6858000"/>
   <p:notesSz cx="6858000" cy="9144000"/>
   <p:defaultTextStyle>
     <a:defPPr>
       <a:defRPr lang="en-US"/>
     </a:defPPr>
-    <a:lvl1pPr marL="0" algn="l" defTabSz="914400" rtl="0" eaLnBrk="1" latinLnBrk="0" hangingPunct="1">
+    <a:lvl1pPr marL="0" algn="l" defTabSz="457200" rtl="0" eaLnBrk="1" latinLnBrk="0" hangingPunct="1">
       <a:defRPr sz="1800" kern="1200">
         <a:solidFill>
           <a:schemeClr val="tx1"/>
@@ -33,7 +47,7 @@
         <a:cs typeface="+mn-cs"/>
       </a:defRPr>
     </a:lvl1pPr>
-    <a:lvl2pPr marL="457200" algn="l" defTabSz="914400" rtl="0" eaLnBrk="1" latinLnBrk="0" hangingPunct="1">
+    <a:lvl2pPr marL="457200" algn="l" defTabSz="457200" rtl="0" eaLnBrk="1" latinLnBrk="0" hangingPunct="1">
       <a:defRPr sz="1800" kern="1200">
         <a:solidFill>
           <a:schemeClr val="tx1"/>
@@ -43,7 +57,7 @@
         <a:cs typeface="+mn-cs"/>
       </a:defRPr>
     </a:lvl2pPr>
-    <a:lvl3pPr marL="914400" algn="l" defTabSz="914400" rtl="0" eaLnBrk="1" latinLnBrk="0" hangingPunct="1">
+    <a:lvl3pPr marL="914400" algn="l" defTabSz="457200" rtl="0" eaLnBrk="1" latinLnBrk="0" hangingPunct="1">
       <a:defRPr sz="1800" kern="1200">
         <a:solidFill>
           <a:schemeClr val="tx1"/>
@@ -53,7 +67,7 @@
         <a:cs typeface="+mn-cs"/>
       </a:defRPr>
     </a:lvl3pPr>
-    <a:lvl4pPr marL="1371600" algn="l" defTabSz="914400" rtl="0" eaLnBrk="1" latinLnBrk="0" hangingPunct="1">
+    <a:lvl4pPr marL="1371600" algn="l" defTabSz="457200" rtl="0" eaLnBrk="1" latinLnBrk="0" hangingPunct="1">
       <a:defRPr sz="1800" kern="1200">
         <a:solidFill>
           <a:schemeClr val="tx1"/>
@@ -63,7 +77,7 @@
         <a:cs typeface="+mn-cs"/>
       </a:defRPr>
     </a:lvl4pPr>
-    <a:lvl5pPr marL="1828800" algn="l" defTabSz="914400" rtl="0" eaLnBrk="1" latinLnBrk="0" hangingPunct="1">
+    <a:lvl5pPr marL="1828800" algn="l" defTabSz="457200" rtl="0" eaLnBrk="1" latinLnBrk="0" hangingPunct="1">
       <a:defRPr sz="1800" kern="1200">
         <a:solidFill>
           <a:schemeClr val="tx1"/>
@@ -73,7 +87,7 @@
         <a:cs typeface="+mn-cs"/>
       </a:defRPr>
     </a:lvl5pPr>
-    <a:lvl6pPr marL="2286000" algn="l" defTabSz="914400" rtl="0" eaLnBrk="1" latinLnBrk="0" hangingPunct="1">
+    <a:lvl6pPr marL="2286000" algn="l" defTabSz="457200" rtl="0" eaLnBrk="1" latinLnBrk="0" hangingPunct="1">
       <a:defRPr sz="1800" kern="1200">
         <a:solidFill>
           <a:schemeClr val="tx1"/>
@@ -83,7 +97,7 @@
         <a:cs typeface="+mn-cs"/>
       </a:defRPr>
     </a:lvl6pPr>
-    <a:lvl7pPr marL="2743200" algn="l" defTabSz="914400" rtl="0" eaLnBrk="1" latinLnBrk="0" hangingPunct="1">
+    <a:lvl7pPr marL="2743200" algn="l" defTabSz="457200" rtl="0" eaLnBrk="1" latinLnBrk="0" hangingPunct="1">
       <a:defRPr sz="1800" kern="1200">
         <a:solidFill>
           <a:schemeClr val="tx1"/>
@@ -93,7 +107,7 @@
         <a:cs typeface="+mn-cs"/>
       </a:defRPr>
     </a:lvl7pPr>
-    <a:lvl8pPr marL="3200400" algn="l" defTabSz="914400" rtl="0" eaLnBrk="1" latinLnBrk="0" hangingPunct="1">
+    <a:lvl8pPr marL="3200400" algn="l" defTabSz="457200" rtl="0" eaLnBrk="1" latinLnBrk="0" hangingPunct="1">
       <a:defRPr sz="1800" kern="1200">
         <a:solidFill>
           <a:schemeClr val="tx1"/>
@@ -103,7 +117,7 @@
         <a:cs typeface="+mn-cs"/>
       </a:defRPr>
     </a:lvl8pPr>
-    <a:lvl9pPr marL="3657600" algn="l" defTabSz="914400" rtl="0" eaLnBrk="1" latinLnBrk="0" hangingPunct="1">
+    <a:lvl9pPr marL="3657600" algn="l" defTabSz="457200" rtl="0" eaLnBrk="1" latinLnBrk="0" hangingPunct="1">
       <a:defRPr sz="1800" kern="1200">
         <a:solidFill>
           <a:schemeClr val="tx1"/>
@@ -127,18 +141,29 @@
             <p14:sldId id="267"/>
             <p14:sldId id="268"/>
             <p14:sldId id="269"/>
+            <p14:sldId id="270"/>
+            <p14:sldId id="271"/>
+            <p14:sldId id="272"/>
+            <p14:sldId id="273"/>
+            <p14:sldId id="274"/>
+            <p14:sldId id="275"/>
+            <p14:sldId id="276"/>
+            <p14:sldId id="277"/>
+            <p14:sldId id="278"/>
+            <p14:sldId id="279"/>
+            <p14:sldId id="280"/>
           </p14:sldIdLst>
         </p14:section>
       </p14:sectionLst>
     </p:ext>
     <p:ext uri="{EFAFB233-063F-42B5-8137-9DF3F51BA10A}">
       <p15:sldGuideLst xmlns:p15="http://schemas.microsoft.com/office/powerpoint/2012/main">
-        <p15:guide id="1" orient="horz" pos="2160">
+        <p15:guide id="1" orient="horz" pos="2160" userDrawn="1">
           <p15:clr>
             <a:srgbClr val="A4A3A4"/>
           </p15:clr>
         </p15:guide>
-        <p15:guide id="2" pos="2880">
+        <p15:guide id="2" pos="3840" userDrawn="1">
           <p15:clr>
             <a:srgbClr val="A4A3A4"/>
           </p15:clr>
@@ -234,7 +259,7 @@
           <a:p>
             <a:fld id="{BE2DD1C9-4BB6-422A-8F34-C157EA500BD9}" type="datetimeFigureOut">
               <a:rPr lang="en-US" smtClean="0"/>
-              <a:t>6/8/2022</a:t>
+              <a:t>6/10/2022</a:t>
             </a:fld>
             <a:endParaRPr lang="en-US"/>
           </a:p>
@@ -317,9 +342,14 @@
 </p:handoutMaster>
 </file>
 
-<file path=ppt/slideLayouts/slideLayout1.xml><?xml version="1.0" encoding="utf-8"?>
-<p:sldLayout xmlns:a="http://schemas.openxmlformats.org/drawingml/2006/main" xmlns:r="http://schemas.openxmlformats.org/officeDocument/2006/relationships" xmlns:p="http://schemas.openxmlformats.org/presentationml/2006/main" type="title" preserve="1">
-  <p:cSld name="Title Slide">
+<file path=ppt/notesMasters/notesMaster1.xml><?xml version="1.0" encoding="utf-8"?>
+<p:notesMaster xmlns:a="http://schemas.openxmlformats.org/drawingml/2006/main" xmlns:r="http://schemas.openxmlformats.org/officeDocument/2006/relationships" xmlns:p="http://schemas.openxmlformats.org/presentationml/2006/main">
+  <p:cSld>
+    <p:bg>
+      <p:bgRef idx="1001">
+        <a:schemeClr val="bg1"/>
+      </p:bgRef>
+    </p:bg>
     <p:spTree>
       <p:nvGrpSpPr>
         <p:cNvPr id="1" name=""/>
@@ -336,6 +366,350 @@
       </p:grpSpPr>
       <p:sp>
         <p:nvSpPr>
+          <p:cNvPr id="2" name="Верхний колонтитул 1"/>
+          <p:cNvSpPr>
+            <a:spLocks noGrp="1"/>
+          </p:cNvSpPr>
+          <p:nvPr>
+            <p:ph type="hdr" sz="quarter"/>
+          </p:nvPr>
+        </p:nvSpPr>
+        <p:spPr>
+          <a:xfrm>
+            <a:off x="0" y="0"/>
+            <a:ext cx="2971800" cy="458788"/>
+          </a:xfrm>
+          <a:prstGeom prst="rect">
+            <a:avLst/>
+          </a:prstGeom>
+        </p:spPr>
+        <p:txBody>
+          <a:bodyPr vert="horz" lIns="91440" tIns="45720" rIns="91440" bIns="45720" rtlCol="0"/>
+          <a:lstStyle>
+            <a:lvl1pPr algn="l">
+              <a:defRPr sz="1200"/>
+            </a:lvl1pPr>
+          </a:lstStyle>
+          <a:p>
+            <a:endParaRPr lang="ru-RU"/>
+          </a:p>
+        </p:txBody>
+      </p:sp>
+      <p:sp>
+        <p:nvSpPr>
+          <p:cNvPr id="3" name="Дата 2"/>
+          <p:cNvSpPr>
+            <a:spLocks noGrp="1"/>
+          </p:cNvSpPr>
+          <p:nvPr>
+            <p:ph type="dt" idx="1"/>
+          </p:nvPr>
+        </p:nvSpPr>
+        <p:spPr>
+          <a:xfrm>
+            <a:off x="3884613" y="0"/>
+            <a:ext cx="2971800" cy="458788"/>
+          </a:xfrm>
+          <a:prstGeom prst="rect">
+            <a:avLst/>
+          </a:prstGeom>
+        </p:spPr>
+        <p:txBody>
+          <a:bodyPr vert="horz" lIns="91440" tIns="45720" rIns="91440" bIns="45720" rtlCol="0"/>
+          <a:lstStyle>
+            <a:lvl1pPr algn="r">
+              <a:defRPr sz="1200"/>
+            </a:lvl1pPr>
+          </a:lstStyle>
+          <a:p>
+            <a:fld id="{0F5F3A5C-59E9-4C02-8FB1-54280304A31D}" type="datetimeFigureOut">
+              <a:rPr lang="ru-RU" smtClean="0"/>
+              <a:t>10.06.2022</a:t>
+            </a:fld>
+            <a:endParaRPr lang="ru-RU"/>
+          </a:p>
+        </p:txBody>
+      </p:sp>
+      <p:sp>
+        <p:nvSpPr>
+          <p:cNvPr id="4" name="Образ слайда 3"/>
+          <p:cNvSpPr>
+            <a:spLocks noGrp="1" noRot="1" noChangeAspect="1"/>
+          </p:cNvSpPr>
+          <p:nvPr>
+            <p:ph type="sldImg" idx="2"/>
+          </p:nvPr>
+        </p:nvSpPr>
+        <p:spPr>
+          <a:xfrm>
+            <a:off x="685800" y="1143000"/>
+            <a:ext cx="5486400" cy="3086100"/>
+          </a:xfrm>
+          <a:prstGeom prst="rect">
+            <a:avLst/>
+          </a:prstGeom>
+          <a:noFill/>
+          <a:ln w="12700">
+            <a:solidFill>
+              <a:prstClr val="black"/>
+            </a:solidFill>
+          </a:ln>
+        </p:spPr>
+        <p:txBody>
+          <a:bodyPr vert="horz" lIns="91440" tIns="45720" rIns="91440" bIns="45720" rtlCol="0" anchor="ctr"/>
+          <a:lstStyle/>
+          <a:p>
+            <a:endParaRPr lang="ru-RU"/>
+          </a:p>
+        </p:txBody>
+      </p:sp>
+      <p:sp>
+        <p:nvSpPr>
+          <p:cNvPr id="5" name="Заметки 4"/>
+          <p:cNvSpPr>
+            <a:spLocks noGrp="1"/>
+          </p:cNvSpPr>
+          <p:nvPr>
+            <p:ph type="body" sz="quarter" idx="3"/>
+          </p:nvPr>
+        </p:nvSpPr>
+        <p:spPr>
+          <a:xfrm>
+            <a:off x="685800" y="4400550"/>
+            <a:ext cx="5486400" cy="3600450"/>
+          </a:xfrm>
+          <a:prstGeom prst="rect">
+            <a:avLst/>
+          </a:prstGeom>
+        </p:spPr>
+        <p:txBody>
+          <a:bodyPr vert="horz" lIns="91440" tIns="45720" rIns="91440" bIns="45720" rtlCol="0"/>
+          <a:lstStyle/>
+          <a:p>
+            <a:pPr lvl="0"/>
+            <a:r>
+              <a:rPr lang="ru-RU"/>
+              <a:t>Образец текста</a:t>
+            </a:r>
+          </a:p>
+          <a:p>
+            <a:pPr lvl="1"/>
+            <a:r>
+              <a:rPr lang="ru-RU"/>
+              <a:t>Второй уровень</a:t>
+            </a:r>
+          </a:p>
+          <a:p>
+            <a:pPr lvl="2"/>
+            <a:r>
+              <a:rPr lang="ru-RU"/>
+              <a:t>Третий уровень</a:t>
+            </a:r>
+          </a:p>
+          <a:p>
+            <a:pPr lvl="3"/>
+            <a:r>
+              <a:rPr lang="ru-RU"/>
+              <a:t>Четвертый уровень</a:t>
+            </a:r>
+          </a:p>
+          <a:p>
+            <a:pPr lvl="4"/>
+            <a:r>
+              <a:rPr lang="ru-RU"/>
+              <a:t>Пятый уровень</a:t>
+            </a:r>
+          </a:p>
+        </p:txBody>
+      </p:sp>
+      <p:sp>
+        <p:nvSpPr>
+          <p:cNvPr id="6" name="Нижний колонтитул 5"/>
+          <p:cNvSpPr>
+            <a:spLocks noGrp="1"/>
+          </p:cNvSpPr>
+          <p:nvPr>
+            <p:ph type="ftr" sz="quarter" idx="4"/>
+          </p:nvPr>
+        </p:nvSpPr>
+        <p:spPr>
+          <a:xfrm>
+            <a:off x="0" y="8685213"/>
+            <a:ext cx="2971800" cy="458787"/>
+          </a:xfrm>
+          <a:prstGeom prst="rect">
+            <a:avLst/>
+          </a:prstGeom>
+        </p:spPr>
+        <p:txBody>
+          <a:bodyPr vert="horz" lIns="91440" tIns="45720" rIns="91440" bIns="45720" rtlCol="0" anchor="b"/>
+          <a:lstStyle>
+            <a:lvl1pPr algn="l">
+              <a:defRPr sz="1200"/>
+            </a:lvl1pPr>
+          </a:lstStyle>
+          <a:p>
+            <a:endParaRPr lang="ru-RU"/>
+          </a:p>
+        </p:txBody>
+      </p:sp>
+      <p:sp>
+        <p:nvSpPr>
+          <p:cNvPr id="7" name="Номер слайда 6"/>
+          <p:cNvSpPr>
+            <a:spLocks noGrp="1"/>
+          </p:cNvSpPr>
+          <p:nvPr>
+            <p:ph type="sldNum" sz="quarter" idx="5"/>
+          </p:nvPr>
+        </p:nvSpPr>
+        <p:spPr>
+          <a:xfrm>
+            <a:off x="3884613" y="8685213"/>
+            <a:ext cx="2971800" cy="458787"/>
+          </a:xfrm>
+          <a:prstGeom prst="rect">
+            <a:avLst/>
+          </a:prstGeom>
+        </p:spPr>
+        <p:txBody>
+          <a:bodyPr vert="horz" lIns="91440" tIns="45720" rIns="91440" bIns="45720" rtlCol="0" anchor="b"/>
+          <a:lstStyle>
+            <a:lvl1pPr algn="r">
+              <a:defRPr sz="1200"/>
+            </a:lvl1pPr>
+          </a:lstStyle>
+          <a:p>
+            <a:fld id="{DD11C0D9-DCEE-4F76-8735-C4326EA651BC}" type="slidenum">
+              <a:rPr lang="ru-RU" smtClean="0"/>
+              <a:t>‹#›</a:t>
+            </a:fld>
+            <a:endParaRPr lang="ru-RU"/>
+          </a:p>
+        </p:txBody>
+      </p:sp>
+    </p:spTree>
+    <p:extLst>
+      <p:ext uri="{BB962C8B-B14F-4D97-AF65-F5344CB8AC3E}">
+        <p14:creationId xmlns:p14="http://schemas.microsoft.com/office/powerpoint/2010/main" val="4211610109"/>
+      </p:ext>
+    </p:extLst>
+  </p:cSld>
+  <p:clrMap bg1="lt1" tx1="dk1" bg2="lt2" tx2="dk2" accent1="accent1" accent2="accent2" accent3="accent3" accent4="accent4" accent5="accent5" accent6="accent6" hlink="hlink" folHlink="folHlink"/>
+  <p:notesStyle>
+    <a:lvl1pPr marL="0" algn="l" defTabSz="914400" rtl="0" eaLnBrk="1" latinLnBrk="0" hangingPunct="1">
+      <a:defRPr sz="1200" kern="1200">
+        <a:solidFill>
+          <a:schemeClr val="tx1"/>
+        </a:solidFill>
+        <a:latin typeface="+mn-lt"/>
+        <a:ea typeface="+mn-ea"/>
+        <a:cs typeface="+mn-cs"/>
+      </a:defRPr>
+    </a:lvl1pPr>
+    <a:lvl2pPr marL="457200" algn="l" defTabSz="914400" rtl="0" eaLnBrk="1" latinLnBrk="0" hangingPunct="1">
+      <a:defRPr sz="1200" kern="1200">
+        <a:solidFill>
+          <a:schemeClr val="tx1"/>
+        </a:solidFill>
+        <a:latin typeface="+mn-lt"/>
+        <a:ea typeface="+mn-ea"/>
+        <a:cs typeface="+mn-cs"/>
+      </a:defRPr>
+    </a:lvl2pPr>
+    <a:lvl3pPr marL="914400" algn="l" defTabSz="914400" rtl="0" eaLnBrk="1" latinLnBrk="0" hangingPunct="1">
+      <a:defRPr sz="1200" kern="1200">
+        <a:solidFill>
+          <a:schemeClr val="tx1"/>
+        </a:solidFill>
+        <a:latin typeface="+mn-lt"/>
+        <a:ea typeface="+mn-ea"/>
+        <a:cs typeface="+mn-cs"/>
+      </a:defRPr>
+    </a:lvl3pPr>
+    <a:lvl4pPr marL="1371600" algn="l" defTabSz="914400" rtl="0" eaLnBrk="1" latinLnBrk="0" hangingPunct="1">
+      <a:defRPr sz="1200" kern="1200">
+        <a:solidFill>
+          <a:schemeClr val="tx1"/>
+        </a:solidFill>
+        <a:latin typeface="+mn-lt"/>
+        <a:ea typeface="+mn-ea"/>
+        <a:cs typeface="+mn-cs"/>
+      </a:defRPr>
+    </a:lvl4pPr>
+    <a:lvl5pPr marL="1828800" algn="l" defTabSz="914400" rtl="0" eaLnBrk="1" latinLnBrk="0" hangingPunct="1">
+      <a:defRPr sz="1200" kern="1200">
+        <a:solidFill>
+          <a:schemeClr val="tx1"/>
+        </a:solidFill>
+        <a:latin typeface="+mn-lt"/>
+        <a:ea typeface="+mn-ea"/>
+        <a:cs typeface="+mn-cs"/>
+      </a:defRPr>
+    </a:lvl5pPr>
+    <a:lvl6pPr marL="2286000" algn="l" defTabSz="914400" rtl="0" eaLnBrk="1" latinLnBrk="0" hangingPunct="1">
+      <a:defRPr sz="1200" kern="1200">
+        <a:solidFill>
+          <a:schemeClr val="tx1"/>
+        </a:solidFill>
+        <a:latin typeface="+mn-lt"/>
+        <a:ea typeface="+mn-ea"/>
+        <a:cs typeface="+mn-cs"/>
+      </a:defRPr>
+    </a:lvl6pPr>
+    <a:lvl7pPr marL="2743200" algn="l" defTabSz="914400" rtl="0" eaLnBrk="1" latinLnBrk="0" hangingPunct="1">
+      <a:defRPr sz="1200" kern="1200">
+        <a:solidFill>
+          <a:schemeClr val="tx1"/>
+        </a:solidFill>
+        <a:latin typeface="+mn-lt"/>
+        <a:ea typeface="+mn-ea"/>
+        <a:cs typeface="+mn-cs"/>
+      </a:defRPr>
+    </a:lvl7pPr>
+    <a:lvl8pPr marL="3200400" algn="l" defTabSz="914400" rtl="0" eaLnBrk="1" latinLnBrk="0" hangingPunct="1">
+      <a:defRPr sz="1200" kern="1200">
+        <a:solidFill>
+          <a:schemeClr val="tx1"/>
+        </a:solidFill>
+        <a:latin typeface="+mn-lt"/>
+        <a:ea typeface="+mn-ea"/>
+        <a:cs typeface="+mn-cs"/>
+      </a:defRPr>
+    </a:lvl8pPr>
+    <a:lvl9pPr marL="3657600" algn="l" defTabSz="914400" rtl="0" eaLnBrk="1" latinLnBrk="0" hangingPunct="1">
+      <a:defRPr sz="1200" kern="1200">
+        <a:solidFill>
+          <a:schemeClr val="tx1"/>
+        </a:solidFill>
+        <a:latin typeface="+mn-lt"/>
+        <a:ea typeface="+mn-ea"/>
+        <a:cs typeface="+mn-cs"/>
+      </a:defRPr>
+    </a:lvl9pPr>
+  </p:notesStyle>
+</p:notesMaster>
+</file>
+
+<file path=ppt/slideLayouts/slideLayout1.xml><?xml version="1.0" encoding="utf-8"?>
+<p:sldLayout xmlns:a="http://schemas.openxmlformats.org/drawingml/2006/main" xmlns:r="http://schemas.openxmlformats.org/officeDocument/2006/relationships" xmlns:p="http://schemas.openxmlformats.org/presentationml/2006/main" type="title" preserve="1">
+  <p:cSld name="Титульный слайд">
+    <p:spTree>
+      <p:nvGrpSpPr>
+        <p:cNvPr id="1" name=""/>
+        <p:cNvGrpSpPr/>
+        <p:nvPr/>
+      </p:nvGrpSpPr>
+      <p:grpSpPr>
+        <a:xfrm>
+          <a:off x="0" y="0"/>
+          <a:ext cx="0" cy="0"/>
+          <a:chOff x="0" y="0"/>
+          <a:chExt cx="0" cy="0"/>
+        </a:xfrm>
+      </p:grpSpPr>
+      <p:sp>
+        <p:nvSpPr>
           <p:cNvPr id="2" name="Title 1"/>
           <p:cNvSpPr>
             <a:spLocks noGrp="1"/>
@@ -346,8 +720,8 @@
         </p:nvSpPr>
         <p:spPr>
           <a:xfrm>
-            <a:off x="685800" y="1122363"/>
-            <a:ext cx="7772400" cy="2387600"/>
+            <a:off x="1524000" y="1122363"/>
+            <a:ext cx="9144000" cy="2387600"/>
           </a:xfrm>
         </p:spPr>
         <p:txBody>
@@ -359,8 +733,8 @@
           </a:lstStyle>
           <a:p>
             <a:r>
-              <a:rPr lang="en-US"/>
-              <a:t>Click to edit Master title style</a:t>
+              <a:rPr lang="ru-RU"/>
+              <a:t>Образец заголовка</a:t>
             </a:r>
             <a:endParaRPr lang="en-US" dirty="0"/>
           </a:p>
@@ -378,8 +752,8 @@
         </p:nvSpPr>
         <p:spPr>
           <a:xfrm>
-            <a:off x="1143000" y="3602038"/>
-            <a:ext cx="6858000" cy="1655762"/>
+            <a:off x="1524000" y="3602038"/>
+            <a:ext cx="9144000" cy="1655762"/>
           </a:xfrm>
         </p:spPr>
         <p:txBody>
@@ -424,8 +798,8 @@
           </a:lstStyle>
           <a:p>
             <a:r>
-              <a:rPr lang="en-US"/>
-              <a:t>Click to edit Master subtitle style</a:t>
+              <a:rPr lang="ru-RU"/>
+              <a:t>Образец подзаголовка</a:t>
             </a:r>
             <a:endParaRPr lang="en-US" dirty="0"/>
           </a:p>
@@ -446,9 +820,9 @@
           <a:bodyPr/>
           <a:lstStyle/>
           <a:p>
-            <a:fld id="{1DBD9794-A4CC-42D0-9A65-24C6B9EF4076}" type="datetimeFigureOut">
+            <a:fld id="{4F6EE752-E018-4520-B985-F86648F3A91B}" type="datetime1">
               <a:rPr lang="en-US" smtClean="0"/>
-              <a:t>6/8/2022</a:t>
+              <a:t>6/10/2022</a:t>
             </a:fld>
             <a:endParaRPr lang="en-US"/>
           </a:p>
@@ -499,19 +873,20 @@
     </p:spTree>
     <p:extLst>
       <p:ext uri="{BB962C8B-B14F-4D97-AF65-F5344CB8AC3E}">
-        <p14:creationId xmlns:p14="http://schemas.microsoft.com/office/powerpoint/2010/main" val="2750845649"/>
+        <p14:creationId xmlns:p14="http://schemas.microsoft.com/office/powerpoint/2010/main" val="4117145103"/>
       </p:ext>
     </p:extLst>
   </p:cSld>
   <p:clrMapOvr>
     <a:masterClrMapping/>
   </p:clrMapOvr>
+  <p:hf hdr="0" ftr="0" dt="0"/>
 </p:sldLayout>
 </file>
 
 <file path=ppt/slideLayouts/slideLayout10.xml><?xml version="1.0" encoding="utf-8"?>
 <p:sldLayout xmlns:a="http://schemas.openxmlformats.org/drawingml/2006/main" xmlns:r="http://schemas.openxmlformats.org/officeDocument/2006/relationships" xmlns:p="http://schemas.openxmlformats.org/presentationml/2006/main" type="vertTx" preserve="1">
-  <p:cSld name="Title and Vertical Text">
+  <p:cSld name="Заголовок и вертикальный текст">
     <p:spTree>
       <p:nvGrpSpPr>
         <p:cNvPr id="1" name=""/>
@@ -542,8 +917,8 @@
           <a:lstStyle/>
           <a:p>
             <a:r>
-              <a:rPr lang="en-US"/>
-              <a:t>Click to edit Master title style</a:t>
+              <a:rPr lang="ru-RU"/>
+              <a:t>Образец заголовка</a:t>
             </a:r>
             <a:endParaRPr lang="en-US" dirty="0"/>
           </a:p>
@@ -566,36 +941,36 @@
           <a:p>
             <a:pPr lvl="0"/>
             <a:r>
-              <a:rPr lang="en-US"/>
-              <a:t>Click to edit Master text styles</a:t>
+              <a:rPr lang="ru-RU"/>
+              <a:t>Образец текста</a:t>
             </a:r>
           </a:p>
           <a:p>
             <a:pPr lvl="1"/>
             <a:r>
-              <a:rPr lang="en-US"/>
-              <a:t>Second level</a:t>
+              <a:rPr lang="ru-RU"/>
+              <a:t>Второй уровень</a:t>
             </a:r>
           </a:p>
           <a:p>
             <a:pPr lvl="2"/>
             <a:r>
-              <a:rPr lang="en-US"/>
-              <a:t>Third level</a:t>
+              <a:rPr lang="ru-RU"/>
+              <a:t>Третий уровень</a:t>
             </a:r>
           </a:p>
           <a:p>
             <a:pPr lvl="3"/>
             <a:r>
-              <a:rPr lang="en-US"/>
-              <a:t>Fourth level</a:t>
+              <a:rPr lang="ru-RU"/>
+              <a:t>Четвертый уровень</a:t>
             </a:r>
           </a:p>
           <a:p>
             <a:pPr lvl="4"/>
             <a:r>
-              <a:rPr lang="en-US"/>
-              <a:t>Fifth level</a:t>
+              <a:rPr lang="ru-RU"/>
+              <a:t>Пятый уровень</a:t>
             </a:r>
             <a:endParaRPr lang="en-US" dirty="0"/>
           </a:p>
@@ -616,9 +991,9 @@
           <a:bodyPr/>
           <a:lstStyle/>
           <a:p>
-            <a:fld id="{1DBD9794-A4CC-42D0-9A65-24C6B9EF4076}" type="datetimeFigureOut">
+            <a:fld id="{4F6EE752-E018-4520-B985-F86648F3A91B}" type="datetime1">
               <a:rPr lang="en-US" smtClean="0"/>
-              <a:t>6/8/2022</a:t>
+              <a:t>6/10/2022</a:t>
             </a:fld>
             <a:endParaRPr lang="en-US"/>
           </a:p>
@@ -669,19 +1044,20 @@
     </p:spTree>
     <p:extLst>
       <p:ext uri="{BB962C8B-B14F-4D97-AF65-F5344CB8AC3E}">
-        <p14:creationId xmlns:p14="http://schemas.microsoft.com/office/powerpoint/2010/main" val="712725447"/>
+        <p14:creationId xmlns:p14="http://schemas.microsoft.com/office/powerpoint/2010/main" val="214897858"/>
       </p:ext>
     </p:extLst>
   </p:cSld>
   <p:clrMapOvr>
     <a:masterClrMapping/>
   </p:clrMapOvr>
+  <p:hf hdr="0" ftr="0" dt="0"/>
 </p:sldLayout>
 </file>
 
 <file path=ppt/slideLayouts/slideLayout11.xml><?xml version="1.0" encoding="utf-8"?>
 <p:sldLayout xmlns:a="http://schemas.openxmlformats.org/drawingml/2006/main" xmlns:r="http://schemas.openxmlformats.org/officeDocument/2006/relationships" xmlns:p="http://schemas.openxmlformats.org/presentationml/2006/main" type="vertTitleAndTx" preserve="1">
-  <p:cSld name="Vertical Title and Text">
+  <p:cSld name="Вертикальный заголовок и текст">
     <p:spTree>
       <p:nvGrpSpPr>
         <p:cNvPr id="1" name=""/>
@@ -708,8 +1084,8 @@
         </p:nvSpPr>
         <p:spPr>
           <a:xfrm>
-            <a:off x="6543676" y="365125"/>
-            <a:ext cx="1971675" cy="5811838"/>
+            <a:off x="8724900" y="365125"/>
+            <a:ext cx="2628900" cy="5811838"/>
           </a:xfrm>
         </p:spPr>
         <p:txBody>
@@ -717,8 +1093,8 @@
           <a:lstStyle/>
           <a:p>
             <a:r>
-              <a:rPr lang="en-US"/>
-              <a:t>Click to edit Master title style</a:t>
+              <a:rPr lang="ru-RU"/>
+              <a:t>Образец заголовка</a:t>
             </a:r>
             <a:endParaRPr lang="en-US" dirty="0"/>
           </a:p>
@@ -736,8 +1112,8 @@
         </p:nvSpPr>
         <p:spPr>
           <a:xfrm>
-            <a:off x="628651" y="365125"/>
-            <a:ext cx="5800725" cy="5811838"/>
+            <a:off x="838200" y="365125"/>
+            <a:ext cx="7734300" cy="5811838"/>
           </a:xfrm>
         </p:spPr>
         <p:txBody>
@@ -746,36 +1122,36 @@
           <a:p>
             <a:pPr lvl="0"/>
             <a:r>
-              <a:rPr lang="en-US"/>
-              <a:t>Click to edit Master text styles</a:t>
+              <a:rPr lang="ru-RU"/>
+              <a:t>Образец текста</a:t>
             </a:r>
           </a:p>
           <a:p>
             <a:pPr lvl="1"/>
             <a:r>
-              <a:rPr lang="en-US"/>
-              <a:t>Second level</a:t>
+              <a:rPr lang="ru-RU"/>
+              <a:t>Второй уровень</a:t>
             </a:r>
           </a:p>
           <a:p>
             <a:pPr lvl="2"/>
             <a:r>
-              <a:rPr lang="en-US"/>
-              <a:t>Third level</a:t>
+              <a:rPr lang="ru-RU"/>
+              <a:t>Третий уровень</a:t>
             </a:r>
           </a:p>
           <a:p>
             <a:pPr lvl="3"/>
             <a:r>
-              <a:rPr lang="en-US"/>
-              <a:t>Fourth level</a:t>
+              <a:rPr lang="ru-RU"/>
+              <a:t>Четвертый уровень</a:t>
             </a:r>
           </a:p>
           <a:p>
             <a:pPr lvl="4"/>
             <a:r>
-              <a:rPr lang="en-US"/>
-              <a:t>Fifth level</a:t>
+              <a:rPr lang="ru-RU"/>
+              <a:t>Пятый уровень</a:t>
             </a:r>
             <a:endParaRPr lang="en-US" dirty="0"/>
           </a:p>
@@ -796,9 +1172,9 @@
           <a:bodyPr/>
           <a:lstStyle/>
           <a:p>
-            <a:fld id="{1DBD9794-A4CC-42D0-9A65-24C6B9EF4076}" type="datetimeFigureOut">
+            <a:fld id="{4F6EE752-E018-4520-B985-F86648F3A91B}" type="datetime1">
               <a:rPr lang="en-US" smtClean="0"/>
-              <a:t>6/8/2022</a:t>
+              <a:t>6/10/2022</a:t>
             </a:fld>
             <a:endParaRPr lang="en-US"/>
           </a:p>
@@ -849,19 +1225,20 @@
     </p:spTree>
     <p:extLst>
       <p:ext uri="{BB962C8B-B14F-4D97-AF65-F5344CB8AC3E}">
-        <p14:creationId xmlns:p14="http://schemas.microsoft.com/office/powerpoint/2010/main" val="3382581019"/>
+        <p14:creationId xmlns:p14="http://schemas.microsoft.com/office/powerpoint/2010/main" val="872950319"/>
       </p:ext>
     </p:extLst>
   </p:cSld>
   <p:clrMapOvr>
     <a:masterClrMapping/>
   </p:clrMapOvr>
+  <p:hf hdr="0" ftr="0" dt="0"/>
 </p:sldLayout>
 </file>
 
 <file path=ppt/slideLayouts/slideLayout2.xml><?xml version="1.0" encoding="utf-8"?>
 <p:sldLayout xmlns:a="http://schemas.openxmlformats.org/drawingml/2006/main" xmlns:r="http://schemas.openxmlformats.org/officeDocument/2006/relationships" xmlns:p="http://schemas.openxmlformats.org/presentationml/2006/main" type="obj" preserve="1">
-  <p:cSld name="Title and Content">
+  <p:cSld name="Заголовок и объект">
     <p:spTree>
       <p:nvGrpSpPr>
         <p:cNvPr id="1" name=""/>
@@ -892,8 +1269,8 @@
           <a:lstStyle/>
           <a:p>
             <a:r>
-              <a:rPr lang="en-US"/>
-              <a:t>Click to edit Master title style</a:t>
+              <a:rPr lang="ru-RU"/>
+              <a:t>Образец заголовка</a:t>
             </a:r>
             <a:endParaRPr lang="en-US" dirty="0"/>
           </a:p>
@@ -916,36 +1293,36 @@
           <a:p>
             <a:pPr lvl="0"/>
             <a:r>
-              <a:rPr lang="en-US"/>
-              <a:t>Click to edit Master text styles</a:t>
+              <a:rPr lang="ru-RU"/>
+              <a:t>Образец текста</a:t>
             </a:r>
           </a:p>
           <a:p>
             <a:pPr lvl="1"/>
             <a:r>
-              <a:rPr lang="en-US"/>
-              <a:t>Second level</a:t>
+              <a:rPr lang="ru-RU"/>
+              <a:t>Второй уровень</a:t>
             </a:r>
           </a:p>
           <a:p>
             <a:pPr lvl="2"/>
             <a:r>
-              <a:rPr lang="en-US"/>
-              <a:t>Third level</a:t>
+              <a:rPr lang="ru-RU"/>
+              <a:t>Третий уровень</a:t>
             </a:r>
           </a:p>
           <a:p>
             <a:pPr lvl="3"/>
             <a:r>
-              <a:rPr lang="en-US"/>
-              <a:t>Fourth level</a:t>
+              <a:rPr lang="ru-RU"/>
+              <a:t>Четвертый уровень</a:t>
             </a:r>
           </a:p>
           <a:p>
             <a:pPr lvl="4"/>
             <a:r>
-              <a:rPr lang="en-US"/>
-              <a:t>Fifth level</a:t>
+              <a:rPr lang="ru-RU"/>
+              <a:t>Пятый уровень</a:t>
             </a:r>
             <a:endParaRPr lang="en-US" dirty="0"/>
           </a:p>
@@ -966,9 +1343,9 @@
           <a:bodyPr/>
           <a:lstStyle/>
           <a:p>
-            <a:fld id="{1DBD9794-A4CC-42D0-9A65-24C6B9EF4076}" type="datetimeFigureOut">
+            <a:fld id="{4F6EE752-E018-4520-B985-F86648F3A91B}" type="datetime1">
               <a:rPr lang="en-US" smtClean="0"/>
-              <a:t>6/8/2022</a:t>
+              <a:t>6/10/2022</a:t>
             </a:fld>
             <a:endParaRPr lang="en-US"/>
           </a:p>
@@ -1019,19 +1396,20 @@
     </p:spTree>
     <p:extLst>
       <p:ext uri="{BB962C8B-B14F-4D97-AF65-F5344CB8AC3E}">
-        <p14:creationId xmlns:p14="http://schemas.microsoft.com/office/powerpoint/2010/main" val="530094933"/>
+        <p14:creationId xmlns:p14="http://schemas.microsoft.com/office/powerpoint/2010/main" val="2383521996"/>
       </p:ext>
     </p:extLst>
   </p:cSld>
   <p:clrMapOvr>
     <a:masterClrMapping/>
   </p:clrMapOvr>
+  <p:hf hdr="0" ftr="0" dt="0"/>
 </p:sldLayout>
 </file>
 
 <file path=ppt/slideLayouts/slideLayout3.xml><?xml version="1.0" encoding="utf-8"?>
 <p:sldLayout xmlns:a="http://schemas.openxmlformats.org/drawingml/2006/main" xmlns:r="http://schemas.openxmlformats.org/officeDocument/2006/relationships" xmlns:p="http://schemas.openxmlformats.org/presentationml/2006/main" type="secHead" preserve="1">
-  <p:cSld name="Section Header">
+  <p:cSld name="Заголовок раздела">
     <p:spTree>
       <p:nvGrpSpPr>
         <p:cNvPr id="1" name=""/>
@@ -1058,8 +1436,8 @@
         </p:nvSpPr>
         <p:spPr>
           <a:xfrm>
-            <a:off x="623888" y="1709741"/>
-            <a:ext cx="7886700" cy="2852737"/>
+            <a:off x="831850" y="1709738"/>
+            <a:ext cx="10515600" cy="2852737"/>
           </a:xfrm>
         </p:spPr>
         <p:txBody>
@@ -1071,8 +1449,8 @@
           </a:lstStyle>
           <a:p>
             <a:r>
-              <a:rPr lang="en-US"/>
-              <a:t>Click to edit Master title style</a:t>
+              <a:rPr lang="ru-RU"/>
+              <a:t>Образец заголовка</a:t>
             </a:r>
             <a:endParaRPr lang="en-US" dirty="0"/>
           </a:p>
@@ -1090,8 +1468,8 @@
         </p:nvSpPr>
         <p:spPr>
           <a:xfrm>
-            <a:off x="623888" y="4589466"/>
-            <a:ext cx="7886700" cy="1500187"/>
+            <a:off x="831850" y="4589463"/>
+            <a:ext cx="10515600" cy="1500187"/>
           </a:xfrm>
         </p:spPr>
         <p:txBody>
@@ -1101,7 +1479,9 @@
               <a:buNone/>
               <a:defRPr sz="2400">
                 <a:solidFill>
-                  <a:schemeClr val="tx1"/>
+                  <a:schemeClr val="tx1">
+                    <a:tint val="75000"/>
+                  </a:schemeClr>
                 </a:solidFill>
               </a:defRPr>
             </a:lvl1pPr>
@@ -1189,8 +1569,8 @@
           <a:p>
             <a:pPr lvl="0"/>
             <a:r>
-              <a:rPr lang="en-US"/>
-              <a:t>Click to edit Master text styles</a:t>
+              <a:rPr lang="ru-RU"/>
+              <a:t>Образец текста</a:t>
             </a:r>
           </a:p>
         </p:txBody>
@@ -1210,9 +1590,9 @@
           <a:bodyPr/>
           <a:lstStyle/>
           <a:p>
-            <a:fld id="{1DBD9794-A4CC-42D0-9A65-24C6B9EF4076}" type="datetimeFigureOut">
+            <a:fld id="{4F6EE752-E018-4520-B985-F86648F3A91B}" type="datetime1">
               <a:rPr lang="en-US" smtClean="0"/>
-              <a:t>6/8/2022</a:t>
+              <a:t>6/10/2022</a:t>
             </a:fld>
             <a:endParaRPr lang="en-US"/>
           </a:p>
@@ -1263,19 +1643,20 @@
     </p:spTree>
     <p:extLst>
       <p:ext uri="{BB962C8B-B14F-4D97-AF65-F5344CB8AC3E}">
-        <p14:creationId xmlns:p14="http://schemas.microsoft.com/office/powerpoint/2010/main" val="2309467566"/>
+        <p14:creationId xmlns:p14="http://schemas.microsoft.com/office/powerpoint/2010/main" val="2047555910"/>
       </p:ext>
     </p:extLst>
   </p:cSld>
   <p:clrMapOvr>
     <a:masterClrMapping/>
   </p:clrMapOvr>
+  <p:hf hdr="0" ftr="0" dt="0"/>
 </p:sldLayout>
 </file>
 
 <file path=ppt/slideLayouts/slideLayout4.xml><?xml version="1.0" encoding="utf-8"?>
 <p:sldLayout xmlns:a="http://schemas.openxmlformats.org/drawingml/2006/main" xmlns:r="http://schemas.openxmlformats.org/officeDocument/2006/relationships" xmlns:p="http://schemas.openxmlformats.org/presentationml/2006/main" type="twoObj" preserve="1">
-  <p:cSld name="Two Content">
+  <p:cSld name="Два объекта">
     <p:spTree>
       <p:nvGrpSpPr>
         <p:cNvPr id="1" name=""/>
@@ -1306,8 +1687,8 @@
           <a:lstStyle/>
           <a:p>
             <a:r>
-              <a:rPr lang="en-US"/>
-              <a:t>Click to edit Master title style</a:t>
+              <a:rPr lang="ru-RU"/>
+              <a:t>Образец заголовка</a:t>
             </a:r>
             <a:endParaRPr lang="en-US" dirty="0"/>
           </a:p>
@@ -1325,8 +1706,8 @@
         </p:nvSpPr>
         <p:spPr>
           <a:xfrm>
-            <a:off x="628650" y="1825625"/>
-            <a:ext cx="3886200" cy="4351338"/>
+            <a:off x="838200" y="1825625"/>
+            <a:ext cx="5181600" cy="4351338"/>
           </a:xfrm>
         </p:spPr>
         <p:txBody>
@@ -1335,36 +1716,36 @@
           <a:p>
             <a:pPr lvl="0"/>
             <a:r>
-              <a:rPr lang="en-US"/>
-              <a:t>Click to edit Master text styles</a:t>
+              <a:rPr lang="ru-RU"/>
+              <a:t>Образец текста</a:t>
             </a:r>
           </a:p>
           <a:p>
             <a:pPr lvl="1"/>
             <a:r>
-              <a:rPr lang="en-US"/>
-              <a:t>Second level</a:t>
+              <a:rPr lang="ru-RU"/>
+              <a:t>Второй уровень</a:t>
             </a:r>
           </a:p>
           <a:p>
             <a:pPr lvl="2"/>
             <a:r>
-              <a:rPr lang="en-US"/>
-              <a:t>Third level</a:t>
+              <a:rPr lang="ru-RU"/>
+              <a:t>Третий уровень</a:t>
             </a:r>
           </a:p>
           <a:p>
             <a:pPr lvl="3"/>
             <a:r>
-              <a:rPr lang="en-US"/>
-              <a:t>Fourth level</a:t>
+              <a:rPr lang="ru-RU"/>
+              <a:t>Четвертый уровень</a:t>
             </a:r>
           </a:p>
           <a:p>
             <a:pPr lvl="4"/>
             <a:r>
-              <a:rPr lang="en-US"/>
-              <a:t>Fifth level</a:t>
+              <a:rPr lang="ru-RU"/>
+              <a:t>Пятый уровень</a:t>
             </a:r>
             <a:endParaRPr lang="en-US" dirty="0"/>
           </a:p>
@@ -1382,8 +1763,8 @@
         </p:nvSpPr>
         <p:spPr>
           <a:xfrm>
-            <a:off x="4629150" y="1825625"/>
-            <a:ext cx="3886200" cy="4351338"/>
+            <a:off x="6172200" y="1825625"/>
+            <a:ext cx="5181600" cy="4351338"/>
           </a:xfrm>
         </p:spPr>
         <p:txBody>
@@ -1392,36 +1773,36 @@
           <a:p>
             <a:pPr lvl="0"/>
             <a:r>
-              <a:rPr lang="en-US"/>
-              <a:t>Click to edit Master text styles</a:t>
+              <a:rPr lang="ru-RU"/>
+              <a:t>Образец текста</a:t>
             </a:r>
           </a:p>
           <a:p>
             <a:pPr lvl="1"/>
             <a:r>
-              <a:rPr lang="en-US"/>
-              <a:t>Second level</a:t>
+              <a:rPr lang="ru-RU"/>
+              <a:t>Второй уровень</a:t>
             </a:r>
           </a:p>
           <a:p>
             <a:pPr lvl="2"/>
             <a:r>
-              <a:rPr lang="en-US"/>
-              <a:t>Third level</a:t>
+              <a:rPr lang="ru-RU"/>
+              <a:t>Третий уровень</a:t>
             </a:r>
           </a:p>
           <a:p>
             <a:pPr lvl="3"/>
             <a:r>
-              <a:rPr lang="en-US"/>
-              <a:t>Fourth level</a:t>
+              <a:rPr lang="ru-RU"/>
+              <a:t>Четвертый уровень</a:t>
             </a:r>
           </a:p>
           <a:p>
             <a:pPr lvl="4"/>
             <a:r>
-              <a:rPr lang="en-US"/>
-              <a:t>Fifth level</a:t>
+              <a:rPr lang="ru-RU"/>
+              <a:t>Пятый уровень</a:t>
             </a:r>
             <a:endParaRPr lang="en-US" dirty="0"/>
           </a:p>
@@ -1442,9 +1823,9 @@
           <a:bodyPr/>
           <a:lstStyle/>
           <a:p>
-            <a:fld id="{1DBD9794-A4CC-42D0-9A65-24C6B9EF4076}" type="datetimeFigureOut">
+            <a:fld id="{4F6EE752-E018-4520-B985-F86648F3A91B}" type="datetime1">
               <a:rPr lang="en-US" smtClean="0"/>
-              <a:t>6/8/2022</a:t>
+              <a:t>6/10/2022</a:t>
             </a:fld>
             <a:endParaRPr lang="en-US"/>
           </a:p>
@@ -1495,19 +1876,20 @@
     </p:spTree>
     <p:extLst>
       <p:ext uri="{BB962C8B-B14F-4D97-AF65-F5344CB8AC3E}">
-        <p14:creationId xmlns:p14="http://schemas.microsoft.com/office/powerpoint/2010/main" val="2018750251"/>
+        <p14:creationId xmlns:p14="http://schemas.microsoft.com/office/powerpoint/2010/main" val="3007367480"/>
       </p:ext>
     </p:extLst>
   </p:cSld>
   <p:clrMapOvr>
     <a:masterClrMapping/>
   </p:clrMapOvr>
+  <p:hf hdr="0" ftr="0" dt="0"/>
 </p:sldLayout>
 </file>
 
 <file path=ppt/slideLayouts/slideLayout5.xml><?xml version="1.0" encoding="utf-8"?>
 <p:sldLayout xmlns:a="http://schemas.openxmlformats.org/drawingml/2006/main" xmlns:r="http://schemas.openxmlformats.org/officeDocument/2006/relationships" xmlns:p="http://schemas.openxmlformats.org/presentationml/2006/main" type="twoTxTwoObj" preserve="1">
-  <p:cSld name="Comparison">
+  <p:cSld name="Сравнение">
     <p:spTree>
       <p:nvGrpSpPr>
         <p:cNvPr id="1" name=""/>
@@ -1534,8 +1916,8 @@
         </p:nvSpPr>
         <p:spPr>
           <a:xfrm>
-            <a:off x="629841" y="365128"/>
-            <a:ext cx="7886700" cy="1325563"/>
+            <a:off x="839788" y="365125"/>
+            <a:ext cx="10515600" cy="1325563"/>
           </a:xfrm>
         </p:spPr>
         <p:txBody>
@@ -1543,8 +1925,8 @@
           <a:lstStyle/>
           <a:p>
             <a:r>
-              <a:rPr lang="en-US"/>
-              <a:t>Click to edit Master title style</a:t>
+              <a:rPr lang="ru-RU"/>
+              <a:t>Образец заголовка</a:t>
             </a:r>
             <a:endParaRPr lang="en-US" dirty="0"/>
           </a:p>
@@ -1562,8 +1944,8 @@
         </p:nvSpPr>
         <p:spPr>
           <a:xfrm>
-            <a:off x="629842" y="1681163"/>
-            <a:ext cx="3868340" cy="823912"/>
+            <a:off x="839788" y="1681163"/>
+            <a:ext cx="5157787" cy="823912"/>
           </a:xfrm>
         </p:spPr>
         <p:txBody>
@@ -1609,8 +1991,8 @@
           <a:p>
             <a:pPr lvl="0"/>
             <a:r>
-              <a:rPr lang="en-US"/>
-              <a:t>Click to edit Master text styles</a:t>
+              <a:rPr lang="ru-RU"/>
+              <a:t>Образец текста</a:t>
             </a:r>
           </a:p>
         </p:txBody>
@@ -1627,8 +2009,8 @@
         </p:nvSpPr>
         <p:spPr>
           <a:xfrm>
-            <a:off x="629842" y="2505075"/>
-            <a:ext cx="3868340" cy="3684588"/>
+            <a:off x="839788" y="2505075"/>
+            <a:ext cx="5157787" cy="3684588"/>
           </a:xfrm>
         </p:spPr>
         <p:txBody>
@@ -1637,36 +2019,36 @@
           <a:p>
             <a:pPr lvl="0"/>
             <a:r>
-              <a:rPr lang="en-US"/>
-              <a:t>Click to edit Master text styles</a:t>
+              <a:rPr lang="ru-RU"/>
+              <a:t>Образец текста</a:t>
             </a:r>
           </a:p>
           <a:p>
             <a:pPr lvl="1"/>
             <a:r>
-              <a:rPr lang="en-US"/>
-              <a:t>Second level</a:t>
+              <a:rPr lang="ru-RU"/>
+              <a:t>Второй уровень</a:t>
             </a:r>
           </a:p>
           <a:p>
             <a:pPr lvl="2"/>
             <a:r>
-              <a:rPr lang="en-US"/>
-              <a:t>Third level</a:t>
+              <a:rPr lang="ru-RU"/>
+              <a:t>Третий уровень</a:t>
             </a:r>
           </a:p>
           <a:p>
             <a:pPr lvl="3"/>
             <a:r>
-              <a:rPr lang="en-US"/>
-              <a:t>Fourth level</a:t>
+              <a:rPr lang="ru-RU"/>
+              <a:t>Четвертый уровень</a:t>
             </a:r>
           </a:p>
           <a:p>
             <a:pPr lvl="4"/>
             <a:r>
-              <a:rPr lang="en-US"/>
-              <a:t>Fifth level</a:t>
+              <a:rPr lang="ru-RU"/>
+              <a:t>Пятый уровень</a:t>
             </a:r>
             <a:endParaRPr lang="en-US" dirty="0"/>
           </a:p>
@@ -1684,8 +2066,8 @@
         </p:nvSpPr>
         <p:spPr>
           <a:xfrm>
-            <a:off x="4629151" y="1681163"/>
-            <a:ext cx="3887391" cy="823912"/>
+            <a:off x="6172200" y="1681163"/>
+            <a:ext cx="5183188" cy="823912"/>
           </a:xfrm>
         </p:spPr>
         <p:txBody>
@@ -1731,8 +2113,8 @@
           <a:p>
             <a:pPr lvl="0"/>
             <a:r>
-              <a:rPr lang="en-US"/>
-              <a:t>Click to edit Master text styles</a:t>
+              <a:rPr lang="ru-RU"/>
+              <a:t>Образец текста</a:t>
             </a:r>
           </a:p>
         </p:txBody>
@@ -1749,8 +2131,8 @@
         </p:nvSpPr>
         <p:spPr>
           <a:xfrm>
-            <a:off x="4629151" y="2505075"/>
-            <a:ext cx="3887391" cy="3684588"/>
+            <a:off x="6172200" y="2505075"/>
+            <a:ext cx="5183188" cy="3684588"/>
           </a:xfrm>
         </p:spPr>
         <p:txBody>
@@ -1759,36 +2141,36 @@
           <a:p>
             <a:pPr lvl="0"/>
             <a:r>
-              <a:rPr lang="en-US"/>
-              <a:t>Click to edit Master text styles</a:t>
+              <a:rPr lang="ru-RU"/>
+              <a:t>Образец текста</a:t>
             </a:r>
           </a:p>
           <a:p>
             <a:pPr lvl="1"/>
             <a:r>
-              <a:rPr lang="en-US"/>
-              <a:t>Second level</a:t>
+              <a:rPr lang="ru-RU"/>
+              <a:t>Второй уровень</a:t>
             </a:r>
           </a:p>
           <a:p>
             <a:pPr lvl="2"/>
             <a:r>
-              <a:rPr lang="en-US"/>
-              <a:t>Third level</a:t>
+              <a:rPr lang="ru-RU"/>
+              <a:t>Третий уровень</a:t>
             </a:r>
           </a:p>
           <a:p>
             <a:pPr lvl="3"/>
             <a:r>
-              <a:rPr lang="en-US"/>
-              <a:t>Fourth level</a:t>
+              <a:rPr lang="ru-RU"/>
+              <a:t>Четвертый уровень</a:t>
             </a:r>
           </a:p>
           <a:p>
             <a:pPr lvl="4"/>
             <a:r>
-              <a:rPr lang="en-US"/>
-              <a:t>Fifth level</a:t>
+              <a:rPr lang="ru-RU"/>
+              <a:t>Пятый уровень</a:t>
             </a:r>
             <a:endParaRPr lang="en-US" dirty="0"/>
           </a:p>
@@ -1809,9 +2191,9 @@
           <a:bodyPr/>
           <a:lstStyle/>
           <a:p>
-            <a:fld id="{1DBD9794-A4CC-42D0-9A65-24C6B9EF4076}" type="datetimeFigureOut">
+            <a:fld id="{4F6EE752-E018-4520-B985-F86648F3A91B}" type="datetime1">
               <a:rPr lang="en-US" smtClean="0"/>
-              <a:t>6/8/2022</a:t>
+              <a:t>6/10/2022</a:t>
             </a:fld>
             <a:endParaRPr lang="en-US"/>
           </a:p>
@@ -1862,19 +2244,20 @@
     </p:spTree>
     <p:extLst>
       <p:ext uri="{BB962C8B-B14F-4D97-AF65-F5344CB8AC3E}">
-        <p14:creationId xmlns:p14="http://schemas.microsoft.com/office/powerpoint/2010/main" val="2648137797"/>
+        <p14:creationId xmlns:p14="http://schemas.microsoft.com/office/powerpoint/2010/main" val="4003218280"/>
       </p:ext>
     </p:extLst>
   </p:cSld>
   <p:clrMapOvr>
     <a:masterClrMapping/>
   </p:clrMapOvr>
+  <p:hf hdr="0" ftr="0" dt="0"/>
 </p:sldLayout>
 </file>
 
 <file path=ppt/slideLayouts/slideLayout6.xml><?xml version="1.0" encoding="utf-8"?>
 <p:sldLayout xmlns:a="http://schemas.openxmlformats.org/drawingml/2006/main" xmlns:r="http://schemas.openxmlformats.org/officeDocument/2006/relationships" xmlns:p="http://schemas.openxmlformats.org/presentationml/2006/main" type="titleOnly" preserve="1">
-  <p:cSld name="Title Only">
+  <p:cSld name="Только заголовок">
     <p:spTree>
       <p:nvGrpSpPr>
         <p:cNvPr id="1" name=""/>
@@ -1905,8 +2288,8 @@
           <a:lstStyle/>
           <a:p>
             <a:r>
-              <a:rPr lang="en-US"/>
-              <a:t>Click to edit Master title style</a:t>
+              <a:rPr lang="ru-RU"/>
+              <a:t>Образец заголовка</a:t>
             </a:r>
             <a:endParaRPr lang="en-US" dirty="0"/>
           </a:p>
@@ -1927,9 +2310,9 @@
           <a:bodyPr/>
           <a:lstStyle/>
           <a:p>
-            <a:fld id="{1DBD9794-A4CC-42D0-9A65-24C6B9EF4076}" type="datetimeFigureOut">
+            <a:fld id="{4F6EE752-E018-4520-B985-F86648F3A91B}" type="datetime1">
               <a:rPr lang="en-US" smtClean="0"/>
-              <a:t>6/8/2022</a:t>
+              <a:t>6/10/2022</a:t>
             </a:fld>
             <a:endParaRPr lang="en-US"/>
           </a:p>
@@ -1980,19 +2363,20 @@
     </p:spTree>
     <p:extLst>
       <p:ext uri="{BB962C8B-B14F-4D97-AF65-F5344CB8AC3E}">
-        <p14:creationId xmlns:p14="http://schemas.microsoft.com/office/powerpoint/2010/main" val="2817867633"/>
+        <p14:creationId xmlns:p14="http://schemas.microsoft.com/office/powerpoint/2010/main" val="92895491"/>
       </p:ext>
     </p:extLst>
   </p:cSld>
   <p:clrMapOvr>
     <a:masterClrMapping/>
   </p:clrMapOvr>
+  <p:hf hdr="0" ftr="0" dt="0"/>
 </p:sldLayout>
 </file>
 
 <file path=ppt/slideLayouts/slideLayout7.xml><?xml version="1.0" encoding="utf-8"?>
 <p:sldLayout xmlns:a="http://schemas.openxmlformats.org/drawingml/2006/main" xmlns:r="http://schemas.openxmlformats.org/officeDocument/2006/relationships" xmlns:p="http://schemas.openxmlformats.org/presentationml/2006/main" type="blank" preserve="1">
-  <p:cSld name="Blank">
+  <p:cSld name="Пустой слайд">
     <p:spTree>
       <p:nvGrpSpPr>
         <p:cNvPr id="1" name=""/>
@@ -2022,9 +2406,9 @@
           <a:bodyPr/>
           <a:lstStyle/>
           <a:p>
-            <a:fld id="{1DBD9794-A4CC-42D0-9A65-24C6B9EF4076}" type="datetimeFigureOut">
+            <a:fld id="{4F6EE752-E018-4520-B985-F86648F3A91B}" type="datetime1">
               <a:rPr lang="en-US" smtClean="0"/>
-              <a:t>6/8/2022</a:t>
+              <a:t>6/10/2022</a:t>
             </a:fld>
             <a:endParaRPr lang="en-US"/>
           </a:p>
@@ -2075,19 +2459,20 @@
     </p:spTree>
     <p:extLst>
       <p:ext uri="{BB962C8B-B14F-4D97-AF65-F5344CB8AC3E}">
-        <p14:creationId xmlns:p14="http://schemas.microsoft.com/office/powerpoint/2010/main" val="1400246093"/>
+        <p14:creationId xmlns:p14="http://schemas.microsoft.com/office/powerpoint/2010/main" val="1300421731"/>
       </p:ext>
     </p:extLst>
   </p:cSld>
   <p:clrMapOvr>
     <a:masterClrMapping/>
   </p:clrMapOvr>
+  <p:hf hdr="0" ftr="0" dt="0"/>
 </p:sldLayout>
 </file>
 
 <file path=ppt/slideLayouts/slideLayout8.xml><?xml version="1.0" encoding="utf-8"?>
 <p:sldLayout xmlns:a="http://schemas.openxmlformats.org/drawingml/2006/main" xmlns:r="http://schemas.openxmlformats.org/officeDocument/2006/relationships" xmlns:p="http://schemas.openxmlformats.org/presentationml/2006/main" type="objTx" preserve="1">
-  <p:cSld name="Content with Caption">
+  <p:cSld name="Объект с подписью">
     <p:spTree>
       <p:nvGrpSpPr>
         <p:cNvPr id="1" name=""/>
@@ -2114,8 +2499,8 @@
         </p:nvSpPr>
         <p:spPr>
           <a:xfrm>
-            <a:off x="629841" y="457200"/>
-            <a:ext cx="2949178" cy="1600200"/>
+            <a:off x="839788" y="457200"/>
+            <a:ext cx="3932237" cy="1600200"/>
           </a:xfrm>
         </p:spPr>
         <p:txBody>
@@ -2127,8 +2512,8 @@
           </a:lstStyle>
           <a:p>
             <a:r>
-              <a:rPr lang="en-US"/>
-              <a:t>Click to edit Master title style</a:t>
+              <a:rPr lang="ru-RU"/>
+              <a:t>Образец заголовка</a:t>
             </a:r>
             <a:endParaRPr lang="en-US" dirty="0"/>
           </a:p>
@@ -2146,8 +2531,8 @@
         </p:nvSpPr>
         <p:spPr>
           <a:xfrm>
-            <a:off x="3887391" y="987428"/>
-            <a:ext cx="4629150" cy="4873625"/>
+            <a:off x="5183188" y="987425"/>
+            <a:ext cx="6172200" cy="4873625"/>
           </a:xfrm>
         </p:spPr>
         <p:txBody>
@@ -2184,36 +2569,36 @@
           <a:p>
             <a:pPr lvl="0"/>
             <a:r>
-              <a:rPr lang="en-US"/>
-              <a:t>Click to edit Master text styles</a:t>
+              <a:rPr lang="ru-RU"/>
+              <a:t>Образец текста</a:t>
             </a:r>
           </a:p>
           <a:p>
             <a:pPr lvl="1"/>
             <a:r>
-              <a:rPr lang="en-US"/>
-              <a:t>Second level</a:t>
+              <a:rPr lang="ru-RU"/>
+              <a:t>Второй уровень</a:t>
             </a:r>
           </a:p>
           <a:p>
             <a:pPr lvl="2"/>
             <a:r>
-              <a:rPr lang="en-US"/>
-              <a:t>Third level</a:t>
+              <a:rPr lang="ru-RU"/>
+              <a:t>Третий уровень</a:t>
             </a:r>
           </a:p>
           <a:p>
             <a:pPr lvl="3"/>
             <a:r>
-              <a:rPr lang="en-US"/>
-              <a:t>Fourth level</a:t>
+              <a:rPr lang="ru-RU"/>
+              <a:t>Четвертый уровень</a:t>
             </a:r>
           </a:p>
           <a:p>
             <a:pPr lvl="4"/>
             <a:r>
-              <a:rPr lang="en-US"/>
-              <a:t>Fifth level</a:t>
+              <a:rPr lang="ru-RU"/>
+              <a:t>Пятый уровень</a:t>
             </a:r>
             <a:endParaRPr lang="en-US" dirty="0"/>
           </a:p>
@@ -2231,8 +2616,8 @@
         </p:nvSpPr>
         <p:spPr>
           <a:xfrm>
-            <a:off x="629841" y="2057400"/>
-            <a:ext cx="2949178" cy="3811588"/>
+            <a:off x="839788" y="2057400"/>
+            <a:ext cx="3932237" cy="3811588"/>
           </a:xfrm>
         </p:spPr>
         <p:txBody>
@@ -2278,8 +2663,8 @@
           <a:p>
             <a:pPr lvl="0"/>
             <a:r>
-              <a:rPr lang="en-US"/>
-              <a:t>Click to edit Master text styles</a:t>
+              <a:rPr lang="ru-RU"/>
+              <a:t>Образец текста</a:t>
             </a:r>
           </a:p>
         </p:txBody>
@@ -2299,9 +2684,9 @@
           <a:bodyPr/>
           <a:lstStyle/>
           <a:p>
-            <a:fld id="{1DBD9794-A4CC-42D0-9A65-24C6B9EF4076}" type="datetimeFigureOut">
+            <a:fld id="{4F6EE752-E018-4520-B985-F86648F3A91B}" type="datetime1">
               <a:rPr lang="en-US" smtClean="0"/>
-              <a:t>6/8/2022</a:t>
+              <a:t>6/10/2022</a:t>
             </a:fld>
             <a:endParaRPr lang="en-US"/>
           </a:p>
@@ -2352,19 +2737,20 @@
     </p:spTree>
     <p:extLst>
       <p:ext uri="{BB962C8B-B14F-4D97-AF65-F5344CB8AC3E}">
-        <p14:creationId xmlns:p14="http://schemas.microsoft.com/office/powerpoint/2010/main" val="3354897087"/>
+        <p14:creationId xmlns:p14="http://schemas.microsoft.com/office/powerpoint/2010/main" val="3005048886"/>
       </p:ext>
     </p:extLst>
   </p:cSld>
   <p:clrMapOvr>
     <a:masterClrMapping/>
   </p:clrMapOvr>
+  <p:hf hdr="0" ftr="0" dt="0"/>
 </p:sldLayout>
 </file>
 
 <file path=ppt/slideLayouts/slideLayout9.xml><?xml version="1.0" encoding="utf-8"?>
 <p:sldLayout xmlns:a="http://schemas.openxmlformats.org/drawingml/2006/main" xmlns:r="http://schemas.openxmlformats.org/officeDocument/2006/relationships" xmlns:p="http://schemas.openxmlformats.org/presentationml/2006/main" type="picTx" preserve="1">
-  <p:cSld name="Picture with Caption">
+  <p:cSld name="Рисунок с подписью">
     <p:spTree>
       <p:nvGrpSpPr>
         <p:cNvPr id="1" name=""/>
@@ -2391,8 +2777,8 @@
         </p:nvSpPr>
         <p:spPr>
           <a:xfrm>
-            <a:off x="629841" y="457200"/>
-            <a:ext cx="2949178" cy="1600200"/>
+            <a:off x="839788" y="457200"/>
+            <a:ext cx="3932237" cy="1600200"/>
           </a:xfrm>
         </p:spPr>
         <p:txBody>
@@ -2404,8 +2790,8 @@
           </a:lstStyle>
           <a:p>
             <a:r>
-              <a:rPr lang="en-US"/>
-              <a:t>Click to edit Master title style</a:t>
+              <a:rPr lang="ru-RU"/>
+              <a:t>Образец заголовка</a:t>
             </a:r>
             <a:endParaRPr lang="en-US" dirty="0"/>
           </a:p>
@@ -2423,8 +2809,8 @@
         </p:nvSpPr>
         <p:spPr>
           <a:xfrm>
-            <a:off x="3887391" y="987428"/>
-            <a:ext cx="4629150" cy="4873625"/>
+            <a:off x="5183188" y="987425"/>
+            <a:ext cx="6172200" cy="4873625"/>
           </a:xfrm>
         </p:spPr>
         <p:txBody>
@@ -2469,8 +2855,8 @@
           </a:lstStyle>
           <a:p>
             <a:r>
-              <a:rPr lang="en-US"/>
-              <a:t>Click icon to add picture</a:t>
+              <a:rPr lang="ru-RU"/>
+              <a:t>Вставка рисунка</a:t>
             </a:r>
             <a:endParaRPr lang="en-US" dirty="0"/>
           </a:p>
@@ -2488,8 +2874,8 @@
         </p:nvSpPr>
         <p:spPr>
           <a:xfrm>
-            <a:off x="629841" y="2057400"/>
-            <a:ext cx="2949178" cy="3811588"/>
+            <a:off x="839788" y="2057400"/>
+            <a:ext cx="3932237" cy="3811588"/>
           </a:xfrm>
         </p:spPr>
         <p:txBody>
@@ -2535,8 +2921,8 @@
           <a:p>
             <a:pPr lvl="0"/>
             <a:r>
-              <a:rPr lang="en-US"/>
-              <a:t>Click to edit Master text styles</a:t>
+              <a:rPr lang="ru-RU"/>
+              <a:t>Образец текста</a:t>
             </a:r>
           </a:p>
         </p:txBody>
@@ -2556,9 +2942,9 @@
           <a:bodyPr/>
           <a:lstStyle/>
           <a:p>
-            <a:fld id="{1DBD9794-A4CC-42D0-9A65-24C6B9EF4076}" type="datetimeFigureOut">
+            <a:fld id="{4F6EE752-E018-4520-B985-F86648F3A91B}" type="datetime1">
               <a:rPr lang="en-US" smtClean="0"/>
-              <a:t>6/8/2022</a:t>
+              <a:t>6/10/2022</a:t>
             </a:fld>
             <a:endParaRPr lang="en-US"/>
           </a:p>
@@ -2609,13 +2995,14 @@
     </p:spTree>
     <p:extLst>
       <p:ext uri="{BB962C8B-B14F-4D97-AF65-F5344CB8AC3E}">
-        <p14:creationId xmlns:p14="http://schemas.microsoft.com/office/powerpoint/2010/main" val="2508639507"/>
+        <p14:creationId xmlns:p14="http://schemas.microsoft.com/office/powerpoint/2010/main" val="2877876376"/>
       </p:ext>
     </p:extLst>
   </p:cSld>
   <p:clrMapOvr>
     <a:masterClrMapping/>
   </p:clrMapOvr>
+  <p:hf hdr="0" ftr="0" dt="0"/>
 </p:sldLayout>
 </file>
 
@@ -2643,14 +3030,234 @@
       </p:grpSpPr>
       <p:sp>
         <p:nvSpPr>
-          <p:cNvPr id="34" name="Rectangle 33"/>
+          <p:cNvPr id="2" name="Title Placeholder 1"/>
+          <p:cNvSpPr>
+            <a:spLocks noGrp="1"/>
+          </p:cNvSpPr>
+          <p:nvPr>
+            <p:ph type="title"/>
+          </p:nvPr>
+        </p:nvSpPr>
+        <p:spPr>
+          <a:xfrm>
+            <a:off x="838200" y="365125"/>
+            <a:ext cx="10515600" cy="1325563"/>
+          </a:xfrm>
+          <a:prstGeom prst="rect">
+            <a:avLst/>
+          </a:prstGeom>
+        </p:spPr>
+        <p:txBody>
+          <a:bodyPr vert="horz" lIns="91440" tIns="45720" rIns="91440" bIns="45720" rtlCol="0" anchor="ctr">
+            <a:normAutofit/>
+          </a:bodyPr>
+          <a:lstStyle/>
+          <a:p>
+            <a:r>
+              <a:rPr lang="ru-RU"/>
+              <a:t>Образец заголовка</a:t>
+            </a:r>
+            <a:endParaRPr lang="en-US" dirty="0"/>
+          </a:p>
+        </p:txBody>
+      </p:sp>
+      <p:sp>
+        <p:nvSpPr>
+          <p:cNvPr id="3" name="Text Placeholder 2"/>
+          <p:cNvSpPr>
+            <a:spLocks noGrp="1"/>
+          </p:cNvSpPr>
+          <p:nvPr>
+            <p:ph type="body" idx="1"/>
+          </p:nvPr>
+        </p:nvSpPr>
+        <p:spPr>
+          <a:xfrm>
+            <a:off x="838200" y="1825625"/>
+            <a:ext cx="10515600" cy="4351338"/>
+          </a:xfrm>
+          <a:prstGeom prst="rect">
+            <a:avLst/>
+          </a:prstGeom>
+        </p:spPr>
+        <p:txBody>
+          <a:bodyPr vert="horz" lIns="91440" tIns="45720" rIns="91440" bIns="45720" rtlCol="0">
+            <a:normAutofit/>
+          </a:bodyPr>
+          <a:lstStyle/>
+          <a:p>
+            <a:pPr lvl="0"/>
+            <a:r>
+              <a:rPr lang="ru-RU"/>
+              <a:t>Образец текста</a:t>
+            </a:r>
+          </a:p>
+          <a:p>
+            <a:pPr lvl="1"/>
+            <a:r>
+              <a:rPr lang="ru-RU"/>
+              <a:t>Второй уровень</a:t>
+            </a:r>
+          </a:p>
+          <a:p>
+            <a:pPr lvl="2"/>
+            <a:r>
+              <a:rPr lang="ru-RU"/>
+              <a:t>Третий уровень</a:t>
+            </a:r>
+          </a:p>
+          <a:p>
+            <a:pPr lvl="3"/>
+            <a:r>
+              <a:rPr lang="ru-RU"/>
+              <a:t>Четвертый уровень</a:t>
+            </a:r>
+          </a:p>
+          <a:p>
+            <a:pPr lvl="4"/>
+            <a:r>
+              <a:rPr lang="ru-RU"/>
+              <a:t>Пятый уровень</a:t>
+            </a:r>
+            <a:endParaRPr lang="en-US" dirty="0"/>
+          </a:p>
+        </p:txBody>
+      </p:sp>
+      <p:sp>
+        <p:nvSpPr>
+          <p:cNvPr id="4" name="Date Placeholder 3"/>
+          <p:cNvSpPr>
+            <a:spLocks noGrp="1"/>
+          </p:cNvSpPr>
+          <p:nvPr>
+            <p:ph type="dt" sz="half" idx="2"/>
+          </p:nvPr>
+        </p:nvSpPr>
+        <p:spPr>
+          <a:xfrm>
+            <a:off x="838200" y="6356350"/>
+            <a:ext cx="2743200" cy="365125"/>
+          </a:xfrm>
+          <a:prstGeom prst="rect">
+            <a:avLst/>
+          </a:prstGeom>
+        </p:spPr>
+        <p:txBody>
+          <a:bodyPr vert="horz" lIns="91440" tIns="45720" rIns="91440" bIns="45720" rtlCol="0" anchor="ctr"/>
+          <a:lstStyle>
+            <a:lvl1pPr algn="l">
+              <a:defRPr sz="1200">
+                <a:solidFill>
+                  <a:schemeClr val="tx1">
+                    <a:tint val="75000"/>
+                  </a:schemeClr>
+                </a:solidFill>
+              </a:defRPr>
+            </a:lvl1pPr>
+          </a:lstStyle>
+          <a:p>
+            <a:fld id="{4F6EE752-E018-4520-B985-F86648F3A91B}" type="datetime1">
+              <a:rPr lang="en-US" smtClean="0"/>
+              <a:t>6/10/2022</a:t>
+            </a:fld>
+            <a:endParaRPr lang="en-US"/>
+          </a:p>
+        </p:txBody>
+      </p:sp>
+      <p:sp>
+        <p:nvSpPr>
+          <p:cNvPr id="5" name="Footer Placeholder 4"/>
+          <p:cNvSpPr>
+            <a:spLocks noGrp="1"/>
+          </p:cNvSpPr>
+          <p:nvPr>
+            <p:ph type="ftr" sz="quarter" idx="3"/>
+          </p:nvPr>
+        </p:nvSpPr>
+        <p:spPr>
+          <a:xfrm>
+            <a:off x="4038600" y="6356350"/>
+            <a:ext cx="4114800" cy="365125"/>
+          </a:xfrm>
+          <a:prstGeom prst="rect">
+            <a:avLst/>
+          </a:prstGeom>
+        </p:spPr>
+        <p:txBody>
+          <a:bodyPr vert="horz" lIns="91440" tIns="45720" rIns="91440" bIns="45720" rtlCol="0" anchor="ctr"/>
+          <a:lstStyle>
+            <a:lvl1pPr algn="ctr">
+              <a:defRPr sz="1200">
+                <a:solidFill>
+                  <a:schemeClr val="tx1">
+                    <a:tint val="75000"/>
+                  </a:schemeClr>
+                </a:solidFill>
+              </a:defRPr>
+            </a:lvl1pPr>
+          </a:lstStyle>
+          <a:p>
+            <a:endParaRPr lang="en-US"/>
+          </a:p>
+        </p:txBody>
+      </p:sp>
+      <p:sp>
+        <p:nvSpPr>
+          <p:cNvPr id="6" name="Slide Number Placeholder 5"/>
+          <p:cNvSpPr>
+            <a:spLocks noGrp="1"/>
+          </p:cNvSpPr>
+          <p:nvPr>
+            <p:ph type="sldNum" sz="quarter" idx="4"/>
+          </p:nvPr>
+        </p:nvSpPr>
+        <p:spPr>
+          <a:xfrm>
+            <a:off x="8610600" y="6356350"/>
+            <a:ext cx="2743200" cy="365125"/>
+          </a:xfrm>
+          <a:prstGeom prst="rect">
+            <a:avLst/>
+          </a:prstGeom>
+        </p:spPr>
+        <p:txBody>
+          <a:bodyPr vert="horz" lIns="91440" tIns="45720" rIns="91440" bIns="45720" rtlCol="0" anchor="ctr"/>
+          <a:lstStyle>
+            <a:lvl1pPr algn="r">
+              <a:defRPr sz="1200">
+                <a:solidFill>
+                  <a:schemeClr val="tx1">
+                    <a:tint val="75000"/>
+                  </a:schemeClr>
+                </a:solidFill>
+              </a:defRPr>
+            </a:lvl1pPr>
+          </a:lstStyle>
+          <a:p>
+            <a:fld id="{1FE8DF1E-33BB-4377-9A26-35481BA06C7C}" type="slidenum">
+              <a:rPr lang="en-US" smtClean="0"/>
+              <a:t>‹#›</a:t>
+            </a:fld>
+            <a:endParaRPr lang="en-US"/>
+          </a:p>
+        </p:txBody>
+      </p:sp>
+      <p:sp>
+        <p:nvSpPr>
+          <p:cNvPr id="7" name="Rectangle 33">
+            <a:extLst>
+              <a:ext uri="{FF2B5EF4-FFF2-40B4-BE49-F238E27FC236}">
+                <a16:creationId xmlns:a16="http://schemas.microsoft.com/office/drawing/2014/main" id="{C804D7B6-754C-4A58-8F7A-E9DD10C5C28B}"/>
+              </a:ext>
+            </a:extLst>
+          </p:cNvPr>
           <p:cNvSpPr/>
           <p:nvPr userDrawn="1"/>
         </p:nvSpPr>
         <p:spPr>
           <a:xfrm>
             <a:off x="0" y="0"/>
-            <a:ext cx="9144000" cy="6858000"/>
+            <a:ext cx="12192000" cy="6858000"/>
           </a:xfrm>
           <a:prstGeom prst="rect">
             <a:avLst/>
@@ -2703,226 +3310,19 @@
           <a:lstStyle/>
           <a:p>
             <a:pPr algn="ctr"/>
-            <a:endParaRPr lang="en-US"/>
-          </a:p>
-        </p:txBody>
-      </p:sp>
-      <p:sp>
-        <p:nvSpPr>
-          <p:cNvPr id="3" name="Text Placeholder 2"/>
-          <p:cNvSpPr>
-            <a:spLocks noGrp="1"/>
-          </p:cNvSpPr>
-          <p:nvPr>
-            <p:ph type="body" idx="1"/>
-          </p:nvPr>
-        </p:nvSpPr>
-        <p:spPr>
-          <a:xfrm>
-            <a:off x="645459" y="1287254"/>
-            <a:ext cx="7869890" cy="4889709"/>
-          </a:xfrm>
-          <a:prstGeom prst="rect">
-            <a:avLst/>
-          </a:prstGeom>
-        </p:spPr>
-        <p:txBody>
-          <a:bodyPr vert="horz" lIns="91440" tIns="45720" rIns="91440" bIns="45720" rtlCol="0">
-            <a:normAutofit/>
-          </a:bodyPr>
-          <a:lstStyle/>
-          <a:p>
-            <a:pPr lvl="0"/>
-            <a:r>
-              <a:rPr lang="en-US" dirty="0"/>
-              <a:t>Click to edit Master text styles</a:t>
-            </a:r>
-          </a:p>
-          <a:p>
-            <a:pPr lvl="1"/>
-            <a:r>
-              <a:rPr lang="en-US" dirty="0"/>
-              <a:t>Second level</a:t>
-            </a:r>
-          </a:p>
-          <a:p>
-            <a:pPr lvl="2"/>
-            <a:r>
-              <a:rPr lang="en-US" dirty="0"/>
-              <a:t>Third level</a:t>
-            </a:r>
-          </a:p>
-          <a:p>
-            <a:pPr lvl="3"/>
-            <a:r>
-              <a:rPr lang="en-US" dirty="0"/>
-              <a:t>Fourth level</a:t>
-            </a:r>
-          </a:p>
-          <a:p>
-            <a:pPr lvl="4"/>
-            <a:r>
-              <a:rPr lang="en-US" dirty="0"/>
-              <a:t>Fifth level</a:t>
-            </a:r>
-          </a:p>
-        </p:txBody>
-      </p:sp>
-      <p:sp>
-        <p:nvSpPr>
-          <p:cNvPr id="4" name="Date Placeholder 3"/>
-          <p:cNvSpPr>
-            <a:spLocks noGrp="1"/>
-          </p:cNvSpPr>
-          <p:nvPr>
-            <p:ph type="dt" sz="half" idx="2"/>
-          </p:nvPr>
-        </p:nvSpPr>
-        <p:spPr>
-          <a:xfrm>
-            <a:off x="628650" y="6356353"/>
-            <a:ext cx="2057400" cy="365125"/>
-          </a:xfrm>
-          <a:prstGeom prst="rect">
-            <a:avLst/>
-          </a:prstGeom>
-        </p:spPr>
-        <p:txBody>
-          <a:bodyPr vert="horz" lIns="91440" tIns="45720" rIns="91440" bIns="45720" rtlCol="0" anchor="ctr"/>
-          <a:lstStyle>
-            <a:lvl1pPr algn="l">
-              <a:defRPr sz="1200">
-                <a:solidFill>
-                  <a:schemeClr val="tx1">
-                    <a:tint val="75000"/>
-                  </a:schemeClr>
-                </a:solidFill>
-              </a:defRPr>
-            </a:lvl1pPr>
-          </a:lstStyle>
-          <a:p>
-            <a:fld id="{1DBD9794-A4CC-42D0-9A65-24C6B9EF4076}" type="datetimeFigureOut">
-              <a:rPr lang="en-US" smtClean="0"/>
-              <a:t>6/8/2022</a:t>
-            </a:fld>
-            <a:endParaRPr lang="en-US"/>
-          </a:p>
-        </p:txBody>
-      </p:sp>
-      <p:sp>
-        <p:nvSpPr>
-          <p:cNvPr id="5" name="Footer Placeholder 4"/>
-          <p:cNvSpPr>
-            <a:spLocks noGrp="1"/>
-          </p:cNvSpPr>
-          <p:nvPr>
-            <p:ph type="ftr" sz="quarter" idx="3"/>
-          </p:nvPr>
-        </p:nvSpPr>
-        <p:spPr>
-          <a:xfrm>
-            <a:off x="3028950" y="6356353"/>
-            <a:ext cx="3086100" cy="365125"/>
-          </a:xfrm>
-          <a:prstGeom prst="rect">
-            <a:avLst/>
-          </a:prstGeom>
-        </p:spPr>
-        <p:txBody>
-          <a:bodyPr vert="horz" lIns="91440" tIns="45720" rIns="91440" bIns="45720" rtlCol="0" anchor="ctr"/>
-          <a:lstStyle>
-            <a:lvl1pPr algn="ctr">
-              <a:defRPr sz="1200">
-                <a:solidFill>
-                  <a:schemeClr val="tx1">
-                    <a:tint val="75000"/>
-                  </a:schemeClr>
-                </a:solidFill>
-              </a:defRPr>
-            </a:lvl1pPr>
-          </a:lstStyle>
-          <a:p>
-            <a:endParaRPr lang="en-US"/>
-          </a:p>
-        </p:txBody>
-      </p:sp>
-      <p:sp>
-        <p:nvSpPr>
-          <p:cNvPr id="6" name="Slide Number Placeholder 5"/>
-          <p:cNvSpPr>
-            <a:spLocks noGrp="1"/>
-          </p:cNvSpPr>
-          <p:nvPr>
-            <p:ph type="sldNum" sz="quarter" idx="4"/>
-          </p:nvPr>
-        </p:nvSpPr>
-        <p:spPr>
-          <a:xfrm>
-            <a:off x="6457950" y="6356353"/>
-            <a:ext cx="2057400" cy="365125"/>
-          </a:xfrm>
-          <a:prstGeom prst="rect">
-            <a:avLst/>
-          </a:prstGeom>
-        </p:spPr>
-        <p:txBody>
-          <a:bodyPr vert="horz" lIns="91440" tIns="45720" rIns="91440" bIns="45720" rtlCol="0" anchor="ctr"/>
-          <a:lstStyle>
-            <a:lvl1pPr algn="r">
-              <a:defRPr sz="1200">
-                <a:solidFill>
-                  <a:schemeClr val="tx1">
-                    <a:tint val="75000"/>
-                  </a:schemeClr>
-                </a:solidFill>
-              </a:defRPr>
-            </a:lvl1pPr>
-          </a:lstStyle>
-          <a:p>
-            <a:fld id="{1FE8DF1E-33BB-4377-9A26-35481BA06C7C}" type="slidenum">
-              <a:rPr lang="en-US" smtClean="0"/>
-              <a:t>‹#›</a:t>
-            </a:fld>
-            <a:endParaRPr lang="en-US"/>
-          </a:p>
-        </p:txBody>
-      </p:sp>
-      <p:sp>
-        <p:nvSpPr>
-          <p:cNvPr id="2" name="Title Placeholder 1"/>
-          <p:cNvSpPr>
-            <a:spLocks noGrp="1"/>
-          </p:cNvSpPr>
-          <p:nvPr>
-            <p:ph type="title"/>
-          </p:nvPr>
-        </p:nvSpPr>
-        <p:spPr>
-          <a:xfrm>
-            <a:off x="645459" y="163208"/>
-            <a:ext cx="7869890" cy="998742"/>
-          </a:xfrm>
-          <a:prstGeom prst="rect">
-            <a:avLst/>
-          </a:prstGeom>
-          <a:noFill/>
-        </p:spPr>
-        <p:txBody>
-          <a:bodyPr vert="horz" lIns="91440" tIns="45720" rIns="91440" bIns="45720" rtlCol="0" anchor="ctr">
-            <a:normAutofit/>
-          </a:bodyPr>
-          <a:lstStyle/>
-          <a:p>
-            <a:r>
-              <a:rPr lang="en-US" dirty="0"/>
-              <a:t>Click to edit Master title style</a:t>
-            </a:r>
+            <a:endParaRPr lang="en-US" sz="1800"/>
           </a:p>
         </p:txBody>
       </p:sp>
       <p:pic>
         <p:nvPicPr>
-          <p:cNvPr id="31" name="Picture 30"/>
+          <p:cNvPr id="8" name="Picture 30">
+            <a:extLst>
+              <a:ext uri="{FF2B5EF4-FFF2-40B4-BE49-F238E27FC236}">
+                <a16:creationId xmlns:a16="http://schemas.microsoft.com/office/drawing/2014/main" id="{0C000D0E-B1E0-4A17-BDC7-04E170A11462}"/>
+              </a:ext>
+            </a:extLst>
+          </p:cNvPr>
           <p:cNvPicPr>
             <a:picLocks noChangeAspect="1"/>
           </p:cNvPicPr>
@@ -2942,8 +3342,8 @@
         </p:blipFill>
         <p:spPr>
           <a:xfrm>
-            <a:off x="5964226" y="4743450"/>
-            <a:ext cx="3179774" cy="2114550"/>
+            <a:off x="7952301" y="4743450"/>
+            <a:ext cx="4239699" cy="2114550"/>
           </a:xfrm>
           <a:prstGeom prst="rect">
             <a:avLst/>
@@ -2952,14 +3352,20 @@
       </p:pic>
       <p:sp>
         <p:nvSpPr>
-          <p:cNvPr id="32" name="Rectangle 31"/>
+          <p:cNvPr id="9" name="Rectangle 31">
+            <a:extLst>
+              <a:ext uri="{FF2B5EF4-FFF2-40B4-BE49-F238E27FC236}">
+                <a16:creationId xmlns:a16="http://schemas.microsoft.com/office/drawing/2014/main" id="{14D7E584-FDA5-4291-BEA7-B19703C4BC31}"/>
+              </a:ext>
+            </a:extLst>
+          </p:cNvPr>
           <p:cNvSpPr/>
           <p:nvPr userDrawn="1"/>
         </p:nvSpPr>
         <p:spPr>
           <a:xfrm>
-            <a:off x="5964226" y="4743450"/>
-            <a:ext cx="3179774" cy="2114550"/>
+            <a:off x="7952301" y="4743450"/>
+            <a:ext cx="4239699" cy="2114550"/>
           </a:xfrm>
           <a:prstGeom prst="rect">
             <a:avLst/>
@@ -3008,20 +3414,26 @@
           <a:lstStyle/>
           <a:p>
             <a:pPr algn="ctr"/>
-            <a:endParaRPr lang="en-US"/>
-          </a:p>
-        </p:txBody>
-      </p:sp>
-      <p:sp>
-        <p:nvSpPr>
-          <p:cNvPr id="33" name="Rectangle 32"/>
+            <a:endParaRPr lang="en-US" sz="1800"/>
+          </a:p>
+        </p:txBody>
+      </p:sp>
+      <p:sp>
+        <p:nvSpPr>
+          <p:cNvPr id="10" name="Rectangle 32">
+            <a:extLst>
+              <a:ext uri="{FF2B5EF4-FFF2-40B4-BE49-F238E27FC236}">
+                <a16:creationId xmlns:a16="http://schemas.microsoft.com/office/drawing/2014/main" id="{E58E3851-503F-4BB6-BC2B-3E10B8C1A37A}"/>
+              </a:ext>
+            </a:extLst>
+          </p:cNvPr>
           <p:cNvSpPr/>
           <p:nvPr userDrawn="1"/>
         </p:nvSpPr>
         <p:spPr>
           <a:xfrm rot="16200000">
-            <a:off x="5964226" y="4743450"/>
-            <a:ext cx="2114550" cy="2114550"/>
+            <a:off x="8304726" y="4391025"/>
+            <a:ext cx="2114550" cy="2819400"/>
           </a:xfrm>
           <a:prstGeom prst="rect">
             <a:avLst/>
@@ -3070,20 +3482,26 @@
           <a:lstStyle/>
           <a:p>
             <a:pPr algn="ctr"/>
-            <a:endParaRPr lang="en-US"/>
-          </a:p>
-        </p:txBody>
-      </p:sp>
-      <p:sp>
-        <p:nvSpPr>
-          <p:cNvPr id="35" name="Rectangle 34"/>
+            <a:endParaRPr lang="en-US" sz="1800"/>
+          </a:p>
+        </p:txBody>
+      </p:sp>
+      <p:sp>
+        <p:nvSpPr>
+          <p:cNvPr id="11" name="Rectangle 34">
+            <a:extLst>
+              <a:ext uri="{FF2B5EF4-FFF2-40B4-BE49-F238E27FC236}">
+                <a16:creationId xmlns:a16="http://schemas.microsoft.com/office/drawing/2014/main" id="{E9C937EE-11DD-4A3C-A309-54D566785C14}"/>
+              </a:ext>
+            </a:extLst>
+          </p:cNvPr>
           <p:cNvSpPr/>
           <p:nvPr userDrawn="1"/>
         </p:nvSpPr>
         <p:spPr>
           <a:xfrm rot="10800000">
-            <a:off x="5964225" y="2628898"/>
-            <a:ext cx="3179774" cy="2114550"/>
+            <a:off x="7952300" y="2628898"/>
+            <a:ext cx="4239699" cy="2114550"/>
           </a:xfrm>
           <a:prstGeom prst="rect">
             <a:avLst/>
@@ -3132,31 +3550,32 @@
           <a:lstStyle/>
           <a:p>
             <a:pPr algn="ctr"/>
-            <a:endParaRPr lang="en-US"/>
+            <a:endParaRPr lang="en-US" sz="1800"/>
           </a:p>
         </p:txBody>
       </p:sp>
     </p:spTree>
     <p:extLst>
       <p:ext uri="{BB962C8B-B14F-4D97-AF65-F5344CB8AC3E}">
-        <p14:creationId xmlns:p14="http://schemas.microsoft.com/office/powerpoint/2010/main" val="1223321422"/>
+        <p14:creationId xmlns:p14="http://schemas.microsoft.com/office/powerpoint/2010/main" val="2303086958"/>
       </p:ext>
     </p:extLst>
   </p:cSld>
   <p:clrMap bg1="lt1" tx1="dk1" bg2="lt2" tx2="dk2" accent1="accent1" accent2="accent2" accent3="accent3" accent4="accent4" accent5="accent5" accent6="accent6" hlink="hlink" folHlink="folHlink"/>
   <p:sldLayoutIdLst>
-    <p:sldLayoutId id="2147483661" r:id="rId1"/>
-    <p:sldLayoutId id="2147483662" r:id="rId2"/>
-    <p:sldLayoutId id="2147483663" r:id="rId3"/>
-    <p:sldLayoutId id="2147483664" r:id="rId4"/>
-    <p:sldLayoutId id="2147483665" r:id="rId5"/>
-    <p:sldLayoutId id="2147483666" r:id="rId6"/>
-    <p:sldLayoutId id="2147483667" r:id="rId7"/>
-    <p:sldLayoutId id="2147483668" r:id="rId8"/>
-    <p:sldLayoutId id="2147483669" r:id="rId9"/>
-    <p:sldLayoutId id="2147483670" r:id="rId10"/>
-    <p:sldLayoutId id="2147483671" r:id="rId11"/>
+    <p:sldLayoutId id="2147483673" r:id="rId1"/>
+    <p:sldLayoutId id="2147483674" r:id="rId2"/>
+    <p:sldLayoutId id="2147483675" r:id="rId3"/>
+    <p:sldLayoutId id="2147483676" r:id="rId4"/>
+    <p:sldLayoutId id="2147483677" r:id="rId5"/>
+    <p:sldLayoutId id="2147483678" r:id="rId6"/>
+    <p:sldLayoutId id="2147483679" r:id="rId7"/>
+    <p:sldLayoutId id="2147483680" r:id="rId8"/>
+    <p:sldLayoutId id="2147483681" r:id="rId9"/>
+    <p:sldLayoutId id="2147483682" r:id="rId10"/>
+    <p:sldLayoutId id="2147483683" r:id="rId11"/>
   </p:sldLayoutIdLst>
+  <p:hf hdr="0" ftr="0" dt="0"/>
   <p:txStyles>
     <p:titleStyle>
       <a:lvl1pPr algn="l" defTabSz="914400" rtl="0" eaLnBrk="1" latinLnBrk="0" hangingPunct="1">
@@ -3167,11 +3586,11 @@
           <a:spcPct val="0"/>
         </a:spcBef>
         <a:buNone/>
-        <a:defRPr sz="4000" kern="1200">
+        <a:defRPr sz="4400" kern="1200">
           <a:solidFill>
             <a:schemeClr val="tx1"/>
           </a:solidFill>
-          <a:latin typeface="+mn-lt"/>
+          <a:latin typeface="+mj-lt"/>
           <a:ea typeface="+mj-ea"/>
           <a:cs typeface="+mj-cs"/>
         </a:defRPr>
@@ -3487,13 +3906,76 @@
         <p:spPr>
           <a:xfrm>
             <a:off x="0" y="0"/>
-            <a:ext cx="9144000" cy="6858000"/>
+            <a:ext cx="12192000" cy="6858000"/>
           </a:xfrm>
           <a:prstGeom prst="rect">
             <a:avLst/>
           </a:prstGeom>
         </p:spPr>
       </p:pic>
+      <p:sp>
+        <p:nvSpPr>
+          <p:cNvPr id="8" name="Заголовок 1">
+            <a:extLst>
+              <a:ext uri="{FF2B5EF4-FFF2-40B4-BE49-F238E27FC236}">
+                <a16:creationId xmlns:a16="http://schemas.microsoft.com/office/drawing/2014/main" id="{9C6FCD04-C1D3-48C4-8E87-216A9FC28BF4}"/>
+              </a:ext>
+            </a:extLst>
+          </p:cNvPr>
+          <p:cNvSpPr>
+            <a:spLocks noGrp="1"/>
+          </p:cNvSpPr>
+          <p:nvPr>
+            <p:ph type="ctrTitle"/>
+          </p:nvPr>
+        </p:nvSpPr>
+        <p:spPr>
+          <a:xfrm>
+            <a:off x="2447323" y="576404"/>
+            <a:ext cx="7772400" cy="476027"/>
+          </a:xfrm>
+          <a:solidFill>
+            <a:schemeClr val="bg1">
+              <a:alpha val="52000"/>
+            </a:schemeClr>
+          </a:solidFill>
+          <a:ln>
+            <a:noFill/>
+          </a:ln>
+        </p:spPr>
+        <p:style>
+          <a:lnRef idx="2">
+            <a:schemeClr val="dk1"/>
+          </a:lnRef>
+          <a:fillRef idx="1">
+            <a:schemeClr val="lt1"/>
+          </a:fillRef>
+          <a:effectRef idx="0">
+            <a:schemeClr val="dk1"/>
+          </a:effectRef>
+          <a:fontRef idx="minor">
+            <a:schemeClr val="dk1"/>
+          </a:fontRef>
+        </p:style>
+        <p:txBody>
+          <a:bodyPr anchor="ctr">
+            <a:normAutofit fontScale="90000"/>
+          </a:bodyPr>
+          <a:lstStyle/>
+          <a:p>
+            <a:r>
+              <a:rPr lang="ru-RU" sz="3200" dirty="0">
+                <a:solidFill>
+                  <a:schemeClr val="tx1"/>
+                </a:solidFill>
+                <a:latin typeface="Arial" panose="020B0604020202020204" pitchFamily="34" charset="0"/>
+                <a:cs typeface="Arial" panose="020B0604020202020204" pitchFamily="34" charset="0"/>
+              </a:rPr>
+              <a:t>Выпускная квалификационная работа</a:t>
+            </a:r>
+          </a:p>
+        </p:txBody>
+      </p:sp>
       <p:sp>
         <p:nvSpPr>
           <p:cNvPr id="5" name="Подзаголовок 2">
@@ -3512,7 +3994,7 @@
         </p:nvSpPr>
         <p:spPr>
           <a:xfrm>
-            <a:off x="3539358" y="5400136"/>
+            <a:off x="5063359" y="5400136"/>
             <a:ext cx="5604641" cy="1457864"/>
           </a:xfrm>
           <a:solidFill>
@@ -3623,7 +4105,7 @@
         </p:nvSpPr>
         <p:spPr>
           <a:xfrm>
-            <a:off x="1000685" y="2484411"/>
+            <a:off x="2524685" y="2484411"/>
             <a:ext cx="7772400" cy="1792034"/>
           </a:xfrm>
           <a:prstGeom prst="rect">
@@ -3761,7 +4243,6 @@
             <a:pPr algn="ctr"/>
             <a:r>
               <a:rPr lang="ru-RU" sz="3200" dirty="0">
-                <a:effectLst/>
                 <a:latin typeface="Arial" panose="020B0604020202020204" pitchFamily="34" charset="0"/>
                 <a:ea typeface="Times New Roman" panose="02020603050405020304" pitchFamily="18" charset="0"/>
                 <a:cs typeface="Arial" panose="020B0604020202020204" pitchFamily="34" charset="0"/>
@@ -3770,7 +4251,6 @@
             </a:r>
             <a:br>
               <a:rPr lang="ru-RU" sz="3200" dirty="0">
-                <a:effectLst/>
                 <a:latin typeface="Arial" panose="020B0604020202020204" pitchFamily="34" charset="0"/>
                 <a:ea typeface="Times New Roman" panose="02020603050405020304" pitchFamily="18" charset="0"/>
                 <a:cs typeface="Arial" panose="020B0604020202020204" pitchFamily="34" charset="0"/>
@@ -3778,7 +4258,6 @@
             </a:br>
             <a:r>
               <a:rPr lang="ru-RU" sz="3200" dirty="0">
-                <a:effectLst/>
                 <a:latin typeface="Arial" panose="020B0604020202020204" pitchFamily="34" charset="0"/>
                 <a:ea typeface="Times New Roman" panose="02020603050405020304" pitchFamily="18" charset="0"/>
                 <a:cs typeface="Arial" panose="020B0604020202020204" pitchFamily="34" charset="0"/>
@@ -3792,12 +4271,42 @@
           </a:p>
         </p:txBody>
       </p:sp>
-      <p:sp>
-        <p:nvSpPr>
-          <p:cNvPr id="8" name="Заголовок 1">
+    </p:spTree>
+    <p:extLst>
+      <p:ext uri="{BB962C8B-B14F-4D97-AF65-F5344CB8AC3E}">
+        <p14:creationId xmlns:p14="http://schemas.microsoft.com/office/powerpoint/2010/main" val="2480652117"/>
+      </p:ext>
+    </p:extLst>
+  </p:cSld>
+  <p:clrMapOvr>
+    <a:masterClrMapping/>
+  </p:clrMapOvr>
+</p:sld>
+</file>
+
+<file path=ppt/slides/slide10.xml><?xml version="1.0" encoding="utf-8"?>
+<p:sld xmlns:a="http://schemas.openxmlformats.org/drawingml/2006/main" xmlns:r="http://schemas.openxmlformats.org/officeDocument/2006/relationships" xmlns:p="http://schemas.openxmlformats.org/presentationml/2006/main">
+  <p:cSld>
+    <p:spTree>
+      <p:nvGrpSpPr>
+        <p:cNvPr id="1" name=""/>
+        <p:cNvGrpSpPr/>
+        <p:nvPr/>
+      </p:nvGrpSpPr>
+      <p:grpSpPr>
+        <a:xfrm>
+          <a:off x="0" y="0"/>
+          <a:ext cx="0" cy="0"/>
+          <a:chOff x="0" y="0"/>
+          <a:chExt cx="0" cy="0"/>
+        </a:xfrm>
+      </p:grpSpPr>
+      <p:sp>
+        <p:nvSpPr>
+          <p:cNvPr id="2" name="Заголовок 1">
             <a:extLst>
               <a:ext uri="{FF2B5EF4-FFF2-40B4-BE49-F238E27FC236}">
-                <a16:creationId xmlns:a16="http://schemas.microsoft.com/office/drawing/2014/main" id="{9C6FCD04-C1D3-48C4-8E87-216A9FC28BF4}"/>
+                <a16:creationId xmlns:a16="http://schemas.microsoft.com/office/drawing/2014/main" id="{BA2C1ED4-EE8D-4C4C-81B8-8C47561EC489}"/>
               </a:ext>
             </a:extLst>
           </p:cNvPr>
@@ -3805,60 +4314,3007 @@
             <a:spLocks noGrp="1"/>
           </p:cNvSpPr>
           <p:nvPr>
-            <p:ph type="ctrTitle"/>
+            <p:ph type="title"/>
           </p:nvPr>
+        </p:nvSpPr>
+        <p:spPr/>
+        <p:txBody>
+          <a:bodyPr>
+            <a:normAutofit/>
+          </a:bodyPr>
+          <a:lstStyle/>
+          <a:p>
+            <a:r>
+              <a:rPr lang="ru-RU" sz="3800" dirty="0">
+                <a:latin typeface="Arial" panose="020B0604020202020204" pitchFamily="34" charset="0"/>
+                <a:cs typeface="Arial" panose="020B0604020202020204" pitchFamily="34" charset="0"/>
+              </a:rPr>
+              <a:t>Группы пользователей разрабатываемой АИС</a:t>
+            </a:r>
+          </a:p>
+        </p:txBody>
+      </p:sp>
+      <p:graphicFrame>
+        <p:nvGraphicFramePr>
+          <p:cNvPr id="5" name="Таблица 4">
+            <a:extLst>
+              <a:ext uri="{FF2B5EF4-FFF2-40B4-BE49-F238E27FC236}">
+                <a16:creationId xmlns:a16="http://schemas.microsoft.com/office/drawing/2014/main" id="{CA43CC9D-26C2-45DF-82DA-B3F4AA6D5568}"/>
+              </a:ext>
+            </a:extLst>
+          </p:cNvPr>
+          <p:cNvGraphicFramePr>
+            <a:graphicFrameLocks noGrp="1"/>
+          </p:cNvGraphicFramePr>
+          <p:nvPr>
+            <p:extLst>
+              <p:ext uri="{D42A27DB-BD31-4B8C-83A1-F6EECF244321}">
+                <p14:modId xmlns:p14="http://schemas.microsoft.com/office/powerpoint/2010/main" val="828484379"/>
+              </p:ext>
+            </p:extLst>
+          </p:nvPr>
+        </p:nvGraphicFramePr>
+        <p:xfrm>
+          <a:off x="2497974" y="2520237"/>
+          <a:ext cx="7196052" cy="2477831"/>
+        </p:xfrm>
+        <a:graphic>
+          <a:graphicData uri="http://schemas.openxmlformats.org/drawingml/2006/table">
+            <a:tbl>
+              <a:tblPr firstRow="1" bandRow="1">
+                <a:tableStyleId>{69012ECD-51FC-41F1-AA8D-1B2483CD663E}</a:tableStyleId>
+              </a:tblPr>
+              <a:tblGrid>
+                <a:gridCol w="2033849">
+                  <a:extLst>
+                    <a:ext uri="{9D8B030D-6E8A-4147-A177-3AD203B41FA5}">
+                      <a16:colId xmlns:a16="http://schemas.microsoft.com/office/drawing/2014/main" val="1733180066"/>
+                    </a:ext>
+                  </a:extLst>
+                </a:gridCol>
+                <a:gridCol w="5162203">
+                  <a:extLst>
+                    <a:ext uri="{9D8B030D-6E8A-4147-A177-3AD203B41FA5}">
+                      <a16:colId xmlns:a16="http://schemas.microsoft.com/office/drawing/2014/main" val="1011586501"/>
+                    </a:ext>
+                  </a:extLst>
+                </a:gridCol>
+              </a:tblGrid>
+              <a:tr h="684631">
+                <a:tc>
+                  <a:txBody>
+                    <a:bodyPr/>
+                    <a:lstStyle/>
+                    <a:p>
+                      <a:pPr algn="ctr"/>
+                      <a:r>
+                        <a:rPr lang="ru-RU" dirty="0">
+                          <a:ln>
+                            <a:solidFill>
+                              <a:schemeClr val="bg1"/>
+                            </a:solidFill>
+                          </a:ln>
+                          <a:solidFill>
+                            <a:schemeClr val="bg1"/>
+                          </a:solidFill>
+                        </a:rPr>
+                        <a:t>Группа</a:t>
+                      </a:r>
+                    </a:p>
+                  </a:txBody>
+                  <a:tcPr anchor="ctr"/>
+                </a:tc>
+                <a:tc>
+                  <a:txBody>
+                    <a:bodyPr/>
+                    <a:lstStyle/>
+                    <a:p>
+                      <a:pPr algn="ctr"/>
+                      <a:r>
+                        <a:rPr lang="ru-RU" sz="1800" dirty="0"/>
+                        <a:t>Полномочия</a:t>
+                      </a:r>
+                    </a:p>
+                  </a:txBody>
+                  <a:tcPr anchor="ctr"/>
+                </a:tc>
+                <a:extLst>
+                  <a:ext uri="{0D108BD9-81ED-4DB2-BD59-A6C34878D82A}">
+                    <a16:rowId xmlns:a16="http://schemas.microsoft.com/office/drawing/2014/main" val="10000"/>
+                  </a:ext>
+                </a:extLst>
+              </a:tr>
+              <a:tr h="1153120">
+                <a:tc>
+                  <a:txBody>
+                    <a:bodyPr/>
+                    <a:lstStyle/>
+                    <a:p>
+                      <a:pPr algn="ctr"/>
+                      <a:r>
+                        <a:rPr lang="ru-RU" b="0" cap="none" spc="0" dirty="0">
+                          <a:ln>
+                            <a:noFill/>
+                          </a:ln>
+                          <a:solidFill>
+                            <a:schemeClr val="tx1"/>
+                          </a:solidFill>
+                          <a:effectLst/>
+                        </a:rPr>
+                        <a:t>Администратор</a:t>
+                      </a:r>
+                      <a:r>
+                        <a:rPr lang="en-US" b="0" cap="none" spc="0" dirty="0">
+                          <a:ln>
+                            <a:noFill/>
+                          </a:ln>
+                          <a:solidFill>
+                            <a:schemeClr val="tx1"/>
+                          </a:solidFill>
+                          <a:effectLst/>
+                        </a:rPr>
+                        <a:t> </a:t>
+                      </a:r>
+                      <a:r>
+                        <a:rPr lang="ru-RU" b="0" cap="none" spc="0" dirty="0">
+                          <a:ln>
+                            <a:noFill/>
+                          </a:ln>
+                          <a:solidFill>
+                            <a:schemeClr val="tx1"/>
+                          </a:solidFill>
+                          <a:effectLst/>
+                        </a:rPr>
+                        <a:t>склада</a:t>
+                      </a:r>
+                    </a:p>
+                  </a:txBody>
+                  <a:tcPr anchor="ctr"/>
+                </a:tc>
+                <a:tc>
+                  <a:txBody>
+                    <a:bodyPr/>
+                    <a:lstStyle/>
+                    <a:p>
+                      <a:r>
+                        <a:rPr lang="ru-RU" sz="1800" kern="1200" dirty="0">
+                          <a:effectLst/>
+                        </a:rPr>
+                        <a:t>Занимается формирование возвратных тар, регистрацией нового пользователя</a:t>
+                      </a:r>
+                      <a:endParaRPr lang="ru-RU" sz="1800" dirty="0"/>
+                    </a:p>
+                  </a:txBody>
+                  <a:tcPr/>
+                </a:tc>
+                <a:extLst>
+                  <a:ext uri="{0D108BD9-81ED-4DB2-BD59-A6C34878D82A}">
+                    <a16:rowId xmlns:a16="http://schemas.microsoft.com/office/drawing/2014/main" val="1105486762"/>
+                  </a:ext>
+                </a:extLst>
+              </a:tr>
+              <a:tr h="620911">
+                <a:tc>
+                  <a:txBody>
+                    <a:bodyPr/>
+                    <a:lstStyle/>
+                    <a:p>
+                      <a:pPr algn="ctr"/>
+                      <a:r>
+                        <a:rPr lang="ru-RU" b="0" cap="none" spc="0" dirty="0">
+                          <a:ln>
+                            <a:noFill/>
+                          </a:ln>
+                          <a:solidFill>
+                            <a:schemeClr val="tx1"/>
+                          </a:solidFill>
+                          <a:effectLst/>
+                        </a:rPr>
+                        <a:t>Работник склада</a:t>
+                      </a:r>
+                    </a:p>
+                  </a:txBody>
+                  <a:tcPr anchor="ctr"/>
+                </a:tc>
+                <a:tc>
+                  <a:txBody>
+                    <a:bodyPr/>
+                    <a:lstStyle/>
+                    <a:p>
+                      <a:r>
+                        <a:rPr lang="ru-RU" sz="1800" kern="1200" dirty="0">
+                          <a:effectLst/>
+                        </a:rPr>
+                        <a:t>Добавляет, редактирует информацию о поступивших товарах на склад</a:t>
+                      </a:r>
+                      <a:endParaRPr lang="ru-RU" dirty="0"/>
+                    </a:p>
+                  </a:txBody>
+                  <a:tcPr/>
+                </a:tc>
+                <a:extLst>
+                  <a:ext uri="{0D108BD9-81ED-4DB2-BD59-A6C34878D82A}">
+                    <a16:rowId xmlns:a16="http://schemas.microsoft.com/office/drawing/2014/main" val="815044156"/>
+                  </a:ext>
+                </a:extLst>
+              </a:tr>
+            </a:tbl>
+          </a:graphicData>
+        </a:graphic>
+      </p:graphicFrame>
+      <p:sp>
+        <p:nvSpPr>
+          <p:cNvPr id="6" name="TextBox 5">
+            <a:extLst>
+              <a:ext uri="{FF2B5EF4-FFF2-40B4-BE49-F238E27FC236}">
+                <a16:creationId xmlns:a16="http://schemas.microsoft.com/office/drawing/2014/main" id="{84B2D738-80E7-4EB4-9B8F-A9C68B2D07A5}"/>
+              </a:ext>
+            </a:extLst>
+          </p:cNvPr>
+          <p:cNvSpPr txBox="1"/>
+          <p:nvPr/>
         </p:nvSpPr>
         <p:spPr>
           <a:xfrm>
-            <a:off x="923323" y="576403"/>
-            <a:ext cx="7772400" cy="476027"/>
+            <a:off x="2497974" y="2131754"/>
+            <a:ext cx="5876406" cy="338554"/>
           </a:xfrm>
-          <a:solidFill>
-            <a:schemeClr val="bg1">
-              <a:alpha val="52000"/>
-            </a:schemeClr>
-          </a:solidFill>
+          <a:prstGeom prst="rect">
+            <a:avLst/>
+          </a:prstGeom>
+          <a:noFill/>
+        </p:spPr>
+        <p:txBody>
+          <a:bodyPr wrap="square" rtlCol="0">
+            <a:spAutoFit/>
+          </a:bodyPr>
+          <a:lstStyle/>
+          <a:p>
+            <a:r>
+              <a:rPr lang="ru-RU" sz="1600" dirty="0">
+                <a:solidFill>
+                  <a:srgbClr val="000000"/>
+                </a:solidFill>
+                <a:latin typeface="Arial" panose="020B0604020202020204" pitchFamily="34" charset="0"/>
+                <a:cs typeface="Arial" panose="020B0604020202020204" pitchFamily="34" charset="0"/>
+              </a:rPr>
+              <a:t>Таблица 2. Возможности групп пользователей</a:t>
+            </a:r>
+          </a:p>
+        </p:txBody>
+      </p:sp>
+      <p:sp>
+        <p:nvSpPr>
+          <p:cNvPr id="7" name="Номер слайда 3">
+            <a:extLst>
+              <a:ext uri="{FF2B5EF4-FFF2-40B4-BE49-F238E27FC236}">
+                <a16:creationId xmlns:a16="http://schemas.microsoft.com/office/drawing/2014/main" id="{55F67F20-21D5-4B7D-8151-30B7969FD916}"/>
+              </a:ext>
+            </a:extLst>
+          </p:cNvPr>
+          <p:cNvSpPr txBox="1">
+            <a:spLocks/>
+          </p:cNvSpPr>
+          <p:nvPr/>
+        </p:nvSpPr>
+        <p:spPr>
+          <a:xfrm>
+            <a:off x="-2379453" y="6492875"/>
+            <a:ext cx="2743200" cy="365125"/>
+          </a:xfrm>
+          <a:prstGeom prst="rect">
+            <a:avLst/>
+          </a:prstGeom>
+        </p:spPr>
+        <p:txBody>
+          <a:bodyPr vert="horz" lIns="91440" tIns="45720" rIns="91440" bIns="45720" rtlCol="0" anchor="ctr"/>
+          <a:lstStyle>
+            <a:defPPr>
+              <a:defRPr lang="en-US"/>
+            </a:defPPr>
+            <a:lvl1pPr marL="0" algn="r" defTabSz="457200" rtl="0" eaLnBrk="1" latinLnBrk="0" hangingPunct="1">
+              <a:defRPr sz="1200" kern="1200">
+                <a:solidFill>
+                  <a:schemeClr val="tx1">
+                    <a:tint val="75000"/>
+                  </a:schemeClr>
+                </a:solidFill>
+                <a:latin typeface="+mn-lt"/>
+                <a:ea typeface="+mn-ea"/>
+                <a:cs typeface="+mn-cs"/>
+              </a:defRPr>
+            </a:lvl1pPr>
+            <a:lvl2pPr marL="457200" algn="l" defTabSz="457200" rtl="0" eaLnBrk="1" latinLnBrk="0" hangingPunct="1">
+              <a:defRPr sz="1800" kern="1200">
+                <a:solidFill>
+                  <a:schemeClr val="tx1"/>
+                </a:solidFill>
+                <a:latin typeface="+mn-lt"/>
+                <a:ea typeface="+mn-ea"/>
+                <a:cs typeface="+mn-cs"/>
+              </a:defRPr>
+            </a:lvl2pPr>
+            <a:lvl3pPr marL="914400" algn="l" defTabSz="457200" rtl="0" eaLnBrk="1" latinLnBrk="0" hangingPunct="1">
+              <a:defRPr sz="1800" kern="1200">
+                <a:solidFill>
+                  <a:schemeClr val="tx1"/>
+                </a:solidFill>
+                <a:latin typeface="+mn-lt"/>
+                <a:ea typeface="+mn-ea"/>
+                <a:cs typeface="+mn-cs"/>
+              </a:defRPr>
+            </a:lvl3pPr>
+            <a:lvl4pPr marL="1371600" algn="l" defTabSz="457200" rtl="0" eaLnBrk="1" latinLnBrk="0" hangingPunct="1">
+              <a:defRPr sz="1800" kern="1200">
+                <a:solidFill>
+                  <a:schemeClr val="tx1"/>
+                </a:solidFill>
+                <a:latin typeface="+mn-lt"/>
+                <a:ea typeface="+mn-ea"/>
+                <a:cs typeface="+mn-cs"/>
+              </a:defRPr>
+            </a:lvl4pPr>
+            <a:lvl5pPr marL="1828800" algn="l" defTabSz="457200" rtl="0" eaLnBrk="1" latinLnBrk="0" hangingPunct="1">
+              <a:defRPr sz="1800" kern="1200">
+                <a:solidFill>
+                  <a:schemeClr val="tx1"/>
+                </a:solidFill>
+                <a:latin typeface="+mn-lt"/>
+                <a:ea typeface="+mn-ea"/>
+                <a:cs typeface="+mn-cs"/>
+              </a:defRPr>
+            </a:lvl5pPr>
+            <a:lvl6pPr marL="2286000" algn="l" defTabSz="457200" rtl="0" eaLnBrk="1" latinLnBrk="0" hangingPunct="1">
+              <a:defRPr sz="1800" kern="1200">
+                <a:solidFill>
+                  <a:schemeClr val="tx1"/>
+                </a:solidFill>
+                <a:latin typeface="+mn-lt"/>
+                <a:ea typeface="+mn-ea"/>
+                <a:cs typeface="+mn-cs"/>
+              </a:defRPr>
+            </a:lvl6pPr>
+            <a:lvl7pPr marL="2743200" algn="l" defTabSz="457200" rtl="0" eaLnBrk="1" latinLnBrk="0" hangingPunct="1">
+              <a:defRPr sz="1800" kern="1200">
+                <a:solidFill>
+                  <a:schemeClr val="tx1"/>
+                </a:solidFill>
+                <a:latin typeface="+mn-lt"/>
+                <a:ea typeface="+mn-ea"/>
+                <a:cs typeface="+mn-cs"/>
+              </a:defRPr>
+            </a:lvl7pPr>
+            <a:lvl8pPr marL="3200400" algn="l" defTabSz="457200" rtl="0" eaLnBrk="1" latinLnBrk="0" hangingPunct="1">
+              <a:defRPr sz="1800" kern="1200">
+                <a:solidFill>
+                  <a:schemeClr val="tx1"/>
+                </a:solidFill>
+                <a:latin typeface="+mn-lt"/>
+                <a:ea typeface="+mn-ea"/>
+                <a:cs typeface="+mn-cs"/>
+              </a:defRPr>
+            </a:lvl8pPr>
+            <a:lvl9pPr marL="3657600" algn="l" defTabSz="457200" rtl="0" eaLnBrk="1" latinLnBrk="0" hangingPunct="1">
+              <a:defRPr sz="1800" kern="1200">
+                <a:solidFill>
+                  <a:schemeClr val="tx1"/>
+                </a:solidFill>
+                <a:latin typeface="+mn-lt"/>
+                <a:ea typeface="+mn-ea"/>
+                <a:cs typeface="+mn-cs"/>
+              </a:defRPr>
+            </a:lvl9pPr>
+          </a:lstStyle>
+          <a:p>
+            <a:fld id="{1FE8DF1E-33BB-4377-9A26-35481BA06C7C}" type="slidenum">
+              <a:rPr lang="en-US" smtClean="0">
+                <a:solidFill>
+                  <a:schemeClr val="tx1"/>
+                </a:solidFill>
+                <a:latin typeface="Arial" panose="020B0604020202020204" pitchFamily="34" charset="0"/>
+                <a:cs typeface="Arial" panose="020B0604020202020204" pitchFamily="34" charset="0"/>
+              </a:rPr>
+              <a:pPr/>
+              <a:t>10</a:t>
+            </a:fld>
+            <a:endParaRPr lang="en-US" dirty="0">
+              <a:solidFill>
+                <a:schemeClr val="tx1"/>
+              </a:solidFill>
+              <a:latin typeface="Arial" panose="020B0604020202020204" pitchFamily="34" charset="0"/>
+              <a:cs typeface="Arial" panose="020B0604020202020204" pitchFamily="34" charset="0"/>
+            </a:endParaRPr>
+          </a:p>
+        </p:txBody>
+      </p:sp>
+    </p:spTree>
+    <p:extLst>
+      <p:ext uri="{BB962C8B-B14F-4D97-AF65-F5344CB8AC3E}">
+        <p14:creationId xmlns:p14="http://schemas.microsoft.com/office/powerpoint/2010/main" val="1246217047"/>
+      </p:ext>
+    </p:extLst>
+  </p:cSld>
+  <p:clrMapOvr>
+    <a:masterClrMapping/>
+  </p:clrMapOvr>
+</p:sld>
+</file>
+
+<file path=ppt/slides/slide11.xml><?xml version="1.0" encoding="utf-8"?>
+<p:sld xmlns:a="http://schemas.openxmlformats.org/drawingml/2006/main" xmlns:r="http://schemas.openxmlformats.org/officeDocument/2006/relationships" xmlns:p="http://schemas.openxmlformats.org/presentationml/2006/main">
+  <p:cSld>
+    <p:spTree>
+      <p:nvGrpSpPr>
+        <p:cNvPr id="1" name=""/>
+        <p:cNvGrpSpPr/>
+        <p:nvPr/>
+      </p:nvGrpSpPr>
+      <p:grpSpPr>
+        <a:xfrm>
+          <a:off x="0" y="0"/>
+          <a:ext cx="0" cy="0"/>
+          <a:chOff x="0" y="0"/>
+          <a:chExt cx="0" cy="0"/>
+        </a:xfrm>
+      </p:grpSpPr>
+      <p:sp>
+        <p:nvSpPr>
+          <p:cNvPr id="2" name="Заголовок 1">
+            <a:extLst>
+              <a:ext uri="{FF2B5EF4-FFF2-40B4-BE49-F238E27FC236}">
+                <a16:creationId xmlns:a16="http://schemas.microsoft.com/office/drawing/2014/main" id="{6EF47BB4-0BC4-411D-87D4-E9C6C566BE03}"/>
+              </a:ext>
+            </a:extLst>
+          </p:cNvPr>
+          <p:cNvSpPr>
+            <a:spLocks noGrp="1"/>
+          </p:cNvSpPr>
+          <p:nvPr>
+            <p:ph type="title"/>
+          </p:nvPr>
+        </p:nvSpPr>
+        <p:spPr/>
+        <p:txBody>
+          <a:bodyPr/>
+          <a:lstStyle/>
+          <a:p>
+            <a:r>
+              <a:rPr lang="ru-RU" sz="3800" dirty="0">
+                <a:latin typeface="Arial" panose="020B0604020202020204" pitchFamily="34" charset="0"/>
+                <a:cs typeface="Arial" panose="020B0604020202020204" pitchFamily="34" charset="0"/>
+              </a:rPr>
+              <a:t>Отчет по затратам на ресурсы</a:t>
+            </a:r>
+          </a:p>
+        </p:txBody>
+      </p:sp>
+      <p:pic>
+        <p:nvPicPr>
+          <p:cNvPr id="5" name="Рисунок 4">
+            <a:extLst>
+              <a:ext uri="{FF2B5EF4-FFF2-40B4-BE49-F238E27FC236}">
+                <a16:creationId xmlns:a16="http://schemas.microsoft.com/office/drawing/2014/main" id="{0B87B375-D93D-4AC7-9CD7-4494A35FCD64}"/>
+              </a:ext>
+            </a:extLst>
+          </p:cNvPr>
+          <p:cNvPicPr>
+            <a:picLocks noChangeAspect="1"/>
+          </p:cNvPicPr>
+          <p:nvPr/>
+        </p:nvPicPr>
+        <p:blipFill rotWithShape="1">
+          <a:blip r:embed="rId2"/>
+          <a:srcRect l="1" r="60207"/>
+          <a:stretch/>
+        </p:blipFill>
+        <p:spPr>
+          <a:xfrm>
+            <a:off x="1128527" y="1673572"/>
+            <a:ext cx="3771133" cy="3606395"/>
+          </a:xfrm>
+          <a:prstGeom prst="rect">
+            <a:avLst/>
+          </a:prstGeom>
           <a:ln>
-            <a:noFill/>
+            <a:solidFill>
+              <a:schemeClr val="accent1"/>
+            </a:solidFill>
           </a:ln>
         </p:spPr>
-        <p:style>
-          <a:lnRef idx="2">
-            <a:schemeClr val="dk1"/>
-          </a:lnRef>
-          <a:fillRef idx="1">
-            <a:schemeClr val="lt1"/>
-          </a:fillRef>
-          <a:effectRef idx="0">
-            <a:schemeClr val="dk1"/>
-          </a:effectRef>
-          <a:fontRef idx="minor">
-            <a:schemeClr val="dk1"/>
-          </a:fontRef>
-        </p:style>
-        <p:txBody>
-          <a:bodyPr anchor="ctr">
+      </p:pic>
+      <p:sp>
+        <p:nvSpPr>
+          <p:cNvPr id="7" name="TextBox 6">
+            <a:extLst>
+              <a:ext uri="{FF2B5EF4-FFF2-40B4-BE49-F238E27FC236}">
+                <a16:creationId xmlns:a16="http://schemas.microsoft.com/office/drawing/2014/main" id="{FBE56CFF-4305-4AA3-BDA3-22EE87CBCEAF}"/>
+              </a:ext>
+            </a:extLst>
+          </p:cNvPr>
+          <p:cNvSpPr txBox="1"/>
+          <p:nvPr/>
+        </p:nvSpPr>
+        <p:spPr>
+          <a:xfrm>
+            <a:off x="5006342" y="1668206"/>
+            <a:ext cx="4572000" cy="584775"/>
+          </a:xfrm>
+          <a:prstGeom prst="rect">
+            <a:avLst/>
+          </a:prstGeom>
+          <a:noFill/>
+        </p:spPr>
+        <p:txBody>
+          <a:bodyPr wrap="square">
+            <a:spAutoFit/>
+          </a:bodyPr>
+          <a:lstStyle/>
+          <a:p>
+            <a:r>
+              <a:rPr lang="ru-RU" sz="1600" dirty="0">
+                <a:solidFill>
+                  <a:srgbClr val="000000"/>
+                </a:solidFill>
+                <a:latin typeface="Arial" panose="020B0604020202020204" pitchFamily="34" charset="0"/>
+                <a:cs typeface="Arial" panose="020B0604020202020204" pitchFamily="34" charset="0"/>
+              </a:rPr>
+              <a:t>Рисунок 3. Распределение затрат между различными типами ресурсов</a:t>
+            </a:r>
+          </a:p>
+        </p:txBody>
+      </p:sp>
+      <p:sp>
+        <p:nvSpPr>
+          <p:cNvPr id="8" name="TextBox 7">
+            <a:extLst>
+              <a:ext uri="{FF2B5EF4-FFF2-40B4-BE49-F238E27FC236}">
+                <a16:creationId xmlns:a16="http://schemas.microsoft.com/office/drawing/2014/main" id="{8046A573-BBFC-4E8E-AAB8-0D096BAB7AF0}"/>
+              </a:ext>
+            </a:extLst>
+          </p:cNvPr>
+          <p:cNvSpPr txBox="1"/>
+          <p:nvPr/>
+        </p:nvSpPr>
+        <p:spPr>
+          <a:xfrm>
+            <a:off x="5904115" y="2638724"/>
+            <a:ext cx="4995862" cy="338554"/>
+          </a:xfrm>
+          <a:prstGeom prst="rect">
+            <a:avLst/>
+          </a:prstGeom>
+          <a:noFill/>
+        </p:spPr>
+        <p:txBody>
+          <a:bodyPr wrap="square" rtlCol="0">
+            <a:spAutoFit/>
+          </a:bodyPr>
+          <a:lstStyle/>
+          <a:p>
+            <a:r>
+              <a:rPr lang="ru-RU" sz="1600" dirty="0">
+                <a:solidFill>
+                  <a:srgbClr val="000000"/>
+                </a:solidFill>
+                <a:latin typeface="Arial" panose="020B0604020202020204" pitchFamily="34" charset="0"/>
+                <a:cs typeface="Arial" panose="020B0604020202020204" pitchFamily="34" charset="0"/>
+              </a:rPr>
+              <a:t>Таблица 3. Сведения о затратах для ресурсов</a:t>
+            </a:r>
+          </a:p>
+        </p:txBody>
+      </p:sp>
+      <p:pic>
+        <p:nvPicPr>
+          <p:cNvPr id="9" name="Рисунок 8">
+            <a:extLst>
+              <a:ext uri="{FF2B5EF4-FFF2-40B4-BE49-F238E27FC236}">
+                <a16:creationId xmlns:a16="http://schemas.microsoft.com/office/drawing/2014/main" id="{B9DA507D-B4CD-4CDF-9632-FF68A6E9C9F1}"/>
+              </a:ext>
+            </a:extLst>
+          </p:cNvPr>
+          <p:cNvPicPr>
+            <a:picLocks noChangeAspect="1"/>
+          </p:cNvPicPr>
+          <p:nvPr/>
+        </p:nvPicPr>
+        <p:blipFill rotWithShape="1">
+          <a:blip r:embed="rId2"/>
+          <a:srcRect l="39913"/>
+          <a:stretch/>
+        </p:blipFill>
+        <p:spPr>
+          <a:xfrm>
+            <a:off x="5817866" y="2977278"/>
+            <a:ext cx="5398007" cy="3418661"/>
+          </a:xfrm>
+          <a:prstGeom prst="rect">
+            <a:avLst/>
+          </a:prstGeom>
+        </p:spPr>
+      </p:pic>
+      <p:sp>
+        <p:nvSpPr>
+          <p:cNvPr id="10" name="Номер слайда 3">
+            <a:extLst>
+              <a:ext uri="{FF2B5EF4-FFF2-40B4-BE49-F238E27FC236}">
+                <a16:creationId xmlns:a16="http://schemas.microsoft.com/office/drawing/2014/main" id="{29E777CA-57FF-433B-A72B-AD5352936B97}"/>
+              </a:ext>
+            </a:extLst>
+          </p:cNvPr>
+          <p:cNvSpPr txBox="1">
+            <a:spLocks/>
+          </p:cNvSpPr>
+          <p:nvPr/>
+        </p:nvSpPr>
+        <p:spPr>
+          <a:xfrm>
+            <a:off x="-2379453" y="6492875"/>
+            <a:ext cx="2743200" cy="365125"/>
+          </a:xfrm>
+          <a:prstGeom prst="rect">
+            <a:avLst/>
+          </a:prstGeom>
+        </p:spPr>
+        <p:txBody>
+          <a:bodyPr vert="horz" lIns="91440" tIns="45720" rIns="91440" bIns="45720" rtlCol="0" anchor="ctr"/>
+          <a:lstStyle>
+            <a:defPPr>
+              <a:defRPr lang="en-US"/>
+            </a:defPPr>
+            <a:lvl1pPr marL="0" algn="r" defTabSz="457200" rtl="0" eaLnBrk="1" latinLnBrk="0" hangingPunct="1">
+              <a:defRPr sz="1200" kern="1200">
+                <a:solidFill>
+                  <a:schemeClr val="tx1">
+                    <a:tint val="75000"/>
+                  </a:schemeClr>
+                </a:solidFill>
+                <a:latin typeface="+mn-lt"/>
+                <a:ea typeface="+mn-ea"/>
+                <a:cs typeface="+mn-cs"/>
+              </a:defRPr>
+            </a:lvl1pPr>
+            <a:lvl2pPr marL="457200" algn="l" defTabSz="457200" rtl="0" eaLnBrk="1" latinLnBrk="0" hangingPunct="1">
+              <a:defRPr sz="1800" kern="1200">
+                <a:solidFill>
+                  <a:schemeClr val="tx1"/>
+                </a:solidFill>
+                <a:latin typeface="+mn-lt"/>
+                <a:ea typeface="+mn-ea"/>
+                <a:cs typeface="+mn-cs"/>
+              </a:defRPr>
+            </a:lvl2pPr>
+            <a:lvl3pPr marL="914400" algn="l" defTabSz="457200" rtl="0" eaLnBrk="1" latinLnBrk="0" hangingPunct="1">
+              <a:defRPr sz="1800" kern="1200">
+                <a:solidFill>
+                  <a:schemeClr val="tx1"/>
+                </a:solidFill>
+                <a:latin typeface="+mn-lt"/>
+                <a:ea typeface="+mn-ea"/>
+                <a:cs typeface="+mn-cs"/>
+              </a:defRPr>
+            </a:lvl3pPr>
+            <a:lvl4pPr marL="1371600" algn="l" defTabSz="457200" rtl="0" eaLnBrk="1" latinLnBrk="0" hangingPunct="1">
+              <a:defRPr sz="1800" kern="1200">
+                <a:solidFill>
+                  <a:schemeClr val="tx1"/>
+                </a:solidFill>
+                <a:latin typeface="+mn-lt"/>
+                <a:ea typeface="+mn-ea"/>
+                <a:cs typeface="+mn-cs"/>
+              </a:defRPr>
+            </a:lvl4pPr>
+            <a:lvl5pPr marL="1828800" algn="l" defTabSz="457200" rtl="0" eaLnBrk="1" latinLnBrk="0" hangingPunct="1">
+              <a:defRPr sz="1800" kern="1200">
+                <a:solidFill>
+                  <a:schemeClr val="tx1"/>
+                </a:solidFill>
+                <a:latin typeface="+mn-lt"/>
+                <a:ea typeface="+mn-ea"/>
+                <a:cs typeface="+mn-cs"/>
+              </a:defRPr>
+            </a:lvl5pPr>
+            <a:lvl6pPr marL="2286000" algn="l" defTabSz="457200" rtl="0" eaLnBrk="1" latinLnBrk="0" hangingPunct="1">
+              <a:defRPr sz="1800" kern="1200">
+                <a:solidFill>
+                  <a:schemeClr val="tx1"/>
+                </a:solidFill>
+                <a:latin typeface="+mn-lt"/>
+                <a:ea typeface="+mn-ea"/>
+                <a:cs typeface="+mn-cs"/>
+              </a:defRPr>
+            </a:lvl6pPr>
+            <a:lvl7pPr marL="2743200" algn="l" defTabSz="457200" rtl="0" eaLnBrk="1" latinLnBrk="0" hangingPunct="1">
+              <a:defRPr sz="1800" kern="1200">
+                <a:solidFill>
+                  <a:schemeClr val="tx1"/>
+                </a:solidFill>
+                <a:latin typeface="+mn-lt"/>
+                <a:ea typeface="+mn-ea"/>
+                <a:cs typeface="+mn-cs"/>
+              </a:defRPr>
+            </a:lvl7pPr>
+            <a:lvl8pPr marL="3200400" algn="l" defTabSz="457200" rtl="0" eaLnBrk="1" latinLnBrk="0" hangingPunct="1">
+              <a:defRPr sz="1800" kern="1200">
+                <a:solidFill>
+                  <a:schemeClr val="tx1"/>
+                </a:solidFill>
+                <a:latin typeface="+mn-lt"/>
+                <a:ea typeface="+mn-ea"/>
+                <a:cs typeface="+mn-cs"/>
+              </a:defRPr>
+            </a:lvl8pPr>
+            <a:lvl9pPr marL="3657600" algn="l" defTabSz="457200" rtl="0" eaLnBrk="1" latinLnBrk="0" hangingPunct="1">
+              <a:defRPr sz="1800" kern="1200">
+                <a:solidFill>
+                  <a:schemeClr val="tx1"/>
+                </a:solidFill>
+                <a:latin typeface="+mn-lt"/>
+                <a:ea typeface="+mn-ea"/>
+                <a:cs typeface="+mn-cs"/>
+              </a:defRPr>
+            </a:lvl9pPr>
+          </a:lstStyle>
+          <a:p>
+            <a:fld id="{1FE8DF1E-33BB-4377-9A26-35481BA06C7C}" type="slidenum">
+              <a:rPr lang="en-US" smtClean="0">
+                <a:solidFill>
+                  <a:schemeClr val="tx1"/>
+                </a:solidFill>
+                <a:latin typeface="Arial" panose="020B0604020202020204" pitchFamily="34" charset="0"/>
+                <a:cs typeface="Arial" panose="020B0604020202020204" pitchFamily="34" charset="0"/>
+              </a:rPr>
+              <a:pPr/>
+              <a:t>11</a:t>
+            </a:fld>
+            <a:endParaRPr lang="en-US" dirty="0">
+              <a:solidFill>
+                <a:schemeClr val="tx1"/>
+              </a:solidFill>
+              <a:latin typeface="Arial" panose="020B0604020202020204" pitchFamily="34" charset="0"/>
+              <a:cs typeface="Arial" panose="020B0604020202020204" pitchFamily="34" charset="0"/>
+            </a:endParaRPr>
+          </a:p>
+        </p:txBody>
+      </p:sp>
+    </p:spTree>
+    <p:extLst>
+      <p:ext uri="{BB962C8B-B14F-4D97-AF65-F5344CB8AC3E}">
+        <p14:creationId xmlns:p14="http://schemas.microsoft.com/office/powerpoint/2010/main" val="4196238587"/>
+      </p:ext>
+    </p:extLst>
+  </p:cSld>
+  <p:clrMapOvr>
+    <a:masterClrMapping/>
+  </p:clrMapOvr>
+</p:sld>
+</file>
+
+<file path=ppt/slides/slide12.xml><?xml version="1.0" encoding="utf-8"?>
+<p:sld xmlns:a="http://schemas.openxmlformats.org/drawingml/2006/main" xmlns:r="http://schemas.openxmlformats.org/officeDocument/2006/relationships" xmlns:p="http://schemas.openxmlformats.org/presentationml/2006/main">
+  <p:cSld>
+    <p:spTree>
+      <p:nvGrpSpPr>
+        <p:cNvPr id="1" name=""/>
+        <p:cNvGrpSpPr/>
+        <p:nvPr/>
+      </p:nvGrpSpPr>
+      <p:grpSpPr>
+        <a:xfrm>
+          <a:off x="0" y="0"/>
+          <a:ext cx="0" cy="0"/>
+          <a:chOff x="0" y="0"/>
+          <a:chExt cx="0" cy="0"/>
+        </a:xfrm>
+      </p:grpSpPr>
+      <p:sp>
+        <p:nvSpPr>
+          <p:cNvPr id="2" name="Заголовок 1">
+            <a:extLst>
+              <a:ext uri="{FF2B5EF4-FFF2-40B4-BE49-F238E27FC236}">
+                <a16:creationId xmlns:a16="http://schemas.microsoft.com/office/drawing/2014/main" id="{4515B9E0-C353-4C0E-947A-08D6AA2B01F1}"/>
+              </a:ext>
+            </a:extLst>
+          </p:cNvPr>
+          <p:cNvSpPr>
+            <a:spLocks noGrp="1"/>
+          </p:cNvSpPr>
+          <p:nvPr>
+            <p:ph type="title"/>
+          </p:nvPr>
+        </p:nvSpPr>
+        <p:spPr/>
+        <p:txBody>
+          <a:bodyPr>
+            <a:normAutofit/>
+          </a:bodyPr>
+          <a:lstStyle/>
+          <a:p>
+            <a:r>
+              <a:rPr lang="ru-RU" sz="3800" dirty="0">
+                <a:latin typeface="Arial" panose="020B0604020202020204" pitchFamily="34" charset="0"/>
+                <a:cs typeface="Arial" panose="020B0604020202020204" pitchFamily="34" charset="0"/>
+              </a:rPr>
+              <a:t>Диаграмма вариантов использования</a:t>
+            </a:r>
+          </a:p>
+        </p:txBody>
+      </p:sp>
+      <p:pic>
+        <p:nvPicPr>
+          <p:cNvPr id="5" name="Объект 4">
+            <a:extLst>
+              <a:ext uri="{FF2B5EF4-FFF2-40B4-BE49-F238E27FC236}">
+                <a16:creationId xmlns:a16="http://schemas.microsoft.com/office/drawing/2014/main" id="{BD315A5A-71B2-4649-ACCA-5162336259BC}"/>
+              </a:ext>
+            </a:extLst>
+          </p:cNvPr>
+          <p:cNvPicPr>
+            <a:picLocks noGrp="1" noChangeAspect="1"/>
+          </p:cNvPicPr>
+          <p:nvPr>
+            <p:ph idx="1"/>
+          </p:nvPr>
+        </p:nvPicPr>
+        <p:blipFill>
+          <a:blip r:embed="rId2"/>
+          <a:stretch>
+            <a:fillRect/>
+          </a:stretch>
+        </p:blipFill>
+        <p:spPr>
+          <a:xfrm>
+            <a:off x="2843030" y="1694375"/>
+            <a:ext cx="6262101" cy="4889500"/>
+          </a:xfrm>
+          <a:prstGeom prst="rect">
+            <a:avLst/>
+          </a:prstGeom>
+        </p:spPr>
+      </p:pic>
+      <p:sp>
+        <p:nvSpPr>
+          <p:cNvPr id="6" name="TextBox 5">
+            <a:extLst>
+              <a:ext uri="{FF2B5EF4-FFF2-40B4-BE49-F238E27FC236}">
+                <a16:creationId xmlns:a16="http://schemas.microsoft.com/office/drawing/2014/main" id="{8A469943-08C3-4EE0-A23D-603DD59F6AE5}"/>
+              </a:ext>
+            </a:extLst>
+          </p:cNvPr>
+          <p:cNvSpPr txBox="1"/>
+          <p:nvPr/>
+        </p:nvSpPr>
+        <p:spPr>
+          <a:xfrm>
+            <a:off x="2402653" y="6519446"/>
+            <a:ext cx="7514776" cy="338554"/>
+          </a:xfrm>
+          <a:prstGeom prst="rect">
+            <a:avLst/>
+          </a:prstGeom>
+          <a:noFill/>
+        </p:spPr>
+        <p:txBody>
+          <a:bodyPr wrap="square" rtlCol="0">
+            <a:spAutoFit/>
+          </a:bodyPr>
+          <a:lstStyle/>
+          <a:p>
+            <a:pPr algn="ctr"/>
+            <a:r>
+              <a:rPr lang="ru-RU" sz="1600" dirty="0">
+                <a:latin typeface="Arial" panose="020B0604020202020204" pitchFamily="34" charset="0"/>
+                <a:cs typeface="Arial" panose="020B0604020202020204" pitchFamily="34" charset="0"/>
+              </a:rPr>
+              <a:t>Рисунок 4. </a:t>
+            </a:r>
+            <a:r>
+              <a:rPr lang="en-US" sz="1600" dirty="0">
+                <a:latin typeface="Arial" panose="020B0604020202020204" pitchFamily="34" charset="0"/>
+                <a:cs typeface="Arial" panose="020B0604020202020204" pitchFamily="34" charset="0"/>
+              </a:rPr>
+              <a:t>UML-</a:t>
+            </a:r>
+            <a:r>
+              <a:rPr lang="ru-RU" sz="1600" dirty="0">
+                <a:latin typeface="Arial" panose="020B0604020202020204" pitchFamily="34" charset="0"/>
+                <a:cs typeface="Arial" panose="020B0604020202020204" pitchFamily="34" charset="0"/>
+              </a:rPr>
+              <a:t>диаграмма вариантов использования</a:t>
+            </a:r>
+          </a:p>
+        </p:txBody>
+      </p:sp>
+      <p:sp>
+        <p:nvSpPr>
+          <p:cNvPr id="7" name="Номер слайда 3">
+            <a:extLst>
+              <a:ext uri="{FF2B5EF4-FFF2-40B4-BE49-F238E27FC236}">
+                <a16:creationId xmlns:a16="http://schemas.microsoft.com/office/drawing/2014/main" id="{D9228C1C-6200-4CBF-AF63-EB152202A7CE}"/>
+              </a:ext>
+            </a:extLst>
+          </p:cNvPr>
+          <p:cNvSpPr txBox="1">
+            <a:spLocks/>
+          </p:cNvSpPr>
+          <p:nvPr/>
+        </p:nvSpPr>
+        <p:spPr>
+          <a:xfrm>
+            <a:off x="-2379453" y="6492875"/>
+            <a:ext cx="2743200" cy="365125"/>
+          </a:xfrm>
+          <a:prstGeom prst="rect">
+            <a:avLst/>
+          </a:prstGeom>
+        </p:spPr>
+        <p:txBody>
+          <a:bodyPr vert="horz" lIns="91440" tIns="45720" rIns="91440" bIns="45720" rtlCol="0" anchor="ctr"/>
+          <a:lstStyle>
+            <a:defPPr>
+              <a:defRPr lang="en-US"/>
+            </a:defPPr>
+            <a:lvl1pPr marL="0" algn="r" defTabSz="457200" rtl="0" eaLnBrk="1" latinLnBrk="0" hangingPunct="1">
+              <a:defRPr sz="1200" kern="1200">
+                <a:solidFill>
+                  <a:schemeClr val="tx1">
+                    <a:tint val="75000"/>
+                  </a:schemeClr>
+                </a:solidFill>
+                <a:latin typeface="+mn-lt"/>
+                <a:ea typeface="+mn-ea"/>
+                <a:cs typeface="+mn-cs"/>
+              </a:defRPr>
+            </a:lvl1pPr>
+            <a:lvl2pPr marL="457200" algn="l" defTabSz="457200" rtl="0" eaLnBrk="1" latinLnBrk="0" hangingPunct="1">
+              <a:defRPr sz="1800" kern="1200">
+                <a:solidFill>
+                  <a:schemeClr val="tx1"/>
+                </a:solidFill>
+                <a:latin typeface="+mn-lt"/>
+                <a:ea typeface="+mn-ea"/>
+                <a:cs typeface="+mn-cs"/>
+              </a:defRPr>
+            </a:lvl2pPr>
+            <a:lvl3pPr marL="914400" algn="l" defTabSz="457200" rtl="0" eaLnBrk="1" latinLnBrk="0" hangingPunct="1">
+              <a:defRPr sz="1800" kern="1200">
+                <a:solidFill>
+                  <a:schemeClr val="tx1"/>
+                </a:solidFill>
+                <a:latin typeface="+mn-lt"/>
+                <a:ea typeface="+mn-ea"/>
+                <a:cs typeface="+mn-cs"/>
+              </a:defRPr>
+            </a:lvl3pPr>
+            <a:lvl4pPr marL="1371600" algn="l" defTabSz="457200" rtl="0" eaLnBrk="1" latinLnBrk="0" hangingPunct="1">
+              <a:defRPr sz="1800" kern="1200">
+                <a:solidFill>
+                  <a:schemeClr val="tx1"/>
+                </a:solidFill>
+                <a:latin typeface="+mn-lt"/>
+                <a:ea typeface="+mn-ea"/>
+                <a:cs typeface="+mn-cs"/>
+              </a:defRPr>
+            </a:lvl4pPr>
+            <a:lvl5pPr marL="1828800" algn="l" defTabSz="457200" rtl="0" eaLnBrk="1" latinLnBrk="0" hangingPunct="1">
+              <a:defRPr sz="1800" kern="1200">
+                <a:solidFill>
+                  <a:schemeClr val="tx1"/>
+                </a:solidFill>
+                <a:latin typeface="+mn-lt"/>
+                <a:ea typeface="+mn-ea"/>
+                <a:cs typeface="+mn-cs"/>
+              </a:defRPr>
+            </a:lvl5pPr>
+            <a:lvl6pPr marL="2286000" algn="l" defTabSz="457200" rtl="0" eaLnBrk="1" latinLnBrk="0" hangingPunct="1">
+              <a:defRPr sz="1800" kern="1200">
+                <a:solidFill>
+                  <a:schemeClr val="tx1"/>
+                </a:solidFill>
+                <a:latin typeface="+mn-lt"/>
+                <a:ea typeface="+mn-ea"/>
+                <a:cs typeface="+mn-cs"/>
+              </a:defRPr>
+            </a:lvl6pPr>
+            <a:lvl7pPr marL="2743200" algn="l" defTabSz="457200" rtl="0" eaLnBrk="1" latinLnBrk="0" hangingPunct="1">
+              <a:defRPr sz="1800" kern="1200">
+                <a:solidFill>
+                  <a:schemeClr val="tx1"/>
+                </a:solidFill>
+                <a:latin typeface="+mn-lt"/>
+                <a:ea typeface="+mn-ea"/>
+                <a:cs typeface="+mn-cs"/>
+              </a:defRPr>
+            </a:lvl7pPr>
+            <a:lvl8pPr marL="3200400" algn="l" defTabSz="457200" rtl="0" eaLnBrk="1" latinLnBrk="0" hangingPunct="1">
+              <a:defRPr sz="1800" kern="1200">
+                <a:solidFill>
+                  <a:schemeClr val="tx1"/>
+                </a:solidFill>
+                <a:latin typeface="+mn-lt"/>
+                <a:ea typeface="+mn-ea"/>
+                <a:cs typeface="+mn-cs"/>
+              </a:defRPr>
+            </a:lvl8pPr>
+            <a:lvl9pPr marL="3657600" algn="l" defTabSz="457200" rtl="0" eaLnBrk="1" latinLnBrk="0" hangingPunct="1">
+              <a:defRPr sz="1800" kern="1200">
+                <a:solidFill>
+                  <a:schemeClr val="tx1"/>
+                </a:solidFill>
+                <a:latin typeface="+mn-lt"/>
+                <a:ea typeface="+mn-ea"/>
+                <a:cs typeface="+mn-cs"/>
+              </a:defRPr>
+            </a:lvl9pPr>
+          </a:lstStyle>
+          <a:p>
+            <a:fld id="{1FE8DF1E-33BB-4377-9A26-35481BA06C7C}" type="slidenum">
+              <a:rPr lang="en-US" smtClean="0">
+                <a:solidFill>
+                  <a:schemeClr val="tx1"/>
+                </a:solidFill>
+                <a:latin typeface="Arial" panose="020B0604020202020204" pitchFamily="34" charset="0"/>
+                <a:cs typeface="Arial" panose="020B0604020202020204" pitchFamily="34" charset="0"/>
+              </a:rPr>
+              <a:pPr/>
+              <a:t>12</a:t>
+            </a:fld>
+            <a:endParaRPr lang="en-US" dirty="0">
+              <a:solidFill>
+                <a:schemeClr val="tx1"/>
+              </a:solidFill>
+              <a:latin typeface="Arial" panose="020B0604020202020204" pitchFamily="34" charset="0"/>
+              <a:cs typeface="Arial" panose="020B0604020202020204" pitchFamily="34" charset="0"/>
+            </a:endParaRPr>
+          </a:p>
+        </p:txBody>
+      </p:sp>
+    </p:spTree>
+    <p:extLst>
+      <p:ext uri="{BB962C8B-B14F-4D97-AF65-F5344CB8AC3E}">
+        <p14:creationId xmlns:p14="http://schemas.microsoft.com/office/powerpoint/2010/main" val="2014932800"/>
+      </p:ext>
+    </p:extLst>
+  </p:cSld>
+  <p:clrMapOvr>
+    <a:masterClrMapping/>
+  </p:clrMapOvr>
+</p:sld>
+</file>
+
+<file path=ppt/slides/slide13.xml><?xml version="1.0" encoding="utf-8"?>
+<p:sld xmlns:a="http://schemas.openxmlformats.org/drawingml/2006/main" xmlns:r="http://schemas.openxmlformats.org/officeDocument/2006/relationships" xmlns:p="http://schemas.openxmlformats.org/presentationml/2006/main">
+  <p:cSld>
+    <p:spTree>
+      <p:nvGrpSpPr>
+        <p:cNvPr id="1" name=""/>
+        <p:cNvGrpSpPr/>
+        <p:nvPr/>
+      </p:nvGrpSpPr>
+      <p:grpSpPr>
+        <a:xfrm>
+          <a:off x="0" y="0"/>
+          <a:ext cx="0" cy="0"/>
+          <a:chOff x="0" y="0"/>
+          <a:chExt cx="0" cy="0"/>
+        </a:xfrm>
+      </p:grpSpPr>
+      <p:sp>
+        <p:nvSpPr>
+          <p:cNvPr id="2" name="Заголовок 1">
+            <a:extLst>
+              <a:ext uri="{FF2B5EF4-FFF2-40B4-BE49-F238E27FC236}">
+                <a16:creationId xmlns:a16="http://schemas.microsoft.com/office/drawing/2014/main" id="{6E085493-7F17-44D3-8BA7-31484F86537E}"/>
+              </a:ext>
+            </a:extLst>
+          </p:cNvPr>
+          <p:cNvSpPr>
+            <a:spLocks noGrp="1"/>
+          </p:cNvSpPr>
+          <p:nvPr>
+            <p:ph type="title"/>
+          </p:nvPr>
+        </p:nvSpPr>
+        <p:spPr/>
+        <p:txBody>
+          <a:bodyPr/>
+          <a:lstStyle/>
+          <a:p>
+            <a:r>
+              <a:rPr lang="ru-RU" sz="3800" dirty="0">
+                <a:latin typeface="Arial" panose="020B0604020202020204" pitchFamily="34" charset="0"/>
+                <a:cs typeface="Arial" panose="020B0604020202020204" pitchFamily="34" charset="0"/>
+              </a:rPr>
+              <a:t>Диаграмма </a:t>
+            </a:r>
+            <a:r>
+              <a:rPr lang="en-US" sz="3800" dirty="0">
+                <a:latin typeface="Arial" panose="020B0604020202020204" pitchFamily="34" charset="0"/>
+                <a:cs typeface="Arial" panose="020B0604020202020204" pitchFamily="34" charset="0"/>
+              </a:rPr>
+              <a:t>IDEF0</a:t>
+            </a:r>
+            <a:endParaRPr lang="ru-RU" sz="3800" dirty="0">
+              <a:latin typeface="Arial" panose="020B0604020202020204" pitchFamily="34" charset="0"/>
+              <a:cs typeface="Arial" panose="020B0604020202020204" pitchFamily="34" charset="0"/>
+            </a:endParaRPr>
+          </a:p>
+        </p:txBody>
+      </p:sp>
+      <p:pic>
+        <p:nvPicPr>
+          <p:cNvPr id="5" name="Рисунок 4">
+            <a:extLst>
+              <a:ext uri="{FF2B5EF4-FFF2-40B4-BE49-F238E27FC236}">
+                <a16:creationId xmlns:a16="http://schemas.microsoft.com/office/drawing/2014/main" id="{E822CC24-B75C-48A6-B707-8208738A1C96}"/>
+              </a:ext>
+            </a:extLst>
+          </p:cNvPr>
+          <p:cNvPicPr>
+            <a:picLocks noChangeAspect="1"/>
+          </p:cNvPicPr>
+          <p:nvPr/>
+        </p:nvPicPr>
+        <p:blipFill>
+          <a:blip r:embed="rId2"/>
+          <a:stretch>
+            <a:fillRect/>
+          </a:stretch>
+        </p:blipFill>
+        <p:spPr>
+          <a:xfrm>
+            <a:off x="2132162" y="1690688"/>
+            <a:ext cx="7682681" cy="4307140"/>
+          </a:xfrm>
+          <a:prstGeom prst="rect">
+            <a:avLst/>
+          </a:prstGeom>
+        </p:spPr>
+      </p:pic>
+      <p:sp>
+        <p:nvSpPr>
+          <p:cNvPr id="9" name="TextBox 8">
+            <a:extLst>
+              <a:ext uri="{FF2B5EF4-FFF2-40B4-BE49-F238E27FC236}">
+                <a16:creationId xmlns:a16="http://schemas.microsoft.com/office/drawing/2014/main" id="{12AA81C3-BF15-4E25-9D05-A294504FC43A}"/>
+              </a:ext>
+            </a:extLst>
+          </p:cNvPr>
+          <p:cNvSpPr txBox="1"/>
+          <p:nvPr/>
+        </p:nvSpPr>
+        <p:spPr>
+          <a:xfrm>
+            <a:off x="4434839" y="6017796"/>
+            <a:ext cx="4984389" cy="338554"/>
+          </a:xfrm>
+          <a:prstGeom prst="rect">
+            <a:avLst/>
+          </a:prstGeom>
+          <a:noFill/>
+        </p:spPr>
+        <p:txBody>
+          <a:bodyPr wrap="square">
+            <a:spAutoFit/>
+          </a:bodyPr>
+          <a:lstStyle/>
+          <a:p>
+            <a:r>
+              <a:rPr lang="ru-RU" sz="1600" dirty="0">
+                <a:latin typeface="Arial" panose="020B0604020202020204" pitchFamily="34" charset="0"/>
+                <a:cs typeface="Arial" panose="020B0604020202020204" pitchFamily="34" charset="0"/>
+              </a:rPr>
+              <a:t>Рисунок 5. Диаграмма </a:t>
+            </a:r>
+            <a:r>
+              <a:rPr lang="en-US" sz="1600" dirty="0">
+                <a:latin typeface="Arial" panose="020B0604020202020204" pitchFamily="34" charset="0"/>
+                <a:cs typeface="Arial" panose="020B0604020202020204" pitchFamily="34" charset="0"/>
+              </a:rPr>
+              <a:t>IDEF0 </a:t>
+            </a:r>
+            <a:endParaRPr lang="ru-RU" sz="1600" dirty="0">
+              <a:latin typeface="Arial" panose="020B0604020202020204" pitchFamily="34" charset="0"/>
+              <a:cs typeface="Arial" panose="020B0604020202020204" pitchFamily="34" charset="0"/>
+            </a:endParaRPr>
+          </a:p>
+        </p:txBody>
+      </p:sp>
+      <p:sp>
+        <p:nvSpPr>
+          <p:cNvPr id="6" name="Номер слайда 3">
+            <a:extLst>
+              <a:ext uri="{FF2B5EF4-FFF2-40B4-BE49-F238E27FC236}">
+                <a16:creationId xmlns:a16="http://schemas.microsoft.com/office/drawing/2014/main" id="{1FE144E3-9E78-4953-91EE-F48032036DE5}"/>
+              </a:ext>
+            </a:extLst>
+          </p:cNvPr>
+          <p:cNvSpPr txBox="1">
+            <a:spLocks/>
+          </p:cNvSpPr>
+          <p:nvPr/>
+        </p:nvSpPr>
+        <p:spPr>
+          <a:xfrm>
+            <a:off x="-2379453" y="6492875"/>
+            <a:ext cx="2743200" cy="365125"/>
+          </a:xfrm>
+          <a:prstGeom prst="rect">
+            <a:avLst/>
+          </a:prstGeom>
+        </p:spPr>
+        <p:txBody>
+          <a:bodyPr vert="horz" lIns="91440" tIns="45720" rIns="91440" bIns="45720" rtlCol="0" anchor="ctr"/>
+          <a:lstStyle>
+            <a:defPPr>
+              <a:defRPr lang="en-US"/>
+            </a:defPPr>
+            <a:lvl1pPr marL="0" algn="r" defTabSz="457200" rtl="0" eaLnBrk="1" latinLnBrk="0" hangingPunct="1">
+              <a:defRPr sz="1200" kern="1200">
+                <a:solidFill>
+                  <a:schemeClr val="tx1">
+                    <a:tint val="75000"/>
+                  </a:schemeClr>
+                </a:solidFill>
+                <a:latin typeface="+mn-lt"/>
+                <a:ea typeface="+mn-ea"/>
+                <a:cs typeface="+mn-cs"/>
+              </a:defRPr>
+            </a:lvl1pPr>
+            <a:lvl2pPr marL="457200" algn="l" defTabSz="457200" rtl="0" eaLnBrk="1" latinLnBrk="0" hangingPunct="1">
+              <a:defRPr sz="1800" kern="1200">
+                <a:solidFill>
+                  <a:schemeClr val="tx1"/>
+                </a:solidFill>
+                <a:latin typeface="+mn-lt"/>
+                <a:ea typeface="+mn-ea"/>
+                <a:cs typeface="+mn-cs"/>
+              </a:defRPr>
+            </a:lvl2pPr>
+            <a:lvl3pPr marL="914400" algn="l" defTabSz="457200" rtl="0" eaLnBrk="1" latinLnBrk="0" hangingPunct="1">
+              <a:defRPr sz="1800" kern="1200">
+                <a:solidFill>
+                  <a:schemeClr val="tx1"/>
+                </a:solidFill>
+                <a:latin typeface="+mn-lt"/>
+                <a:ea typeface="+mn-ea"/>
+                <a:cs typeface="+mn-cs"/>
+              </a:defRPr>
+            </a:lvl3pPr>
+            <a:lvl4pPr marL="1371600" algn="l" defTabSz="457200" rtl="0" eaLnBrk="1" latinLnBrk="0" hangingPunct="1">
+              <a:defRPr sz="1800" kern="1200">
+                <a:solidFill>
+                  <a:schemeClr val="tx1"/>
+                </a:solidFill>
+                <a:latin typeface="+mn-lt"/>
+                <a:ea typeface="+mn-ea"/>
+                <a:cs typeface="+mn-cs"/>
+              </a:defRPr>
+            </a:lvl4pPr>
+            <a:lvl5pPr marL="1828800" algn="l" defTabSz="457200" rtl="0" eaLnBrk="1" latinLnBrk="0" hangingPunct="1">
+              <a:defRPr sz="1800" kern="1200">
+                <a:solidFill>
+                  <a:schemeClr val="tx1"/>
+                </a:solidFill>
+                <a:latin typeface="+mn-lt"/>
+                <a:ea typeface="+mn-ea"/>
+                <a:cs typeface="+mn-cs"/>
+              </a:defRPr>
+            </a:lvl5pPr>
+            <a:lvl6pPr marL="2286000" algn="l" defTabSz="457200" rtl="0" eaLnBrk="1" latinLnBrk="0" hangingPunct="1">
+              <a:defRPr sz="1800" kern="1200">
+                <a:solidFill>
+                  <a:schemeClr val="tx1"/>
+                </a:solidFill>
+                <a:latin typeface="+mn-lt"/>
+                <a:ea typeface="+mn-ea"/>
+                <a:cs typeface="+mn-cs"/>
+              </a:defRPr>
+            </a:lvl6pPr>
+            <a:lvl7pPr marL="2743200" algn="l" defTabSz="457200" rtl="0" eaLnBrk="1" latinLnBrk="0" hangingPunct="1">
+              <a:defRPr sz="1800" kern="1200">
+                <a:solidFill>
+                  <a:schemeClr val="tx1"/>
+                </a:solidFill>
+                <a:latin typeface="+mn-lt"/>
+                <a:ea typeface="+mn-ea"/>
+                <a:cs typeface="+mn-cs"/>
+              </a:defRPr>
+            </a:lvl7pPr>
+            <a:lvl8pPr marL="3200400" algn="l" defTabSz="457200" rtl="0" eaLnBrk="1" latinLnBrk="0" hangingPunct="1">
+              <a:defRPr sz="1800" kern="1200">
+                <a:solidFill>
+                  <a:schemeClr val="tx1"/>
+                </a:solidFill>
+                <a:latin typeface="+mn-lt"/>
+                <a:ea typeface="+mn-ea"/>
+                <a:cs typeface="+mn-cs"/>
+              </a:defRPr>
+            </a:lvl8pPr>
+            <a:lvl9pPr marL="3657600" algn="l" defTabSz="457200" rtl="0" eaLnBrk="1" latinLnBrk="0" hangingPunct="1">
+              <a:defRPr sz="1800" kern="1200">
+                <a:solidFill>
+                  <a:schemeClr val="tx1"/>
+                </a:solidFill>
+                <a:latin typeface="+mn-lt"/>
+                <a:ea typeface="+mn-ea"/>
+                <a:cs typeface="+mn-cs"/>
+              </a:defRPr>
+            </a:lvl9pPr>
+          </a:lstStyle>
+          <a:p>
+            <a:fld id="{1FE8DF1E-33BB-4377-9A26-35481BA06C7C}" type="slidenum">
+              <a:rPr lang="en-US" smtClean="0">
+                <a:solidFill>
+                  <a:schemeClr val="tx1"/>
+                </a:solidFill>
+                <a:latin typeface="Arial" panose="020B0604020202020204" pitchFamily="34" charset="0"/>
+                <a:cs typeface="Arial" panose="020B0604020202020204" pitchFamily="34" charset="0"/>
+              </a:rPr>
+              <a:pPr/>
+              <a:t>13</a:t>
+            </a:fld>
+            <a:endParaRPr lang="en-US" dirty="0">
+              <a:solidFill>
+                <a:schemeClr val="tx1"/>
+              </a:solidFill>
+              <a:latin typeface="Arial" panose="020B0604020202020204" pitchFamily="34" charset="0"/>
+              <a:cs typeface="Arial" panose="020B0604020202020204" pitchFamily="34" charset="0"/>
+            </a:endParaRPr>
+          </a:p>
+        </p:txBody>
+      </p:sp>
+    </p:spTree>
+    <p:extLst>
+      <p:ext uri="{BB962C8B-B14F-4D97-AF65-F5344CB8AC3E}">
+        <p14:creationId xmlns:p14="http://schemas.microsoft.com/office/powerpoint/2010/main" val="2715621004"/>
+      </p:ext>
+    </p:extLst>
+  </p:cSld>
+  <p:clrMapOvr>
+    <a:masterClrMapping/>
+  </p:clrMapOvr>
+</p:sld>
+</file>
+
+<file path=ppt/slides/slide14.xml><?xml version="1.0" encoding="utf-8"?>
+<p:sld xmlns:a="http://schemas.openxmlformats.org/drawingml/2006/main" xmlns:r="http://schemas.openxmlformats.org/officeDocument/2006/relationships" xmlns:p="http://schemas.openxmlformats.org/presentationml/2006/main">
+  <p:cSld>
+    <p:spTree>
+      <p:nvGrpSpPr>
+        <p:cNvPr id="1" name=""/>
+        <p:cNvGrpSpPr/>
+        <p:nvPr/>
+      </p:nvGrpSpPr>
+      <p:grpSpPr>
+        <a:xfrm>
+          <a:off x="0" y="0"/>
+          <a:ext cx="0" cy="0"/>
+          <a:chOff x="0" y="0"/>
+          <a:chExt cx="0" cy="0"/>
+        </a:xfrm>
+      </p:grpSpPr>
+      <p:sp>
+        <p:nvSpPr>
+          <p:cNvPr id="2" name="Заголовок 1">
+            <a:extLst>
+              <a:ext uri="{FF2B5EF4-FFF2-40B4-BE49-F238E27FC236}">
+                <a16:creationId xmlns:a16="http://schemas.microsoft.com/office/drawing/2014/main" id="{EB8C9BB5-F81D-4D01-BA39-773705EB9F42}"/>
+              </a:ext>
+            </a:extLst>
+          </p:cNvPr>
+          <p:cNvSpPr>
+            <a:spLocks noGrp="1"/>
+          </p:cNvSpPr>
+          <p:nvPr>
+            <p:ph type="title"/>
+          </p:nvPr>
+        </p:nvSpPr>
+        <p:spPr/>
+        <p:txBody>
+          <a:bodyPr/>
+          <a:lstStyle/>
+          <a:p>
+            <a:r>
+              <a:rPr lang="ru-RU" sz="3800" dirty="0">
+                <a:latin typeface="Arial" panose="020B0604020202020204" pitchFamily="34" charset="0"/>
+                <a:cs typeface="Arial" panose="020B0604020202020204" pitchFamily="34" charset="0"/>
+              </a:rPr>
+              <a:t>Модель сущность-связь</a:t>
+            </a:r>
+          </a:p>
+        </p:txBody>
+      </p:sp>
+      <p:pic>
+        <p:nvPicPr>
+          <p:cNvPr id="5" name="Рисунок 4">
+            <a:extLst>
+              <a:ext uri="{FF2B5EF4-FFF2-40B4-BE49-F238E27FC236}">
+                <a16:creationId xmlns:a16="http://schemas.microsoft.com/office/drawing/2014/main" id="{67EFFFDF-D1A3-4D75-A511-6B0FF2BDB73A}"/>
+              </a:ext>
+            </a:extLst>
+          </p:cNvPr>
+          <p:cNvPicPr>
+            <a:picLocks noChangeAspect="1"/>
+          </p:cNvPicPr>
+          <p:nvPr/>
+        </p:nvPicPr>
+        <p:blipFill>
+          <a:blip r:embed="rId2"/>
+          <a:stretch>
+            <a:fillRect/>
+          </a:stretch>
+        </p:blipFill>
+        <p:spPr>
+          <a:xfrm>
+            <a:off x="2299018" y="1690689"/>
+            <a:ext cx="6756360" cy="4443412"/>
+          </a:xfrm>
+          <a:prstGeom prst="rect">
+            <a:avLst/>
+          </a:prstGeom>
+        </p:spPr>
+      </p:pic>
+      <p:sp>
+        <p:nvSpPr>
+          <p:cNvPr id="7" name="TextBox 6">
+            <a:extLst>
+              <a:ext uri="{FF2B5EF4-FFF2-40B4-BE49-F238E27FC236}">
+                <a16:creationId xmlns:a16="http://schemas.microsoft.com/office/drawing/2014/main" id="{BF097272-3046-49CD-BBD7-9C0770E145AD}"/>
+              </a:ext>
+            </a:extLst>
+          </p:cNvPr>
+          <p:cNvSpPr txBox="1"/>
+          <p:nvPr/>
+        </p:nvSpPr>
+        <p:spPr>
+          <a:xfrm>
+            <a:off x="4244340" y="6134101"/>
+            <a:ext cx="4572000" cy="338554"/>
+          </a:xfrm>
+          <a:prstGeom prst="rect">
+            <a:avLst/>
+          </a:prstGeom>
+          <a:noFill/>
+        </p:spPr>
+        <p:txBody>
+          <a:bodyPr wrap="square">
+            <a:spAutoFit/>
+          </a:bodyPr>
+          <a:lstStyle/>
+          <a:p>
+            <a:r>
+              <a:rPr lang="ru-RU" sz="1600" dirty="0">
+                <a:latin typeface="Arial" panose="020B0604020202020204" pitchFamily="34" charset="0"/>
+                <a:cs typeface="Arial" panose="020B0604020202020204" pitchFamily="34" charset="0"/>
+              </a:rPr>
+              <a:t>Рисунок 6. Диаграмма </a:t>
+            </a:r>
+            <a:r>
+              <a:rPr lang="en-US" sz="1600" dirty="0">
+                <a:latin typeface="Arial" panose="020B0604020202020204" pitchFamily="34" charset="0"/>
+                <a:cs typeface="Arial" panose="020B0604020202020204" pitchFamily="34" charset="0"/>
+              </a:rPr>
+              <a:t>ERD</a:t>
+            </a:r>
+            <a:r>
+              <a:rPr lang="ru-RU" sz="1600" dirty="0">
+                <a:latin typeface="Arial" panose="020B0604020202020204" pitchFamily="34" charset="0"/>
+                <a:cs typeface="Arial" panose="020B0604020202020204" pitchFamily="34" charset="0"/>
+              </a:rPr>
+              <a:t> </a:t>
+            </a:r>
+          </a:p>
+        </p:txBody>
+      </p:sp>
+      <p:sp>
+        <p:nvSpPr>
+          <p:cNvPr id="6" name="Номер слайда 3">
+            <a:extLst>
+              <a:ext uri="{FF2B5EF4-FFF2-40B4-BE49-F238E27FC236}">
+                <a16:creationId xmlns:a16="http://schemas.microsoft.com/office/drawing/2014/main" id="{98EC7B15-7344-4D82-91DF-77BEDB4D34D3}"/>
+              </a:ext>
+            </a:extLst>
+          </p:cNvPr>
+          <p:cNvSpPr txBox="1">
+            <a:spLocks/>
+          </p:cNvSpPr>
+          <p:nvPr/>
+        </p:nvSpPr>
+        <p:spPr>
+          <a:xfrm>
+            <a:off x="-2379453" y="6492875"/>
+            <a:ext cx="2743200" cy="365125"/>
+          </a:xfrm>
+          <a:prstGeom prst="rect">
+            <a:avLst/>
+          </a:prstGeom>
+        </p:spPr>
+        <p:txBody>
+          <a:bodyPr vert="horz" lIns="91440" tIns="45720" rIns="91440" bIns="45720" rtlCol="0" anchor="ctr"/>
+          <a:lstStyle>
+            <a:defPPr>
+              <a:defRPr lang="en-US"/>
+            </a:defPPr>
+            <a:lvl1pPr marL="0" algn="r" defTabSz="457200" rtl="0" eaLnBrk="1" latinLnBrk="0" hangingPunct="1">
+              <a:defRPr sz="1200" kern="1200">
+                <a:solidFill>
+                  <a:schemeClr val="tx1">
+                    <a:tint val="75000"/>
+                  </a:schemeClr>
+                </a:solidFill>
+                <a:latin typeface="+mn-lt"/>
+                <a:ea typeface="+mn-ea"/>
+                <a:cs typeface="+mn-cs"/>
+              </a:defRPr>
+            </a:lvl1pPr>
+            <a:lvl2pPr marL="457200" algn="l" defTabSz="457200" rtl="0" eaLnBrk="1" latinLnBrk="0" hangingPunct="1">
+              <a:defRPr sz="1800" kern="1200">
+                <a:solidFill>
+                  <a:schemeClr val="tx1"/>
+                </a:solidFill>
+                <a:latin typeface="+mn-lt"/>
+                <a:ea typeface="+mn-ea"/>
+                <a:cs typeface="+mn-cs"/>
+              </a:defRPr>
+            </a:lvl2pPr>
+            <a:lvl3pPr marL="914400" algn="l" defTabSz="457200" rtl="0" eaLnBrk="1" latinLnBrk="0" hangingPunct="1">
+              <a:defRPr sz="1800" kern="1200">
+                <a:solidFill>
+                  <a:schemeClr val="tx1"/>
+                </a:solidFill>
+                <a:latin typeface="+mn-lt"/>
+                <a:ea typeface="+mn-ea"/>
+                <a:cs typeface="+mn-cs"/>
+              </a:defRPr>
+            </a:lvl3pPr>
+            <a:lvl4pPr marL="1371600" algn="l" defTabSz="457200" rtl="0" eaLnBrk="1" latinLnBrk="0" hangingPunct="1">
+              <a:defRPr sz="1800" kern="1200">
+                <a:solidFill>
+                  <a:schemeClr val="tx1"/>
+                </a:solidFill>
+                <a:latin typeface="+mn-lt"/>
+                <a:ea typeface="+mn-ea"/>
+                <a:cs typeface="+mn-cs"/>
+              </a:defRPr>
+            </a:lvl4pPr>
+            <a:lvl5pPr marL="1828800" algn="l" defTabSz="457200" rtl="0" eaLnBrk="1" latinLnBrk="0" hangingPunct="1">
+              <a:defRPr sz="1800" kern="1200">
+                <a:solidFill>
+                  <a:schemeClr val="tx1"/>
+                </a:solidFill>
+                <a:latin typeface="+mn-lt"/>
+                <a:ea typeface="+mn-ea"/>
+                <a:cs typeface="+mn-cs"/>
+              </a:defRPr>
+            </a:lvl5pPr>
+            <a:lvl6pPr marL="2286000" algn="l" defTabSz="457200" rtl="0" eaLnBrk="1" latinLnBrk="0" hangingPunct="1">
+              <a:defRPr sz="1800" kern="1200">
+                <a:solidFill>
+                  <a:schemeClr val="tx1"/>
+                </a:solidFill>
+                <a:latin typeface="+mn-lt"/>
+                <a:ea typeface="+mn-ea"/>
+                <a:cs typeface="+mn-cs"/>
+              </a:defRPr>
+            </a:lvl6pPr>
+            <a:lvl7pPr marL="2743200" algn="l" defTabSz="457200" rtl="0" eaLnBrk="1" latinLnBrk="0" hangingPunct="1">
+              <a:defRPr sz="1800" kern="1200">
+                <a:solidFill>
+                  <a:schemeClr val="tx1"/>
+                </a:solidFill>
+                <a:latin typeface="+mn-lt"/>
+                <a:ea typeface="+mn-ea"/>
+                <a:cs typeface="+mn-cs"/>
+              </a:defRPr>
+            </a:lvl7pPr>
+            <a:lvl8pPr marL="3200400" algn="l" defTabSz="457200" rtl="0" eaLnBrk="1" latinLnBrk="0" hangingPunct="1">
+              <a:defRPr sz="1800" kern="1200">
+                <a:solidFill>
+                  <a:schemeClr val="tx1"/>
+                </a:solidFill>
+                <a:latin typeface="+mn-lt"/>
+                <a:ea typeface="+mn-ea"/>
+                <a:cs typeface="+mn-cs"/>
+              </a:defRPr>
+            </a:lvl8pPr>
+            <a:lvl9pPr marL="3657600" algn="l" defTabSz="457200" rtl="0" eaLnBrk="1" latinLnBrk="0" hangingPunct="1">
+              <a:defRPr sz="1800" kern="1200">
+                <a:solidFill>
+                  <a:schemeClr val="tx1"/>
+                </a:solidFill>
+                <a:latin typeface="+mn-lt"/>
+                <a:ea typeface="+mn-ea"/>
+                <a:cs typeface="+mn-cs"/>
+              </a:defRPr>
+            </a:lvl9pPr>
+          </a:lstStyle>
+          <a:p>
+            <a:fld id="{1FE8DF1E-33BB-4377-9A26-35481BA06C7C}" type="slidenum">
+              <a:rPr lang="en-US" smtClean="0">
+                <a:solidFill>
+                  <a:schemeClr val="tx1"/>
+                </a:solidFill>
+                <a:latin typeface="Arial" panose="020B0604020202020204" pitchFamily="34" charset="0"/>
+                <a:cs typeface="Arial" panose="020B0604020202020204" pitchFamily="34" charset="0"/>
+              </a:rPr>
+              <a:pPr/>
+              <a:t>14</a:t>
+            </a:fld>
+            <a:endParaRPr lang="en-US" dirty="0">
+              <a:solidFill>
+                <a:schemeClr val="tx1"/>
+              </a:solidFill>
+              <a:latin typeface="Arial" panose="020B0604020202020204" pitchFamily="34" charset="0"/>
+              <a:cs typeface="Arial" panose="020B0604020202020204" pitchFamily="34" charset="0"/>
+            </a:endParaRPr>
+          </a:p>
+        </p:txBody>
+      </p:sp>
+    </p:spTree>
+    <p:extLst>
+      <p:ext uri="{BB962C8B-B14F-4D97-AF65-F5344CB8AC3E}">
+        <p14:creationId xmlns:p14="http://schemas.microsoft.com/office/powerpoint/2010/main" val="971252591"/>
+      </p:ext>
+    </p:extLst>
+  </p:cSld>
+  <p:clrMapOvr>
+    <a:masterClrMapping/>
+  </p:clrMapOvr>
+</p:sld>
+</file>
+
+<file path=ppt/slides/slide15.xml><?xml version="1.0" encoding="utf-8"?>
+<p:sld xmlns:a="http://schemas.openxmlformats.org/drawingml/2006/main" xmlns:r="http://schemas.openxmlformats.org/officeDocument/2006/relationships" xmlns:p="http://schemas.openxmlformats.org/presentationml/2006/main">
+  <p:cSld>
+    <p:spTree>
+      <p:nvGrpSpPr>
+        <p:cNvPr id="1" name=""/>
+        <p:cNvGrpSpPr/>
+        <p:nvPr/>
+      </p:nvGrpSpPr>
+      <p:grpSpPr>
+        <a:xfrm>
+          <a:off x="0" y="0"/>
+          <a:ext cx="0" cy="0"/>
+          <a:chOff x="0" y="0"/>
+          <a:chExt cx="0" cy="0"/>
+        </a:xfrm>
+      </p:grpSpPr>
+      <p:sp>
+        <p:nvSpPr>
+          <p:cNvPr id="2" name="Заголовок 1">
+            <a:extLst>
+              <a:ext uri="{FF2B5EF4-FFF2-40B4-BE49-F238E27FC236}">
+                <a16:creationId xmlns:a16="http://schemas.microsoft.com/office/drawing/2014/main" id="{00E7FCE0-7928-463D-ABA8-6539A32F75B0}"/>
+              </a:ext>
+            </a:extLst>
+          </p:cNvPr>
+          <p:cNvSpPr>
+            <a:spLocks noGrp="1"/>
+          </p:cNvSpPr>
+          <p:nvPr>
+            <p:ph type="title"/>
+          </p:nvPr>
+        </p:nvSpPr>
+        <p:spPr>
+          <a:xfrm>
+            <a:off x="2161055" y="2430258"/>
+            <a:ext cx="7869890" cy="998742"/>
+          </a:xfrm>
+        </p:spPr>
+        <p:txBody>
+          <a:bodyPr>
             <a:normAutofit fontScale="90000"/>
           </a:bodyPr>
           <a:lstStyle/>
           <a:p>
-            <a:r>
-              <a:rPr lang="ru-RU" sz="3200" dirty="0">
-                <a:solidFill>
-                  <a:schemeClr val="tx1"/>
-                </a:solidFill>
+            <a:pPr algn="ctr"/>
+            <a:r>
+              <a:rPr lang="ru-RU" sz="6000" b="1" dirty="0">
                 <a:latin typeface="Arial" panose="020B0604020202020204" pitchFamily="34" charset="0"/>
                 <a:cs typeface="Arial" panose="020B0604020202020204" pitchFamily="34" charset="0"/>
               </a:rPr>
-              <a:t>Выпускная квалификационная работа</a:t>
-            </a:r>
+              <a:t>Реализация информационной системы</a:t>
+            </a:r>
+          </a:p>
+        </p:txBody>
+      </p:sp>
+      <p:sp>
+        <p:nvSpPr>
+          <p:cNvPr id="5" name="Номер слайда 3">
+            <a:extLst>
+              <a:ext uri="{FF2B5EF4-FFF2-40B4-BE49-F238E27FC236}">
+                <a16:creationId xmlns:a16="http://schemas.microsoft.com/office/drawing/2014/main" id="{6B0AEDD6-DCCB-4E3F-9005-96470D8ECC11}"/>
+              </a:ext>
+            </a:extLst>
+          </p:cNvPr>
+          <p:cNvSpPr txBox="1">
+            <a:spLocks/>
+          </p:cNvSpPr>
+          <p:nvPr/>
+        </p:nvSpPr>
+        <p:spPr>
+          <a:xfrm>
+            <a:off x="-2379453" y="6492875"/>
+            <a:ext cx="2743200" cy="365125"/>
+          </a:xfrm>
+          <a:prstGeom prst="rect">
+            <a:avLst/>
+          </a:prstGeom>
+        </p:spPr>
+        <p:txBody>
+          <a:bodyPr vert="horz" lIns="91440" tIns="45720" rIns="91440" bIns="45720" rtlCol="0" anchor="ctr"/>
+          <a:lstStyle>
+            <a:defPPr>
+              <a:defRPr lang="en-US"/>
+            </a:defPPr>
+            <a:lvl1pPr marL="0" algn="r" defTabSz="457200" rtl="0" eaLnBrk="1" latinLnBrk="0" hangingPunct="1">
+              <a:defRPr sz="1200" kern="1200">
+                <a:solidFill>
+                  <a:schemeClr val="tx1">
+                    <a:tint val="75000"/>
+                  </a:schemeClr>
+                </a:solidFill>
+                <a:latin typeface="+mn-lt"/>
+                <a:ea typeface="+mn-ea"/>
+                <a:cs typeface="+mn-cs"/>
+              </a:defRPr>
+            </a:lvl1pPr>
+            <a:lvl2pPr marL="457200" algn="l" defTabSz="457200" rtl="0" eaLnBrk="1" latinLnBrk="0" hangingPunct="1">
+              <a:defRPr sz="1800" kern="1200">
+                <a:solidFill>
+                  <a:schemeClr val="tx1"/>
+                </a:solidFill>
+                <a:latin typeface="+mn-lt"/>
+                <a:ea typeface="+mn-ea"/>
+                <a:cs typeface="+mn-cs"/>
+              </a:defRPr>
+            </a:lvl2pPr>
+            <a:lvl3pPr marL="914400" algn="l" defTabSz="457200" rtl="0" eaLnBrk="1" latinLnBrk="0" hangingPunct="1">
+              <a:defRPr sz="1800" kern="1200">
+                <a:solidFill>
+                  <a:schemeClr val="tx1"/>
+                </a:solidFill>
+                <a:latin typeface="+mn-lt"/>
+                <a:ea typeface="+mn-ea"/>
+                <a:cs typeface="+mn-cs"/>
+              </a:defRPr>
+            </a:lvl3pPr>
+            <a:lvl4pPr marL="1371600" algn="l" defTabSz="457200" rtl="0" eaLnBrk="1" latinLnBrk="0" hangingPunct="1">
+              <a:defRPr sz="1800" kern="1200">
+                <a:solidFill>
+                  <a:schemeClr val="tx1"/>
+                </a:solidFill>
+                <a:latin typeface="+mn-lt"/>
+                <a:ea typeface="+mn-ea"/>
+                <a:cs typeface="+mn-cs"/>
+              </a:defRPr>
+            </a:lvl4pPr>
+            <a:lvl5pPr marL="1828800" algn="l" defTabSz="457200" rtl="0" eaLnBrk="1" latinLnBrk="0" hangingPunct="1">
+              <a:defRPr sz="1800" kern="1200">
+                <a:solidFill>
+                  <a:schemeClr val="tx1"/>
+                </a:solidFill>
+                <a:latin typeface="+mn-lt"/>
+                <a:ea typeface="+mn-ea"/>
+                <a:cs typeface="+mn-cs"/>
+              </a:defRPr>
+            </a:lvl5pPr>
+            <a:lvl6pPr marL="2286000" algn="l" defTabSz="457200" rtl="0" eaLnBrk="1" latinLnBrk="0" hangingPunct="1">
+              <a:defRPr sz="1800" kern="1200">
+                <a:solidFill>
+                  <a:schemeClr val="tx1"/>
+                </a:solidFill>
+                <a:latin typeface="+mn-lt"/>
+                <a:ea typeface="+mn-ea"/>
+                <a:cs typeface="+mn-cs"/>
+              </a:defRPr>
+            </a:lvl6pPr>
+            <a:lvl7pPr marL="2743200" algn="l" defTabSz="457200" rtl="0" eaLnBrk="1" latinLnBrk="0" hangingPunct="1">
+              <a:defRPr sz="1800" kern="1200">
+                <a:solidFill>
+                  <a:schemeClr val="tx1"/>
+                </a:solidFill>
+                <a:latin typeface="+mn-lt"/>
+                <a:ea typeface="+mn-ea"/>
+                <a:cs typeface="+mn-cs"/>
+              </a:defRPr>
+            </a:lvl7pPr>
+            <a:lvl8pPr marL="3200400" algn="l" defTabSz="457200" rtl="0" eaLnBrk="1" latinLnBrk="0" hangingPunct="1">
+              <a:defRPr sz="1800" kern="1200">
+                <a:solidFill>
+                  <a:schemeClr val="tx1"/>
+                </a:solidFill>
+                <a:latin typeface="+mn-lt"/>
+                <a:ea typeface="+mn-ea"/>
+                <a:cs typeface="+mn-cs"/>
+              </a:defRPr>
+            </a:lvl8pPr>
+            <a:lvl9pPr marL="3657600" algn="l" defTabSz="457200" rtl="0" eaLnBrk="1" latinLnBrk="0" hangingPunct="1">
+              <a:defRPr sz="1800" kern="1200">
+                <a:solidFill>
+                  <a:schemeClr val="tx1"/>
+                </a:solidFill>
+                <a:latin typeface="+mn-lt"/>
+                <a:ea typeface="+mn-ea"/>
+                <a:cs typeface="+mn-cs"/>
+              </a:defRPr>
+            </a:lvl9pPr>
+          </a:lstStyle>
+          <a:p>
+            <a:fld id="{1FE8DF1E-33BB-4377-9A26-35481BA06C7C}" type="slidenum">
+              <a:rPr lang="en-US" smtClean="0">
+                <a:solidFill>
+                  <a:schemeClr val="tx1"/>
+                </a:solidFill>
+                <a:latin typeface="Arial" panose="020B0604020202020204" pitchFamily="34" charset="0"/>
+                <a:cs typeface="Arial" panose="020B0604020202020204" pitchFamily="34" charset="0"/>
+              </a:rPr>
+              <a:pPr/>
+              <a:t>15</a:t>
+            </a:fld>
+            <a:endParaRPr lang="en-US" dirty="0">
+              <a:solidFill>
+                <a:schemeClr val="tx1"/>
+              </a:solidFill>
+              <a:latin typeface="Arial" panose="020B0604020202020204" pitchFamily="34" charset="0"/>
+              <a:cs typeface="Arial" panose="020B0604020202020204" pitchFamily="34" charset="0"/>
+            </a:endParaRPr>
           </a:p>
         </p:txBody>
       </p:sp>
     </p:spTree>
     <p:extLst>
       <p:ext uri="{BB962C8B-B14F-4D97-AF65-F5344CB8AC3E}">
-        <p14:creationId xmlns:p14="http://schemas.microsoft.com/office/powerpoint/2010/main" val="2480652117"/>
+        <p14:creationId xmlns:p14="http://schemas.microsoft.com/office/powerpoint/2010/main" val="869122185"/>
+      </p:ext>
+    </p:extLst>
+  </p:cSld>
+  <p:clrMapOvr>
+    <a:masterClrMapping/>
+  </p:clrMapOvr>
+</p:sld>
+</file>
+
+<file path=ppt/slides/slide16.xml><?xml version="1.0" encoding="utf-8"?>
+<p:sld xmlns:a="http://schemas.openxmlformats.org/drawingml/2006/main" xmlns:r="http://schemas.openxmlformats.org/officeDocument/2006/relationships" xmlns:p="http://schemas.openxmlformats.org/presentationml/2006/main">
+  <p:cSld>
+    <p:spTree>
+      <p:nvGrpSpPr>
+        <p:cNvPr id="1" name=""/>
+        <p:cNvGrpSpPr/>
+        <p:nvPr/>
+      </p:nvGrpSpPr>
+      <p:grpSpPr>
+        <a:xfrm>
+          <a:off x="0" y="0"/>
+          <a:ext cx="0" cy="0"/>
+          <a:chOff x="0" y="0"/>
+          <a:chExt cx="0" cy="0"/>
+        </a:xfrm>
+      </p:grpSpPr>
+      <p:sp>
+        <p:nvSpPr>
+          <p:cNvPr id="2" name="Заголовок 1">
+            <a:extLst>
+              <a:ext uri="{FF2B5EF4-FFF2-40B4-BE49-F238E27FC236}">
+                <a16:creationId xmlns:a16="http://schemas.microsoft.com/office/drawing/2014/main" id="{D208D790-0762-4413-96A7-83F0B4D0A2A7}"/>
+              </a:ext>
+            </a:extLst>
+          </p:cNvPr>
+          <p:cNvSpPr>
+            <a:spLocks noGrp="1"/>
+          </p:cNvSpPr>
+          <p:nvPr>
+            <p:ph type="title"/>
+          </p:nvPr>
+        </p:nvSpPr>
+        <p:spPr/>
+        <p:txBody>
+          <a:bodyPr/>
+          <a:lstStyle/>
+          <a:p>
+            <a:r>
+              <a:rPr lang="ru-RU" sz="3800" dirty="0">
+                <a:latin typeface="Arial" panose="020B0604020202020204" pitchFamily="34" charset="0"/>
+                <a:cs typeface="Arial" panose="020B0604020202020204" pitchFamily="34" charset="0"/>
+              </a:rPr>
+              <a:t>Схема базы данных</a:t>
+            </a:r>
+          </a:p>
+        </p:txBody>
+      </p:sp>
+      <p:pic>
+        <p:nvPicPr>
+          <p:cNvPr id="6" name="Рисунок 5">
+            <a:extLst>
+              <a:ext uri="{FF2B5EF4-FFF2-40B4-BE49-F238E27FC236}">
+                <a16:creationId xmlns:a16="http://schemas.microsoft.com/office/drawing/2014/main" id="{D4CC1CBB-C8DE-4EF6-9F1B-5599448BA752}"/>
+              </a:ext>
+            </a:extLst>
+          </p:cNvPr>
+          <p:cNvPicPr>
+            <a:picLocks noChangeAspect="1"/>
+          </p:cNvPicPr>
+          <p:nvPr/>
+        </p:nvPicPr>
+        <p:blipFill>
+          <a:blip r:embed="rId2"/>
+          <a:stretch>
+            <a:fillRect/>
+          </a:stretch>
+        </p:blipFill>
+        <p:spPr>
+          <a:xfrm>
+            <a:off x="2521893" y="1432236"/>
+            <a:ext cx="6553527" cy="4830886"/>
+          </a:xfrm>
+          <a:prstGeom prst="rect">
+            <a:avLst/>
+          </a:prstGeom>
+        </p:spPr>
+      </p:pic>
+      <p:sp>
+        <p:nvSpPr>
+          <p:cNvPr id="7" name="TextBox 6">
+            <a:extLst>
+              <a:ext uri="{FF2B5EF4-FFF2-40B4-BE49-F238E27FC236}">
+                <a16:creationId xmlns:a16="http://schemas.microsoft.com/office/drawing/2014/main" id="{F1FD84C5-373F-414E-9081-298E382D5C28}"/>
+              </a:ext>
+            </a:extLst>
+          </p:cNvPr>
+          <p:cNvSpPr txBox="1"/>
+          <p:nvPr/>
+        </p:nvSpPr>
+        <p:spPr>
+          <a:xfrm>
+            <a:off x="4450080" y="6200358"/>
+            <a:ext cx="4572000" cy="338554"/>
+          </a:xfrm>
+          <a:prstGeom prst="rect">
+            <a:avLst/>
+          </a:prstGeom>
+          <a:noFill/>
+        </p:spPr>
+        <p:txBody>
+          <a:bodyPr wrap="square">
+            <a:spAutoFit/>
+          </a:bodyPr>
+          <a:lstStyle/>
+          <a:p>
+            <a:r>
+              <a:rPr lang="ru-RU" sz="1600" dirty="0">
+                <a:latin typeface="Arial" panose="020B0604020202020204" pitchFamily="34" charset="0"/>
+                <a:cs typeface="Arial" panose="020B0604020202020204" pitchFamily="34" charset="0"/>
+              </a:rPr>
+              <a:t>Рисунок 7. Схема данных </a:t>
+            </a:r>
+          </a:p>
+        </p:txBody>
+      </p:sp>
+      <p:sp>
+        <p:nvSpPr>
+          <p:cNvPr id="8" name="Номер слайда 3">
+            <a:extLst>
+              <a:ext uri="{FF2B5EF4-FFF2-40B4-BE49-F238E27FC236}">
+                <a16:creationId xmlns:a16="http://schemas.microsoft.com/office/drawing/2014/main" id="{FA0FD3CF-A994-4662-B541-9014424540D6}"/>
+              </a:ext>
+            </a:extLst>
+          </p:cNvPr>
+          <p:cNvSpPr txBox="1">
+            <a:spLocks/>
+          </p:cNvSpPr>
+          <p:nvPr/>
+        </p:nvSpPr>
+        <p:spPr>
+          <a:xfrm>
+            <a:off x="-2379453" y="6492875"/>
+            <a:ext cx="2743200" cy="365125"/>
+          </a:xfrm>
+          <a:prstGeom prst="rect">
+            <a:avLst/>
+          </a:prstGeom>
+        </p:spPr>
+        <p:txBody>
+          <a:bodyPr vert="horz" lIns="91440" tIns="45720" rIns="91440" bIns="45720" rtlCol="0" anchor="ctr"/>
+          <a:lstStyle>
+            <a:defPPr>
+              <a:defRPr lang="en-US"/>
+            </a:defPPr>
+            <a:lvl1pPr marL="0" algn="r" defTabSz="457200" rtl="0" eaLnBrk="1" latinLnBrk="0" hangingPunct="1">
+              <a:defRPr sz="1200" kern="1200">
+                <a:solidFill>
+                  <a:schemeClr val="tx1">
+                    <a:tint val="75000"/>
+                  </a:schemeClr>
+                </a:solidFill>
+                <a:latin typeface="+mn-lt"/>
+                <a:ea typeface="+mn-ea"/>
+                <a:cs typeface="+mn-cs"/>
+              </a:defRPr>
+            </a:lvl1pPr>
+            <a:lvl2pPr marL="457200" algn="l" defTabSz="457200" rtl="0" eaLnBrk="1" latinLnBrk="0" hangingPunct="1">
+              <a:defRPr sz="1800" kern="1200">
+                <a:solidFill>
+                  <a:schemeClr val="tx1"/>
+                </a:solidFill>
+                <a:latin typeface="+mn-lt"/>
+                <a:ea typeface="+mn-ea"/>
+                <a:cs typeface="+mn-cs"/>
+              </a:defRPr>
+            </a:lvl2pPr>
+            <a:lvl3pPr marL="914400" algn="l" defTabSz="457200" rtl="0" eaLnBrk="1" latinLnBrk="0" hangingPunct="1">
+              <a:defRPr sz="1800" kern="1200">
+                <a:solidFill>
+                  <a:schemeClr val="tx1"/>
+                </a:solidFill>
+                <a:latin typeface="+mn-lt"/>
+                <a:ea typeface="+mn-ea"/>
+                <a:cs typeface="+mn-cs"/>
+              </a:defRPr>
+            </a:lvl3pPr>
+            <a:lvl4pPr marL="1371600" algn="l" defTabSz="457200" rtl="0" eaLnBrk="1" latinLnBrk="0" hangingPunct="1">
+              <a:defRPr sz="1800" kern="1200">
+                <a:solidFill>
+                  <a:schemeClr val="tx1"/>
+                </a:solidFill>
+                <a:latin typeface="+mn-lt"/>
+                <a:ea typeface="+mn-ea"/>
+                <a:cs typeface="+mn-cs"/>
+              </a:defRPr>
+            </a:lvl4pPr>
+            <a:lvl5pPr marL="1828800" algn="l" defTabSz="457200" rtl="0" eaLnBrk="1" latinLnBrk="0" hangingPunct="1">
+              <a:defRPr sz="1800" kern="1200">
+                <a:solidFill>
+                  <a:schemeClr val="tx1"/>
+                </a:solidFill>
+                <a:latin typeface="+mn-lt"/>
+                <a:ea typeface="+mn-ea"/>
+                <a:cs typeface="+mn-cs"/>
+              </a:defRPr>
+            </a:lvl5pPr>
+            <a:lvl6pPr marL="2286000" algn="l" defTabSz="457200" rtl="0" eaLnBrk="1" latinLnBrk="0" hangingPunct="1">
+              <a:defRPr sz="1800" kern="1200">
+                <a:solidFill>
+                  <a:schemeClr val="tx1"/>
+                </a:solidFill>
+                <a:latin typeface="+mn-lt"/>
+                <a:ea typeface="+mn-ea"/>
+                <a:cs typeface="+mn-cs"/>
+              </a:defRPr>
+            </a:lvl6pPr>
+            <a:lvl7pPr marL="2743200" algn="l" defTabSz="457200" rtl="0" eaLnBrk="1" latinLnBrk="0" hangingPunct="1">
+              <a:defRPr sz="1800" kern="1200">
+                <a:solidFill>
+                  <a:schemeClr val="tx1"/>
+                </a:solidFill>
+                <a:latin typeface="+mn-lt"/>
+                <a:ea typeface="+mn-ea"/>
+                <a:cs typeface="+mn-cs"/>
+              </a:defRPr>
+            </a:lvl7pPr>
+            <a:lvl8pPr marL="3200400" algn="l" defTabSz="457200" rtl="0" eaLnBrk="1" latinLnBrk="0" hangingPunct="1">
+              <a:defRPr sz="1800" kern="1200">
+                <a:solidFill>
+                  <a:schemeClr val="tx1"/>
+                </a:solidFill>
+                <a:latin typeface="+mn-lt"/>
+                <a:ea typeface="+mn-ea"/>
+                <a:cs typeface="+mn-cs"/>
+              </a:defRPr>
+            </a:lvl8pPr>
+            <a:lvl9pPr marL="3657600" algn="l" defTabSz="457200" rtl="0" eaLnBrk="1" latinLnBrk="0" hangingPunct="1">
+              <a:defRPr sz="1800" kern="1200">
+                <a:solidFill>
+                  <a:schemeClr val="tx1"/>
+                </a:solidFill>
+                <a:latin typeface="+mn-lt"/>
+                <a:ea typeface="+mn-ea"/>
+                <a:cs typeface="+mn-cs"/>
+              </a:defRPr>
+            </a:lvl9pPr>
+          </a:lstStyle>
+          <a:p>
+            <a:fld id="{1FE8DF1E-33BB-4377-9A26-35481BA06C7C}" type="slidenum">
+              <a:rPr lang="en-US" smtClean="0">
+                <a:solidFill>
+                  <a:schemeClr val="tx1"/>
+                </a:solidFill>
+                <a:latin typeface="Arial" panose="020B0604020202020204" pitchFamily="34" charset="0"/>
+                <a:cs typeface="Arial" panose="020B0604020202020204" pitchFamily="34" charset="0"/>
+              </a:rPr>
+              <a:pPr/>
+              <a:t>16</a:t>
+            </a:fld>
+            <a:endParaRPr lang="en-US" dirty="0">
+              <a:solidFill>
+                <a:schemeClr val="tx1"/>
+              </a:solidFill>
+              <a:latin typeface="Arial" panose="020B0604020202020204" pitchFamily="34" charset="0"/>
+              <a:cs typeface="Arial" panose="020B0604020202020204" pitchFamily="34" charset="0"/>
+            </a:endParaRPr>
+          </a:p>
+        </p:txBody>
+      </p:sp>
+    </p:spTree>
+    <p:extLst>
+      <p:ext uri="{BB962C8B-B14F-4D97-AF65-F5344CB8AC3E}">
+        <p14:creationId xmlns:p14="http://schemas.microsoft.com/office/powerpoint/2010/main" val="2274192986"/>
+      </p:ext>
+    </p:extLst>
+  </p:cSld>
+  <p:clrMapOvr>
+    <a:masterClrMapping/>
+  </p:clrMapOvr>
+</p:sld>
+</file>
+
+<file path=ppt/slides/slide17.xml><?xml version="1.0" encoding="utf-8"?>
+<p:sld xmlns:a="http://schemas.openxmlformats.org/drawingml/2006/main" xmlns:r="http://schemas.openxmlformats.org/officeDocument/2006/relationships" xmlns:p="http://schemas.openxmlformats.org/presentationml/2006/main">
+  <p:cSld>
+    <p:spTree>
+      <p:nvGrpSpPr>
+        <p:cNvPr id="1" name=""/>
+        <p:cNvGrpSpPr/>
+        <p:nvPr/>
+      </p:nvGrpSpPr>
+      <p:grpSpPr>
+        <a:xfrm>
+          <a:off x="0" y="0"/>
+          <a:ext cx="0" cy="0"/>
+          <a:chOff x="0" y="0"/>
+          <a:chExt cx="0" cy="0"/>
+        </a:xfrm>
+      </p:grpSpPr>
+      <p:sp>
+        <p:nvSpPr>
+          <p:cNvPr id="2" name="Заголовок 1">
+            <a:extLst>
+              <a:ext uri="{FF2B5EF4-FFF2-40B4-BE49-F238E27FC236}">
+                <a16:creationId xmlns:a16="http://schemas.microsoft.com/office/drawing/2014/main" id="{C5C42F3F-61F2-4D57-A2A1-37BAA6E79F87}"/>
+              </a:ext>
+            </a:extLst>
+          </p:cNvPr>
+          <p:cNvSpPr>
+            <a:spLocks noGrp="1"/>
+          </p:cNvSpPr>
+          <p:nvPr>
+            <p:ph type="title"/>
+          </p:nvPr>
+        </p:nvSpPr>
+        <p:spPr/>
+        <p:txBody>
+          <a:bodyPr>
+            <a:normAutofit/>
+          </a:bodyPr>
+          <a:lstStyle/>
+          <a:p>
+            <a:r>
+              <a:rPr lang="ru-RU" sz="3800" dirty="0">
+                <a:latin typeface="Arial" panose="020B0604020202020204" pitchFamily="34" charset="0"/>
+                <a:cs typeface="Arial" panose="020B0604020202020204" pitchFamily="34" charset="0"/>
+              </a:rPr>
+              <a:t>Пример использования:</a:t>
+            </a:r>
+            <a:r>
+              <a:rPr lang="en-US" sz="3800" dirty="0">
+                <a:latin typeface="Arial" panose="020B0604020202020204" pitchFamily="34" charset="0"/>
+                <a:cs typeface="Arial" panose="020B0604020202020204" pitchFamily="34" charset="0"/>
+              </a:rPr>
+              <a:t> </a:t>
+            </a:r>
+            <a:r>
+              <a:rPr lang="ru-RU" sz="3800" dirty="0">
+                <a:latin typeface="Arial" panose="020B0604020202020204" pitchFamily="34" charset="0"/>
+                <a:cs typeface="Arial" panose="020B0604020202020204" pitchFamily="34" charset="0"/>
+              </a:rPr>
+              <a:t>главное меню пользователя «Работник склада»</a:t>
+            </a:r>
+          </a:p>
+        </p:txBody>
+      </p:sp>
+      <p:sp>
+        <p:nvSpPr>
+          <p:cNvPr id="10" name="TextBox 9">
+            <a:extLst>
+              <a:ext uri="{FF2B5EF4-FFF2-40B4-BE49-F238E27FC236}">
+                <a16:creationId xmlns:a16="http://schemas.microsoft.com/office/drawing/2014/main" id="{A4895DDB-193C-41C5-9641-CB6199BBAA4A}"/>
+              </a:ext>
+            </a:extLst>
+          </p:cNvPr>
+          <p:cNvSpPr txBox="1"/>
+          <p:nvPr/>
+        </p:nvSpPr>
+        <p:spPr>
+          <a:xfrm>
+            <a:off x="4503420" y="6557546"/>
+            <a:ext cx="4572000" cy="338554"/>
+          </a:xfrm>
+          <a:prstGeom prst="rect">
+            <a:avLst/>
+          </a:prstGeom>
+          <a:noFill/>
+        </p:spPr>
+        <p:txBody>
+          <a:bodyPr wrap="square">
+            <a:spAutoFit/>
+          </a:bodyPr>
+          <a:lstStyle/>
+          <a:p>
+            <a:r>
+              <a:rPr lang="ru-RU" sz="1600" dirty="0">
+                <a:latin typeface="Arial" panose="020B0604020202020204" pitchFamily="34" charset="0"/>
+                <a:cs typeface="Arial" panose="020B0604020202020204" pitchFamily="34" charset="0"/>
+              </a:rPr>
+              <a:t>Рисунок 8. Главное окно </a:t>
+            </a:r>
+          </a:p>
+        </p:txBody>
+      </p:sp>
+      <p:pic>
+        <p:nvPicPr>
+          <p:cNvPr id="7" name="Рисунок 6">
+            <a:extLst>
+              <a:ext uri="{FF2B5EF4-FFF2-40B4-BE49-F238E27FC236}">
+                <a16:creationId xmlns:a16="http://schemas.microsoft.com/office/drawing/2014/main" id="{8E3A2FE4-0E46-41EA-A23D-2B0DEFE53B89}"/>
+              </a:ext>
+            </a:extLst>
+          </p:cNvPr>
+          <p:cNvPicPr>
+            <a:picLocks noChangeAspect="1"/>
+          </p:cNvPicPr>
+          <p:nvPr/>
+        </p:nvPicPr>
+        <p:blipFill>
+          <a:blip r:embed="rId2"/>
+          <a:stretch>
+            <a:fillRect/>
+          </a:stretch>
+        </p:blipFill>
+        <p:spPr>
+          <a:xfrm>
+            <a:off x="1836906" y="1550401"/>
+            <a:ext cx="7453742" cy="5007145"/>
+          </a:xfrm>
+          <a:prstGeom prst="rect">
+            <a:avLst/>
+          </a:prstGeom>
+        </p:spPr>
+      </p:pic>
+      <p:sp>
+        <p:nvSpPr>
+          <p:cNvPr id="11" name="Номер слайда 3">
+            <a:extLst>
+              <a:ext uri="{FF2B5EF4-FFF2-40B4-BE49-F238E27FC236}">
+                <a16:creationId xmlns:a16="http://schemas.microsoft.com/office/drawing/2014/main" id="{CA1C3731-BE4A-4DDD-8CCA-5038F3573FEC}"/>
+              </a:ext>
+            </a:extLst>
+          </p:cNvPr>
+          <p:cNvSpPr txBox="1">
+            <a:spLocks/>
+          </p:cNvSpPr>
+          <p:nvPr/>
+        </p:nvSpPr>
+        <p:spPr>
+          <a:xfrm>
+            <a:off x="-2379453" y="6492875"/>
+            <a:ext cx="2743200" cy="365125"/>
+          </a:xfrm>
+          <a:prstGeom prst="rect">
+            <a:avLst/>
+          </a:prstGeom>
+        </p:spPr>
+        <p:txBody>
+          <a:bodyPr vert="horz" lIns="91440" tIns="45720" rIns="91440" bIns="45720" rtlCol="0" anchor="ctr"/>
+          <a:lstStyle>
+            <a:defPPr>
+              <a:defRPr lang="en-US"/>
+            </a:defPPr>
+            <a:lvl1pPr marL="0" algn="r" defTabSz="457200" rtl="0" eaLnBrk="1" latinLnBrk="0" hangingPunct="1">
+              <a:defRPr sz="1200" kern="1200">
+                <a:solidFill>
+                  <a:schemeClr val="tx1">
+                    <a:tint val="75000"/>
+                  </a:schemeClr>
+                </a:solidFill>
+                <a:latin typeface="+mn-lt"/>
+                <a:ea typeface="+mn-ea"/>
+                <a:cs typeface="+mn-cs"/>
+              </a:defRPr>
+            </a:lvl1pPr>
+            <a:lvl2pPr marL="457200" algn="l" defTabSz="457200" rtl="0" eaLnBrk="1" latinLnBrk="0" hangingPunct="1">
+              <a:defRPr sz="1800" kern="1200">
+                <a:solidFill>
+                  <a:schemeClr val="tx1"/>
+                </a:solidFill>
+                <a:latin typeface="+mn-lt"/>
+                <a:ea typeface="+mn-ea"/>
+                <a:cs typeface="+mn-cs"/>
+              </a:defRPr>
+            </a:lvl2pPr>
+            <a:lvl3pPr marL="914400" algn="l" defTabSz="457200" rtl="0" eaLnBrk="1" latinLnBrk="0" hangingPunct="1">
+              <a:defRPr sz="1800" kern="1200">
+                <a:solidFill>
+                  <a:schemeClr val="tx1"/>
+                </a:solidFill>
+                <a:latin typeface="+mn-lt"/>
+                <a:ea typeface="+mn-ea"/>
+                <a:cs typeface="+mn-cs"/>
+              </a:defRPr>
+            </a:lvl3pPr>
+            <a:lvl4pPr marL="1371600" algn="l" defTabSz="457200" rtl="0" eaLnBrk="1" latinLnBrk="0" hangingPunct="1">
+              <a:defRPr sz="1800" kern="1200">
+                <a:solidFill>
+                  <a:schemeClr val="tx1"/>
+                </a:solidFill>
+                <a:latin typeface="+mn-lt"/>
+                <a:ea typeface="+mn-ea"/>
+                <a:cs typeface="+mn-cs"/>
+              </a:defRPr>
+            </a:lvl4pPr>
+            <a:lvl5pPr marL="1828800" algn="l" defTabSz="457200" rtl="0" eaLnBrk="1" latinLnBrk="0" hangingPunct="1">
+              <a:defRPr sz="1800" kern="1200">
+                <a:solidFill>
+                  <a:schemeClr val="tx1"/>
+                </a:solidFill>
+                <a:latin typeface="+mn-lt"/>
+                <a:ea typeface="+mn-ea"/>
+                <a:cs typeface="+mn-cs"/>
+              </a:defRPr>
+            </a:lvl5pPr>
+            <a:lvl6pPr marL="2286000" algn="l" defTabSz="457200" rtl="0" eaLnBrk="1" latinLnBrk="0" hangingPunct="1">
+              <a:defRPr sz="1800" kern="1200">
+                <a:solidFill>
+                  <a:schemeClr val="tx1"/>
+                </a:solidFill>
+                <a:latin typeface="+mn-lt"/>
+                <a:ea typeface="+mn-ea"/>
+                <a:cs typeface="+mn-cs"/>
+              </a:defRPr>
+            </a:lvl6pPr>
+            <a:lvl7pPr marL="2743200" algn="l" defTabSz="457200" rtl="0" eaLnBrk="1" latinLnBrk="0" hangingPunct="1">
+              <a:defRPr sz="1800" kern="1200">
+                <a:solidFill>
+                  <a:schemeClr val="tx1"/>
+                </a:solidFill>
+                <a:latin typeface="+mn-lt"/>
+                <a:ea typeface="+mn-ea"/>
+                <a:cs typeface="+mn-cs"/>
+              </a:defRPr>
+            </a:lvl7pPr>
+            <a:lvl8pPr marL="3200400" algn="l" defTabSz="457200" rtl="0" eaLnBrk="1" latinLnBrk="0" hangingPunct="1">
+              <a:defRPr sz="1800" kern="1200">
+                <a:solidFill>
+                  <a:schemeClr val="tx1"/>
+                </a:solidFill>
+                <a:latin typeface="+mn-lt"/>
+                <a:ea typeface="+mn-ea"/>
+                <a:cs typeface="+mn-cs"/>
+              </a:defRPr>
+            </a:lvl8pPr>
+            <a:lvl9pPr marL="3657600" algn="l" defTabSz="457200" rtl="0" eaLnBrk="1" latinLnBrk="0" hangingPunct="1">
+              <a:defRPr sz="1800" kern="1200">
+                <a:solidFill>
+                  <a:schemeClr val="tx1"/>
+                </a:solidFill>
+                <a:latin typeface="+mn-lt"/>
+                <a:ea typeface="+mn-ea"/>
+                <a:cs typeface="+mn-cs"/>
+              </a:defRPr>
+            </a:lvl9pPr>
+          </a:lstStyle>
+          <a:p>
+            <a:fld id="{1FE8DF1E-33BB-4377-9A26-35481BA06C7C}" type="slidenum">
+              <a:rPr lang="en-US" smtClean="0">
+                <a:solidFill>
+                  <a:schemeClr val="tx1"/>
+                </a:solidFill>
+                <a:latin typeface="Arial" panose="020B0604020202020204" pitchFamily="34" charset="0"/>
+                <a:cs typeface="Arial" panose="020B0604020202020204" pitchFamily="34" charset="0"/>
+              </a:rPr>
+              <a:pPr/>
+              <a:t>17</a:t>
+            </a:fld>
+            <a:endParaRPr lang="en-US" dirty="0">
+              <a:solidFill>
+                <a:schemeClr val="tx1"/>
+              </a:solidFill>
+              <a:latin typeface="Arial" panose="020B0604020202020204" pitchFamily="34" charset="0"/>
+              <a:cs typeface="Arial" panose="020B0604020202020204" pitchFamily="34" charset="0"/>
+            </a:endParaRPr>
+          </a:p>
+        </p:txBody>
+      </p:sp>
+    </p:spTree>
+    <p:extLst>
+      <p:ext uri="{BB962C8B-B14F-4D97-AF65-F5344CB8AC3E}">
+        <p14:creationId xmlns:p14="http://schemas.microsoft.com/office/powerpoint/2010/main" val="945395606"/>
+      </p:ext>
+    </p:extLst>
+  </p:cSld>
+  <p:clrMapOvr>
+    <a:masterClrMapping/>
+  </p:clrMapOvr>
+</p:sld>
+</file>
+
+<file path=ppt/slides/slide18.xml><?xml version="1.0" encoding="utf-8"?>
+<p:sld xmlns:a="http://schemas.openxmlformats.org/drawingml/2006/main" xmlns:r="http://schemas.openxmlformats.org/officeDocument/2006/relationships" xmlns:p="http://schemas.openxmlformats.org/presentationml/2006/main">
+  <p:cSld>
+    <p:spTree>
+      <p:nvGrpSpPr>
+        <p:cNvPr id="1" name=""/>
+        <p:cNvGrpSpPr/>
+        <p:nvPr/>
+      </p:nvGrpSpPr>
+      <p:grpSpPr>
+        <a:xfrm>
+          <a:off x="0" y="0"/>
+          <a:ext cx="0" cy="0"/>
+          <a:chOff x="0" y="0"/>
+          <a:chExt cx="0" cy="0"/>
+        </a:xfrm>
+      </p:grpSpPr>
+      <p:sp>
+        <p:nvSpPr>
+          <p:cNvPr id="2" name="Заголовок 1">
+            <a:extLst>
+              <a:ext uri="{FF2B5EF4-FFF2-40B4-BE49-F238E27FC236}">
+                <a16:creationId xmlns:a16="http://schemas.microsoft.com/office/drawing/2014/main" id="{B28A4CA2-C9C6-4388-A4A6-70BABF460A55}"/>
+              </a:ext>
+            </a:extLst>
+          </p:cNvPr>
+          <p:cNvSpPr>
+            <a:spLocks noGrp="1"/>
+          </p:cNvSpPr>
+          <p:nvPr>
+            <p:ph type="title"/>
+          </p:nvPr>
+        </p:nvSpPr>
+        <p:spPr/>
+        <p:txBody>
+          <a:bodyPr/>
+          <a:lstStyle/>
+          <a:p>
+            <a:r>
+              <a:rPr lang="ru-RU" sz="3800" dirty="0">
+                <a:latin typeface="Arial" panose="020B0604020202020204" pitchFamily="34" charset="0"/>
+                <a:cs typeface="Arial" panose="020B0604020202020204" pitchFamily="34" charset="0"/>
+              </a:rPr>
+              <a:t>Выводы</a:t>
+            </a:r>
+          </a:p>
+        </p:txBody>
+      </p:sp>
+      <p:sp>
+        <p:nvSpPr>
+          <p:cNvPr id="3" name="Объект 2">
+            <a:extLst>
+              <a:ext uri="{FF2B5EF4-FFF2-40B4-BE49-F238E27FC236}">
+                <a16:creationId xmlns:a16="http://schemas.microsoft.com/office/drawing/2014/main" id="{E6BEA800-5E1F-41FC-A29C-58D42C110CC1}"/>
+              </a:ext>
+            </a:extLst>
+          </p:cNvPr>
+          <p:cNvSpPr>
+            <a:spLocks noGrp="1"/>
+          </p:cNvSpPr>
+          <p:nvPr>
+            <p:ph idx="1"/>
+          </p:nvPr>
+        </p:nvSpPr>
+        <p:spPr/>
+        <p:txBody>
+          <a:bodyPr/>
+          <a:lstStyle/>
+          <a:p>
+            <a:pPr marL="0" indent="457200">
+              <a:buNone/>
+            </a:pPr>
+            <a:r>
+              <a:rPr lang="ru-RU" altLang="ru-RU" sz="2400" dirty="0">
+                <a:solidFill>
+                  <a:srgbClr val="000000"/>
+                </a:solidFill>
+                <a:latin typeface="Arial" panose="020B0604020202020204" pitchFamily="34" charset="0"/>
+                <a:cs typeface="Arial" panose="020B0604020202020204" pitchFamily="34" charset="0"/>
+              </a:rPr>
+              <a:t>Основная цель достигнута – разработано новое программное обеспечение </a:t>
+            </a:r>
+            <a:r>
+              <a:rPr lang="ru-RU" sz="2400" dirty="0">
+                <a:solidFill>
+                  <a:srgbClr val="000000"/>
+                </a:solidFill>
+                <a:latin typeface="Arial" panose="020B0604020202020204" pitchFamily="34" charset="0"/>
+                <a:cs typeface="Arial" panose="020B0604020202020204" pitchFamily="34" charset="0"/>
+              </a:rPr>
+              <a:t>АИС “Склад фармацевтической компании”</a:t>
+            </a:r>
+            <a:r>
+              <a:rPr lang="ru-RU" altLang="ru-RU" sz="2400" dirty="0">
+                <a:solidFill>
+                  <a:srgbClr val="000000"/>
+                </a:solidFill>
+                <a:latin typeface="Arial" panose="020B0604020202020204" pitchFamily="34" charset="0"/>
+                <a:cs typeface="Arial" panose="020B0604020202020204" pitchFamily="34" charset="0"/>
+              </a:rPr>
+              <a:t>.</a:t>
+            </a:r>
+          </a:p>
+          <a:p>
+            <a:pPr marL="0" indent="450000" algn="just">
+              <a:lnSpc>
+                <a:spcPct val="100000"/>
+              </a:lnSpc>
+              <a:spcBef>
+                <a:spcPts val="1200"/>
+              </a:spcBef>
+              <a:buNone/>
+            </a:pPr>
+            <a:r>
+              <a:rPr lang="ru-RU" altLang="ru-RU" sz="2400" dirty="0">
+                <a:solidFill>
+                  <a:srgbClr val="000000"/>
+                </a:solidFill>
+                <a:latin typeface="Arial" panose="020B0604020202020204" pitchFamily="34" charset="0"/>
+                <a:cs typeface="Arial" panose="020B0604020202020204" pitchFamily="34" charset="0"/>
+              </a:rPr>
+              <a:t>Перспективы развития:</a:t>
+            </a:r>
+          </a:p>
+          <a:p>
+            <a:pPr marL="449263" algn="just">
+              <a:lnSpc>
+                <a:spcPct val="100000"/>
+              </a:lnSpc>
+              <a:spcBef>
+                <a:spcPts val="0"/>
+              </a:spcBef>
+            </a:pPr>
+            <a:r>
+              <a:rPr lang="ru-RU" altLang="ru-RU" sz="2400" dirty="0">
+                <a:solidFill>
+                  <a:srgbClr val="000000"/>
+                </a:solidFill>
+                <a:latin typeface="Arial" panose="020B0604020202020204" pitchFamily="34" charset="0"/>
+                <a:cs typeface="Arial" panose="020B0604020202020204" pitchFamily="34" charset="0"/>
+              </a:rPr>
+              <a:t>Автоматическое формирование маршрута с использованием интерактивной карты,</a:t>
+            </a:r>
+          </a:p>
+          <a:p>
+            <a:pPr marL="449263" algn="just">
+              <a:lnSpc>
+                <a:spcPct val="100000"/>
+              </a:lnSpc>
+              <a:spcBef>
+                <a:spcPts val="0"/>
+              </a:spcBef>
+            </a:pPr>
+            <a:r>
+              <a:rPr lang="ru-RU" altLang="ru-RU" sz="2400" dirty="0">
+                <a:solidFill>
+                  <a:srgbClr val="000000"/>
+                </a:solidFill>
+                <a:latin typeface="Arial" panose="020B0604020202020204" pitchFamily="34" charset="0"/>
+                <a:cs typeface="Arial" panose="020B0604020202020204" pitchFamily="34" charset="0"/>
+              </a:rPr>
+              <a:t>автоматическое удаление использованных данных,</a:t>
+            </a:r>
+          </a:p>
+          <a:p>
+            <a:pPr marL="449263" algn="just">
+              <a:lnSpc>
+                <a:spcPct val="100000"/>
+              </a:lnSpc>
+              <a:spcBef>
+                <a:spcPts val="0"/>
+              </a:spcBef>
+            </a:pPr>
+            <a:r>
+              <a:rPr lang="ru-RU" altLang="ru-RU" sz="2400" dirty="0">
+                <a:solidFill>
+                  <a:srgbClr val="000000"/>
+                </a:solidFill>
+                <a:latin typeface="Arial" panose="020B0604020202020204" pitchFamily="34" charset="0"/>
+                <a:cs typeface="Arial" panose="020B0604020202020204" pitchFamily="34" charset="0"/>
+              </a:rPr>
+              <a:t>Добавление новых групп пользователей с новыми правами и возможностями.</a:t>
+            </a:r>
+          </a:p>
+          <a:p>
+            <a:endParaRPr lang="ru-RU" dirty="0"/>
+          </a:p>
+        </p:txBody>
+      </p:sp>
+      <p:sp>
+        <p:nvSpPr>
+          <p:cNvPr id="5" name="Номер слайда 3">
+            <a:extLst>
+              <a:ext uri="{FF2B5EF4-FFF2-40B4-BE49-F238E27FC236}">
+                <a16:creationId xmlns:a16="http://schemas.microsoft.com/office/drawing/2014/main" id="{9C2B0FA5-DA5F-4374-9383-741C6691892C}"/>
+              </a:ext>
+            </a:extLst>
+          </p:cNvPr>
+          <p:cNvSpPr txBox="1">
+            <a:spLocks/>
+          </p:cNvSpPr>
+          <p:nvPr/>
+        </p:nvSpPr>
+        <p:spPr>
+          <a:xfrm>
+            <a:off x="-2379453" y="6492875"/>
+            <a:ext cx="2743200" cy="365125"/>
+          </a:xfrm>
+          <a:prstGeom prst="rect">
+            <a:avLst/>
+          </a:prstGeom>
+        </p:spPr>
+        <p:txBody>
+          <a:bodyPr vert="horz" lIns="91440" tIns="45720" rIns="91440" bIns="45720" rtlCol="0" anchor="ctr"/>
+          <a:lstStyle>
+            <a:defPPr>
+              <a:defRPr lang="en-US"/>
+            </a:defPPr>
+            <a:lvl1pPr marL="0" algn="r" defTabSz="457200" rtl="0" eaLnBrk="1" latinLnBrk="0" hangingPunct="1">
+              <a:defRPr sz="1200" kern="1200">
+                <a:solidFill>
+                  <a:schemeClr val="tx1">
+                    <a:tint val="75000"/>
+                  </a:schemeClr>
+                </a:solidFill>
+                <a:latin typeface="+mn-lt"/>
+                <a:ea typeface="+mn-ea"/>
+                <a:cs typeface="+mn-cs"/>
+              </a:defRPr>
+            </a:lvl1pPr>
+            <a:lvl2pPr marL="457200" algn="l" defTabSz="457200" rtl="0" eaLnBrk="1" latinLnBrk="0" hangingPunct="1">
+              <a:defRPr sz="1800" kern="1200">
+                <a:solidFill>
+                  <a:schemeClr val="tx1"/>
+                </a:solidFill>
+                <a:latin typeface="+mn-lt"/>
+                <a:ea typeface="+mn-ea"/>
+                <a:cs typeface="+mn-cs"/>
+              </a:defRPr>
+            </a:lvl2pPr>
+            <a:lvl3pPr marL="914400" algn="l" defTabSz="457200" rtl="0" eaLnBrk="1" latinLnBrk="0" hangingPunct="1">
+              <a:defRPr sz="1800" kern="1200">
+                <a:solidFill>
+                  <a:schemeClr val="tx1"/>
+                </a:solidFill>
+                <a:latin typeface="+mn-lt"/>
+                <a:ea typeface="+mn-ea"/>
+                <a:cs typeface="+mn-cs"/>
+              </a:defRPr>
+            </a:lvl3pPr>
+            <a:lvl4pPr marL="1371600" algn="l" defTabSz="457200" rtl="0" eaLnBrk="1" latinLnBrk="0" hangingPunct="1">
+              <a:defRPr sz="1800" kern="1200">
+                <a:solidFill>
+                  <a:schemeClr val="tx1"/>
+                </a:solidFill>
+                <a:latin typeface="+mn-lt"/>
+                <a:ea typeface="+mn-ea"/>
+                <a:cs typeface="+mn-cs"/>
+              </a:defRPr>
+            </a:lvl4pPr>
+            <a:lvl5pPr marL="1828800" algn="l" defTabSz="457200" rtl="0" eaLnBrk="1" latinLnBrk="0" hangingPunct="1">
+              <a:defRPr sz="1800" kern="1200">
+                <a:solidFill>
+                  <a:schemeClr val="tx1"/>
+                </a:solidFill>
+                <a:latin typeface="+mn-lt"/>
+                <a:ea typeface="+mn-ea"/>
+                <a:cs typeface="+mn-cs"/>
+              </a:defRPr>
+            </a:lvl5pPr>
+            <a:lvl6pPr marL="2286000" algn="l" defTabSz="457200" rtl="0" eaLnBrk="1" latinLnBrk="0" hangingPunct="1">
+              <a:defRPr sz="1800" kern="1200">
+                <a:solidFill>
+                  <a:schemeClr val="tx1"/>
+                </a:solidFill>
+                <a:latin typeface="+mn-lt"/>
+                <a:ea typeface="+mn-ea"/>
+                <a:cs typeface="+mn-cs"/>
+              </a:defRPr>
+            </a:lvl6pPr>
+            <a:lvl7pPr marL="2743200" algn="l" defTabSz="457200" rtl="0" eaLnBrk="1" latinLnBrk="0" hangingPunct="1">
+              <a:defRPr sz="1800" kern="1200">
+                <a:solidFill>
+                  <a:schemeClr val="tx1"/>
+                </a:solidFill>
+                <a:latin typeface="+mn-lt"/>
+                <a:ea typeface="+mn-ea"/>
+                <a:cs typeface="+mn-cs"/>
+              </a:defRPr>
+            </a:lvl7pPr>
+            <a:lvl8pPr marL="3200400" algn="l" defTabSz="457200" rtl="0" eaLnBrk="1" latinLnBrk="0" hangingPunct="1">
+              <a:defRPr sz="1800" kern="1200">
+                <a:solidFill>
+                  <a:schemeClr val="tx1"/>
+                </a:solidFill>
+                <a:latin typeface="+mn-lt"/>
+                <a:ea typeface="+mn-ea"/>
+                <a:cs typeface="+mn-cs"/>
+              </a:defRPr>
+            </a:lvl8pPr>
+            <a:lvl9pPr marL="3657600" algn="l" defTabSz="457200" rtl="0" eaLnBrk="1" latinLnBrk="0" hangingPunct="1">
+              <a:defRPr sz="1800" kern="1200">
+                <a:solidFill>
+                  <a:schemeClr val="tx1"/>
+                </a:solidFill>
+                <a:latin typeface="+mn-lt"/>
+                <a:ea typeface="+mn-ea"/>
+                <a:cs typeface="+mn-cs"/>
+              </a:defRPr>
+            </a:lvl9pPr>
+          </a:lstStyle>
+          <a:p>
+            <a:fld id="{1FE8DF1E-33BB-4377-9A26-35481BA06C7C}" type="slidenum">
+              <a:rPr lang="en-US" smtClean="0">
+                <a:solidFill>
+                  <a:schemeClr val="tx1"/>
+                </a:solidFill>
+                <a:latin typeface="Arial" panose="020B0604020202020204" pitchFamily="34" charset="0"/>
+                <a:cs typeface="Arial" panose="020B0604020202020204" pitchFamily="34" charset="0"/>
+              </a:rPr>
+              <a:pPr/>
+              <a:t>18</a:t>
+            </a:fld>
+            <a:endParaRPr lang="en-US" dirty="0">
+              <a:solidFill>
+                <a:schemeClr val="tx1"/>
+              </a:solidFill>
+              <a:latin typeface="Arial" panose="020B0604020202020204" pitchFamily="34" charset="0"/>
+              <a:cs typeface="Arial" panose="020B0604020202020204" pitchFamily="34" charset="0"/>
+            </a:endParaRPr>
+          </a:p>
+        </p:txBody>
+      </p:sp>
+    </p:spTree>
+    <p:extLst>
+      <p:ext uri="{BB962C8B-B14F-4D97-AF65-F5344CB8AC3E}">
+        <p14:creationId xmlns:p14="http://schemas.microsoft.com/office/powerpoint/2010/main" val="134588535"/>
+      </p:ext>
+    </p:extLst>
+  </p:cSld>
+  <p:clrMapOvr>
+    <a:masterClrMapping/>
+  </p:clrMapOvr>
+</p:sld>
+</file>
+
+<file path=ppt/slides/slide19.xml><?xml version="1.0" encoding="utf-8"?>
+<p:sld xmlns:a="http://schemas.openxmlformats.org/drawingml/2006/main" xmlns:r="http://schemas.openxmlformats.org/officeDocument/2006/relationships" xmlns:p="http://schemas.openxmlformats.org/presentationml/2006/main">
+  <p:cSld>
+    <p:spTree>
+      <p:nvGrpSpPr>
+        <p:cNvPr id="1" name=""/>
+        <p:cNvGrpSpPr/>
+        <p:nvPr/>
+      </p:nvGrpSpPr>
+      <p:grpSpPr>
+        <a:xfrm>
+          <a:off x="0" y="0"/>
+          <a:ext cx="0" cy="0"/>
+          <a:chOff x="0" y="0"/>
+          <a:chExt cx="0" cy="0"/>
+        </a:xfrm>
+      </p:grpSpPr>
+      <p:sp>
+        <p:nvSpPr>
+          <p:cNvPr id="2" name="Заголовок 1">
+            <a:extLst>
+              <a:ext uri="{FF2B5EF4-FFF2-40B4-BE49-F238E27FC236}">
+                <a16:creationId xmlns:a16="http://schemas.microsoft.com/office/drawing/2014/main" id="{F19A4900-2B5C-4509-8DED-02961E9FC541}"/>
+              </a:ext>
+            </a:extLst>
+          </p:cNvPr>
+          <p:cNvSpPr>
+            <a:spLocks noGrp="1"/>
+          </p:cNvSpPr>
+          <p:nvPr>
+            <p:ph type="title"/>
+          </p:nvPr>
+        </p:nvSpPr>
+        <p:spPr>
+          <a:xfrm>
+            <a:off x="2161055" y="2929629"/>
+            <a:ext cx="7869890" cy="998742"/>
+          </a:xfrm>
+        </p:spPr>
+        <p:txBody>
+          <a:bodyPr>
+            <a:normAutofit fontScale="90000"/>
+          </a:bodyPr>
+          <a:lstStyle/>
+          <a:p>
+            <a:pPr algn="ctr"/>
+            <a:r>
+              <a:rPr lang="ru-RU" sz="6000" b="1" dirty="0">
+                <a:latin typeface="Arial" panose="020B0604020202020204" pitchFamily="34" charset="0"/>
+                <a:cs typeface="Arial" panose="020B0604020202020204" pitchFamily="34" charset="0"/>
+              </a:rPr>
+              <a:t>СПАСИБО</a:t>
+            </a:r>
+            <a:br>
+              <a:rPr lang="ru-RU" sz="6000" b="1" dirty="0">
+                <a:latin typeface="Arial" panose="020B0604020202020204" pitchFamily="34" charset="0"/>
+                <a:cs typeface="Arial" panose="020B0604020202020204" pitchFamily="34" charset="0"/>
+              </a:rPr>
+            </a:br>
+            <a:r>
+              <a:rPr lang="ru-RU" sz="6000" b="1" dirty="0">
+                <a:latin typeface="Arial" panose="020B0604020202020204" pitchFamily="34" charset="0"/>
+                <a:cs typeface="Arial" panose="020B0604020202020204" pitchFamily="34" charset="0"/>
+              </a:rPr>
+              <a:t>ЗА</a:t>
+            </a:r>
+            <a:br>
+              <a:rPr lang="ru-RU" sz="6000" b="1" dirty="0">
+                <a:latin typeface="Arial" panose="020B0604020202020204" pitchFamily="34" charset="0"/>
+                <a:cs typeface="Arial" panose="020B0604020202020204" pitchFamily="34" charset="0"/>
+              </a:rPr>
+            </a:br>
+            <a:r>
+              <a:rPr lang="ru-RU" sz="6000" b="1" dirty="0">
+                <a:latin typeface="Arial" panose="020B0604020202020204" pitchFamily="34" charset="0"/>
+                <a:cs typeface="Arial" panose="020B0604020202020204" pitchFamily="34" charset="0"/>
+              </a:rPr>
+              <a:t>ВНИМАНИЕ</a:t>
+            </a:r>
+          </a:p>
+        </p:txBody>
+      </p:sp>
+      <p:sp>
+        <p:nvSpPr>
+          <p:cNvPr id="5" name="Номер слайда 3">
+            <a:extLst>
+              <a:ext uri="{FF2B5EF4-FFF2-40B4-BE49-F238E27FC236}">
+                <a16:creationId xmlns:a16="http://schemas.microsoft.com/office/drawing/2014/main" id="{87E80D77-51BE-433D-951F-039802F69574}"/>
+              </a:ext>
+            </a:extLst>
+          </p:cNvPr>
+          <p:cNvSpPr txBox="1">
+            <a:spLocks/>
+          </p:cNvSpPr>
+          <p:nvPr/>
+        </p:nvSpPr>
+        <p:spPr>
+          <a:xfrm>
+            <a:off x="-2379453" y="6492875"/>
+            <a:ext cx="2743200" cy="365125"/>
+          </a:xfrm>
+          <a:prstGeom prst="rect">
+            <a:avLst/>
+          </a:prstGeom>
+        </p:spPr>
+        <p:txBody>
+          <a:bodyPr vert="horz" lIns="91440" tIns="45720" rIns="91440" bIns="45720" rtlCol="0" anchor="ctr"/>
+          <a:lstStyle>
+            <a:defPPr>
+              <a:defRPr lang="en-US"/>
+            </a:defPPr>
+            <a:lvl1pPr marL="0" algn="r" defTabSz="457200" rtl="0" eaLnBrk="1" latinLnBrk="0" hangingPunct="1">
+              <a:defRPr sz="1200" kern="1200">
+                <a:solidFill>
+                  <a:schemeClr val="tx1">
+                    <a:tint val="75000"/>
+                  </a:schemeClr>
+                </a:solidFill>
+                <a:latin typeface="+mn-lt"/>
+                <a:ea typeface="+mn-ea"/>
+                <a:cs typeface="+mn-cs"/>
+              </a:defRPr>
+            </a:lvl1pPr>
+            <a:lvl2pPr marL="457200" algn="l" defTabSz="457200" rtl="0" eaLnBrk="1" latinLnBrk="0" hangingPunct="1">
+              <a:defRPr sz="1800" kern="1200">
+                <a:solidFill>
+                  <a:schemeClr val="tx1"/>
+                </a:solidFill>
+                <a:latin typeface="+mn-lt"/>
+                <a:ea typeface="+mn-ea"/>
+                <a:cs typeface="+mn-cs"/>
+              </a:defRPr>
+            </a:lvl2pPr>
+            <a:lvl3pPr marL="914400" algn="l" defTabSz="457200" rtl="0" eaLnBrk="1" latinLnBrk="0" hangingPunct="1">
+              <a:defRPr sz="1800" kern="1200">
+                <a:solidFill>
+                  <a:schemeClr val="tx1"/>
+                </a:solidFill>
+                <a:latin typeface="+mn-lt"/>
+                <a:ea typeface="+mn-ea"/>
+                <a:cs typeface="+mn-cs"/>
+              </a:defRPr>
+            </a:lvl3pPr>
+            <a:lvl4pPr marL="1371600" algn="l" defTabSz="457200" rtl="0" eaLnBrk="1" latinLnBrk="0" hangingPunct="1">
+              <a:defRPr sz="1800" kern="1200">
+                <a:solidFill>
+                  <a:schemeClr val="tx1"/>
+                </a:solidFill>
+                <a:latin typeface="+mn-lt"/>
+                <a:ea typeface="+mn-ea"/>
+                <a:cs typeface="+mn-cs"/>
+              </a:defRPr>
+            </a:lvl4pPr>
+            <a:lvl5pPr marL="1828800" algn="l" defTabSz="457200" rtl="0" eaLnBrk="1" latinLnBrk="0" hangingPunct="1">
+              <a:defRPr sz="1800" kern="1200">
+                <a:solidFill>
+                  <a:schemeClr val="tx1"/>
+                </a:solidFill>
+                <a:latin typeface="+mn-lt"/>
+                <a:ea typeface="+mn-ea"/>
+                <a:cs typeface="+mn-cs"/>
+              </a:defRPr>
+            </a:lvl5pPr>
+            <a:lvl6pPr marL="2286000" algn="l" defTabSz="457200" rtl="0" eaLnBrk="1" latinLnBrk="0" hangingPunct="1">
+              <a:defRPr sz="1800" kern="1200">
+                <a:solidFill>
+                  <a:schemeClr val="tx1"/>
+                </a:solidFill>
+                <a:latin typeface="+mn-lt"/>
+                <a:ea typeface="+mn-ea"/>
+                <a:cs typeface="+mn-cs"/>
+              </a:defRPr>
+            </a:lvl6pPr>
+            <a:lvl7pPr marL="2743200" algn="l" defTabSz="457200" rtl="0" eaLnBrk="1" latinLnBrk="0" hangingPunct="1">
+              <a:defRPr sz="1800" kern="1200">
+                <a:solidFill>
+                  <a:schemeClr val="tx1"/>
+                </a:solidFill>
+                <a:latin typeface="+mn-lt"/>
+                <a:ea typeface="+mn-ea"/>
+                <a:cs typeface="+mn-cs"/>
+              </a:defRPr>
+            </a:lvl7pPr>
+            <a:lvl8pPr marL="3200400" algn="l" defTabSz="457200" rtl="0" eaLnBrk="1" latinLnBrk="0" hangingPunct="1">
+              <a:defRPr sz="1800" kern="1200">
+                <a:solidFill>
+                  <a:schemeClr val="tx1"/>
+                </a:solidFill>
+                <a:latin typeface="+mn-lt"/>
+                <a:ea typeface="+mn-ea"/>
+                <a:cs typeface="+mn-cs"/>
+              </a:defRPr>
+            </a:lvl8pPr>
+            <a:lvl9pPr marL="3657600" algn="l" defTabSz="457200" rtl="0" eaLnBrk="1" latinLnBrk="0" hangingPunct="1">
+              <a:defRPr sz="1800" kern="1200">
+                <a:solidFill>
+                  <a:schemeClr val="tx1"/>
+                </a:solidFill>
+                <a:latin typeface="+mn-lt"/>
+                <a:ea typeface="+mn-ea"/>
+                <a:cs typeface="+mn-cs"/>
+              </a:defRPr>
+            </a:lvl9pPr>
+          </a:lstStyle>
+          <a:p>
+            <a:fld id="{1FE8DF1E-33BB-4377-9A26-35481BA06C7C}" type="slidenum">
+              <a:rPr lang="en-US" smtClean="0">
+                <a:solidFill>
+                  <a:schemeClr val="tx1"/>
+                </a:solidFill>
+                <a:latin typeface="Arial" panose="020B0604020202020204" pitchFamily="34" charset="0"/>
+                <a:cs typeface="Arial" panose="020B0604020202020204" pitchFamily="34" charset="0"/>
+              </a:rPr>
+              <a:pPr/>
+              <a:t>19</a:t>
+            </a:fld>
+            <a:endParaRPr lang="en-US" dirty="0">
+              <a:solidFill>
+                <a:schemeClr val="tx1"/>
+              </a:solidFill>
+              <a:latin typeface="Arial" panose="020B0604020202020204" pitchFamily="34" charset="0"/>
+              <a:cs typeface="Arial" panose="020B0604020202020204" pitchFamily="34" charset="0"/>
+            </a:endParaRPr>
+          </a:p>
+        </p:txBody>
+      </p:sp>
+    </p:spTree>
+    <p:extLst>
+      <p:ext uri="{BB962C8B-B14F-4D97-AF65-F5344CB8AC3E}">
+        <p14:creationId xmlns:p14="http://schemas.microsoft.com/office/powerpoint/2010/main" val="1689808668"/>
       </p:ext>
     </p:extLst>
   </p:cSld>
@@ -4052,6 +7508,52 @@
               <a:buNone/>
             </a:pPr>
             <a:endParaRPr lang="ru-RU" dirty="0"/>
+          </a:p>
+        </p:txBody>
+      </p:sp>
+      <p:sp>
+        <p:nvSpPr>
+          <p:cNvPr id="4" name="Номер слайда 3">
+            <a:extLst>
+              <a:ext uri="{FF2B5EF4-FFF2-40B4-BE49-F238E27FC236}">
+                <a16:creationId xmlns:a16="http://schemas.microsoft.com/office/drawing/2014/main" id="{90D3132B-A204-48AE-A3C0-85587E5621FB}"/>
+              </a:ext>
+            </a:extLst>
+          </p:cNvPr>
+          <p:cNvSpPr>
+            <a:spLocks noGrp="1"/>
+          </p:cNvSpPr>
+          <p:nvPr>
+            <p:ph type="sldNum" sz="quarter" idx="12"/>
+          </p:nvPr>
+        </p:nvSpPr>
+        <p:spPr>
+          <a:xfrm>
+            <a:off x="-2379453" y="6492875"/>
+            <a:ext cx="2743200" cy="365125"/>
+          </a:xfrm>
+        </p:spPr>
+        <p:txBody>
+          <a:bodyPr/>
+          <a:lstStyle/>
+          <a:p>
+            <a:fld id="{1FE8DF1E-33BB-4377-9A26-35481BA06C7C}" type="slidenum">
+              <a:rPr lang="en-US" smtClean="0">
+                <a:solidFill>
+                  <a:schemeClr val="tx1"/>
+                </a:solidFill>
+                <a:latin typeface="Arial" panose="020B0604020202020204" pitchFamily="34" charset="0"/>
+                <a:cs typeface="Arial" panose="020B0604020202020204" pitchFamily="34" charset="0"/>
+              </a:rPr>
+              <a:t>2</a:t>
+            </a:fld>
+            <a:endParaRPr lang="en-US" dirty="0">
+              <a:solidFill>
+                <a:schemeClr val="tx1"/>
+              </a:solidFill>
+              <a:latin typeface="Arial" panose="020B0604020202020204" pitchFamily="34" charset="0"/>
+              <a:cs typeface="Arial" panose="020B0604020202020204" pitchFamily="34" charset="0"/>
+            </a:endParaRPr>
           </a:p>
         </p:txBody>
       </p:sp>
@@ -4165,6 +7667,150 @@
           </a:p>
         </p:txBody>
       </p:sp>
+      <p:sp>
+        <p:nvSpPr>
+          <p:cNvPr id="5" name="Номер слайда 3">
+            <a:extLst>
+              <a:ext uri="{FF2B5EF4-FFF2-40B4-BE49-F238E27FC236}">
+                <a16:creationId xmlns:a16="http://schemas.microsoft.com/office/drawing/2014/main" id="{13431AE5-3529-4EF4-84BA-9BED5A486661}"/>
+              </a:ext>
+            </a:extLst>
+          </p:cNvPr>
+          <p:cNvSpPr txBox="1">
+            <a:spLocks/>
+          </p:cNvSpPr>
+          <p:nvPr/>
+        </p:nvSpPr>
+        <p:spPr>
+          <a:xfrm>
+            <a:off x="-2379453" y="6492875"/>
+            <a:ext cx="2743200" cy="365125"/>
+          </a:xfrm>
+          <a:prstGeom prst="rect">
+            <a:avLst/>
+          </a:prstGeom>
+        </p:spPr>
+        <p:txBody>
+          <a:bodyPr vert="horz" lIns="91440" tIns="45720" rIns="91440" bIns="45720" rtlCol="0" anchor="ctr"/>
+          <a:lstStyle>
+            <a:defPPr>
+              <a:defRPr lang="en-US"/>
+            </a:defPPr>
+            <a:lvl1pPr marL="0" algn="r" defTabSz="457200" rtl="0" eaLnBrk="1" latinLnBrk="0" hangingPunct="1">
+              <a:defRPr sz="1200" kern="1200">
+                <a:solidFill>
+                  <a:schemeClr val="tx1">
+                    <a:tint val="75000"/>
+                  </a:schemeClr>
+                </a:solidFill>
+                <a:latin typeface="+mn-lt"/>
+                <a:ea typeface="+mn-ea"/>
+                <a:cs typeface="+mn-cs"/>
+              </a:defRPr>
+            </a:lvl1pPr>
+            <a:lvl2pPr marL="457200" algn="l" defTabSz="457200" rtl="0" eaLnBrk="1" latinLnBrk="0" hangingPunct="1">
+              <a:defRPr sz="1800" kern="1200">
+                <a:solidFill>
+                  <a:schemeClr val="tx1"/>
+                </a:solidFill>
+                <a:latin typeface="+mn-lt"/>
+                <a:ea typeface="+mn-ea"/>
+                <a:cs typeface="+mn-cs"/>
+              </a:defRPr>
+            </a:lvl2pPr>
+            <a:lvl3pPr marL="914400" algn="l" defTabSz="457200" rtl="0" eaLnBrk="1" latinLnBrk="0" hangingPunct="1">
+              <a:defRPr sz="1800" kern="1200">
+                <a:solidFill>
+                  <a:schemeClr val="tx1"/>
+                </a:solidFill>
+                <a:latin typeface="+mn-lt"/>
+                <a:ea typeface="+mn-ea"/>
+                <a:cs typeface="+mn-cs"/>
+              </a:defRPr>
+            </a:lvl3pPr>
+            <a:lvl4pPr marL="1371600" algn="l" defTabSz="457200" rtl="0" eaLnBrk="1" latinLnBrk="0" hangingPunct="1">
+              <a:defRPr sz="1800" kern="1200">
+                <a:solidFill>
+                  <a:schemeClr val="tx1"/>
+                </a:solidFill>
+                <a:latin typeface="+mn-lt"/>
+                <a:ea typeface="+mn-ea"/>
+                <a:cs typeface="+mn-cs"/>
+              </a:defRPr>
+            </a:lvl4pPr>
+            <a:lvl5pPr marL="1828800" algn="l" defTabSz="457200" rtl="0" eaLnBrk="1" latinLnBrk="0" hangingPunct="1">
+              <a:defRPr sz="1800" kern="1200">
+                <a:solidFill>
+                  <a:schemeClr val="tx1"/>
+                </a:solidFill>
+                <a:latin typeface="+mn-lt"/>
+                <a:ea typeface="+mn-ea"/>
+                <a:cs typeface="+mn-cs"/>
+              </a:defRPr>
+            </a:lvl5pPr>
+            <a:lvl6pPr marL="2286000" algn="l" defTabSz="457200" rtl="0" eaLnBrk="1" latinLnBrk="0" hangingPunct="1">
+              <a:defRPr sz="1800" kern="1200">
+                <a:solidFill>
+                  <a:schemeClr val="tx1"/>
+                </a:solidFill>
+                <a:latin typeface="+mn-lt"/>
+                <a:ea typeface="+mn-ea"/>
+                <a:cs typeface="+mn-cs"/>
+              </a:defRPr>
+            </a:lvl6pPr>
+            <a:lvl7pPr marL="2743200" algn="l" defTabSz="457200" rtl="0" eaLnBrk="1" latinLnBrk="0" hangingPunct="1">
+              <a:defRPr sz="1800" kern="1200">
+                <a:solidFill>
+                  <a:schemeClr val="tx1"/>
+                </a:solidFill>
+                <a:latin typeface="+mn-lt"/>
+                <a:ea typeface="+mn-ea"/>
+                <a:cs typeface="+mn-cs"/>
+              </a:defRPr>
+            </a:lvl7pPr>
+            <a:lvl8pPr marL="3200400" algn="l" defTabSz="457200" rtl="0" eaLnBrk="1" latinLnBrk="0" hangingPunct="1">
+              <a:defRPr sz="1800" kern="1200">
+                <a:solidFill>
+                  <a:schemeClr val="tx1"/>
+                </a:solidFill>
+                <a:latin typeface="+mn-lt"/>
+                <a:ea typeface="+mn-ea"/>
+                <a:cs typeface="+mn-cs"/>
+              </a:defRPr>
+            </a:lvl8pPr>
+            <a:lvl9pPr marL="3657600" algn="l" defTabSz="457200" rtl="0" eaLnBrk="1" latinLnBrk="0" hangingPunct="1">
+              <a:defRPr sz="1800" kern="1200">
+                <a:solidFill>
+                  <a:schemeClr val="tx1"/>
+                </a:solidFill>
+                <a:latin typeface="+mn-lt"/>
+                <a:ea typeface="+mn-ea"/>
+                <a:cs typeface="+mn-cs"/>
+              </a:defRPr>
+            </a:lvl9pPr>
+          </a:lstStyle>
+          <a:p>
+            <a:fld id="{1FE8DF1E-33BB-4377-9A26-35481BA06C7C}" type="slidenum">
+              <a:rPr lang="en-US" smtClean="0">
+                <a:solidFill>
+                  <a:schemeClr val="tx1"/>
+                </a:solidFill>
+                <a:latin typeface="Arial" panose="020B0604020202020204" pitchFamily="34" charset="0"/>
+                <a:cs typeface="Arial" panose="020B0604020202020204" pitchFamily="34" charset="0"/>
+              </a:rPr>
+              <a:pPr/>
+              <a:t>3</a:t>
+            </a:fld>
+            <a:endParaRPr lang="en-US" dirty="0">
+              <a:solidFill>
+                <a:schemeClr val="tx1"/>
+              </a:solidFill>
+              <a:latin typeface="Arial" panose="020B0604020202020204" pitchFamily="34" charset="0"/>
+              <a:cs typeface="Arial" panose="020B0604020202020204" pitchFamily="34" charset="0"/>
+            </a:endParaRPr>
+          </a:p>
+        </p:txBody>
+      </p:sp>
     </p:spTree>
     <p:extLst>
       <p:ext uri="{BB962C8B-B14F-4D97-AF65-F5344CB8AC3E}">
@@ -4213,7 +7859,7 @@
         </p:nvSpPr>
         <p:spPr>
           <a:xfrm>
-            <a:off x="645459" y="163207"/>
+            <a:off x="2161055" y="400781"/>
             <a:ext cx="7869890" cy="6056437"/>
           </a:xfrm>
         </p:spPr>
@@ -4232,6 +7878,150 @@
               <a:t>Проектирование информационной системы</a:t>
             </a:r>
             <a:endParaRPr lang="ru-RU" sz="6000" dirty="0">
+              <a:latin typeface="Arial" panose="020B0604020202020204" pitchFamily="34" charset="0"/>
+              <a:cs typeface="Arial" panose="020B0604020202020204" pitchFamily="34" charset="0"/>
+            </a:endParaRPr>
+          </a:p>
+        </p:txBody>
+      </p:sp>
+      <p:sp>
+        <p:nvSpPr>
+          <p:cNvPr id="4" name="Номер слайда 3">
+            <a:extLst>
+              <a:ext uri="{FF2B5EF4-FFF2-40B4-BE49-F238E27FC236}">
+                <a16:creationId xmlns:a16="http://schemas.microsoft.com/office/drawing/2014/main" id="{48331DB8-3523-40A1-864A-5A361FCC16D6}"/>
+              </a:ext>
+            </a:extLst>
+          </p:cNvPr>
+          <p:cNvSpPr txBox="1">
+            <a:spLocks/>
+          </p:cNvSpPr>
+          <p:nvPr/>
+        </p:nvSpPr>
+        <p:spPr>
+          <a:xfrm>
+            <a:off x="-2379453" y="6492875"/>
+            <a:ext cx="2743200" cy="365125"/>
+          </a:xfrm>
+          <a:prstGeom prst="rect">
+            <a:avLst/>
+          </a:prstGeom>
+        </p:spPr>
+        <p:txBody>
+          <a:bodyPr vert="horz" lIns="91440" tIns="45720" rIns="91440" bIns="45720" rtlCol="0" anchor="ctr"/>
+          <a:lstStyle>
+            <a:defPPr>
+              <a:defRPr lang="en-US"/>
+            </a:defPPr>
+            <a:lvl1pPr marL="0" algn="r" defTabSz="457200" rtl="0" eaLnBrk="1" latinLnBrk="0" hangingPunct="1">
+              <a:defRPr sz="1200" kern="1200">
+                <a:solidFill>
+                  <a:schemeClr val="tx1">
+                    <a:tint val="75000"/>
+                  </a:schemeClr>
+                </a:solidFill>
+                <a:latin typeface="+mn-lt"/>
+                <a:ea typeface="+mn-ea"/>
+                <a:cs typeface="+mn-cs"/>
+              </a:defRPr>
+            </a:lvl1pPr>
+            <a:lvl2pPr marL="457200" algn="l" defTabSz="457200" rtl="0" eaLnBrk="1" latinLnBrk="0" hangingPunct="1">
+              <a:defRPr sz="1800" kern="1200">
+                <a:solidFill>
+                  <a:schemeClr val="tx1"/>
+                </a:solidFill>
+                <a:latin typeface="+mn-lt"/>
+                <a:ea typeface="+mn-ea"/>
+                <a:cs typeface="+mn-cs"/>
+              </a:defRPr>
+            </a:lvl2pPr>
+            <a:lvl3pPr marL="914400" algn="l" defTabSz="457200" rtl="0" eaLnBrk="1" latinLnBrk="0" hangingPunct="1">
+              <a:defRPr sz="1800" kern="1200">
+                <a:solidFill>
+                  <a:schemeClr val="tx1"/>
+                </a:solidFill>
+                <a:latin typeface="+mn-lt"/>
+                <a:ea typeface="+mn-ea"/>
+                <a:cs typeface="+mn-cs"/>
+              </a:defRPr>
+            </a:lvl3pPr>
+            <a:lvl4pPr marL="1371600" algn="l" defTabSz="457200" rtl="0" eaLnBrk="1" latinLnBrk="0" hangingPunct="1">
+              <a:defRPr sz="1800" kern="1200">
+                <a:solidFill>
+                  <a:schemeClr val="tx1"/>
+                </a:solidFill>
+                <a:latin typeface="+mn-lt"/>
+                <a:ea typeface="+mn-ea"/>
+                <a:cs typeface="+mn-cs"/>
+              </a:defRPr>
+            </a:lvl4pPr>
+            <a:lvl5pPr marL="1828800" algn="l" defTabSz="457200" rtl="0" eaLnBrk="1" latinLnBrk="0" hangingPunct="1">
+              <a:defRPr sz="1800" kern="1200">
+                <a:solidFill>
+                  <a:schemeClr val="tx1"/>
+                </a:solidFill>
+                <a:latin typeface="+mn-lt"/>
+                <a:ea typeface="+mn-ea"/>
+                <a:cs typeface="+mn-cs"/>
+              </a:defRPr>
+            </a:lvl5pPr>
+            <a:lvl6pPr marL="2286000" algn="l" defTabSz="457200" rtl="0" eaLnBrk="1" latinLnBrk="0" hangingPunct="1">
+              <a:defRPr sz="1800" kern="1200">
+                <a:solidFill>
+                  <a:schemeClr val="tx1"/>
+                </a:solidFill>
+                <a:latin typeface="+mn-lt"/>
+                <a:ea typeface="+mn-ea"/>
+                <a:cs typeface="+mn-cs"/>
+              </a:defRPr>
+            </a:lvl6pPr>
+            <a:lvl7pPr marL="2743200" algn="l" defTabSz="457200" rtl="0" eaLnBrk="1" latinLnBrk="0" hangingPunct="1">
+              <a:defRPr sz="1800" kern="1200">
+                <a:solidFill>
+                  <a:schemeClr val="tx1"/>
+                </a:solidFill>
+                <a:latin typeface="+mn-lt"/>
+                <a:ea typeface="+mn-ea"/>
+                <a:cs typeface="+mn-cs"/>
+              </a:defRPr>
+            </a:lvl7pPr>
+            <a:lvl8pPr marL="3200400" algn="l" defTabSz="457200" rtl="0" eaLnBrk="1" latinLnBrk="0" hangingPunct="1">
+              <a:defRPr sz="1800" kern="1200">
+                <a:solidFill>
+                  <a:schemeClr val="tx1"/>
+                </a:solidFill>
+                <a:latin typeface="+mn-lt"/>
+                <a:ea typeface="+mn-ea"/>
+                <a:cs typeface="+mn-cs"/>
+              </a:defRPr>
+            </a:lvl8pPr>
+            <a:lvl9pPr marL="3657600" algn="l" defTabSz="457200" rtl="0" eaLnBrk="1" latinLnBrk="0" hangingPunct="1">
+              <a:defRPr sz="1800" kern="1200">
+                <a:solidFill>
+                  <a:schemeClr val="tx1"/>
+                </a:solidFill>
+                <a:latin typeface="+mn-lt"/>
+                <a:ea typeface="+mn-ea"/>
+                <a:cs typeface="+mn-cs"/>
+              </a:defRPr>
+            </a:lvl9pPr>
+          </a:lstStyle>
+          <a:p>
+            <a:fld id="{1FE8DF1E-33BB-4377-9A26-35481BA06C7C}" type="slidenum">
+              <a:rPr lang="en-US" smtClean="0">
+                <a:solidFill>
+                  <a:schemeClr val="tx1"/>
+                </a:solidFill>
+                <a:latin typeface="Arial" panose="020B0604020202020204" pitchFamily="34" charset="0"/>
+                <a:cs typeface="Arial" panose="020B0604020202020204" pitchFamily="34" charset="0"/>
+              </a:rPr>
+              <a:pPr/>
+              <a:t>4</a:t>
+            </a:fld>
+            <a:endParaRPr lang="en-US" dirty="0">
+              <a:solidFill>
+                <a:schemeClr val="tx1"/>
+              </a:solidFill>
               <a:latin typeface="Arial" panose="020B0604020202020204" pitchFamily="34" charset="0"/>
               <a:cs typeface="Arial" panose="020B0604020202020204" pitchFamily="34" charset="0"/>
             </a:endParaRPr>
@@ -4330,7 +8120,6 @@
                 <a:solidFill>
                   <a:srgbClr val="000000"/>
                 </a:solidFill>
-                <a:effectLst/>
                 <a:latin typeface="Arial" panose="020B0604020202020204" pitchFamily="34" charset="0"/>
                 <a:ea typeface="Times New Roman" panose="02020603050405020304" pitchFamily="18" charset="0"/>
                 <a:cs typeface="Arial" panose="020B0604020202020204" pitchFamily="34" charset="0"/>
@@ -4342,7 +8131,6 @@
                 <a:solidFill>
                   <a:srgbClr val="000000"/>
                 </a:solidFill>
-                <a:effectLst/>
                 <a:latin typeface="Arial" panose="020B0604020202020204" pitchFamily="34" charset="0"/>
                 <a:ea typeface="Times New Roman" panose="02020603050405020304" pitchFamily="18" charset="0"/>
                 <a:cs typeface="Arial" panose="020B0604020202020204" pitchFamily="34" charset="0"/>
@@ -4410,6 +8198,150 @@
               <a:t> передаёт заказ на склад, где его собирают в возвратную тару для последующей перевозки</a:t>
             </a:r>
             <a:endParaRPr lang="ru-RU" sz="2400" dirty="0">
+              <a:latin typeface="Arial" panose="020B0604020202020204" pitchFamily="34" charset="0"/>
+              <a:cs typeface="Arial" panose="020B0604020202020204" pitchFamily="34" charset="0"/>
+            </a:endParaRPr>
+          </a:p>
+        </p:txBody>
+      </p:sp>
+      <p:sp>
+        <p:nvSpPr>
+          <p:cNvPr id="5" name="Номер слайда 3">
+            <a:extLst>
+              <a:ext uri="{FF2B5EF4-FFF2-40B4-BE49-F238E27FC236}">
+                <a16:creationId xmlns:a16="http://schemas.microsoft.com/office/drawing/2014/main" id="{7C173385-D6AB-4EA8-8DA7-54833B4427DF}"/>
+              </a:ext>
+            </a:extLst>
+          </p:cNvPr>
+          <p:cNvSpPr txBox="1">
+            <a:spLocks/>
+          </p:cNvSpPr>
+          <p:nvPr/>
+        </p:nvSpPr>
+        <p:spPr>
+          <a:xfrm>
+            <a:off x="-2379453" y="6492875"/>
+            <a:ext cx="2743200" cy="365125"/>
+          </a:xfrm>
+          <a:prstGeom prst="rect">
+            <a:avLst/>
+          </a:prstGeom>
+        </p:spPr>
+        <p:txBody>
+          <a:bodyPr vert="horz" lIns="91440" tIns="45720" rIns="91440" bIns="45720" rtlCol="0" anchor="ctr"/>
+          <a:lstStyle>
+            <a:defPPr>
+              <a:defRPr lang="en-US"/>
+            </a:defPPr>
+            <a:lvl1pPr marL="0" algn="r" defTabSz="457200" rtl="0" eaLnBrk="1" latinLnBrk="0" hangingPunct="1">
+              <a:defRPr sz="1200" kern="1200">
+                <a:solidFill>
+                  <a:schemeClr val="tx1">
+                    <a:tint val="75000"/>
+                  </a:schemeClr>
+                </a:solidFill>
+                <a:latin typeface="+mn-lt"/>
+                <a:ea typeface="+mn-ea"/>
+                <a:cs typeface="+mn-cs"/>
+              </a:defRPr>
+            </a:lvl1pPr>
+            <a:lvl2pPr marL="457200" algn="l" defTabSz="457200" rtl="0" eaLnBrk="1" latinLnBrk="0" hangingPunct="1">
+              <a:defRPr sz="1800" kern="1200">
+                <a:solidFill>
+                  <a:schemeClr val="tx1"/>
+                </a:solidFill>
+                <a:latin typeface="+mn-lt"/>
+                <a:ea typeface="+mn-ea"/>
+                <a:cs typeface="+mn-cs"/>
+              </a:defRPr>
+            </a:lvl2pPr>
+            <a:lvl3pPr marL="914400" algn="l" defTabSz="457200" rtl="0" eaLnBrk="1" latinLnBrk="0" hangingPunct="1">
+              <a:defRPr sz="1800" kern="1200">
+                <a:solidFill>
+                  <a:schemeClr val="tx1"/>
+                </a:solidFill>
+                <a:latin typeface="+mn-lt"/>
+                <a:ea typeface="+mn-ea"/>
+                <a:cs typeface="+mn-cs"/>
+              </a:defRPr>
+            </a:lvl3pPr>
+            <a:lvl4pPr marL="1371600" algn="l" defTabSz="457200" rtl="0" eaLnBrk="1" latinLnBrk="0" hangingPunct="1">
+              <a:defRPr sz="1800" kern="1200">
+                <a:solidFill>
+                  <a:schemeClr val="tx1"/>
+                </a:solidFill>
+                <a:latin typeface="+mn-lt"/>
+                <a:ea typeface="+mn-ea"/>
+                <a:cs typeface="+mn-cs"/>
+              </a:defRPr>
+            </a:lvl4pPr>
+            <a:lvl5pPr marL="1828800" algn="l" defTabSz="457200" rtl="0" eaLnBrk="1" latinLnBrk="0" hangingPunct="1">
+              <a:defRPr sz="1800" kern="1200">
+                <a:solidFill>
+                  <a:schemeClr val="tx1"/>
+                </a:solidFill>
+                <a:latin typeface="+mn-lt"/>
+                <a:ea typeface="+mn-ea"/>
+                <a:cs typeface="+mn-cs"/>
+              </a:defRPr>
+            </a:lvl5pPr>
+            <a:lvl6pPr marL="2286000" algn="l" defTabSz="457200" rtl="0" eaLnBrk="1" latinLnBrk="0" hangingPunct="1">
+              <a:defRPr sz="1800" kern="1200">
+                <a:solidFill>
+                  <a:schemeClr val="tx1"/>
+                </a:solidFill>
+                <a:latin typeface="+mn-lt"/>
+                <a:ea typeface="+mn-ea"/>
+                <a:cs typeface="+mn-cs"/>
+              </a:defRPr>
+            </a:lvl6pPr>
+            <a:lvl7pPr marL="2743200" algn="l" defTabSz="457200" rtl="0" eaLnBrk="1" latinLnBrk="0" hangingPunct="1">
+              <a:defRPr sz="1800" kern="1200">
+                <a:solidFill>
+                  <a:schemeClr val="tx1"/>
+                </a:solidFill>
+                <a:latin typeface="+mn-lt"/>
+                <a:ea typeface="+mn-ea"/>
+                <a:cs typeface="+mn-cs"/>
+              </a:defRPr>
+            </a:lvl7pPr>
+            <a:lvl8pPr marL="3200400" algn="l" defTabSz="457200" rtl="0" eaLnBrk="1" latinLnBrk="0" hangingPunct="1">
+              <a:defRPr sz="1800" kern="1200">
+                <a:solidFill>
+                  <a:schemeClr val="tx1"/>
+                </a:solidFill>
+                <a:latin typeface="+mn-lt"/>
+                <a:ea typeface="+mn-ea"/>
+                <a:cs typeface="+mn-cs"/>
+              </a:defRPr>
+            </a:lvl8pPr>
+            <a:lvl9pPr marL="3657600" algn="l" defTabSz="457200" rtl="0" eaLnBrk="1" latinLnBrk="0" hangingPunct="1">
+              <a:defRPr sz="1800" kern="1200">
+                <a:solidFill>
+                  <a:schemeClr val="tx1"/>
+                </a:solidFill>
+                <a:latin typeface="+mn-lt"/>
+                <a:ea typeface="+mn-ea"/>
+                <a:cs typeface="+mn-cs"/>
+              </a:defRPr>
+            </a:lvl9pPr>
+          </a:lstStyle>
+          <a:p>
+            <a:fld id="{1FE8DF1E-33BB-4377-9A26-35481BA06C7C}" type="slidenum">
+              <a:rPr lang="en-US" smtClean="0">
+                <a:solidFill>
+                  <a:schemeClr val="tx1"/>
+                </a:solidFill>
+                <a:latin typeface="Arial" panose="020B0604020202020204" pitchFamily="34" charset="0"/>
+                <a:cs typeface="Arial" panose="020B0604020202020204" pitchFamily="34" charset="0"/>
+              </a:rPr>
+              <a:pPr/>
+              <a:t>5</a:t>
+            </a:fld>
+            <a:endParaRPr lang="en-US" dirty="0">
+              <a:solidFill>
+                <a:schemeClr val="tx1"/>
+              </a:solidFill>
               <a:latin typeface="Arial" panose="020B0604020202020204" pitchFamily="34" charset="0"/>
               <a:cs typeface="Arial" panose="020B0604020202020204" pitchFamily="34" charset="0"/>
             </a:endParaRPr>
@@ -4671,6 +8603,150 @@
           </a:p>
         </p:txBody>
       </p:sp>
+      <p:sp>
+        <p:nvSpPr>
+          <p:cNvPr id="5" name="Номер слайда 3">
+            <a:extLst>
+              <a:ext uri="{FF2B5EF4-FFF2-40B4-BE49-F238E27FC236}">
+                <a16:creationId xmlns:a16="http://schemas.microsoft.com/office/drawing/2014/main" id="{64FC259C-A29A-445E-8879-DF3BAC7DE3DB}"/>
+              </a:ext>
+            </a:extLst>
+          </p:cNvPr>
+          <p:cNvSpPr txBox="1">
+            <a:spLocks/>
+          </p:cNvSpPr>
+          <p:nvPr/>
+        </p:nvSpPr>
+        <p:spPr>
+          <a:xfrm>
+            <a:off x="-2379453" y="6492875"/>
+            <a:ext cx="2743200" cy="365125"/>
+          </a:xfrm>
+          <a:prstGeom prst="rect">
+            <a:avLst/>
+          </a:prstGeom>
+        </p:spPr>
+        <p:txBody>
+          <a:bodyPr vert="horz" lIns="91440" tIns="45720" rIns="91440" bIns="45720" rtlCol="0" anchor="ctr"/>
+          <a:lstStyle>
+            <a:defPPr>
+              <a:defRPr lang="en-US"/>
+            </a:defPPr>
+            <a:lvl1pPr marL="0" algn="r" defTabSz="457200" rtl="0" eaLnBrk="1" latinLnBrk="0" hangingPunct="1">
+              <a:defRPr sz="1200" kern="1200">
+                <a:solidFill>
+                  <a:schemeClr val="tx1">
+                    <a:tint val="75000"/>
+                  </a:schemeClr>
+                </a:solidFill>
+                <a:latin typeface="+mn-lt"/>
+                <a:ea typeface="+mn-ea"/>
+                <a:cs typeface="+mn-cs"/>
+              </a:defRPr>
+            </a:lvl1pPr>
+            <a:lvl2pPr marL="457200" algn="l" defTabSz="457200" rtl="0" eaLnBrk="1" latinLnBrk="0" hangingPunct="1">
+              <a:defRPr sz="1800" kern="1200">
+                <a:solidFill>
+                  <a:schemeClr val="tx1"/>
+                </a:solidFill>
+                <a:latin typeface="+mn-lt"/>
+                <a:ea typeface="+mn-ea"/>
+                <a:cs typeface="+mn-cs"/>
+              </a:defRPr>
+            </a:lvl2pPr>
+            <a:lvl3pPr marL="914400" algn="l" defTabSz="457200" rtl="0" eaLnBrk="1" latinLnBrk="0" hangingPunct="1">
+              <a:defRPr sz="1800" kern="1200">
+                <a:solidFill>
+                  <a:schemeClr val="tx1"/>
+                </a:solidFill>
+                <a:latin typeface="+mn-lt"/>
+                <a:ea typeface="+mn-ea"/>
+                <a:cs typeface="+mn-cs"/>
+              </a:defRPr>
+            </a:lvl3pPr>
+            <a:lvl4pPr marL="1371600" algn="l" defTabSz="457200" rtl="0" eaLnBrk="1" latinLnBrk="0" hangingPunct="1">
+              <a:defRPr sz="1800" kern="1200">
+                <a:solidFill>
+                  <a:schemeClr val="tx1"/>
+                </a:solidFill>
+                <a:latin typeface="+mn-lt"/>
+                <a:ea typeface="+mn-ea"/>
+                <a:cs typeface="+mn-cs"/>
+              </a:defRPr>
+            </a:lvl4pPr>
+            <a:lvl5pPr marL="1828800" algn="l" defTabSz="457200" rtl="0" eaLnBrk="1" latinLnBrk="0" hangingPunct="1">
+              <a:defRPr sz="1800" kern="1200">
+                <a:solidFill>
+                  <a:schemeClr val="tx1"/>
+                </a:solidFill>
+                <a:latin typeface="+mn-lt"/>
+                <a:ea typeface="+mn-ea"/>
+                <a:cs typeface="+mn-cs"/>
+              </a:defRPr>
+            </a:lvl5pPr>
+            <a:lvl6pPr marL="2286000" algn="l" defTabSz="457200" rtl="0" eaLnBrk="1" latinLnBrk="0" hangingPunct="1">
+              <a:defRPr sz="1800" kern="1200">
+                <a:solidFill>
+                  <a:schemeClr val="tx1"/>
+                </a:solidFill>
+                <a:latin typeface="+mn-lt"/>
+                <a:ea typeface="+mn-ea"/>
+                <a:cs typeface="+mn-cs"/>
+              </a:defRPr>
+            </a:lvl6pPr>
+            <a:lvl7pPr marL="2743200" algn="l" defTabSz="457200" rtl="0" eaLnBrk="1" latinLnBrk="0" hangingPunct="1">
+              <a:defRPr sz="1800" kern="1200">
+                <a:solidFill>
+                  <a:schemeClr val="tx1"/>
+                </a:solidFill>
+                <a:latin typeface="+mn-lt"/>
+                <a:ea typeface="+mn-ea"/>
+                <a:cs typeface="+mn-cs"/>
+              </a:defRPr>
+            </a:lvl7pPr>
+            <a:lvl8pPr marL="3200400" algn="l" defTabSz="457200" rtl="0" eaLnBrk="1" latinLnBrk="0" hangingPunct="1">
+              <a:defRPr sz="1800" kern="1200">
+                <a:solidFill>
+                  <a:schemeClr val="tx1"/>
+                </a:solidFill>
+                <a:latin typeface="+mn-lt"/>
+                <a:ea typeface="+mn-ea"/>
+                <a:cs typeface="+mn-cs"/>
+              </a:defRPr>
+            </a:lvl8pPr>
+            <a:lvl9pPr marL="3657600" algn="l" defTabSz="457200" rtl="0" eaLnBrk="1" latinLnBrk="0" hangingPunct="1">
+              <a:defRPr sz="1800" kern="1200">
+                <a:solidFill>
+                  <a:schemeClr val="tx1"/>
+                </a:solidFill>
+                <a:latin typeface="+mn-lt"/>
+                <a:ea typeface="+mn-ea"/>
+                <a:cs typeface="+mn-cs"/>
+              </a:defRPr>
+            </a:lvl9pPr>
+          </a:lstStyle>
+          <a:p>
+            <a:fld id="{1FE8DF1E-33BB-4377-9A26-35481BA06C7C}" type="slidenum">
+              <a:rPr lang="en-US" smtClean="0">
+                <a:solidFill>
+                  <a:schemeClr val="tx1"/>
+                </a:solidFill>
+                <a:latin typeface="Arial" panose="020B0604020202020204" pitchFamily="34" charset="0"/>
+                <a:cs typeface="Arial" panose="020B0604020202020204" pitchFamily="34" charset="0"/>
+              </a:rPr>
+              <a:pPr/>
+              <a:t>6</a:t>
+            </a:fld>
+            <a:endParaRPr lang="en-US" dirty="0">
+              <a:solidFill>
+                <a:schemeClr val="tx1"/>
+              </a:solidFill>
+              <a:latin typeface="Arial" panose="020B0604020202020204" pitchFamily="34" charset="0"/>
+              <a:cs typeface="Arial" panose="020B0604020202020204" pitchFamily="34" charset="0"/>
+            </a:endParaRPr>
+          </a:p>
+        </p:txBody>
+      </p:sp>
     </p:spTree>
     <p:extLst>
       <p:ext uri="{BB962C8B-B14F-4D97-AF65-F5344CB8AC3E}">
@@ -4761,8 +8837,8 @@
         </p:blipFill>
         <p:spPr bwMode="auto">
           <a:xfrm rot="16200000">
-            <a:off x="2733011" y="-1046439"/>
-            <a:ext cx="3610046" cy="7954635"/>
+            <a:off x="3728299" y="-721277"/>
+            <a:ext cx="4008345" cy="8832276"/>
           </a:xfrm>
           <a:prstGeom prst="rect">
             <a:avLst/>
@@ -4792,8 +8868,8 @@
         </p:nvSpPr>
         <p:spPr>
           <a:xfrm>
-            <a:off x="1526874" y="4735902"/>
-            <a:ext cx="6435306" cy="338554"/>
+            <a:off x="2842901" y="5857945"/>
+            <a:ext cx="6506197" cy="339493"/>
           </a:xfrm>
           <a:prstGeom prst="rect">
             <a:avLst/>
@@ -4815,7 +8891,6 @@
             </a:r>
             <a:r>
               <a:rPr lang="ru-RU" sz="1600" dirty="0">
-                <a:effectLst/>
                 <a:latin typeface="Arial" panose="020B0604020202020204" pitchFamily="34" charset="0"/>
                 <a:ea typeface="Calibri" panose="020F0502020204030204" pitchFamily="34" charset="0"/>
                 <a:cs typeface="Arial" panose="020B0604020202020204" pitchFamily="34" charset="0"/>
@@ -4824,7 +8899,6 @@
             </a:r>
             <a:r>
               <a:rPr lang="ru-RU" sz="1600" dirty="0" err="1">
-                <a:effectLst/>
                 <a:latin typeface="Arial" panose="020B0604020202020204" pitchFamily="34" charset="0"/>
                 <a:ea typeface="Calibri" panose="020F0502020204030204" pitchFamily="34" charset="0"/>
                 <a:cs typeface="Arial" panose="020B0604020202020204" pitchFamily="34" charset="0"/>
@@ -4833,7 +8907,6 @@
             </a:r>
             <a:r>
               <a:rPr lang="ru-RU" sz="1600" dirty="0">
-                <a:effectLst/>
                 <a:latin typeface="Arial" panose="020B0604020202020204" pitchFamily="34" charset="0"/>
                 <a:ea typeface="Calibri" panose="020F0502020204030204" pitchFamily="34" charset="0"/>
                 <a:cs typeface="Arial" panose="020B0604020202020204" pitchFamily="34" charset="0"/>
@@ -4841,6 +8914,150 @@
               <a:t>™</a:t>
             </a:r>
             <a:endParaRPr lang="ru-RU" sz="1600" dirty="0">
+              <a:latin typeface="Arial" panose="020B0604020202020204" pitchFamily="34" charset="0"/>
+              <a:cs typeface="Arial" panose="020B0604020202020204" pitchFamily="34" charset="0"/>
+            </a:endParaRPr>
+          </a:p>
+        </p:txBody>
+      </p:sp>
+      <p:sp>
+        <p:nvSpPr>
+          <p:cNvPr id="6" name="Номер слайда 3">
+            <a:extLst>
+              <a:ext uri="{FF2B5EF4-FFF2-40B4-BE49-F238E27FC236}">
+                <a16:creationId xmlns:a16="http://schemas.microsoft.com/office/drawing/2014/main" id="{0908793F-18BE-48A0-A140-66E3E0100EBD}"/>
+              </a:ext>
+            </a:extLst>
+          </p:cNvPr>
+          <p:cNvSpPr txBox="1">
+            <a:spLocks/>
+          </p:cNvSpPr>
+          <p:nvPr/>
+        </p:nvSpPr>
+        <p:spPr>
+          <a:xfrm>
+            <a:off x="-2379453" y="6492875"/>
+            <a:ext cx="2743200" cy="365125"/>
+          </a:xfrm>
+          <a:prstGeom prst="rect">
+            <a:avLst/>
+          </a:prstGeom>
+        </p:spPr>
+        <p:txBody>
+          <a:bodyPr vert="horz" lIns="91440" tIns="45720" rIns="91440" bIns="45720" rtlCol="0" anchor="ctr"/>
+          <a:lstStyle>
+            <a:defPPr>
+              <a:defRPr lang="en-US"/>
+            </a:defPPr>
+            <a:lvl1pPr marL="0" algn="r" defTabSz="457200" rtl="0" eaLnBrk="1" latinLnBrk="0" hangingPunct="1">
+              <a:defRPr sz="1200" kern="1200">
+                <a:solidFill>
+                  <a:schemeClr val="tx1">
+                    <a:tint val="75000"/>
+                  </a:schemeClr>
+                </a:solidFill>
+                <a:latin typeface="+mn-lt"/>
+                <a:ea typeface="+mn-ea"/>
+                <a:cs typeface="+mn-cs"/>
+              </a:defRPr>
+            </a:lvl1pPr>
+            <a:lvl2pPr marL="457200" algn="l" defTabSz="457200" rtl="0" eaLnBrk="1" latinLnBrk="0" hangingPunct="1">
+              <a:defRPr sz="1800" kern="1200">
+                <a:solidFill>
+                  <a:schemeClr val="tx1"/>
+                </a:solidFill>
+                <a:latin typeface="+mn-lt"/>
+                <a:ea typeface="+mn-ea"/>
+                <a:cs typeface="+mn-cs"/>
+              </a:defRPr>
+            </a:lvl2pPr>
+            <a:lvl3pPr marL="914400" algn="l" defTabSz="457200" rtl="0" eaLnBrk="1" latinLnBrk="0" hangingPunct="1">
+              <a:defRPr sz="1800" kern="1200">
+                <a:solidFill>
+                  <a:schemeClr val="tx1"/>
+                </a:solidFill>
+                <a:latin typeface="+mn-lt"/>
+                <a:ea typeface="+mn-ea"/>
+                <a:cs typeface="+mn-cs"/>
+              </a:defRPr>
+            </a:lvl3pPr>
+            <a:lvl4pPr marL="1371600" algn="l" defTabSz="457200" rtl="0" eaLnBrk="1" latinLnBrk="0" hangingPunct="1">
+              <a:defRPr sz="1800" kern="1200">
+                <a:solidFill>
+                  <a:schemeClr val="tx1"/>
+                </a:solidFill>
+                <a:latin typeface="+mn-lt"/>
+                <a:ea typeface="+mn-ea"/>
+                <a:cs typeface="+mn-cs"/>
+              </a:defRPr>
+            </a:lvl4pPr>
+            <a:lvl5pPr marL="1828800" algn="l" defTabSz="457200" rtl="0" eaLnBrk="1" latinLnBrk="0" hangingPunct="1">
+              <a:defRPr sz="1800" kern="1200">
+                <a:solidFill>
+                  <a:schemeClr val="tx1"/>
+                </a:solidFill>
+                <a:latin typeface="+mn-lt"/>
+                <a:ea typeface="+mn-ea"/>
+                <a:cs typeface="+mn-cs"/>
+              </a:defRPr>
+            </a:lvl5pPr>
+            <a:lvl6pPr marL="2286000" algn="l" defTabSz="457200" rtl="0" eaLnBrk="1" latinLnBrk="0" hangingPunct="1">
+              <a:defRPr sz="1800" kern="1200">
+                <a:solidFill>
+                  <a:schemeClr val="tx1"/>
+                </a:solidFill>
+                <a:latin typeface="+mn-lt"/>
+                <a:ea typeface="+mn-ea"/>
+                <a:cs typeface="+mn-cs"/>
+              </a:defRPr>
+            </a:lvl6pPr>
+            <a:lvl7pPr marL="2743200" algn="l" defTabSz="457200" rtl="0" eaLnBrk="1" latinLnBrk="0" hangingPunct="1">
+              <a:defRPr sz="1800" kern="1200">
+                <a:solidFill>
+                  <a:schemeClr val="tx1"/>
+                </a:solidFill>
+                <a:latin typeface="+mn-lt"/>
+                <a:ea typeface="+mn-ea"/>
+                <a:cs typeface="+mn-cs"/>
+              </a:defRPr>
+            </a:lvl7pPr>
+            <a:lvl8pPr marL="3200400" algn="l" defTabSz="457200" rtl="0" eaLnBrk="1" latinLnBrk="0" hangingPunct="1">
+              <a:defRPr sz="1800" kern="1200">
+                <a:solidFill>
+                  <a:schemeClr val="tx1"/>
+                </a:solidFill>
+                <a:latin typeface="+mn-lt"/>
+                <a:ea typeface="+mn-ea"/>
+                <a:cs typeface="+mn-cs"/>
+              </a:defRPr>
+            </a:lvl8pPr>
+            <a:lvl9pPr marL="3657600" algn="l" defTabSz="457200" rtl="0" eaLnBrk="1" latinLnBrk="0" hangingPunct="1">
+              <a:defRPr sz="1800" kern="1200">
+                <a:solidFill>
+                  <a:schemeClr val="tx1"/>
+                </a:solidFill>
+                <a:latin typeface="+mn-lt"/>
+                <a:ea typeface="+mn-ea"/>
+                <a:cs typeface="+mn-cs"/>
+              </a:defRPr>
+            </a:lvl9pPr>
+          </a:lstStyle>
+          <a:p>
+            <a:fld id="{1FE8DF1E-33BB-4377-9A26-35481BA06C7C}" type="slidenum">
+              <a:rPr lang="en-US" smtClean="0">
+                <a:solidFill>
+                  <a:schemeClr val="tx1"/>
+                </a:solidFill>
+                <a:latin typeface="Arial" panose="020B0604020202020204" pitchFamily="34" charset="0"/>
+                <a:cs typeface="Arial" panose="020B0604020202020204" pitchFamily="34" charset="0"/>
+              </a:rPr>
+              <a:pPr/>
+              <a:t>7</a:t>
+            </a:fld>
+            <a:endParaRPr lang="en-US" dirty="0">
+              <a:solidFill>
+                <a:schemeClr val="tx1"/>
+              </a:solidFill>
               <a:latin typeface="Arial" panose="020B0604020202020204" pitchFamily="34" charset="0"/>
               <a:cs typeface="Arial" panose="020B0604020202020204" pitchFamily="34" charset="0"/>
             </a:endParaRPr>
@@ -4935,8 +9152,8 @@
         </p:blipFill>
         <p:spPr bwMode="auto">
           <a:xfrm rot="16200000">
-            <a:off x="2785024" y="-977615"/>
-            <a:ext cx="3573952" cy="7853082"/>
+            <a:off x="4045744" y="-1076049"/>
+            <a:ext cx="4100512" cy="9010098"/>
           </a:xfrm>
           <a:prstGeom prst="rect">
             <a:avLst/>
@@ -4966,7 +9183,7 @@
         </p:nvSpPr>
         <p:spPr>
           <a:xfrm>
-            <a:off x="645457" y="4735902"/>
+            <a:off x="2129117" y="5594637"/>
             <a:ext cx="7853083" cy="646331"/>
           </a:xfrm>
           <a:prstGeom prst="rect">
@@ -4986,17 +9203,160 @@
                 <a:latin typeface="Arial" panose="020B0604020202020204" pitchFamily="34" charset="0"/>
                 <a:cs typeface="Arial" panose="020B0604020202020204" pitchFamily="34" charset="0"/>
               </a:rPr>
-              <a:t>Рисунок 1. Рабочее место диспетчера </a:t>
-            </a:r>
-            <a:r>
-              <a:rPr lang="en-US" sz="1800" dirty="0">
-                <a:effectLst/>
+              <a:t>Рисунок 2. Рабочее место диспетчера </a:t>
+            </a:r>
+            <a:r>
+              <a:rPr lang="en-US" dirty="0">
                 <a:latin typeface="Times New Roman" panose="02020603050405020304" pitchFamily="18" charset="0"/>
                 <a:ea typeface="Times New Roman" panose="02020603050405020304" pitchFamily="18" charset="0"/>
               </a:rPr>
               <a:t>Oracle E-Business Suite (Oracle Applications)</a:t>
             </a:r>
             <a:endParaRPr lang="ru-RU" sz="1600" dirty="0">
+              <a:latin typeface="Arial" panose="020B0604020202020204" pitchFamily="34" charset="0"/>
+              <a:cs typeface="Arial" panose="020B0604020202020204" pitchFamily="34" charset="0"/>
+            </a:endParaRPr>
+          </a:p>
+        </p:txBody>
+      </p:sp>
+      <p:sp>
+        <p:nvSpPr>
+          <p:cNvPr id="6" name="Номер слайда 3">
+            <a:extLst>
+              <a:ext uri="{FF2B5EF4-FFF2-40B4-BE49-F238E27FC236}">
+                <a16:creationId xmlns:a16="http://schemas.microsoft.com/office/drawing/2014/main" id="{4059D300-47A9-4556-967C-061335860169}"/>
+              </a:ext>
+            </a:extLst>
+          </p:cNvPr>
+          <p:cNvSpPr txBox="1">
+            <a:spLocks/>
+          </p:cNvSpPr>
+          <p:nvPr/>
+        </p:nvSpPr>
+        <p:spPr>
+          <a:xfrm>
+            <a:off x="-2379453" y="6492875"/>
+            <a:ext cx="2743200" cy="365125"/>
+          </a:xfrm>
+          <a:prstGeom prst="rect">
+            <a:avLst/>
+          </a:prstGeom>
+        </p:spPr>
+        <p:txBody>
+          <a:bodyPr vert="horz" lIns="91440" tIns="45720" rIns="91440" bIns="45720" rtlCol="0" anchor="ctr"/>
+          <a:lstStyle>
+            <a:defPPr>
+              <a:defRPr lang="en-US"/>
+            </a:defPPr>
+            <a:lvl1pPr marL="0" algn="r" defTabSz="457200" rtl="0" eaLnBrk="1" latinLnBrk="0" hangingPunct="1">
+              <a:defRPr sz="1200" kern="1200">
+                <a:solidFill>
+                  <a:schemeClr val="tx1">
+                    <a:tint val="75000"/>
+                  </a:schemeClr>
+                </a:solidFill>
+                <a:latin typeface="+mn-lt"/>
+                <a:ea typeface="+mn-ea"/>
+                <a:cs typeface="+mn-cs"/>
+              </a:defRPr>
+            </a:lvl1pPr>
+            <a:lvl2pPr marL="457200" algn="l" defTabSz="457200" rtl="0" eaLnBrk="1" latinLnBrk="0" hangingPunct="1">
+              <a:defRPr sz="1800" kern="1200">
+                <a:solidFill>
+                  <a:schemeClr val="tx1"/>
+                </a:solidFill>
+                <a:latin typeface="+mn-lt"/>
+                <a:ea typeface="+mn-ea"/>
+                <a:cs typeface="+mn-cs"/>
+              </a:defRPr>
+            </a:lvl2pPr>
+            <a:lvl3pPr marL="914400" algn="l" defTabSz="457200" rtl="0" eaLnBrk="1" latinLnBrk="0" hangingPunct="1">
+              <a:defRPr sz="1800" kern="1200">
+                <a:solidFill>
+                  <a:schemeClr val="tx1"/>
+                </a:solidFill>
+                <a:latin typeface="+mn-lt"/>
+                <a:ea typeface="+mn-ea"/>
+                <a:cs typeface="+mn-cs"/>
+              </a:defRPr>
+            </a:lvl3pPr>
+            <a:lvl4pPr marL="1371600" algn="l" defTabSz="457200" rtl="0" eaLnBrk="1" latinLnBrk="0" hangingPunct="1">
+              <a:defRPr sz="1800" kern="1200">
+                <a:solidFill>
+                  <a:schemeClr val="tx1"/>
+                </a:solidFill>
+                <a:latin typeface="+mn-lt"/>
+                <a:ea typeface="+mn-ea"/>
+                <a:cs typeface="+mn-cs"/>
+              </a:defRPr>
+            </a:lvl4pPr>
+            <a:lvl5pPr marL="1828800" algn="l" defTabSz="457200" rtl="0" eaLnBrk="1" latinLnBrk="0" hangingPunct="1">
+              <a:defRPr sz="1800" kern="1200">
+                <a:solidFill>
+                  <a:schemeClr val="tx1"/>
+                </a:solidFill>
+                <a:latin typeface="+mn-lt"/>
+                <a:ea typeface="+mn-ea"/>
+                <a:cs typeface="+mn-cs"/>
+              </a:defRPr>
+            </a:lvl5pPr>
+            <a:lvl6pPr marL="2286000" algn="l" defTabSz="457200" rtl="0" eaLnBrk="1" latinLnBrk="0" hangingPunct="1">
+              <a:defRPr sz="1800" kern="1200">
+                <a:solidFill>
+                  <a:schemeClr val="tx1"/>
+                </a:solidFill>
+                <a:latin typeface="+mn-lt"/>
+                <a:ea typeface="+mn-ea"/>
+                <a:cs typeface="+mn-cs"/>
+              </a:defRPr>
+            </a:lvl6pPr>
+            <a:lvl7pPr marL="2743200" algn="l" defTabSz="457200" rtl="0" eaLnBrk="1" latinLnBrk="0" hangingPunct="1">
+              <a:defRPr sz="1800" kern="1200">
+                <a:solidFill>
+                  <a:schemeClr val="tx1"/>
+                </a:solidFill>
+                <a:latin typeface="+mn-lt"/>
+                <a:ea typeface="+mn-ea"/>
+                <a:cs typeface="+mn-cs"/>
+              </a:defRPr>
+            </a:lvl7pPr>
+            <a:lvl8pPr marL="3200400" algn="l" defTabSz="457200" rtl="0" eaLnBrk="1" latinLnBrk="0" hangingPunct="1">
+              <a:defRPr sz="1800" kern="1200">
+                <a:solidFill>
+                  <a:schemeClr val="tx1"/>
+                </a:solidFill>
+                <a:latin typeface="+mn-lt"/>
+                <a:ea typeface="+mn-ea"/>
+                <a:cs typeface="+mn-cs"/>
+              </a:defRPr>
+            </a:lvl8pPr>
+            <a:lvl9pPr marL="3657600" algn="l" defTabSz="457200" rtl="0" eaLnBrk="1" latinLnBrk="0" hangingPunct="1">
+              <a:defRPr sz="1800" kern="1200">
+                <a:solidFill>
+                  <a:schemeClr val="tx1"/>
+                </a:solidFill>
+                <a:latin typeface="+mn-lt"/>
+                <a:ea typeface="+mn-ea"/>
+                <a:cs typeface="+mn-cs"/>
+              </a:defRPr>
+            </a:lvl9pPr>
+          </a:lstStyle>
+          <a:p>
+            <a:fld id="{1FE8DF1E-33BB-4377-9A26-35481BA06C7C}" type="slidenum">
+              <a:rPr lang="en-US" smtClean="0">
+                <a:solidFill>
+                  <a:schemeClr val="tx1"/>
+                </a:solidFill>
+                <a:latin typeface="Arial" panose="020B0604020202020204" pitchFamily="34" charset="0"/>
+                <a:cs typeface="Arial" panose="020B0604020202020204" pitchFamily="34" charset="0"/>
+              </a:rPr>
+              <a:pPr/>
+              <a:t>8</a:t>
+            </a:fld>
+            <a:endParaRPr lang="en-US" dirty="0">
+              <a:solidFill>
+                <a:schemeClr val="tx1"/>
+              </a:solidFill>
               <a:latin typeface="Arial" panose="020B0604020202020204" pitchFamily="34" charset="0"/>
               <a:cs typeface="Arial" panose="020B0604020202020204" pitchFamily="34" charset="0"/>
             </a:endParaRPr>
@@ -5016,10 +9376,2492 @@
 </p:sld>
 </file>
 
+<file path=ppt/slides/slide9.xml><?xml version="1.0" encoding="utf-8"?>
+<p:sld xmlns:a="http://schemas.openxmlformats.org/drawingml/2006/main" xmlns:r="http://schemas.openxmlformats.org/officeDocument/2006/relationships" xmlns:p="http://schemas.openxmlformats.org/presentationml/2006/main">
+  <p:cSld>
+    <p:spTree>
+      <p:nvGrpSpPr>
+        <p:cNvPr id="1" name=""/>
+        <p:cNvGrpSpPr/>
+        <p:nvPr/>
+      </p:nvGrpSpPr>
+      <p:grpSpPr>
+        <a:xfrm>
+          <a:off x="0" y="0"/>
+          <a:ext cx="0" cy="0"/>
+          <a:chOff x="0" y="0"/>
+          <a:chExt cx="0" cy="0"/>
+        </a:xfrm>
+      </p:grpSpPr>
+      <p:sp>
+        <p:nvSpPr>
+          <p:cNvPr id="2" name="Заголовок 1">
+            <a:extLst>
+              <a:ext uri="{FF2B5EF4-FFF2-40B4-BE49-F238E27FC236}">
+                <a16:creationId xmlns:a16="http://schemas.microsoft.com/office/drawing/2014/main" id="{782547A2-0525-4ABA-A4E8-B290C4AF53A4}"/>
+              </a:ext>
+            </a:extLst>
+          </p:cNvPr>
+          <p:cNvSpPr>
+            <a:spLocks noGrp="1"/>
+          </p:cNvSpPr>
+          <p:nvPr>
+            <p:ph type="title"/>
+          </p:nvPr>
+        </p:nvSpPr>
+        <p:spPr/>
+        <p:txBody>
+          <a:bodyPr>
+            <a:normAutofit/>
+          </a:bodyPr>
+          <a:lstStyle/>
+          <a:p>
+            <a:r>
+              <a:rPr lang="ru-RU" sz="3800" dirty="0">
+                <a:latin typeface="Arial" panose="020B0604020202020204" pitchFamily="34" charset="0"/>
+                <a:cs typeface="Arial" panose="020B0604020202020204" pitchFamily="34" charset="0"/>
+              </a:rPr>
+              <a:t>Анализ аналогов и прототипов</a:t>
+            </a:r>
+          </a:p>
+        </p:txBody>
+      </p:sp>
+      <p:graphicFrame>
+        <p:nvGraphicFramePr>
+          <p:cNvPr id="5" name="Объект 4">
+            <a:extLst>
+              <a:ext uri="{FF2B5EF4-FFF2-40B4-BE49-F238E27FC236}">
+                <a16:creationId xmlns:a16="http://schemas.microsoft.com/office/drawing/2014/main" id="{2EBC8C47-F3B2-4650-B213-08C92011DE2E}"/>
+              </a:ext>
+            </a:extLst>
+          </p:cNvPr>
+          <p:cNvGraphicFramePr>
+            <a:graphicFrameLocks noGrp="1"/>
+          </p:cNvGraphicFramePr>
+          <p:nvPr>
+            <p:ph idx="1"/>
+            <p:extLst>
+              <p:ext uri="{D42A27DB-BD31-4B8C-83A1-F6EECF244321}">
+                <p14:modId xmlns:p14="http://schemas.microsoft.com/office/powerpoint/2010/main" val="539076832"/>
+              </p:ext>
+            </p:extLst>
+          </p:nvPr>
+        </p:nvGraphicFramePr>
+        <p:xfrm>
+          <a:off x="2272976" y="2039926"/>
+          <a:ext cx="7135568" cy="4031146"/>
+        </p:xfrm>
+        <a:graphic>
+          <a:graphicData uri="http://schemas.openxmlformats.org/drawingml/2006/table">
+            <a:tbl>
+              <a:tblPr firstRow="1" firstCol="1" bandRow="1">
+                <a:tableStyleId>{5C22544A-7EE6-4342-B048-85BDC9FD1C3A}</a:tableStyleId>
+              </a:tblPr>
+              <a:tblGrid>
+                <a:gridCol w="2379483">
+                  <a:extLst>
+                    <a:ext uri="{9D8B030D-6E8A-4147-A177-3AD203B41FA5}">
+                      <a16:colId xmlns:a16="http://schemas.microsoft.com/office/drawing/2014/main" val="623853658"/>
+                    </a:ext>
+                  </a:extLst>
+                </a:gridCol>
+                <a:gridCol w="2366523">
+                  <a:extLst>
+                    <a:ext uri="{9D8B030D-6E8A-4147-A177-3AD203B41FA5}">
+                      <a16:colId xmlns:a16="http://schemas.microsoft.com/office/drawing/2014/main" val="317534189"/>
+                    </a:ext>
+                  </a:extLst>
+                </a:gridCol>
+                <a:gridCol w="2389562">
+                  <a:extLst>
+                    <a:ext uri="{9D8B030D-6E8A-4147-A177-3AD203B41FA5}">
+                      <a16:colId xmlns:a16="http://schemas.microsoft.com/office/drawing/2014/main" val="1568078241"/>
+                    </a:ext>
+                  </a:extLst>
+                </a:gridCol>
+              </a:tblGrid>
+              <a:tr h="407233">
+                <a:tc>
+                  <a:txBody>
+                    <a:bodyPr/>
+                    <a:lstStyle/>
+                    <a:p>
+                      <a:pPr indent="0" algn="ctr">
+                        <a:lnSpc>
+                          <a:spcPct val="115000"/>
+                        </a:lnSpc>
+                      </a:pPr>
+                      <a:r>
+                        <a:rPr lang="ru-RU" sz="1100" dirty="0">
+                          <a:effectLst/>
+                          <a:latin typeface="Arial" panose="020B0604020202020204" pitchFamily="34" charset="0"/>
+                          <a:cs typeface="Arial" panose="020B0604020202020204" pitchFamily="34" charset="0"/>
+                        </a:rPr>
+                        <a:t>Критерии</a:t>
+                      </a:r>
+                      <a:endParaRPr lang="ru-RU" sz="1200" dirty="0">
+                        <a:effectLst/>
+                        <a:latin typeface="Arial" panose="020B0604020202020204" pitchFamily="34" charset="0"/>
+                        <a:ea typeface="Times New Roman" panose="02020603050405020304" pitchFamily="18" charset="0"/>
+                        <a:cs typeface="Arial" panose="020B0604020202020204" pitchFamily="34" charset="0"/>
+                      </a:endParaRPr>
+                    </a:p>
+                  </a:txBody>
+                  <a:tcPr marL="68580" marR="68580" marT="0" marB="0" anchor="ctr">
+                    <a:lnB w="12700" cap="flat" cmpd="sng" algn="ctr">
+                      <a:solidFill>
+                        <a:schemeClr val="tx1"/>
+                      </a:solidFill>
+                      <a:prstDash val="solid"/>
+                      <a:round/>
+                      <a:headEnd type="none" w="med" len="med"/>
+                      <a:tailEnd type="none" w="med" len="med"/>
+                    </a:lnB>
+                  </a:tcPr>
+                </a:tc>
+                <a:tc>
+                  <a:txBody>
+                    <a:bodyPr/>
+                    <a:lstStyle/>
+                    <a:p>
+                      <a:pPr indent="0" algn="ctr">
+                        <a:lnSpc>
+                          <a:spcPct val="115000"/>
+                        </a:lnSpc>
+                      </a:pPr>
+                      <a:r>
+                        <a:rPr lang="en-US" sz="1100" dirty="0">
+                          <a:effectLst/>
+                          <a:latin typeface="Arial" panose="020B0604020202020204" pitchFamily="34" charset="0"/>
+                          <a:cs typeface="Arial" panose="020B0604020202020204" pitchFamily="34" charset="0"/>
+                        </a:rPr>
+                        <a:t>Oracle E-Business Suite (Oracle Applications)</a:t>
+                      </a:r>
+                      <a:endParaRPr lang="ru-RU" sz="1200" dirty="0">
+                        <a:effectLst/>
+                        <a:latin typeface="Arial" panose="020B0604020202020204" pitchFamily="34" charset="0"/>
+                        <a:ea typeface="Times New Roman" panose="02020603050405020304" pitchFamily="18" charset="0"/>
+                        <a:cs typeface="Arial" panose="020B0604020202020204" pitchFamily="34" charset="0"/>
+                      </a:endParaRPr>
+                    </a:p>
+                  </a:txBody>
+                  <a:tcPr marL="68580" marR="68580" marT="0" marB="0" anchor="ctr">
+                    <a:lnB w="12700" cap="flat" cmpd="sng" algn="ctr">
+                      <a:solidFill>
+                        <a:schemeClr val="tx1"/>
+                      </a:solidFill>
+                      <a:prstDash val="solid"/>
+                      <a:round/>
+                      <a:headEnd type="none" w="med" len="med"/>
+                      <a:tailEnd type="none" w="med" len="med"/>
+                    </a:lnB>
+                  </a:tcPr>
+                </a:tc>
+                <a:tc>
+                  <a:txBody>
+                    <a:bodyPr/>
+                    <a:lstStyle/>
+                    <a:p>
+                      <a:pPr indent="0" algn="ctr">
+                        <a:lnSpc>
+                          <a:spcPct val="115000"/>
+                        </a:lnSpc>
+                      </a:pPr>
+                      <a:r>
+                        <a:rPr lang="ru-RU" sz="1100">
+                          <a:effectLst/>
+                          <a:latin typeface="Arial" panose="020B0604020202020204" pitchFamily="34" charset="0"/>
+                          <a:cs typeface="Arial" panose="020B0604020202020204" pitchFamily="34" charset="0"/>
+                        </a:rPr>
+                        <a:t>ANTOR LogisticsMaster™</a:t>
+                      </a:r>
+                      <a:endParaRPr lang="ru-RU" sz="1200">
+                        <a:effectLst/>
+                        <a:latin typeface="Arial" panose="020B0604020202020204" pitchFamily="34" charset="0"/>
+                        <a:ea typeface="Times New Roman" panose="02020603050405020304" pitchFamily="18" charset="0"/>
+                        <a:cs typeface="Arial" panose="020B0604020202020204" pitchFamily="34" charset="0"/>
+                      </a:endParaRPr>
+                    </a:p>
+                  </a:txBody>
+                  <a:tcPr marL="68580" marR="68580" marT="0" marB="0" anchor="ctr">
+                    <a:lnB w="12700" cap="flat" cmpd="sng" algn="ctr">
+                      <a:solidFill>
+                        <a:schemeClr val="tx1"/>
+                      </a:solidFill>
+                      <a:prstDash val="solid"/>
+                      <a:round/>
+                      <a:headEnd type="none" w="med" len="med"/>
+                      <a:tailEnd type="none" w="med" len="med"/>
+                    </a:lnB>
+                  </a:tcPr>
+                </a:tc>
+                <a:extLst>
+                  <a:ext uri="{0D108BD9-81ED-4DB2-BD59-A6C34878D82A}">
+                    <a16:rowId xmlns:a16="http://schemas.microsoft.com/office/drawing/2014/main" val="2050694570"/>
+                  </a:ext>
+                </a:extLst>
+              </a:tr>
+              <a:tr h="194581">
+                <a:tc gridSpan="3">
+                  <a:txBody>
+                    <a:bodyPr/>
+                    <a:lstStyle/>
+                    <a:p>
+                      <a:pPr indent="0" algn="ctr">
+                        <a:lnSpc>
+                          <a:spcPct val="115000"/>
+                        </a:lnSpc>
+                      </a:pPr>
+                      <a:r>
+                        <a:rPr lang="ru-RU" sz="1100" b="0" dirty="0">
+                          <a:solidFill>
+                            <a:schemeClr val="tx1"/>
+                          </a:solidFill>
+                          <a:effectLst/>
+                          <a:latin typeface="Arial" panose="020B0604020202020204" pitchFamily="34" charset="0"/>
+                          <a:cs typeface="Arial" panose="020B0604020202020204" pitchFamily="34" charset="0"/>
+                        </a:rPr>
+                        <a:t>Поддержка платформ</a:t>
+                      </a:r>
+                      <a:endParaRPr lang="ru-RU" sz="1200" b="0" dirty="0">
+                        <a:solidFill>
+                          <a:schemeClr val="tx1"/>
+                        </a:solidFill>
+                        <a:effectLst/>
+                        <a:latin typeface="Arial" panose="020B0604020202020204" pitchFamily="34" charset="0"/>
+                        <a:ea typeface="Times New Roman" panose="02020603050405020304" pitchFamily="18" charset="0"/>
+                        <a:cs typeface="Arial" panose="020B0604020202020204" pitchFamily="34" charset="0"/>
+                      </a:endParaRPr>
+                    </a:p>
+                  </a:txBody>
+                  <a:tcPr marL="68580" marR="68580" marT="0" marB="0">
+                    <a:lnL w="12700" cap="flat" cmpd="sng" algn="ctr">
+                      <a:solidFill>
+                        <a:schemeClr val="tx1"/>
+                      </a:solidFill>
+                      <a:prstDash val="solid"/>
+                      <a:round/>
+                      <a:headEnd type="none" w="med" len="med"/>
+                      <a:tailEnd type="none" w="med" len="med"/>
+                    </a:lnL>
+                    <a:lnR w="12700" cap="flat" cmpd="sng" algn="ctr">
+                      <a:solidFill>
+                        <a:schemeClr val="tx1"/>
+                      </a:solidFill>
+                      <a:prstDash val="solid"/>
+                      <a:round/>
+                      <a:headEnd type="none" w="med" len="med"/>
+                      <a:tailEnd type="none" w="med" len="med"/>
+                    </a:lnR>
+                    <a:lnT w="12700" cap="flat" cmpd="sng" algn="ctr">
+                      <a:solidFill>
+                        <a:schemeClr val="tx1"/>
+                      </a:solidFill>
+                      <a:prstDash val="solid"/>
+                      <a:round/>
+                      <a:headEnd type="none" w="med" len="med"/>
+                      <a:tailEnd type="none" w="med" len="med"/>
+                    </a:lnT>
+                    <a:lnB w="12700" cap="flat" cmpd="sng" algn="ctr">
+                      <a:solidFill>
+                        <a:schemeClr val="tx1"/>
+                      </a:solidFill>
+                      <a:prstDash val="solid"/>
+                      <a:round/>
+                      <a:headEnd type="none" w="med" len="med"/>
+                      <a:tailEnd type="none" w="med" len="med"/>
+                    </a:lnB>
+                    <a:solidFill>
+                      <a:schemeClr val="bg1"/>
+                    </a:solidFill>
+                  </a:tcPr>
+                </a:tc>
+                <a:tc hMerge="1">
+                  <a:txBody>
+                    <a:bodyPr/>
+                    <a:lstStyle/>
+                    <a:p>
+                      <a:endParaRPr lang="ru-RU"/>
+                    </a:p>
+                  </a:txBody>
+                  <a:tcPr/>
+                </a:tc>
+                <a:tc hMerge="1">
+                  <a:txBody>
+                    <a:bodyPr/>
+                    <a:lstStyle/>
+                    <a:p>
+                      <a:endParaRPr lang="ru-RU"/>
+                    </a:p>
+                  </a:txBody>
+                  <a:tcPr/>
+                </a:tc>
+                <a:extLst>
+                  <a:ext uri="{0D108BD9-81ED-4DB2-BD59-A6C34878D82A}">
+                    <a16:rowId xmlns:a16="http://schemas.microsoft.com/office/drawing/2014/main" val="483800398"/>
+                  </a:ext>
+                </a:extLst>
+              </a:tr>
+              <a:tr h="194581">
+                <a:tc>
+                  <a:txBody>
+                    <a:bodyPr/>
+                    <a:lstStyle/>
+                    <a:p>
+                      <a:pPr indent="0" algn="l">
+                        <a:lnSpc>
+                          <a:spcPct val="115000"/>
+                        </a:lnSpc>
+                      </a:pPr>
+                      <a:r>
+                        <a:rPr lang="ru-RU" sz="1100" b="0" dirty="0" err="1">
+                          <a:solidFill>
+                            <a:schemeClr val="tx1"/>
+                          </a:solidFill>
+                          <a:effectLst/>
+                          <a:latin typeface="Arial" panose="020B0604020202020204" pitchFamily="34" charset="0"/>
+                          <a:cs typeface="Arial" panose="020B0604020202020204" pitchFamily="34" charset="0"/>
+                        </a:rPr>
+                        <a:t>Мультиплатформенность</a:t>
+                      </a:r>
+                      <a:endParaRPr lang="ru-RU" sz="1200" b="0" dirty="0">
+                        <a:solidFill>
+                          <a:schemeClr val="tx1"/>
+                        </a:solidFill>
+                        <a:effectLst/>
+                        <a:latin typeface="Arial" panose="020B0604020202020204" pitchFamily="34" charset="0"/>
+                        <a:ea typeface="Times New Roman" panose="02020603050405020304" pitchFamily="18" charset="0"/>
+                        <a:cs typeface="Arial" panose="020B0604020202020204" pitchFamily="34" charset="0"/>
+                      </a:endParaRPr>
+                    </a:p>
+                  </a:txBody>
+                  <a:tcPr marL="68580" marR="68580" marT="0" marB="0">
+                    <a:lnL w="12700" cap="flat" cmpd="sng" algn="ctr">
+                      <a:solidFill>
+                        <a:schemeClr val="tx1"/>
+                      </a:solidFill>
+                      <a:prstDash val="solid"/>
+                      <a:round/>
+                      <a:headEnd type="none" w="med" len="med"/>
+                      <a:tailEnd type="none" w="med" len="med"/>
+                    </a:lnL>
+                    <a:lnR w="12700" cap="flat" cmpd="sng" algn="ctr">
+                      <a:solidFill>
+                        <a:schemeClr val="tx1"/>
+                      </a:solidFill>
+                      <a:prstDash val="solid"/>
+                      <a:round/>
+                      <a:headEnd type="none" w="med" len="med"/>
+                      <a:tailEnd type="none" w="med" len="med"/>
+                    </a:lnR>
+                    <a:lnT w="12700" cap="flat" cmpd="sng" algn="ctr">
+                      <a:solidFill>
+                        <a:schemeClr val="tx1"/>
+                      </a:solidFill>
+                      <a:prstDash val="solid"/>
+                      <a:round/>
+                      <a:headEnd type="none" w="med" len="med"/>
+                      <a:tailEnd type="none" w="med" len="med"/>
+                    </a:lnT>
+                    <a:lnB w="12700" cap="flat" cmpd="sng" algn="ctr">
+                      <a:solidFill>
+                        <a:schemeClr val="tx1"/>
+                      </a:solidFill>
+                      <a:prstDash val="solid"/>
+                      <a:round/>
+                      <a:headEnd type="none" w="med" len="med"/>
+                      <a:tailEnd type="none" w="med" len="med"/>
+                    </a:lnB>
+                    <a:solidFill>
+                      <a:schemeClr val="bg1"/>
+                    </a:solidFill>
+                  </a:tcPr>
+                </a:tc>
+                <a:tc>
+                  <a:txBody>
+                    <a:bodyPr/>
+                    <a:lstStyle/>
+                    <a:p>
+                      <a:pPr indent="0" algn="ctr">
+                        <a:lnSpc>
+                          <a:spcPct val="115000"/>
+                        </a:lnSpc>
+                      </a:pPr>
+                      <a:r>
+                        <a:rPr lang="ru-RU" sz="1100" b="0" dirty="0">
+                          <a:solidFill>
+                            <a:schemeClr val="tx1"/>
+                          </a:solidFill>
+                          <a:effectLst/>
+                          <a:latin typeface="Arial" panose="020B0604020202020204" pitchFamily="34" charset="0"/>
+                          <a:cs typeface="Arial" panose="020B0604020202020204" pitchFamily="34" charset="0"/>
+                        </a:rPr>
+                        <a:t>2</a:t>
+                      </a:r>
+                      <a:endParaRPr lang="ru-RU" sz="1200" b="0" dirty="0">
+                        <a:solidFill>
+                          <a:schemeClr val="tx1"/>
+                        </a:solidFill>
+                        <a:effectLst/>
+                        <a:latin typeface="Arial" panose="020B0604020202020204" pitchFamily="34" charset="0"/>
+                        <a:ea typeface="Times New Roman" panose="02020603050405020304" pitchFamily="18" charset="0"/>
+                        <a:cs typeface="Arial" panose="020B0604020202020204" pitchFamily="34" charset="0"/>
+                      </a:endParaRPr>
+                    </a:p>
+                  </a:txBody>
+                  <a:tcPr marL="68580" marR="68580" marT="0" marB="0">
+                    <a:lnL w="12700" cap="flat" cmpd="sng" algn="ctr">
+                      <a:solidFill>
+                        <a:schemeClr val="tx1"/>
+                      </a:solidFill>
+                      <a:prstDash val="solid"/>
+                      <a:round/>
+                      <a:headEnd type="none" w="med" len="med"/>
+                      <a:tailEnd type="none" w="med" len="med"/>
+                    </a:lnL>
+                    <a:lnR w="12700" cap="flat" cmpd="sng" algn="ctr">
+                      <a:solidFill>
+                        <a:schemeClr val="tx1"/>
+                      </a:solidFill>
+                      <a:prstDash val="solid"/>
+                      <a:round/>
+                      <a:headEnd type="none" w="med" len="med"/>
+                      <a:tailEnd type="none" w="med" len="med"/>
+                    </a:lnR>
+                    <a:lnT w="12700" cap="flat" cmpd="sng" algn="ctr">
+                      <a:solidFill>
+                        <a:schemeClr val="tx1"/>
+                      </a:solidFill>
+                      <a:prstDash val="solid"/>
+                      <a:round/>
+                      <a:headEnd type="none" w="med" len="med"/>
+                      <a:tailEnd type="none" w="med" len="med"/>
+                    </a:lnT>
+                    <a:lnB w="12700" cap="flat" cmpd="sng" algn="ctr">
+                      <a:solidFill>
+                        <a:schemeClr val="tx1"/>
+                      </a:solidFill>
+                      <a:prstDash val="solid"/>
+                      <a:round/>
+                      <a:headEnd type="none" w="med" len="med"/>
+                      <a:tailEnd type="none" w="med" len="med"/>
+                    </a:lnB>
+                    <a:solidFill>
+                      <a:schemeClr val="bg1"/>
+                    </a:solidFill>
+                  </a:tcPr>
+                </a:tc>
+                <a:tc>
+                  <a:txBody>
+                    <a:bodyPr/>
+                    <a:lstStyle/>
+                    <a:p>
+                      <a:pPr indent="0" algn="ctr">
+                        <a:lnSpc>
+                          <a:spcPct val="115000"/>
+                        </a:lnSpc>
+                      </a:pPr>
+                      <a:r>
+                        <a:rPr lang="ru-RU" sz="1100" b="0">
+                          <a:solidFill>
+                            <a:schemeClr val="tx1"/>
+                          </a:solidFill>
+                          <a:effectLst/>
+                          <a:latin typeface="Arial" panose="020B0604020202020204" pitchFamily="34" charset="0"/>
+                          <a:cs typeface="Arial" panose="020B0604020202020204" pitchFamily="34" charset="0"/>
+                        </a:rPr>
+                        <a:t>2</a:t>
+                      </a:r>
+                      <a:endParaRPr lang="ru-RU" sz="1200" b="0">
+                        <a:solidFill>
+                          <a:schemeClr val="tx1"/>
+                        </a:solidFill>
+                        <a:effectLst/>
+                        <a:latin typeface="Arial" panose="020B0604020202020204" pitchFamily="34" charset="0"/>
+                        <a:ea typeface="Times New Roman" panose="02020603050405020304" pitchFamily="18" charset="0"/>
+                        <a:cs typeface="Arial" panose="020B0604020202020204" pitchFamily="34" charset="0"/>
+                      </a:endParaRPr>
+                    </a:p>
+                  </a:txBody>
+                  <a:tcPr marL="68580" marR="68580" marT="0" marB="0">
+                    <a:lnL w="12700" cap="flat" cmpd="sng" algn="ctr">
+                      <a:solidFill>
+                        <a:schemeClr val="tx1"/>
+                      </a:solidFill>
+                      <a:prstDash val="solid"/>
+                      <a:round/>
+                      <a:headEnd type="none" w="med" len="med"/>
+                      <a:tailEnd type="none" w="med" len="med"/>
+                    </a:lnL>
+                    <a:lnR w="12700" cap="flat" cmpd="sng" algn="ctr">
+                      <a:solidFill>
+                        <a:schemeClr val="tx1"/>
+                      </a:solidFill>
+                      <a:prstDash val="solid"/>
+                      <a:round/>
+                      <a:headEnd type="none" w="med" len="med"/>
+                      <a:tailEnd type="none" w="med" len="med"/>
+                    </a:lnR>
+                    <a:lnT w="12700" cap="flat" cmpd="sng" algn="ctr">
+                      <a:solidFill>
+                        <a:schemeClr val="tx1"/>
+                      </a:solidFill>
+                      <a:prstDash val="solid"/>
+                      <a:round/>
+                      <a:headEnd type="none" w="med" len="med"/>
+                      <a:tailEnd type="none" w="med" len="med"/>
+                    </a:lnT>
+                    <a:lnB w="12700" cap="flat" cmpd="sng" algn="ctr">
+                      <a:solidFill>
+                        <a:schemeClr val="tx1"/>
+                      </a:solidFill>
+                      <a:prstDash val="solid"/>
+                      <a:round/>
+                      <a:headEnd type="none" w="med" len="med"/>
+                      <a:tailEnd type="none" w="med" len="med"/>
+                    </a:lnB>
+                    <a:solidFill>
+                      <a:schemeClr val="bg1"/>
+                    </a:solidFill>
+                  </a:tcPr>
+                </a:tc>
+                <a:extLst>
+                  <a:ext uri="{0D108BD9-81ED-4DB2-BD59-A6C34878D82A}">
+                    <a16:rowId xmlns:a16="http://schemas.microsoft.com/office/drawing/2014/main" val="1912205302"/>
+                  </a:ext>
+                </a:extLst>
+              </a:tr>
+              <a:tr h="194581">
+                <a:tc gridSpan="3">
+                  <a:txBody>
+                    <a:bodyPr/>
+                    <a:lstStyle/>
+                    <a:p>
+                      <a:pPr indent="0" algn="ctr">
+                        <a:lnSpc>
+                          <a:spcPct val="115000"/>
+                        </a:lnSpc>
+                      </a:pPr>
+                      <a:r>
+                        <a:rPr lang="ru-RU" sz="1100" b="0" dirty="0">
+                          <a:solidFill>
+                            <a:schemeClr val="tx1"/>
+                          </a:solidFill>
+                          <a:effectLst/>
+                          <a:latin typeface="Arial" panose="020B0604020202020204" pitchFamily="34" charset="0"/>
+                          <a:cs typeface="Arial" panose="020B0604020202020204" pitchFamily="34" charset="0"/>
+                        </a:rPr>
+                        <a:t>Организация работы</a:t>
+                      </a:r>
+                      <a:endParaRPr lang="ru-RU" sz="1200" b="0" dirty="0">
+                        <a:solidFill>
+                          <a:schemeClr val="tx1"/>
+                        </a:solidFill>
+                        <a:effectLst/>
+                        <a:latin typeface="Arial" panose="020B0604020202020204" pitchFamily="34" charset="0"/>
+                        <a:ea typeface="Times New Roman" panose="02020603050405020304" pitchFamily="18" charset="0"/>
+                        <a:cs typeface="Arial" panose="020B0604020202020204" pitchFamily="34" charset="0"/>
+                      </a:endParaRPr>
+                    </a:p>
+                  </a:txBody>
+                  <a:tcPr marL="68580" marR="68580" marT="0" marB="0">
+                    <a:lnL w="12700" cap="flat" cmpd="sng" algn="ctr">
+                      <a:solidFill>
+                        <a:schemeClr val="tx1"/>
+                      </a:solidFill>
+                      <a:prstDash val="solid"/>
+                      <a:round/>
+                      <a:headEnd type="none" w="med" len="med"/>
+                      <a:tailEnd type="none" w="med" len="med"/>
+                    </a:lnL>
+                    <a:lnR w="12700" cap="flat" cmpd="sng" algn="ctr">
+                      <a:solidFill>
+                        <a:schemeClr val="tx1"/>
+                      </a:solidFill>
+                      <a:prstDash val="solid"/>
+                      <a:round/>
+                      <a:headEnd type="none" w="med" len="med"/>
+                      <a:tailEnd type="none" w="med" len="med"/>
+                    </a:lnR>
+                    <a:lnT w="12700" cap="flat" cmpd="sng" algn="ctr">
+                      <a:solidFill>
+                        <a:schemeClr val="tx1"/>
+                      </a:solidFill>
+                      <a:prstDash val="solid"/>
+                      <a:round/>
+                      <a:headEnd type="none" w="med" len="med"/>
+                      <a:tailEnd type="none" w="med" len="med"/>
+                    </a:lnT>
+                    <a:lnB w="12700" cap="flat" cmpd="sng" algn="ctr">
+                      <a:solidFill>
+                        <a:schemeClr val="tx1"/>
+                      </a:solidFill>
+                      <a:prstDash val="solid"/>
+                      <a:round/>
+                      <a:headEnd type="none" w="med" len="med"/>
+                      <a:tailEnd type="none" w="med" len="med"/>
+                    </a:lnB>
+                    <a:solidFill>
+                      <a:schemeClr val="bg1"/>
+                    </a:solidFill>
+                  </a:tcPr>
+                </a:tc>
+                <a:tc hMerge="1">
+                  <a:txBody>
+                    <a:bodyPr/>
+                    <a:lstStyle/>
+                    <a:p>
+                      <a:endParaRPr lang="ru-RU"/>
+                    </a:p>
+                  </a:txBody>
+                  <a:tcPr/>
+                </a:tc>
+                <a:tc hMerge="1">
+                  <a:txBody>
+                    <a:bodyPr/>
+                    <a:lstStyle/>
+                    <a:p>
+                      <a:endParaRPr lang="ru-RU"/>
+                    </a:p>
+                  </a:txBody>
+                  <a:tcPr/>
+                </a:tc>
+                <a:extLst>
+                  <a:ext uri="{0D108BD9-81ED-4DB2-BD59-A6C34878D82A}">
+                    <a16:rowId xmlns:a16="http://schemas.microsoft.com/office/drawing/2014/main" val="2798250044"/>
+                  </a:ext>
+                </a:extLst>
+              </a:tr>
+              <a:tr h="520493">
+                <a:tc>
+                  <a:txBody>
+                    <a:bodyPr/>
+                    <a:lstStyle/>
+                    <a:p>
+                      <a:pPr indent="0" algn="l">
+                        <a:lnSpc>
+                          <a:spcPct val="150000"/>
+                        </a:lnSpc>
+                      </a:pPr>
+                      <a:r>
+                        <a:rPr lang="ru-RU" sz="1100" b="0">
+                          <a:solidFill>
+                            <a:schemeClr val="tx1"/>
+                          </a:solidFill>
+                          <a:effectLst/>
+                          <a:latin typeface="Arial" panose="020B0604020202020204" pitchFamily="34" charset="0"/>
+                          <a:cs typeface="Arial" panose="020B0604020202020204" pitchFamily="34" charset="0"/>
+                        </a:rPr>
+                        <a:t>Ведение базы данных продукции на складе </a:t>
+                      </a:r>
+                      <a:endParaRPr lang="ru-RU" sz="1200" b="0">
+                        <a:solidFill>
+                          <a:schemeClr val="tx1"/>
+                        </a:solidFill>
+                        <a:effectLst/>
+                        <a:latin typeface="Arial" panose="020B0604020202020204" pitchFamily="34" charset="0"/>
+                        <a:ea typeface="Times New Roman" panose="02020603050405020304" pitchFamily="18" charset="0"/>
+                        <a:cs typeface="Arial" panose="020B0604020202020204" pitchFamily="34" charset="0"/>
+                      </a:endParaRPr>
+                    </a:p>
+                  </a:txBody>
+                  <a:tcPr marL="68580" marR="68580" marT="0" marB="0">
+                    <a:lnL w="12700" cap="flat" cmpd="sng" algn="ctr">
+                      <a:solidFill>
+                        <a:schemeClr val="tx1"/>
+                      </a:solidFill>
+                      <a:prstDash val="solid"/>
+                      <a:round/>
+                      <a:headEnd type="none" w="med" len="med"/>
+                      <a:tailEnd type="none" w="med" len="med"/>
+                    </a:lnL>
+                    <a:lnR w="12700" cap="flat" cmpd="sng" algn="ctr">
+                      <a:solidFill>
+                        <a:schemeClr val="tx1"/>
+                      </a:solidFill>
+                      <a:prstDash val="solid"/>
+                      <a:round/>
+                      <a:headEnd type="none" w="med" len="med"/>
+                      <a:tailEnd type="none" w="med" len="med"/>
+                    </a:lnR>
+                    <a:lnT w="12700" cap="flat" cmpd="sng" algn="ctr">
+                      <a:solidFill>
+                        <a:schemeClr val="tx1"/>
+                      </a:solidFill>
+                      <a:prstDash val="solid"/>
+                      <a:round/>
+                      <a:headEnd type="none" w="med" len="med"/>
+                      <a:tailEnd type="none" w="med" len="med"/>
+                    </a:lnT>
+                    <a:lnB w="12700" cap="flat" cmpd="sng" algn="ctr">
+                      <a:solidFill>
+                        <a:schemeClr val="tx1"/>
+                      </a:solidFill>
+                      <a:prstDash val="solid"/>
+                      <a:round/>
+                      <a:headEnd type="none" w="med" len="med"/>
+                      <a:tailEnd type="none" w="med" len="med"/>
+                    </a:lnB>
+                    <a:solidFill>
+                      <a:schemeClr val="bg1"/>
+                    </a:solidFill>
+                  </a:tcPr>
+                </a:tc>
+                <a:tc>
+                  <a:txBody>
+                    <a:bodyPr/>
+                    <a:lstStyle/>
+                    <a:p>
+                      <a:pPr indent="0" algn="ctr">
+                        <a:lnSpc>
+                          <a:spcPct val="115000"/>
+                        </a:lnSpc>
+                      </a:pPr>
+                      <a:r>
+                        <a:rPr lang="ru-RU" sz="1100" b="0" dirty="0">
+                          <a:solidFill>
+                            <a:schemeClr val="tx1"/>
+                          </a:solidFill>
+                          <a:effectLst/>
+                          <a:latin typeface="Arial" panose="020B0604020202020204" pitchFamily="34" charset="0"/>
+                          <a:cs typeface="Arial" panose="020B0604020202020204" pitchFamily="34" charset="0"/>
+                        </a:rPr>
+                        <a:t>2</a:t>
+                      </a:r>
+                      <a:endParaRPr lang="ru-RU" sz="1200" b="0" dirty="0">
+                        <a:solidFill>
+                          <a:schemeClr val="tx1"/>
+                        </a:solidFill>
+                        <a:effectLst/>
+                        <a:latin typeface="Arial" panose="020B0604020202020204" pitchFamily="34" charset="0"/>
+                        <a:ea typeface="Times New Roman" panose="02020603050405020304" pitchFamily="18" charset="0"/>
+                        <a:cs typeface="Arial" panose="020B0604020202020204" pitchFamily="34" charset="0"/>
+                      </a:endParaRPr>
+                    </a:p>
+                  </a:txBody>
+                  <a:tcPr marL="68580" marR="68580" marT="0" marB="0" anchor="ctr">
+                    <a:lnL w="12700" cap="flat" cmpd="sng" algn="ctr">
+                      <a:solidFill>
+                        <a:schemeClr val="tx1"/>
+                      </a:solidFill>
+                      <a:prstDash val="solid"/>
+                      <a:round/>
+                      <a:headEnd type="none" w="med" len="med"/>
+                      <a:tailEnd type="none" w="med" len="med"/>
+                    </a:lnL>
+                    <a:lnR w="12700" cap="flat" cmpd="sng" algn="ctr">
+                      <a:solidFill>
+                        <a:schemeClr val="tx1"/>
+                      </a:solidFill>
+                      <a:prstDash val="solid"/>
+                      <a:round/>
+                      <a:headEnd type="none" w="med" len="med"/>
+                      <a:tailEnd type="none" w="med" len="med"/>
+                    </a:lnR>
+                    <a:lnT w="12700" cap="flat" cmpd="sng" algn="ctr">
+                      <a:solidFill>
+                        <a:schemeClr val="tx1"/>
+                      </a:solidFill>
+                      <a:prstDash val="solid"/>
+                      <a:round/>
+                      <a:headEnd type="none" w="med" len="med"/>
+                      <a:tailEnd type="none" w="med" len="med"/>
+                    </a:lnT>
+                    <a:lnB w="12700" cap="flat" cmpd="sng" algn="ctr">
+                      <a:solidFill>
+                        <a:schemeClr val="tx1"/>
+                      </a:solidFill>
+                      <a:prstDash val="solid"/>
+                      <a:round/>
+                      <a:headEnd type="none" w="med" len="med"/>
+                      <a:tailEnd type="none" w="med" len="med"/>
+                    </a:lnB>
+                    <a:solidFill>
+                      <a:schemeClr val="bg1"/>
+                    </a:solidFill>
+                  </a:tcPr>
+                </a:tc>
+                <a:tc>
+                  <a:txBody>
+                    <a:bodyPr/>
+                    <a:lstStyle/>
+                    <a:p>
+                      <a:pPr indent="0" algn="ctr">
+                        <a:lnSpc>
+                          <a:spcPct val="115000"/>
+                        </a:lnSpc>
+                      </a:pPr>
+                      <a:r>
+                        <a:rPr lang="ru-RU" sz="1100" b="0">
+                          <a:solidFill>
+                            <a:schemeClr val="tx1"/>
+                          </a:solidFill>
+                          <a:effectLst/>
+                          <a:latin typeface="Arial" panose="020B0604020202020204" pitchFamily="34" charset="0"/>
+                          <a:cs typeface="Arial" panose="020B0604020202020204" pitchFamily="34" charset="0"/>
+                        </a:rPr>
+                        <a:t>2</a:t>
+                      </a:r>
+                      <a:endParaRPr lang="ru-RU" sz="1200" b="0">
+                        <a:solidFill>
+                          <a:schemeClr val="tx1"/>
+                        </a:solidFill>
+                        <a:effectLst/>
+                        <a:latin typeface="Arial" panose="020B0604020202020204" pitchFamily="34" charset="0"/>
+                        <a:ea typeface="Times New Roman" panose="02020603050405020304" pitchFamily="18" charset="0"/>
+                        <a:cs typeface="Arial" panose="020B0604020202020204" pitchFamily="34" charset="0"/>
+                      </a:endParaRPr>
+                    </a:p>
+                  </a:txBody>
+                  <a:tcPr marL="68580" marR="68580" marT="0" marB="0" anchor="ctr">
+                    <a:lnL w="12700" cap="flat" cmpd="sng" algn="ctr">
+                      <a:solidFill>
+                        <a:schemeClr val="tx1"/>
+                      </a:solidFill>
+                      <a:prstDash val="solid"/>
+                      <a:round/>
+                      <a:headEnd type="none" w="med" len="med"/>
+                      <a:tailEnd type="none" w="med" len="med"/>
+                    </a:lnL>
+                    <a:lnR w="12700" cap="flat" cmpd="sng" algn="ctr">
+                      <a:solidFill>
+                        <a:schemeClr val="tx1"/>
+                      </a:solidFill>
+                      <a:prstDash val="solid"/>
+                      <a:round/>
+                      <a:headEnd type="none" w="med" len="med"/>
+                      <a:tailEnd type="none" w="med" len="med"/>
+                    </a:lnR>
+                    <a:lnT w="12700" cap="flat" cmpd="sng" algn="ctr">
+                      <a:solidFill>
+                        <a:schemeClr val="tx1"/>
+                      </a:solidFill>
+                      <a:prstDash val="solid"/>
+                      <a:round/>
+                      <a:headEnd type="none" w="med" len="med"/>
+                      <a:tailEnd type="none" w="med" len="med"/>
+                    </a:lnT>
+                    <a:lnB w="12700" cap="flat" cmpd="sng" algn="ctr">
+                      <a:solidFill>
+                        <a:schemeClr val="tx1"/>
+                      </a:solidFill>
+                      <a:prstDash val="solid"/>
+                      <a:round/>
+                      <a:headEnd type="none" w="med" len="med"/>
+                      <a:tailEnd type="none" w="med" len="med"/>
+                    </a:lnB>
+                    <a:solidFill>
+                      <a:schemeClr val="bg1"/>
+                    </a:solidFill>
+                  </a:tcPr>
+                </a:tc>
+                <a:extLst>
+                  <a:ext uri="{0D108BD9-81ED-4DB2-BD59-A6C34878D82A}">
+                    <a16:rowId xmlns:a16="http://schemas.microsoft.com/office/drawing/2014/main" val="3294219724"/>
+                  </a:ext>
+                </a:extLst>
+              </a:tr>
+              <a:tr h="520493">
+                <a:tc>
+                  <a:txBody>
+                    <a:bodyPr/>
+                    <a:lstStyle/>
+                    <a:p>
+                      <a:pPr indent="0" algn="l">
+                        <a:lnSpc>
+                          <a:spcPct val="150000"/>
+                        </a:lnSpc>
+                      </a:pPr>
+                      <a:r>
+                        <a:rPr lang="ru-RU" sz="1100" b="0">
+                          <a:solidFill>
+                            <a:schemeClr val="tx1"/>
+                          </a:solidFill>
+                          <a:effectLst/>
+                          <a:latin typeface="Arial" panose="020B0604020202020204" pitchFamily="34" charset="0"/>
+                          <a:cs typeface="Arial" panose="020B0604020202020204" pitchFamily="34" charset="0"/>
+                        </a:rPr>
+                        <a:t>Поиск сведений в различных вариантах</a:t>
+                      </a:r>
+                      <a:endParaRPr lang="ru-RU" sz="1200" b="0">
+                        <a:solidFill>
+                          <a:schemeClr val="tx1"/>
+                        </a:solidFill>
+                        <a:effectLst/>
+                        <a:latin typeface="Arial" panose="020B0604020202020204" pitchFamily="34" charset="0"/>
+                        <a:ea typeface="Times New Roman" panose="02020603050405020304" pitchFamily="18" charset="0"/>
+                        <a:cs typeface="Arial" panose="020B0604020202020204" pitchFamily="34" charset="0"/>
+                      </a:endParaRPr>
+                    </a:p>
+                  </a:txBody>
+                  <a:tcPr marL="68580" marR="68580" marT="0" marB="0">
+                    <a:lnL w="12700" cap="flat" cmpd="sng" algn="ctr">
+                      <a:solidFill>
+                        <a:schemeClr val="tx1"/>
+                      </a:solidFill>
+                      <a:prstDash val="solid"/>
+                      <a:round/>
+                      <a:headEnd type="none" w="med" len="med"/>
+                      <a:tailEnd type="none" w="med" len="med"/>
+                    </a:lnL>
+                    <a:lnR w="12700" cap="flat" cmpd="sng" algn="ctr">
+                      <a:solidFill>
+                        <a:schemeClr val="tx1"/>
+                      </a:solidFill>
+                      <a:prstDash val="solid"/>
+                      <a:round/>
+                      <a:headEnd type="none" w="med" len="med"/>
+                      <a:tailEnd type="none" w="med" len="med"/>
+                    </a:lnR>
+                    <a:lnT w="12700" cap="flat" cmpd="sng" algn="ctr">
+                      <a:solidFill>
+                        <a:schemeClr val="tx1"/>
+                      </a:solidFill>
+                      <a:prstDash val="solid"/>
+                      <a:round/>
+                      <a:headEnd type="none" w="med" len="med"/>
+                      <a:tailEnd type="none" w="med" len="med"/>
+                    </a:lnT>
+                    <a:lnB w="12700" cap="flat" cmpd="sng" algn="ctr">
+                      <a:solidFill>
+                        <a:schemeClr val="tx1"/>
+                      </a:solidFill>
+                      <a:prstDash val="solid"/>
+                      <a:round/>
+                      <a:headEnd type="none" w="med" len="med"/>
+                      <a:tailEnd type="none" w="med" len="med"/>
+                    </a:lnB>
+                    <a:solidFill>
+                      <a:schemeClr val="bg1"/>
+                    </a:solidFill>
+                  </a:tcPr>
+                </a:tc>
+                <a:tc>
+                  <a:txBody>
+                    <a:bodyPr/>
+                    <a:lstStyle/>
+                    <a:p>
+                      <a:pPr indent="0" algn="ctr">
+                        <a:lnSpc>
+                          <a:spcPct val="115000"/>
+                        </a:lnSpc>
+                      </a:pPr>
+                      <a:r>
+                        <a:rPr lang="ru-RU" sz="1100" b="0" dirty="0">
+                          <a:solidFill>
+                            <a:schemeClr val="tx1"/>
+                          </a:solidFill>
+                          <a:effectLst/>
+                          <a:latin typeface="Arial" panose="020B0604020202020204" pitchFamily="34" charset="0"/>
+                          <a:cs typeface="Arial" panose="020B0604020202020204" pitchFamily="34" charset="0"/>
+                        </a:rPr>
+                        <a:t>1</a:t>
+                      </a:r>
+                      <a:endParaRPr lang="ru-RU" sz="1200" b="0" dirty="0">
+                        <a:solidFill>
+                          <a:schemeClr val="tx1"/>
+                        </a:solidFill>
+                        <a:effectLst/>
+                        <a:latin typeface="Arial" panose="020B0604020202020204" pitchFamily="34" charset="0"/>
+                        <a:ea typeface="Times New Roman" panose="02020603050405020304" pitchFamily="18" charset="0"/>
+                        <a:cs typeface="Arial" panose="020B0604020202020204" pitchFamily="34" charset="0"/>
+                      </a:endParaRPr>
+                    </a:p>
+                  </a:txBody>
+                  <a:tcPr marL="68580" marR="68580" marT="0" marB="0" anchor="ctr">
+                    <a:lnL w="12700" cap="flat" cmpd="sng" algn="ctr">
+                      <a:solidFill>
+                        <a:schemeClr val="tx1"/>
+                      </a:solidFill>
+                      <a:prstDash val="solid"/>
+                      <a:round/>
+                      <a:headEnd type="none" w="med" len="med"/>
+                      <a:tailEnd type="none" w="med" len="med"/>
+                    </a:lnL>
+                    <a:lnR w="12700" cap="flat" cmpd="sng" algn="ctr">
+                      <a:solidFill>
+                        <a:schemeClr val="tx1"/>
+                      </a:solidFill>
+                      <a:prstDash val="solid"/>
+                      <a:round/>
+                      <a:headEnd type="none" w="med" len="med"/>
+                      <a:tailEnd type="none" w="med" len="med"/>
+                    </a:lnR>
+                    <a:lnT w="12700" cap="flat" cmpd="sng" algn="ctr">
+                      <a:solidFill>
+                        <a:schemeClr val="tx1"/>
+                      </a:solidFill>
+                      <a:prstDash val="solid"/>
+                      <a:round/>
+                      <a:headEnd type="none" w="med" len="med"/>
+                      <a:tailEnd type="none" w="med" len="med"/>
+                    </a:lnT>
+                    <a:lnB w="12700" cap="flat" cmpd="sng" algn="ctr">
+                      <a:solidFill>
+                        <a:schemeClr val="tx1"/>
+                      </a:solidFill>
+                      <a:prstDash val="solid"/>
+                      <a:round/>
+                      <a:headEnd type="none" w="med" len="med"/>
+                      <a:tailEnd type="none" w="med" len="med"/>
+                    </a:lnB>
+                    <a:solidFill>
+                      <a:schemeClr val="bg1"/>
+                    </a:solidFill>
+                  </a:tcPr>
+                </a:tc>
+                <a:tc>
+                  <a:txBody>
+                    <a:bodyPr/>
+                    <a:lstStyle/>
+                    <a:p>
+                      <a:pPr indent="0" algn="ctr">
+                        <a:lnSpc>
+                          <a:spcPct val="115000"/>
+                        </a:lnSpc>
+                      </a:pPr>
+                      <a:r>
+                        <a:rPr lang="ru-RU" sz="1100" b="0">
+                          <a:solidFill>
+                            <a:schemeClr val="tx1"/>
+                          </a:solidFill>
+                          <a:effectLst/>
+                          <a:latin typeface="Arial" panose="020B0604020202020204" pitchFamily="34" charset="0"/>
+                          <a:cs typeface="Arial" panose="020B0604020202020204" pitchFamily="34" charset="0"/>
+                        </a:rPr>
+                        <a:t>2</a:t>
+                      </a:r>
+                      <a:endParaRPr lang="ru-RU" sz="1200" b="0">
+                        <a:solidFill>
+                          <a:schemeClr val="tx1"/>
+                        </a:solidFill>
+                        <a:effectLst/>
+                        <a:latin typeface="Arial" panose="020B0604020202020204" pitchFamily="34" charset="0"/>
+                        <a:ea typeface="Times New Roman" panose="02020603050405020304" pitchFamily="18" charset="0"/>
+                        <a:cs typeface="Arial" panose="020B0604020202020204" pitchFamily="34" charset="0"/>
+                      </a:endParaRPr>
+                    </a:p>
+                  </a:txBody>
+                  <a:tcPr marL="68580" marR="68580" marT="0" marB="0" anchor="ctr">
+                    <a:lnL w="12700" cap="flat" cmpd="sng" algn="ctr">
+                      <a:solidFill>
+                        <a:schemeClr val="tx1"/>
+                      </a:solidFill>
+                      <a:prstDash val="solid"/>
+                      <a:round/>
+                      <a:headEnd type="none" w="med" len="med"/>
+                      <a:tailEnd type="none" w="med" len="med"/>
+                    </a:lnL>
+                    <a:lnR w="12700" cap="flat" cmpd="sng" algn="ctr">
+                      <a:solidFill>
+                        <a:schemeClr val="tx1"/>
+                      </a:solidFill>
+                      <a:prstDash val="solid"/>
+                      <a:round/>
+                      <a:headEnd type="none" w="med" len="med"/>
+                      <a:tailEnd type="none" w="med" len="med"/>
+                    </a:lnR>
+                    <a:lnT w="12700" cap="flat" cmpd="sng" algn="ctr">
+                      <a:solidFill>
+                        <a:schemeClr val="tx1"/>
+                      </a:solidFill>
+                      <a:prstDash val="solid"/>
+                      <a:round/>
+                      <a:headEnd type="none" w="med" len="med"/>
+                      <a:tailEnd type="none" w="med" len="med"/>
+                    </a:lnT>
+                    <a:lnB w="12700" cap="flat" cmpd="sng" algn="ctr">
+                      <a:solidFill>
+                        <a:schemeClr val="tx1"/>
+                      </a:solidFill>
+                      <a:prstDash val="solid"/>
+                      <a:round/>
+                      <a:headEnd type="none" w="med" len="med"/>
+                      <a:tailEnd type="none" w="med" len="med"/>
+                    </a:lnB>
+                    <a:solidFill>
+                      <a:schemeClr val="bg1"/>
+                    </a:solidFill>
+                  </a:tcPr>
+                </a:tc>
+                <a:extLst>
+                  <a:ext uri="{0D108BD9-81ED-4DB2-BD59-A6C34878D82A}">
+                    <a16:rowId xmlns:a16="http://schemas.microsoft.com/office/drawing/2014/main" val="3669943184"/>
+                  </a:ext>
+                </a:extLst>
+              </a:tr>
+              <a:tr h="520493">
+                <a:tc>
+                  <a:txBody>
+                    <a:bodyPr/>
+                    <a:lstStyle/>
+                    <a:p>
+                      <a:pPr indent="0" algn="l">
+                        <a:lnSpc>
+                          <a:spcPct val="150000"/>
+                        </a:lnSpc>
+                      </a:pPr>
+                      <a:r>
+                        <a:rPr lang="ru-RU" sz="1100" b="0">
+                          <a:solidFill>
+                            <a:schemeClr val="tx1"/>
+                          </a:solidFill>
+                          <a:effectLst/>
+                          <a:latin typeface="Arial" panose="020B0604020202020204" pitchFamily="34" charset="0"/>
+                          <a:cs typeface="Arial" panose="020B0604020202020204" pitchFamily="34" charset="0"/>
+                        </a:rPr>
+                        <a:t>Работа со сканером штрих-кодов</a:t>
+                      </a:r>
+                      <a:endParaRPr lang="ru-RU" sz="1200" b="0">
+                        <a:solidFill>
+                          <a:schemeClr val="tx1"/>
+                        </a:solidFill>
+                        <a:effectLst/>
+                        <a:latin typeface="Arial" panose="020B0604020202020204" pitchFamily="34" charset="0"/>
+                        <a:ea typeface="Times New Roman" panose="02020603050405020304" pitchFamily="18" charset="0"/>
+                        <a:cs typeface="Arial" panose="020B0604020202020204" pitchFamily="34" charset="0"/>
+                      </a:endParaRPr>
+                    </a:p>
+                  </a:txBody>
+                  <a:tcPr marL="68580" marR="68580" marT="0" marB="0">
+                    <a:lnL w="12700" cap="flat" cmpd="sng" algn="ctr">
+                      <a:solidFill>
+                        <a:schemeClr val="tx1"/>
+                      </a:solidFill>
+                      <a:prstDash val="solid"/>
+                      <a:round/>
+                      <a:headEnd type="none" w="med" len="med"/>
+                      <a:tailEnd type="none" w="med" len="med"/>
+                    </a:lnL>
+                    <a:lnR w="12700" cap="flat" cmpd="sng" algn="ctr">
+                      <a:solidFill>
+                        <a:schemeClr val="tx1"/>
+                      </a:solidFill>
+                      <a:prstDash val="solid"/>
+                      <a:round/>
+                      <a:headEnd type="none" w="med" len="med"/>
+                      <a:tailEnd type="none" w="med" len="med"/>
+                    </a:lnR>
+                    <a:lnT w="12700" cap="flat" cmpd="sng" algn="ctr">
+                      <a:solidFill>
+                        <a:schemeClr val="tx1"/>
+                      </a:solidFill>
+                      <a:prstDash val="solid"/>
+                      <a:round/>
+                      <a:headEnd type="none" w="med" len="med"/>
+                      <a:tailEnd type="none" w="med" len="med"/>
+                    </a:lnT>
+                    <a:lnB w="12700" cap="flat" cmpd="sng" algn="ctr">
+                      <a:solidFill>
+                        <a:schemeClr val="tx1"/>
+                      </a:solidFill>
+                      <a:prstDash val="solid"/>
+                      <a:round/>
+                      <a:headEnd type="none" w="med" len="med"/>
+                      <a:tailEnd type="none" w="med" len="med"/>
+                    </a:lnB>
+                    <a:solidFill>
+                      <a:schemeClr val="bg1"/>
+                    </a:solidFill>
+                  </a:tcPr>
+                </a:tc>
+                <a:tc>
+                  <a:txBody>
+                    <a:bodyPr/>
+                    <a:lstStyle/>
+                    <a:p>
+                      <a:pPr indent="0" algn="ctr">
+                        <a:lnSpc>
+                          <a:spcPct val="115000"/>
+                        </a:lnSpc>
+                      </a:pPr>
+                      <a:r>
+                        <a:rPr lang="ru-RU" sz="1100" b="0" dirty="0">
+                          <a:solidFill>
+                            <a:schemeClr val="tx1"/>
+                          </a:solidFill>
+                          <a:effectLst/>
+                          <a:latin typeface="Arial" panose="020B0604020202020204" pitchFamily="34" charset="0"/>
+                          <a:cs typeface="Arial" panose="020B0604020202020204" pitchFamily="34" charset="0"/>
+                        </a:rPr>
+                        <a:t>0</a:t>
+                      </a:r>
+                      <a:endParaRPr lang="ru-RU" sz="1200" b="0" dirty="0">
+                        <a:solidFill>
+                          <a:schemeClr val="tx1"/>
+                        </a:solidFill>
+                        <a:effectLst/>
+                        <a:latin typeface="Arial" panose="020B0604020202020204" pitchFamily="34" charset="0"/>
+                        <a:ea typeface="Times New Roman" panose="02020603050405020304" pitchFamily="18" charset="0"/>
+                        <a:cs typeface="Arial" panose="020B0604020202020204" pitchFamily="34" charset="0"/>
+                      </a:endParaRPr>
+                    </a:p>
+                  </a:txBody>
+                  <a:tcPr marL="68580" marR="68580" marT="0" marB="0" anchor="ctr">
+                    <a:lnL w="12700" cap="flat" cmpd="sng" algn="ctr">
+                      <a:solidFill>
+                        <a:schemeClr val="tx1"/>
+                      </a:solidFill>
+                      <a:prstDash val="solid"/>
+                      <a:round/>
+                      <a:headEnd type="none" w="med" len="med"/>
+                      <a:tailEnd type="none" w="med" len="med"/>
+                    </a:lnL>
+                    <a:lnR w="12700" cap="flat" cmpd="sng" algn="ctr">
+                      <a:solidFill>
+                        <a:schemeClr val="tx1"/>
+                      </a:solidFill>
+                      <a:prstDash val="solid"/>
+                      <a:round/>
+                      <a:headEnd type="none" w="med" len="med"/>
+                      <a:tailEnd type="none" w="med" len="med"/>
+                    </a:lnR>
+                    <a:lnT w="12700" cap="flat" cmpd="sng" algn="ctr">
+                      <a:solidFill>
+                        <a:schemeClr val="tx1"/>
+                      </a:solidFill>
+                      <a:prstDash val="solid"/>
+                      <a:round/>
+                      <a:headEnd type="none" w="med" len="med"/>
+                      <a:tailEnd type="none" w="med" len="med"/>
+                    </a:lnT>
+                    <a:lnB w="12700" cap="flat" cmpd="sng" algn="ctr">
+                      <a:solidFill>
+                        <a:schemeClr val="tx1"/>
+                      </a:solidFill>
+                      <a:prstDash val="solid"/>
+                      <a:round/>
+                      <a:headEnd type="none" w="med" len="med"/>
+                      <a:tailEnd type="none" w="med" len="med"/>
+                    </a:lnB>
+                    <a:solidFill>
+                      <a:schemeClr val="bg1"/>
+                    </a:solidFill>
+                  </a:tcPr>
+                </a:tc>
+                <a:tc>
+                  <a:txBody>
+                    <a:bodyPr/>
+                    <a:lstStyle/>
+                    <a:p>
+                      <a:pPr indent="0" algn="ctr">
+                        <a:lnSpc>
+                          <a:spcPct val="115000"/>
+                        </a:lnSpc>
+                      </a:pPr>
+                      <a:r>
+                        <a:rPr lang="ru-RU" sz="1100" b="0" dirty="0">
+                          <a:solidFill>
+                            <a:schemeClr val="tx1"/>
+                          </a:solidFill>
+                          <a:effectLst/>
+                          <a:latin typeface="Arial" panose="020B0604020202020204" pitchFamily="34" charset="0"/>
+                          <a:cs typeface="Arial" panose="020B0604020202020204" pitchFamily="34" charset="0"/>
+                        </a:rPr>
+                        <a:t>0</a:t>
+                      </a:r>
+                      <a:endParaRPr lang="ru-RU" sz="1200" b="0" dirty="0">
+                        <a:solidFill>
+                          <a:schemeClr val="tx1"/>
+                        </a:solidFill>
+                        <a:effectLst/>
+                        <a:latin typeface="Arial" panose="020B0604020202020204" pitchFamily="34" charset="0"/>
+                        <a:ea typeface="Times New Roman" panose="02020603050405020304" pitchFamily="18" charset="0"/>
+                        <a:cs typeface="Arial" panose="020B0604020202020204" pitchFamily="34" charset="0"/>
+                      </a:endParaRPr>
+                    </a:p>
+                  </a:txBody>
+                  <a:tcPr marL="68580" marR="68580" marT="0" marB="0" anchor="ctr">
+                    <a:lnL w="12700" cap="flat" cmpd="sng" algn="ctr">
+                      <a:solidFill>
+                        <a:schemeClr val="tx1"/>
+                      </a:solidFill>
+                      <a:prstDash val="solid"/>
+                      <a:round/>
+                      <a:headEnd type="none" w="med" len="med"/>
+                      <a:tailEnd type="none" w="med" len="med"/>
+                    </a:lnL>
+                    <a:lnR w="12700" cap="flat" cmpd="sng" algn="ctr">
+                      <a:solidFill>
+                        <a:schemeClr val="tx1"/>
+                      </a:solidFill>
+                      <a:prstDash val="solid"/>
+                      <a:round/>
+                      <a:headEnd type="none" w="med" len="med"/>
+                      <a:tailEnd type="none" w="med" len="med"/>
+                    </a:lnR>
+                    <a:lnT w="12700" cap="flat" cmpd="sng" algn="ctr">
+                      <a:solidFill>
+                        <a:schemeClr val="tx1"/>
+                      </a:solidFill>
+                      <a:prstDash val="solid"/>
+                      <a:round/>
+                      <a:headEnd type="none" w="med" len="med"/>
+                      <a:tailEnd type="none" w="med" len="med"/>
+                    </a:lnT>
+                    <a:lnB w="12700" cap="flat" cmpd="sng" algn="ctr">
+                      <a:solidFill>
+                        <a:schemeClr val="tx1"/>
+                      </a:solidFill>
+                      <a:prstDash val="solid"/>
+                      <a:round/>
+                      <a:headEnd type="none" w="med" len="med"/>
+                      <a:tailEnd type="none" w="med" len="med"/>
+                    </a:lnB>
+                    <a:solidFill>
+                      <a:schemeClr val="bg1"/>
+                    </a:solidFill>
+                  </a:tcPr>
+                </a:tc>
+                <a:extLst>
+                  <a:ext uri="{0D108BD9-81ED-4DB2-BD59-A6C34878D82A}">
+                    <a16:rowId xmlns:a16="http://schemas.microsoft.com/office/drawing/2014/main" val="3949605975"/>
+                  </a:ext>
+                </a:extLst>
+              </a:tr>
+              <a:tr h="243122">
+                <a:tc>
+                  <a:txBody>
+                    <a:bodyPr/>
+                    <a:lstStyle/>
+                    <a:p>
+                      <a:pPr indent="0" algn="l">
+                        <a:lnSpc>
+                          <a:spcPct val="150000"/>
+                        </a:lnSpc>
+                      </a:pPr>
+                      <a:r>
+                        <a:rPr lang="ru-RU" sz="1100" b="0">
+                          <a:solidFill>
+                            <a:schemeClr val="tx1"/>
+                          </a:solidFill>
+                          <a:effectLst/>
+                          <a:latin typeface="Arial" panose="020B0604020202020204" pitchFamily="34" charset="0"/>
+                          <a:cs typeface="Arial" panose="020B0604020202020204" pitchFamily="34" charset="0"/>
+                        </a:rPr>
+                        <a:t>Генератор штрихкодов</a:t>
+                      </a:r>
+                      <a:endParaRPr lang="ru-RU" sz="1200" b="0">
+                        <a:solidFill>
+                          <a:schemeClr val="tx1"/>
+                        </a:solidFill>
+                        <a:effectLst/>
+                        <a:latin typeface="Arial" panose="020B0604020202020204" pitchFamily="34" charset="0"/>
+                        <a:ea typeface="Times New Roman" panose="02020603050405020304" pitchFamily="18" charset="0"/>
+                        <a:cs typeface="Arial" panose="020B0604020202020204" pitchFamily="34" charset="0"/>
+                      </a:endParaRPr>
+                    </a:p>
+                  </a:txBody>
+                  <a:tcPr marL="68580" marR="68580" marT="0" marB="0">
+                    <a:lnL w="12700" cap="flat" cmpd="sng" algn="ctr">
+                      <a:solidFill>
+                        <a:schemeClr val="tx1"/>
+                      </a:solidFill>
+                      <a:prstDash val="solid"/>
+                      <a:round/>
+                      <a:headEnd type="none" w="med" len="med"/>
+                      <a:tailEnd type="none" w="med" len="med"/>
+                    </a:lnL>
+                    <a:lnR w="12700" cap="flat" cmpd="sng" algn="ctr">
+                      <a:solidFill>
+                        <a:schemeClr val="tx1"/>
+                      </a:solidFill>
+                      <a:prstDash val="solid"/>
+                      <a:round/>
+                      <a:headEnd type="none" w="med" len="med"/>
+                      <a:tailEnd type="none" w="med" len="med"/>
+                    </a:lnR>
+                    <a:lnT w="12700" cap="flat" cmpd="sng" algn="ctr">
+                      <a:solidFill>
+                        <a:schemeClr val="tx1"/>
+                      </a:solidFill>
+                      <a:prstDash val="solid"/>
+                      <a:round/>
+                      <a:headEnd type="none" w="med" len="med"/>
+                      <a:tailEnd type="none" w="med" len="med"/>
+                    </a:lnT>
+                    <a:lnB w="12700" cap="flat" cmpd="sng" algn="ctr">
+                      <a:solidFill>
+                        <a:schemeClr val="tx1"/>
+                      </a:solidFill>
+                      <a:prstDash val="solid"/>
+                      <a:round/>
+                      <a:headEnd type="none" w="med" len="med"/>
+                      <a:tailEnd type="none" w="med" len="med"/>
+                    </a:lnB>
+                    <a:solidFill>
+                      <a:schemeClr val="bg1"/>
+                    </a:solidFill>
+                  </a:tcPr>
+                </a:tc>
+                <a:tc>
+                  <a:txBody>
+                    <a:bodyPr/>
+                    <a:lstStyle/>
+                    <a:p>
+                      <a:pPr indent="0" algn="ctr">
+                        <a:lnSpc>
+                          <a:spcPct val="115000"/>
+                        </a:lnSpc>
+                      </a:pPr>
+                      <a:r>
+                        <a:rPr lang="ru-RU" sz="1100" b="0" dirty="0">
+                          <a:solidFill>
+                            <a:schemeClr val="tx1"/>
+                          </a:solidFill>
+                          <a:effectLst/>
+                          <a:latin typeface="Arial" panose="020B0604020202020204" pitchFamily="34" charset="0"/>
+                          <a:cs typeface="Arial" panose="020B0604020202020204" pitchFamily="34" charset="0"/>
+                        </a:rPr>
+                        <a:t>0</a:t>
+                      </a:r>
+                      <a:endParaRPr lang="ru-RU" sz="1200" b="0" dirty="0">
+                        <a:solidFill>
+                          <a:schemeClr val="tx1"/>
+                        </a:solidFill>
+                        <a:effectLst/>
+                        <a:latin typeface="Arial" panose="020B0604020202020204" pitchFamily="34" charset="0"/>
+                        <a:ea typeface="Times New Roman" panose="02020603050405020304" pitchFamily="18" charset="0"/>
+                        <a:cs typeface="Arial" panose="020B0604020202020204" pitchFamily="34" charset="0"/>
+                      </a:endParaRPr>
+                    </a:p>
+                  </a:txBody>
+                  <a:tcPr marL="68580" marR="68580" marT="0" marB="0" anchor="ctr">
+                    <a:lnL w="12700" cap="flat" cmpd="sng" algn="ctr">
+                      <a:solidFill>
+                        <a:schemeClr val="tx1"/>
+                      </a:solidFill>
+                      <a:prstDash val="solid"/>
+                      <a:round/>
+                      <a:headEnd type="none" w="med" len="med"/>
+                      <a:tailEnd type="none" w="med" len="med"/>
+                    </a:lnL>
+                    <a:lnR w="12700" cap="flat" cmpd="sng" algn="ctr">
+                      <a:solidFill>
+                        <a:schemeClr val="tx1"/>
+                      </a:solidFill>
+                      <a:prstDash val="solid"/>
+                      <a:round/>
+                      <a:headEnd type="none" w="med" len="med"/>
+                      <a:tailEnd type="none" w="med" len="med"/>
+                    </a:lnR>
+                    <a:lnT w="12700" cap="flat" cmpd="sng" algn="ctr">
+                      <a:solidFill>
+                        <a:schemeClr val="tx1"/>
+                      </a:solidFill>
+                      <a:prstDash val="solid"/>
+                      <a:round/>
+                      <a:headEnd type="none" w="med" len="med"/>
+                      <a:tailEnd type="none" w="med" len="med"/>
+                    </a:lnT>
+                    <a:lnB w="12700" cap="flat" cmpd="sng" algn="ctr">
+                      <a:solidFill>
+                        <a:schemeClr val="tx1"/>
+                      </a:solidFill>
+                      <a:prstDash val="solid"/>
+                      <a:round/>
+                      <a:headEnd type="none" w="med" len="med"/>
+                      <a:tailEnd type="none" w="med" len="med"/>
+                    </a:lnB>
+                    <a:solidFill>
+                      <a:schemeClr val="bg1"/>
+                    </a:solidFill>
+                  </a:tcPr>
+                </a:tc>
+                <a:tc>
+                  <a:txBody>
+                    <a:bodyPr/>
+                    <a:lstStyle/>
+                    <a:p>
+                      <a:pPr indent="0" algn="ctr">
+                        <a:lnSpc>
+                          <a:spcPct val="115000"/>
+                        </a:lnSpc>
+                      </a:pPr>
+                      <a:r>
+                        <a:rPr lang="ru-RU" sz="1100" b="0">
+                          <a:solidFill>
+                            <a:schemeClr val="tx1"/>
+                          </a:solidFill>
+                          <a:effectLst/>
+                          <a:latin typeface="Arial" panose="020B0604020202020204" pitchFamily="34" charset="0"/>
+                          <a:cs typeface="Arial" panose="020B0604020202020204" pitchFamily="34" charset="0"/>
+                        </a:rPr>
+                        <a:t>0</a:t>
+                      </a:r>
+                      <a:endParaRPr lang="ru-RU" sz="1200" b="0">
+                        <a:solidFill>
+                          <a:schemeClr val="tx1"/>
+                        </a:solidFill>
+                        <a:effectLst/>
+                        <a:latin typeface="Arial" panose="020B0604020202020204" pitchFamily="34" charset="0"/>
+                        <a:ea typeface="Times New Roman" panose="02020603050405020304" pitchFamily="18" charset="0"/>
+                        <a:cs typeface="Arial" panose="020B0604020202020204" pitchFamily="34" charset="0"/>
+                      </a:endParaRPr>
+                    </a:p>
+                  </a:txBody>
+                  <a:tcPr marL="68580" marR="68580" marT="0" marB="0" anchor="ctr">
+                    <a:lnL w="12700" cap="flat" cmpd="sng" algn="ctr">
+                      <a:solidFill>
+                        <a:schemeClr val="tx1"/>
+                      </a:solidFill>
+                      <a:prstDash val="solid"/>
+                      <a:round/>
+                      <a:headEnd type="none" w="med" len="med"/>
+                      <a:tailEnd type="none" w="med" len="med"/>
+                    </a:lnL>
+                    <a:lnR w="12700" cap="flat" cmpd="sng" algn="ctr">
+                      <a:solidFill>
+                        <a:schemeClr val="tx1"/>
+                      </a:solidFill>
+                      <a:prstDash val="solid"/>
+                      <a:round/>
+                      <a:headEnd type="none" w="med" len="med"/>
+                      <a:tailEnd type="none" w="med" len="med"/>
+                    </a:lnR>
+                    <a:lnT w="12700" cap="flat" cmpd="sng" algn="ctr">
+                      <a:solidFill>
+                        <a:schemeClr val="tx1"/>
+                      </a:solidFill>
+                      <a:prstDash val="solid"/>
+                      <a:round/>
+                      <a:headEnd type="none" w="med" len="med"/>
+                      <a:tailEnd type="none" w="med" len="med"/>
+                    </a:lnT>
+                    <a:lnB w="12700" cap="flat" cmpd="sng" algn="ctr">
+                      <a:solidFill>
+                        <a:schemeClr val="tx1"/>
+                      </a:solidFill>
+                      <a:prstDash val="solid"/>
+                      <a:round/>
+                      <a:headEnd type="none" w="med" len="med"/>
+                      <a:tailEnd type="none" w="med" len="med"/>
+                    </a:lnB>
+                    <a:solidFill>
+                      <a:schemeClr val="bg1"/>
+                    </a:solidFill>
+                  </a:tcPr>
+                </a:tc>
+                <a:extLst>
+                  <a:ext uri="{0D108BD9-81ED-4DB2-BD59-A6C34878D82A}">
+                    <a16:rowId xmlns:a16="http://schemas.microsoft.com/office/drawing/2014/main" val="4128256781"/>
+                  </a:ext>
+                </a:extLst>
+              </a:tr>
+              <a:tr h="797866">
+                <a:tc>
+                  <a:txBody>
+                    <a:bodyPr/>
+                    <a:lstStyle/>
+                    <a:p>
+                      <a:pPr indent="0" algn="l">
+                        <a:lnSpc>
+                          <a:spcPct val="150000"/>
+                        </a:lnSpc>
+                      </a:pPr>
+                      <a:r>
+                        <a:rPr lang="ru-RU" sz="1100" b="0" dirty="0">
+                          <a:solidFill>
+                            <a:schemeClr val="tx1"/>
+                          </a:solidFill>
+                          <a:effectLst/>
+                          <a:latin typeface="Arial" panose="020B0604020202020204" pitchFamily="34" charset="0"/>
+                          <a:cs typeface="Arial" panose="020B0604020202020204" pitchFamily="34" charset="0"/>
+                        </a:rPr>
+                        <a:t>Возможность выполнения работы другого пользователя администратора</a:t>
+                      </a:r>
+                      <a:endParaRPr lang="ru-RU" sz="1200" b="0" dirty="0">
+                        <a:solidFill>
+                          <a:schemeClr val="tx1"/>
+                        </a:solidFill>
+                        <a:effectLst/>
+                        <a:latin typeface="Arial" panose="020B0604020202020204" pitchFamily="34" charset="0"/>
+                        <a:ea typeface="Times New Roman" panose="02020603050405020304" pitchFamily="18" charset="0"/>
+                        <a:cs typeface="Arial" panose="020B0604020202020204" pitchFamily="34" charset="0"/>
+                      </a:endParaRPr>
+                    </a:p>
+                  </a:txBody>
+                  <a:tcPr marL="68580" marR="68580" marT="0" marB="0">
+                    <a:lnL w="12700" cap="flat" cmpd="sng" algn="ctr">
+                      <a:solidFill>
+                        <a:schemeClr val="tx1"/>
+                      </a:solidFill>
+                      <a:prstDash val="solid"/>
+                      <a:round/>
+                      <a:headEnd type="none" w="med" len="med"/>
+                      <a:tailEnd type="none" w="med" len="med"/>
+                    </a:lnL>
+                    <a:lnR w="12700" cap="flat" cmpd="sng" algn="ctr">
+                      <a:solidFill>
+                        <a:schemeClr val="tx1"/>
+                      </a:solidFill>
+                      <a:prstDash val="solid"/>
+                      <a:round/>
+                      <a:headEnd type="none" w="med" len="med"/>
+                      <a:tailEnd type="none" w="med" len="med"/>
+                    </a:lnR>
+                    <a:lnT w="12700" cap="flat" cmpd="sng" algn="ctr">
+                      <a:solidFill>
+                        <a:schemeClr val="tx1"/>
+                      </a:solidFill>
+                      <a:prstDash val="solid"/>
+                      <a:round/>
+                      <a:headEnd type="none" w="med" len="med"/>
+                      <a:tailEnd type="none" w="med" len="med"/>
+                    </a:lnT>
+                    <a:lnB w="12700" cap="flat" cmpd="sng" algn="ctr">
+                      <a:solidFill>
+                        <a:schemeClr val="tx1"/>
+                      </a:solidFill>
+                      <a:prstDash val="solid"/>
+                      <a:round/>
+                      <a:headEnd type="none" w="med" len="med"/>
+                      <a:tailEnd type="none" w="med" len="med"/>
+                    </a:lnB>
+                    <a:solidFill>
+                      <a:schemeClr val="bg1"/>
+                    </a:solidFill>
+                  </a:tcPr>
+                </a:tc>
+                <a:tc>
+                  <a:txBody>
+                    <a:bodyPr/>
+                    <a:lstStyle/>
+                    <a:p>
+                      <a:pPr indent="0" algn="ctr">
+                        <a:lnSpc>
+                          <a:spcPct val="115000"/>
+                        </a:lnSpc>
+                      </a:pPr>
+                      <a:r>
+                        <a:rPr lang="ru-RU" sz="1100" b="0" dirty="0">
+                          <a:solidFill>
+                            <a:schemeClr val="tx1"/>
+                          </a:solidFill>
+                          <a:effectLst/>
+                          <a:latin typeface="Arial" panose="020B0604020202020204" pitchFamily="34" charset="0"/>
+                          <a:cs typeface="Arial" panose="020B0604020202020204" pitchFamily="34" charset="0"/>
+                        </a:rPr>
+                        <a:t>1</a:t>
+                      </a:r>
+                      <a:endParaRPr lang="ru-RU" sz="1200" b="0" dirty="0">
+                        <a:solidFill>
+                          <a:schemeClr val="tx1"/>
+                        </a:solidFill>
+                        <a:effectLst/>
+                        <a:latin typeface="Arial" panose="020B0604020202020204" pitchFamily="34" charset="0"/>
+                        <a:ea typeface="Times New Roman" panose="02020603050405020304" pitchFamily="18" charset="0"/>
+                        <a:cs typeface="Arial" panose="020B0604020202020204" pitchFamily="34" charset="0"/>
+                      </a:endParaRPr>
+                    </a:p>
+                  </a:txBody>
+                  <a:tcPr marL="68580" marR="68580" marT="0" marB="0" anchor="ctr">
+                    <a:lnL w="12700" cap="flat" cmpd="sng" algn="ctr">
+                      <a:solidFill>
+                        <a:schemeClr val="tx1"/>
+                      </a:solidFill>
+                      <a:prstDash val="solid"/>
+                      <a:round/>
+                      <a:headEnd type="none" w="med" len="med"/>
+                      <a:tailEnd type="none" w="med" len="med"/>
+                    </a:lnL>
+                    <a:lnR w="12700" cap="flat" cmpd="sng" algn="ctr">
+                      <a:solidFill>
+                        <a:schemeClr val="tx1"/>
+                      </a:solidFill>
+                      <a:prstDash val="solid"/>
+                      <a:round/>
+                      <a:headEnd type="none" w="med" len="med"/>
+                      <a:tailEnd type="none" w="med" len="med"/>
+                    </a:lnR>
+                    <a:lnT w="12700" cap="flat" cmpd="sng" algn="ctr">
+                      <a:solidFill>
+                        <a:schemeClr val="tx1"/>
+                      </a:solidFill>
+                      <a:prstDash val="solid"/>
+                      <a:round/>
+                      <a:headEnd type="none" w="med" len="med"/>
+                      <a:tailEnd type="none" w="med" len="med"/>
+                    </a:lnT>
+                    <a:lnB w="12700" cap="flat" cmpd="sng" algn="ctr">
+                      <a:solidFill>
+                        <a:schemeClr val="tx1"/>
+                      </a:solidFill>
+                      <a:prstDash val="solid"/>
+                      <a:round/>
+                      <a:headEnd type="none" w="med" len="med"/>
+                      <a:tailEnd type="none" w="med" len="med"/>
+                    </a:lnB>
+                    <a:solidFill>
+                      <a:schemeClr val="bg1"/>
+                    </a:solidFill>
+                  </a:tcPr>
+                </a:tc>
+                <a:tc>
+                  <a:txBody>
+                    <a:bodyPr/>
+                    <a:lstStyle/>
+                    <a:p>
+                      <a:pPr indent="0" algn="ctr">
+                        <a:lnSpc>
+                          <a:spcPct val="115000"/>
+                        </a:lnSpc>
+                      </a:pPr>
+                      <a:r>
+                        <a:rPr lang="ru-RU" sz="1100" b="0" dirty="0">
+                          <a:solidFill>
+                            <a:schemeClr val="tx1"/>
+                          </a:solidFill>
+                          <a:effectLst/>
+                          <a:latin typeface="Arial" panose="020B0604020202020204" pitchFamily="34" charset="0"/>
+                          <a:cs typeface="Arial" panose="020B0604020202020204" pitchFamily="34" charset="0"/>
+                        </a:rPr>
+                        <a:t>2</a:t>
+                      </a:r>
+                      <a:endParaRPr lang="ru-RU" sz="1200" b="0" dirty="0">
+                        <a:solidFill>
+                          <a:schemeClr val="tx1"/>
+                        </a:solidFill>
+                        <a:effectLst/>
+                        <a:latin typeface="Arial" panose="020B0604020202020204" pitchFamily="34" charset="0"/>
+                        <a:ea typeface="Times New Roman" panose="02020603050405020304" pitchFamily="18" charset="0"/>
+                        <a:cs typeface="Arial" panose="020B0604020202020204" pitchFamily="34" charset="0"/>
+                      </a:endParaRPr>
+                    </a:p>
+                  </a:txBody>
+                  <a:tcPr marL="68580" marR="68580" marT="0" marB="0" anchor="ctr">
+                    <a:lnL w="12700" cap="flat" cmpd="sng" algn="ctr">
+                      <a:solidFill>
+                        <a:schemeClr val="tx1"/>
+                      </a:solidFill>
+                      <a:prstDash val="solid"/>
+                      <a:round/>
+                      <a:headEnd type="none" w="med" len="med"/>
+                      <a:tailEnd type="none" w="med" len="med"/>
+                    </a:lnL>
+                    <a:lnR w="12700" cap="flat" cmpd="sng" algn="ctr">
+                      <a:solidFill>
+                        <a:schemeClr val="tx1"/>
+                      </a:solidFill>
+                      <a:prstDash val="solid"/>
+                      <a:round/>
+                      <a:headEnd type="none" w="med" len="med"/>
+                      <a:tailEnd type="none" w="med" len="med"/>
+                    </a:lnR>
+                    <a:lnT w="12700" cap="flat" cmpd="sng" algn="ctr">
+                      <a:solidFill>
+                        <a:schemeClr val="tx1"/>
+                      </a:solidFill>
+                      <a:prstDash val="solid"/>
+                      <a:round/>
+                      <a:headEnd type="none" w="med" len="med"/>
+                      <a:tailEnd type="none" w="med" len="med"/>
+                    </a:lnT>
+                    <a:lnB w="12700" cap="flat" cmpd="sng" algn="ctr">
+                      <a:solidFill>
+                        <a:schemeClr val="tx1"/>
+                      </a:solidFill>
+                      <a:prstDash val="solid"/>
+                      <a:round/>
+                      <a:headEnd type="none" w="med" len="med"/>
+                      <a:tailEnd type="none" w="med" len="med"/>
+                    </a:lnB>
+                    <a:solidFill>
+                      <a:schemeClr val="bg1"/>
+                    </a:solidFill>
+                  </a:tcPr>
+                </a:tc>
+                <a:extLst>
+                  <a:ext uri="{0D108BD9-81ED-4DB2-BD59-A6C34878D82A}">
+                    <a16:rowId xmlns:a16="http://schemas.microsoft.com/office/drawing/2014/main" val="1549780119"/>
+                  </a:ext>
+                </a:extLst>
+              </a:tr>
+              <a:tr h="243122">
+                <a:tc>
+                  <a:txBody>
+                    <a:bodyPr/>
+                    <a:lstStyle/>
+                    <a:p>
+                      <a:pPr indent="0" algn="l">
+                        <a:lnSpc>
+                          <a:spcPct val="150000"/>
+                        </a:lnSpc>
+                      </a:pPr>
+                      <a:r>
+                        <a:rPr lang="ru-RU" sz="1100" b="0">
+                          <a:solidFill>
+                            <a:schemeClr val="tx1"/>
+                          </a:solidFill>
+                          <a:effectLst/>
+                          <a:latin typeface="Arial" panose="020B0604020202020204" pitchFamily="34" charset="0"/>
+                          <a:cs typeface="Arial" panose="020B0604020202020204" pitchFamily="34" charset="0"/>
+                        </a:rPr>
+                        <a:t>Формирование маршрутов</a:t>
+                      </a:r>
+                      <a:endParaRPr lang="ru-RU" sz="1200" b="0">
+                        <a:solidFill>
+                          <a:schemeClr val="tx1"/>
+                        </a:solidFill>
+                        <a:effectLst/>
+                        <a:latin typeface="Arial" panose="020B0604020202020204" pitchFamily="34" charset="0"/>
+                        <a:ea typeface="Times New Roman" panose="02020603050405020304" pitchFamily="18" charset="0"/>
+                        <a:cs typeface="Arial" panose="020B0604020202020204" pitchFamily="34" charset="0"/>
+                      </a:endParaRPr>
+                    </a:p>
+                  </a:txBody>
+                  <a:tcPr marL="68580" marR="68580" marT="0" marB="0">
+                    <a:lnL w="12700" cap="flat" cmpd="sng" algn="ctr">
+                      <a:solidFill>
+                        <a:schemeClr val="tx1"/>
+                      </a:solidFill>
+                      <a:prstDash val="solid"/>
+                      <a:round/>
+                      <a:headEnd type="none" w="med" len="med"/>
+                      <a:tailEnd type="none" w="med" len="med"/>
+                    </a:lnL>
+                    <a:lnR w="12700" cap="flat" cmpd="sng" algn="ctr">
+                      <a:solidFill>
+                        <a:schemeClr val="tx1"/>
+                      </a:solidFill>
+                      <a:prstDash val="solid"/>
+                      <a:round/>
+                      <a:headEnd type="none" w="med" len="med"/>
+                      <a:tailEnd type="none" w="med" len="med"/>
+                    </a:lnR>
+                    <a:lnT w="12700" cap="flat" cmpd="sng" algn="ctr">
+                      <a:solidFill>
+                        <a:schemeClr val="tx1"/>
+                      </a:solidFill>
+                      <a:prstDash val="solid"/>
+                      <a:round/>
+                      <a:headEnd type="none" w="med" len="med"/>
+                      <a:tailEnd type="none" w="med" len="med"/>
+                    </a:lnT>
+                    <a:lnB w="12700" cap="flat" cmpd="sng" algn="ctr">
+                      <a:solidFill>
+                        <a:schemeClr val="tx1"/>
+                      </a:solidFill>
+                      <a:prstDash val="solid"/>
+                      <a:round/>
+                      <a:headEnd type="none" w="med" len="med"/>
+                      <a:tailEnd type="none" w="med" len="med"/>
+                    </a:lnB>
+                    <a:solidFill>
+                      <a:schemeClr val="bg1"/>
+                    </a:solidFill>
+                  </a:tcPr>
+                </a:tc>
+                <a:tc>
+                  <a:txBody>
+                    <a:bodyPr/>
+                    <a:lstStyle/>
+                    <a:p>
+                      <a:pPr indent="0" algn="ctr">
+                        <a:lnSpc>
+                          <a:spcPct val="115000"/>
+                        </a:lnSpc>
+                      </a:pPr>
+                      <a:r>
+                        <a:rPr lang="ru-RU" sz="1100" b="0">
+                          <a:solidFill>
+                            <a:schemeClr val="tx1"/>
+                          </a:solidFill>
+                          <a:effectLst/>
+                          <a:latin typeface="Arial" panose="020B0604020202020204" pitchFamily="34" charset="0"/>
+                          <a:cs typeface="Arial" panose="020B0604020202020204" pitchFamily="34" charset="0"/>
+                        </a:rPr>
+                        <a:t>0</a:t>
+                      </a:r>
+                      <a:endParaRPr lang="ru-RU" sz="1200" b="0">
+                        <a:solidFill>
+                          <a:schemeClr val="tx1"/>
+                        </a:solidFill>
+                        <a:effectLst/>
+                        <a:latin typeface="Arial" panose="020B0604020202020204" pitchFamily="34" charset="0"/>
+                        <a:ea typeface="Times New Roman" panose="02020603050405020304" pitchFamily="18" charset="0"/>
+                        <a:cs typeface="Arial" panose="020B0604020202020204" pitchFamily="34" charset="0"/>
+                      </a:endParaRPr>
+                    </a:p>
+                  </a:txBody>
+                  <a:tcPr marL="68580" marR="68580" marT="0" marB="0" anchor="ctr">
+                    <a:lnL w="12700" cap="flat" cmpd="sng" algn="ctr">
+                      <a:solidFill>
+                        <a:schemeClr val="tx1"/>
+                      </a:solidFill>
+                      <a:prstDash val="solid"/>
+                      <a:round/>
+                      <a:headEnd type="none" w="med" len="med"/>
+                      <a:tailEnd type="none" w="med" len="med"/>
+                    </a:lnL>
+                    <a:lnR w="12700" cap="flat" cmpd="sng" algn="ctr">
+                      <a:solidFill>
+                        <a:schemeClr val="tx1"/>
+                      </a:solidFill>
+                      <a:prstDash val="solid"/>
+                      <a:round/>
+                      <a:headEnd type="none" w="med" len="med"/>
+                      <a:tailEnd type="none" w="med" len="med"/>
+                    </a:lnR>
+                    <a:lnT w="12700" cap="flat" cmpd="sng" algn="ctr">
+                      <a:solidFill>
+                        <a:schemeClr val="tx1"/>
+                      </a:solidFill>
+                      <a:prstDash val="solid"/>
+                      <a:round/>
+                      <a:headEnd type="none" w="med" len="med"/>
+                      <a:tailEnd type="none" w="med" len="med"/>
+                    </a:lnT>
+                    <a:lnB w="12700" cap="flat" cmpd="sng" algn="ctr">
+                      <a:solidFill>
+                        <a:schemeClr val="tx1"/>
+                      </a:solidFill>
+                      <a:prstDash val="solid"/>
+                      <a:round/>
+                      <a:headEnd type="none" w="med" len="med"/>
+                      <a:tailEnd type="none" w="med" len="med"/>
+                    </a:lnB>
+                    <a:solidFill>
+                      <a:schemeClr val="bg1"/>
+                    </a:solidFill>
+                  </a:tcPr>
+                </a:tc>
+                <a:tc>
+                  <a:txBody>
+                    <a:bodyPr/>
+                    <a:lstStyle/>
+                    <a:p>
+                      <a:pPr indent="0" algn="ctr">
+                        <a:lnSpc>
+                          <a:spcPct val="115000"/>
+                        </a:lnSpc>
+                      </a:pPr>
+                      <a:r>
+                        <a:rPr lang="ru-RU" sz="1100" b="0" dirty="0">
+                          <a:solidFill>
+                            <a:schemeClr val="tx1"/>
+                          </a:solidFill>
+                          <a:effectLst/>
+                          <a:latin typeface="Arial" panose="020B0604020202020204" pitchFamily="34" charset="0"/>
+                          <a:cs typeface="Arial" panose="020B0604020202020204" pitchFamily="34" charset="0"/>
+                        </a:rPr>
+                        <a:t>2</a:t>
+                      </a:r>
+                      <a:endParaRPr lang="ru-RU" sz="1200" b="0" dirty="0">
+                        <a:solidFill>
+                          <a:schemeClr val="tx1"/>
+                        </a:solidFill>
+                        <a:effectLst/>
+                        <a:latin typeface="Arial" panose="020B0604020202020204" pitchFamily="34" charset="0"/>
+                        <a:ea typeface="Times New Roman" panose="02020603050405020304" pitchFamily="18" charset="0"/>
+                        <a:cs typeface="Arial" panose="020B0604020202020204" pitchFamily="34" charset="0"/>
+                      </a:endParaRPr>
+                    </a:p>
+                  </a:txBody>
+                  <a:tcPr marL="68580" marR="68580" marT="0" marB="0" anchor="ctr">
+                    <a:lnL w="12700" cap="flat" cmpd="sng" algn="ctr">
+                      <a:solidFill>
+                        <a:schemeClr val="tx1"/>
+                      </a:solidFill>
+                      <a:prstDash val="solid"/>
+                      <a:round/>
+                      <a:headEnd type="none" w="med" len="med"/>
+                      <a:tailEnd type="none" w="med" len="med"/>
+                    </a:lnL>
+                    <a:lnR w="12700" cap="flat" cmpd="sng" algn="ctr">
+                      <a:solidFill>
+                        <a:schemeClr val="tx1"/>
+                      </a:solidFill>
+                      <a:prstDash val="solid"/>
+                      <a:round/>
+                      <a:headEnd type="none" w="med" len="med"/>
+                      <a:tailEnd type="none" w="med" len="med"/>
+                    </a:lnR>
+                    <a:lnT w="12700" cap="flat" cmpd="sng" algn="ctr">
+                      <a:solidFill>
+                        <a:schemeClr val="tx1"/>
+                      </a:solidFill>
+                      <a:prstDash val="solid"/>
+                      <a:round/>
+                      <a:headEnd type="none" w="med" len="med"/>
+                      <a:tailEnd type="none" w="med" len="med"/>
+                    </a:lnT>
+                    <a:lnB w="12700" cap="flat" cmpd="sng" algn="ctr">
+                      <a:solidFill>
+                        <a:schemeClr val="tx1"/>
+                      </a:solidFill>
+                      <a:prstDash val="solid"/>
+                      <a:round/>
+                      <a:headEnd type="none" w="med" len="med"/>
+                      <a:tailEnd type="none" w="med" len="med"/>
+                    </a:lnB>
+                    <a:solidFill>
+                      <a:schemeClr val="bg1"/>
+                    </a:solidFill>
+                  </a:tcPr>
+                </a:tc>
+                <a:extLst>
+                  <a:ext uri="{0D108BD9-81ED-4DB2-BD59-A6C34878D82A}">
+                    <a16:rowId xmlns:a16="http://schemas.microsoft.com/office/drawing/2014/main" val="2575094959"/>
+                  </a:ext>
+                </a:extLst>
+              </a:tr>
+              <a:tr h="194581">
+                <a:tc>
+                  <a:txBody>
+                    <a:bodyPr/>
+                    <a:lstStyle/>
+                    <a:p>
+                      <a:pPr indent="0" algn="l">
+                        <a:lnSpc>
+                          <a:spcPct val="115000"/>
+                        </a:lnSpc>
+                      </a:pPr>
+                      <a:r>
+                        <a:rPr lang="ru-RU" sz="1100" b="0" dirty="0">
+                          <a:solidFill>
+                            <a:schemeClr val="tx1"/>
+                          </a:solidFill>
+                          <a:effectLst/>
+                          <a:latin typeface="Arial" panose="020B0604020202020204" pitchFamily="34" charset="0"/>
+                          <a:cs typeface="Arial" panose="020B0604020202020204" pitchFamily="34" charset="0"/>
+                        </a:rPr>
+                        <a:t>Итого:</a:t>
+                      </a:r>
+                      <a:endParaRPr lang="ru-RU" sz="1200" b="0" dirty="0">
+                        <a:solidFill>
+                          <a:schemeClr val="tx1"/>
+                        </a:solidFill>
+                        <a:effectLst/>
+                        <a:latin typeface="Arial" panose="020B0604020202020204" pitchFamily="34" charset="0"/>
+                        <a:ea typeface="Times New Roman" panose="02020603050405020304" pitchFamily="18" charset="0"/>
+                        <a:cs typeface="Arial" panose="020B0604020202020204" pitchFamily="34" charset="0"/>
+                      </a:endParaRPr>
+                    </a:p>
+                  </a:txBody>
+                  <a:tcPr marL="68580" marR="68580" marT="0" marB="0">
+                    <a:lnL w="12700" cap="flat" cmpd="sng" algn="ctr">
+                      <a:solidFill>
+                        <a:schemeClr val="tx1"/>
+                      </a:solidFill>
+                      <a:prstDash val="solid"/>
+                      <a:round/>
+                      <a:headEnd type="none" w="med" len="med"/>
+                      <a:tailEnd type="none" w="med" len="med"/>
+                    </a:lnL>
+                    <a:lnR w="12700" cap="flat" cmpd="sng" algn="ctr">
+                      <a:solidFill>
+                        <a:schemeClr val="tx1"/>
+                      </a:solidFill>
+                      <a:prstDash val="solid"/>
+                      <a:round/>
+                      <a:headEnd type="none" w="med" len="med"/>
+                      <a:tailEnd type="none" w="med" len="med"/>
+                    </a:lnR>
+                    <a:lnT w="12700" cap="flat" cmpd="sng" algn="ctr">
+                      <a:solidFill>
+                        <a:schemeClr val="tx1"/>
+                      </a:solidFill>
+                      <a:prstDash val="solid"/>
+                      <a:round/>
+                      <a:headEnd type="none" w="med" len="med"/>
+                      <a:tailEnd type="none" w="med" len="med"/>
+                    </a:lnT>
+                    <a:lnB w="12700" cap="flat" cmpd="sng" algn="ctr">
+                      <a:solidFill>
+                        <a:schemeClr val="tx1"/>
+                      </a:solidFill>
+                      <a:prstDash val="solid"/>
+                      <a:round/>
+                      <a:headEnd type="none" w="med" len="med"/>
+                      <a:tailEnd type="none" w="med" len="med"/>
+                    </a:lnB>
+                    <a:solidFill>
+                      <a:schemeClr val="bg1"/>
+                    </a:solidFill>
+                  </a:tcPr>
+                </a:tc>
+                <a:tc>
+                  <a:txBody>
+                    <a:bodyPr/>
+                    <a:lstStyle/>
+                    <a:p>
+                      <a:pPr indent="0" algn="ctr">
+                        <a:lnSpc>
+                          <a:spcPct val="115000"/>
+                        </a:lnSpc>
+                      </a:pPr>
+                      <a:r>
+                        <a:rPr lang="ru-RU" sz="1100" b="0">
+                          <a:solidFill>
+                            <a:schemeClr val="tx1"/>
+                          </a:solidFill>
+                          <a:effectLst/>
+                          <a:latin typeface="Arial" panose="020B0604020202020204" pitchFamily="34" charset="0"/>
+                          <a:cs typeface="Arial" panose="020B0604020202020204" pitchFamily="34" charset="0"/>
+                        </a:rPr>
+                        <a:t>6</a:t>
+                      </a:r>
+                      <a:endParaRPr lang="ru-RU" sz="1200" b="0">
+                        <a:solidFill>
+                          <a:schemeClr val="tx1"/>
+                        </a:solidFill>
+                        <a:effectLst/>
+                        <a:latin typeface="Arial" panose="020B0604020202020204" pitchFamily="34" charset="0"/>
+                        <a:ea typeface="Times New Roman" panose="02020603050405020304" pitchFamily="18" charset="0"/>
+                        <a:cs typeface="Arial" panose="020B0604020202020204" pitchFamily="34" charset="0"/>
+                      </a:endParaRPr>
+                    </a:p>
+                  </a:txBody>
+                  <a:tcPr marL="68580" marR="68580" marT="0" marB="0" anchor="ctr">
+                    <a:lnL w="12700" cap="flat" cmpd="sng" algn="ctr">
+                      <a:solidFill>
+                        <a:schemeClr val="tx1"/>
+                      </a:solidFill>
+                      <a:prstDash val="solid"/>
+                      <a:round/>
+                      <a:headEnd type="none" w="med" len="med"/>
+                      <a:tailEnd type="none" w="med" len="med"/>
+                    </a:lnL>
+                    <a:lnR w="12700" cap="flat" cmpd="sng" algn="ctr">
+                      <a:solidFill>
+                        <a:schemeClr val="tx1"/>
+                      </a:solidFill>
+                      <a:prstDash val="solid"/>
+                      <a:round/>
+                      <a:headEnd type="none" w="med" len="med"/>
+                      <a:tailEnd type="none" w="med" len="med"/>
+                    </a:lnR>
+                    <a:lnT w="12700" cap="flat" cmpd="sng" algn="ctr">
+                      <a:solidFill>
+                        <a:schemeClr val="tx1"/>
+                      </a:solidFill>
+                      <a:prstDash val="solid"/>
+                      <a:round/>
+                      <a:headEnd type="none" w="med" len="med"/>
+                      <a:tailEnd type="none" w="med" len="med"/>
+                    </a:lnT>
+                    <a:lnB w="12700" cap="flat" cmpd="sng" algn="ctr">
+                      <a:solidFill>
+                        <a:schemeClr val="tx1"/>
+                      </a:solidFill>
+                      <a:prstDash val="solid"/>
+                      <a:round/>
+                      <a:headEnd type="none" w="med" len="med"/>
+                      <a:tailEnd type="none" w="med" len="med"/>
+                    </a:lnB>
+                    <a:solidFill>
+                      <a:schemeClr val="bg1"/>
+                    </a:solidFill>
+                  </a:tcPr>
+                </a:tc>
+                <a:tc>
+                  <a:txBody>
+                    <a:bodyPr/>
+                    <a:lstStyle/>
+                    <a:p>
+                      <a:pPr indent="0" algn="ctr">
+                        <a:lnSpc>
+                          <a:spcPct val="115000"/>
+                        </a:lnSpc>
+                      </a:pPr>
+                      <a:r>
+                        <a:rPr lang="ru-RU" sz="1100" b="0" dirty="0">
+                          <a:solidFill>
+                            <a:schemeClr val="tx1"/>
+                          </a:solidFill>
+                          <a:effectLst/>
+                          <a:latin typeface="Arial" panose="020B0604020202020204" pitchFamily="34" charset="0"/>
+                          <a:cs typeface="Arial" panose="020B0604020202020204" pitchFamily="34" charset="0"/>
+                        </a:rPr>
+                        <a:t>10</a:t>
+                      </a:r>
+                      <a:endParaRPr lang="ru-RU" sz="1200" b="0" dirty="0">
+                        <a:solidFill>
+                          <a:schemeClr val="tx1"/>
+                        </a:solidFill>
+                        <a:effectLst/>
+                        <a:latin typeface="Arial" panose="020B0604020202020204" pitchFamily="34" charset="0"/>
+                        <a:ea typeface="Times New Roman" panose="02020603050405020304" pitchFamily="18" charset="0"/>
+                        <a:cs typeface="Arial" panose="020B0604020202020204" pitchFamily="34" charset="0"/>
+                      </a:endParaRPr>
+                    </a:p>
+                  </a:txBody>
+                  <a:tcPr marL="68580" marR="68580" marT="0" marB="0" anchor="ctr">
+                    <a:lnL w="12700" cap="flat" cmpd="sng" algn="ctr">
+                      <a:solidFill>
+                        <a:schemeClr val="tx1"/>
+                      </a:solidFill>
+                      <a:prstDash val="solid"/>
+                      <a:round/>
+                      <a:headEnd type="none" w="med" len="med"/>
+                      <a:tailEnd type="none" w="med" len="med"/>
+                    </a:lnL>
+                    <a:lnR w="12700" cap="flat" cmpd="sng" algn="ctr">
+                      <a:solidFill>
+                        <a:schemeClr val="tx1"/>
+                      </a:solidFill>
+                      <a:prstDash val="solid"/>
+                      <a:round/>
+                      <a:headEnd type="none" w="med" len="med"/>
+                      <a:tailEnd type="none" w="med" len="med"/>
+                    </a:lnR>
+                    <a:lnT w="12700" cap="flat" cmpd="sng" algn="ctr">
+                      <a:solidFill>
+                        <a:schemeClr val="tx1"/>
+                      </a:solidFill>
+                      <a:prstDash val="solid"/>
+                      <a:round/>
+                      <a:headEnd type="none" w="med" len="med"/>
+                      <a:tailEnd type="none" w="med" len="med"/>
+                    </a:lnT>
+                    <a:lnB w="12700" cap="flat" cmpd="sng" algn="ctr">
+                      <a:solidFill>
+                        <a:schemeClr val="tx1"/>
+                      </a:solidFill>
+                      <a:prstDash val="solid"/>
+                      <a:round/>
+                      <a:headEnd type="none" w="med" len="med"/>
+                      <a:tailEnd type="none" w="med" len="med"/>
+                    </a:lnB>
+                    <a:solidFill>
+                      <a:schemeClr val="bg1"/>
+                    </a:solidFill>
+                  </a:tcPr>
+                </a:tc>
+                <a:extLst>
+                  <a:ext uri="{0D108BD9-81ED-4DB2-BD59-A6C34878D82A}">
+                    <a16:rowId xmlns:a16="http://schemas.microsoft.com/office/drawing/2014/main" val="2372430549"/>
+                  </a:ext>
+                </a:extLst>
+              </a:tr>
+            </a:tbl>
+          </a:graphicData>
+        </a:graphic>
+      </p:graphicFrame>
+      <p:sp>
+        <p:nvSpPr>
+          <p:cNvPr id="9" name="Заголовок 1">
+            <a:extLst>
+              <a:ext uri="{FF2B5EF4-FFF2-40B4-BE49-F238E27FC236}">
+                <a16:creationId xmlns:a16="http://schemas.microsoft.com/office/drawing/2014/main" id="{FF4BD8B7-99E2-486E-B26B-67E9A9FC7776}"/>
+              </a:ext>
+            </a:extLst>
+          </p:cNvPr>
+          <p:cNvSpPr txBox="1">
+            <a:spLocks/>
+          </p:cNvSpPr>
+          <p:nvPr/>
+        </p:nvSpPr>
+        <p:spPr>
+          <a:xfrm>
+            <a:off x="2233840" y="1718120"/>
+            <a:ext cx="6814868" cy="321807"/>
+          </a:xfrm>
+          <a:prstGeom prst="rect">
+            <a:avLst/>
+          </a:prstGeom>
+          <a:noFill/>
+        </p:spPr>
+        <p:txBody>
+          <a:bodyPr vert="horz" lIns="91440" tIns="45720" rIns="91440" bIns="45720" rtlCol="0" anchor="ctr">
+            <a:normAutofit fontScale="97500"/>
+          </a:bodyPr>
+          <a:lstStyle>
+            <a:lvl1pPr algn="l" defTabSz="914400" rtl="0" eaLnBrk="1" latinLnBrk="0" hangingPunct="1">
+              <a:lnSpc>
+                <a:spcPct val="90000"/>
+              </a:lnSpc>
+              <a:spcBef>
+                <a:spcPct val="0"/>
+              </a:spcBef>
+              <a:buNone/>
+              <a:defRPr sz="4000" kern="1200">
+                <a:solidFill>
+                  <a:schemeClr val="tx1"/>
+                </a:solidFill>
+                <a:latin typeface="+mn-lt"/>
+                <a:ea typeface="+mj-ea"/>
+                <a:cs typeface="+mj-cs"/>
+              </a:defRPr>
+            </a:lvl1pPr>
+          </a:lstStyle>
+          <a:p>
+            <a:r>
+              <a:rPr lang="ru-RU" sz="1600" dirty="0">
+                <a:solidFill>
+                  <a:srgbClr val="000000"/>
+                </a:solidFill>
+                <a:latin typeface="Arial" panose="020B0604020202020204" pitchFamily="34" charset="0"/>
+                <a:ea typeface="+mn-ea"/>
+                <a:cs typeface="Arial" panose="020B0604020202020204" pitchFamily="34" charset="0"/>
+              </a:rPr>
+              <a:t>Таблица 1. Сравнительный анализ</a:t>
+            </a:r>
+          </a:p>
+        </p:txBody>
+      </p:sp>
+      <p:sp>
+        <p:nvSpPr>
+          <p:cNvPr id="6" name="Номер слайда 3">
+            <a:extLst>
+              <a:ext uri="{FF2B5EF4-FFF2-40B4-BE49-F238E27FC236}">
+                <a16:creationId xmlns:a16="http://schemas.microsoft.com/office/drawing/2014/main" id="{069650EE-D8CF-4E2A-BF88-EE7492B5F8EA}"/>
+              </a:ext>
+            </a:extLst>
+          </p:cNvPr>
+          <p:cNvSpPr txBox="1">
+            <a:spLocks/>
+          </p:cNvSpPr>
+          <p:nvPr/>
+        </p:nvSpPr>
+        <p:spPr>
+          <a:xfrm>
+            <a:off x="-2379453" y="6492875"/>
+            <a:ext cx="2743200" cy="365125"/>
+          </a:xfrm>
+          <a:prstGeom prst="rect">
+            <a:avLst/>
+          </a:prstGeom>
+        </p:spPr>
+        <p:txBody>
+          <a:bodyPr vert="horz" lIns="91440" tIns="45720" rIns="91440" bIns="45720" rtlCol="0" anchor="ctr"/>
+          <a:lstStyle>
+            <a:defPPr>
+              <a:defRPr lang="en-US"/>
+            </a:defPPr>
+            <a:lvl1pPr marL="0" algn="r" defTabSz="457200" rtl="0" eaLnBrk="1" latinLnBrk="0" hangingPunct="1">
+              <a:defRPr sz="1200" kern="1200">
+                <a:solidFill>
+                  <a:schemeClr val="tx1">
+                    <a:tint val="75000"/>
+                  </a:schemeClr>
+                </a:solidFill>
+                <a:latin typeface="+mn-lt"/>
+                <a:ea typeface="+mn-ea"/>
+                <a:cs typeface="+mn-cs"/>
+              </a:defRPr>
+            </a:lvl1pPr>
+            <a:lvl2pPr marL="457200" algn="l" defTabSz="457200" rtl="0" eaLnBrk="1" latinLnBrk="0" hangingPunct="1">
+              <a:defRPr sz="1800" kern="1200">
+                <a:solidFill>
+                  <a:schemeClr val="tx1"/>
+                </a:solidFill>
+                <a:latin typeface="+mn-lt"/>
+                <a:ea typeface="+mn-ea"/>
+                <a:cs typeface="+mn-cs"/>
+              </a:defRPr>
+            </a:lvl2pPr>
+            <a:lvl3pPr marL="914400" algn="l" defTabSz="457200" rtl="0" eaLnBrk="1" latinLnBrk="0" hangingPunct="1">
+              <a:defRPr sz="1800" kern="1200">
+                <a:solidFill>
+                  <a:schemeClr val="tx1"/>
+                </a:solidFill>
+                <a:latin typeface="+mn-lt"/>
+                <a:ea typeface="+mn-ea"/>
+                <a:cs typeface="+mn-cs"/>
+              </a:defRPr>
+            </a:lvl3pPr>
+            <a:lvl4pPr marL="1371600" algn="l" defTabSz="457200" rtl="0" eaLnBrk="1" latinLnBrk="0" hangingPunct="1">
+              <a:defRPr sz="1800" kern="1200">
+                <a:solidFill>
+                  <a:schemeClr val="tx1"/>
+                </a:solidFill>
+                <a:latin typeface="+mn-lt"/>
+                <a:ea typeface="+mn-ea"/>
+                <a:cs typeface="+mn-cs"/>
+              </a:defRPr>
+            </a:lvl4pPr>
+            <a:lvl5pPr marL="1828800" algn="l" defTabSz="457200" rtl="0" eaLnBrk="1" latinLnBrk="0" hangingPunct="1">
+              <a:defRPr sz="1800" kern="1200">
+                <a:solidFill>
+                  <a:schemeClr val="tx1"/>
+                </a:solidFill>
+                <a:latin typeface="+mn-lt"/>
+                <a:ea typeface="+mn-ea"/>
+                <a:cs typeface="+mn-cs"/>
+              </a:defRPr>
+            </a:lvl5pPr>
+            <a:lvl6pPr marL="2286000" algn="l" defTabSz="457200" rtl="0" eaLnBrk="1" latinLnBrk="0" hangingPunct="1">
+              <a:defRPr sz="1800" kern="1200">
+                <a:solidFill>
+                  <a:schemeClr val="tx1"/>
+                </a:solidFill>
+                <a:latin typeface="+mn-lt"/>
+                <a:ea typeface="+mn-ea"/>
+                <a:cs typeface="+mn-cs"/>
+              </a:defRPr>
+            </a:lvl6pPr>
+            <a:lvl7pPr marL="2743200" algn="l" defTabSz="457200" rtl="0" eaLnBrk="1" latinLnBrk="0" hangingPunct="1">
+              <a:defRPr sz="1800" kern="1200">
+                <a:solidFill>
+                  <a:schemeClr val="tx1"/>
+                </a:solidFill>
+                <a:latin typeface="+mn-lt"/>
+                <a:ea typeface="+mn-ea"/>
+                <a:cs typeface="+mn-cs"/>
+              </a:defRPr>
+            </a:lvl7pPr>
+            <a:lvl8pPr marL="3200400" algn="l" defTabSz="457200" rtl="0" eaLnBrk="1" latinLnBrk="0" hangingPunct="1">
+              <a:defRPr sz="1800" kern="1200">
+                <a:solidFill>
+                  <a:schemeClr val="tx1"/>
+                </a:solidFill>
+                <a:latin typeface="+mn-lt"/>
+                <a:ea typeface="+mn-ea"/>
+                <a:cs typeface="+mn-cs"/>
+              </a:defRPr>
+            </a:lvl8pPr>
+            <a:lvl9pPr marL="3657600" algn="l" defTabSz="457200" rtl="0" eaLnBrk="1" latinLnBrk="0" hangingPunct="1">
+              <a:defRPr sz="1800" kern="1200">
+                <a:solidFill>
+                  <a:schemeClr val="tx1"/>
+                </a:solidFill>
+                <a:latin typeface="+mn-lt"/>
+                <a:ea typeface="+mn-ea"/>
+                <a:cs typeface="+mn-cs"/>
+              </a:defRPr>
+            </a:lvl9pPr>
+          </a:lstStyle>
+          <a:p>
+            <a:fld id="{1FE8DF1E-33BB-4377-9A26-35481BA06C7C}" type="slidenum">
+              <a:rPr lang="en-US" smtClean="0">
+                <a:solidFill>
+                  <a:schemeClr val="tx1"/>
+                </a:solidFill>
+                <a:latin typeface="Arial" panose="020B0604020202020204" pitchFamily="34" charset="0"/>
+                <a:cs typeface="Arial" panose="020B0604020202020204" pitchFamily="34" charset="0"/>
+              </a:rPr>
+              <a:pPr/>
+              <a:t>9</a:t>
+            </a:fld>
+            <a:endParaRPr lang="en-US" dirty="0">
+              <a:solidFill>
+                <a:schemeClr val="tx1"/>
+              </a:solidFill>
+              <a:latin typeface="Arial" panose="020B0604020202020204" pitchFamily="34" charset="0"/>
+              <a:cs typeface="Arial" panose="020B0604020202020204" pitchFamily="34" charset="0"/>
+            </a:endParaRPr>
+          </a:p>
+        </p:txBody>
+      </p:sp>
+    </p:spTree>
+    <p:extLst>
+      <p:ext uri="{BB962C8B-B14F-4D97-AF65-F5344CB8AC3E}">
+        <p14:creationId xmlns:p14="http://schemas.microsoft.com/office/powerpoint/2010/main" val="3654424854"/>
+      </p:ext>
+    </p:extLst>
+  </p:cSld>
+  <p:clrMapOvr>
+    <a:masterClrMapping/>
+  </p:clrMapOvr>
+</p:sld>
+</file>
+
 <file path=ppt/theme/theme1.xml><?xml version="1.0" encoding="utf-8"?>
 <a:theme xmlns:a="http://schemas.openxmlformats.org/drawingml/2006/main" name="Office Theme">
   <a:themeElements>
-    <a:clrScheme name="Office Theme">
+    <a:clrScheme name="Тема Office">
       <a:dk1>
         <a:sysClr val="windowText" lastClr="000000"/>
       </a:dk1>
@@ -5033,7 +11875,7 @@
         <a:srgbClr val="E7E6E6"/>
       </a:lt2>
       <a:accent1>
-        <a:srgbClr val="5B9BD5"/>
+        <a:srgbClr val="4472C4"/>
       </a:accent1>
       <a:accent2>
         <a:srgbClr val="ED7D31"/>
@@ -5045,7 +11887,7 @@
         <a:srgbClr val="FFC000"/>
       </a:accent4>
       <a:accent5>
-        <a:srgbClr val="4472C4"/>
+        <a:srgbClr val="5B9BD5"/>
       </a:accent5>
       <a:accent6>
         <a:srgbClr val="70AD47"/>
@@ -5057,14 +11899,14 @@
         <a:srgbClr val="954F72"/>
       </a:folHlink>
     </a:clrScheme>
-    <a:fontScheme name="Office Theme">
+    <a:fontScheme name="Тема Office">
       <a:majorFont>
-        <a:latin typeface="Calibri Light"/>
+        <a:latin typeface="Calibri Light" panose="020F0302020204030204"/>
         <a:ea typeface=""/>
         <a:cs typeface=""/>
-        <a:font script="Jpan" typeface="ＭＳ Ｐゴシック"/>
+        <a:font script="Jpan" typeface="游ゴシック Light"/>
         <a:font script="Hang" typeface="맑은 고딕"/>
-        <a:font script="Hans" typeface="宋体"/>
+        <a:font script="Hans" typeface="等线 Light"/>
         <a:font script="Hant" typeface="新細明體"/>
         <a:font script="Arab" typeface="Times New Roman"/>
         <a:font script="Hebr" typeface="Times New Roman"/>
@@ -5094,12 +11936,12 @@
         <a:font script="Geor" typeface="Sylfaen"/>
       </a:majorFont>
       <a:minorFont>
-        <a:latin typeface="Calibri"/>
+        <a:latin typeface="Calibri" panose="020F0502020204030204"/>
         <a:ea typeface=""/>
         <a:cs typeface=""/>
-        <a:font script="Jpan" typeface="ＭＳ Ｐゴシック"/>
+        <a:font script="Jpan" typeface="游ゴシック"/>
         <a:font script="Hang" typeface="맑은 고딕"/>
-        <a:font script="Hans" typeface="宋体"/>
+        <a:font script="Hans" typeface="等线"/>
         <a:font script="Hant" typeface="新細明體"/>
         <a:font script="Arab" typeface="Arial"/>
         <a:font script="Hebr" typeface="Arial"/>
@@ -5129,7 +11971,7 @@
         <a:font script="Geor" typeface="Sylfaen"/>
       </a:minorFont>
     </a:fontScheme>
-    <a:fmtScheme name="Office Theme">
+    <a:fmtScheme name="Тема Office">
       <a:fillStyleLst>
         <a:solidFill>
           <a:schemeClr val="phClr"/>
@@ -5278,6 +12120,301 @@
 </file>
 
 <file path=ppt/theme/theme2.xml><?xml version="1.0" encoding="utf-8"?>
+<a:theme xmlns:a="http://schemas.openxmlformats.org/drawingml/2006/main" name="Тема Office">
+  <a:themeElements>
+    <a:clrScheme name="Стандартная">
+      <a:dk1>
+        <a:sysClr val="windowText" lastClr="000000"/>
+      </a:dk1>
+      <a:lt1>
+        <a:sysClr val="window" lastClr="FFFFFF"/>
+      </a:lt1>
+      <a:dk2>
+        <a:srgbClr val="44546A"/>
+      </a:dk2>
+      <a:lt2>
+        <a:srgbClr val="E7E6E6"/>
+      </a:lt2>
+      <a:accent1>
+        <a:srgbClr val="4472C4"/>
+      </a:accent1>
+      <a:accent2>
+        <a:srgbClr val="ED7D31"/>
+      </a:accent2>
+      <a:accent3>
+        <a:srgbClr val="A5A5A5"/>
+      </a:accent3>
+      <a:accent4>
+        <a:srgbClr val="FFC000"/>
+      </a:accent4>
+      <a:accent5>
+        <a:srgbClr val="5B9BD5"/>
+      </a:accent5>
+      <a:accent6>
+        <a:srgbClr val="70AD47"/>
+      </a:accent6>
+      <a:hlink>
+        <a:srgbClr val="0563C1"/>
+      </a:hlink>
+      <a:folHlink>
+        <a:srgbClr val="954F72"/>
+      </a:folHlink>
+    </a:clrScheme>
+    <a:fontScheme name="Стандартная">
+      <a:majorFont>
+        <a:latin typeface="Calibri Light" panose="020F0302020204030204"/>
+        <a:ea typeface=""/>
+        <a:cs typeface=""/>
+        <a:font script="Jpan" typeface="游ゴシック Light"/>
+        <a:font script="Hang" typeface="맑은 고딕"/>
+        <a:font script="Hans" typeface="等线 Light"/>
+        <a:font script="Hant" typeface="新細明體"/>
+        <a:font script="Arab" typeface="Times New Roman"/>
+        <a:font script="Hebr" typeface="Times New Roman"/>
+        <a:font script="Thai" typeface="Angsana New"/>
+        <a:font script="Ethi" typeface="Nyala"/>
+        <a:font script="Beng" typeface="Vrinda"/>
+        <a:font script="Gujr" typeface="Shruti"/>
+        <a:font script="Khmr" typeface="MoolBoran"/>
+        <a:font script="Knda" typeface="Tunga"/>
+        <a:font script="Guru" typeface="Raavi"/>
+        <a:font script="Cans" typeface="Euphemia"/>
+        <a:font script="Cher" typeface="Plantagenet Cherokee"/>
+        <a:font script="Yiii" typeface="Microsoft Yi Baiti"/>
+        <a:font script="Tibt" typeface="Microsoft Himalaya"/>
+        <a:font script="Thaa" typeface="MV Boli"/>
+        <a:font script="Deva" typeface="Mangal"/>
+        <a:font script="Telu" typeface="Gautami"/>
+        <a:font script="Taml" typeface="Latha"/>
+        <a:font script="Syrc" typeface="Estrangelo Edessa"/>
+        <a:font script="Orya" typeface="Kalinga"/>
+        <a:font script="Mlym" typeface="Kartika"/>
+        <a:font script="Laoo" typeface="DokChampa"/>
+        <a:font script="Sinh" typeface="Iskoola Pota"/>
+        <a:font script="Mong" typeface="Mongolian Baiti"/>
+        <a:font script="Viet" typeface="Times New Roman"/>
+        <a:font script="Uigh" typeface="Microsoft Uighur"/>
+        <a:font script="Geor" typeface="Sylfaen"/>
+        <a:font script="Armn" typeface="Arial"/>
+        <a:font script="Bugi" typeface="Leelawadee UI"/>
+        <a:font script="Bopo" typeface="Microsoft JhengHei"/>
+        <a:font script="Java" typeface="Javanese Text"/>
+        <a:font script="Lisu" typeface="Segoe UI"/>
+        <a:font script="Mymr" typeface="Myanmar Text"/>
+        <a:font script="Nkoo" typeface="Ebrima"/>
+        <a:font script="Olck" typeface="Nirmala UI"/>
+        <a:font script="Osma" typeface="Ebrima"/>
+        <a:font script="Phag" typeface="Phagspa"/>
+        <a:font script="Syrn" typeface="Estrangelo Edessa"/>
+        <a:font script="Syrj" typeface="Estrangelo Edessa"/>
+        <a:font script="Syre" typeface="Estrangelo Edessa"/>
+        <a:font script="Sora" typeface="Nirmala UI"/>
+        <a:font script="Tale" typeface="Microsoft Tai Le"/>
+        <a:font script="Talu" typeface="Microsoft New Tai Lue"/>
+        <a:font script="Tfng" typeface="Ebrima"/>
+      </a:majorFont>
+      <a:minorFont>
+        <a:latin typeface="Calibri" panose="020F0502020204030204"/>
+        <a:ea typeface=""/>
+        <a:cs typeface=""/>
+        <a:font script="Jpan" typeface="游ゴシック"/>
+        <a:font script="Hang" typeface="맑은 고딕"/>
+        <a:font script="Hans" typeface="等线"/>
+        <a:font script="Hant" typeface="新細明體"/>
+        <a:font script="Arab" typeface="Arial"/>
+        <a:font script="Hebr" typeface="Arial"/>
+        <a:font script="Thai" typeface="Cordia New"/>
+        <a:font script="Ethi" typeface="Nyala"/>
+        <a:font script="Beng" typeface="Vrinda"/>
+        <a:font script="Gujr" typeface="Shruti"/>
+        <a:font script="Khmr" typeface="DaunPenh"/>
+        <a:font script="Knda" typeface="Tunga"/>
+        <a:font script="Guru" typeface="Raavi"/>
+        <a:font script="Cans" typeface="Euphemia"/>
+        <a:font script="Cher" typeface="Plantagenet Cherokee"/>
+        <a:font script="Yiii" typeface="Microsoft Yi Baiti"/>
+        <a:font script="Tibt" typeface="Microsoft Himalaya"/>
+        <a:font script="Thaa" typeface="MV Boli"/>
+        <a:font script="Deva" typeface="Mangal"/>
+        <a:font script="Telu" typeface="Gautami"/>
+        <a:font script="Taml" typeface="Latha"/>
+        <a:font script="Syrc" typeface="Estrangelo Edessa"/>
+        <a:font script="Orya" typeface="Kalinga"/>
+        <a:font script="Mlym" typeface="Kartika"/>
+        <a:font script="Laoo" typeface="DokChampa"/>
+        <a:font script="Sinh" typeface="Iskoola Pota"/>
+        <a:font script="Mong" typeface="Mongolian Baiti"/>
+        <a:font script="Viet" typeface="Arial"/>
+        <a:font script="Uigh" typeface="Microsoft Uighur"/>
+        <a:font script="Geor" typeface="Sylfaen"/>
+        <a:font script="Armn" typeface="Arial"/>
+        <a:font script="Bugi" typeface="Leelawadee UI"/>
+        <a:font script="Bopo" typeface="Microsoft JhengHei"/>
+        <a:font script="Java" typeface="Javanese Text"/>
+        <a:font script="Lisu" typeface="Segoe UI"/>
+        <a:font script="Mymr" typeface="Myanmar Text"/>
+        <a:font script="Nkoo" typeface="Ebrima"/>
+        <a:font script="Olck" typeface="Nirmala UI"/>
+        <a:font script="Osma" typeface="Ebrima"/>
+        <a:font script="Phag" typeface="Phagspa"/>
+        <a:font script="Syrn" typeface="Estrangelo Edessa"/>
+        <a:font script="Syrj" typeface="Estrangelo Edessa"/>
+        <a:font script="Syre" typeface="Estrangelo Edessa"/>
+        <a:font script="Sora" typeface="Nirmala UI"/>
+        <a:font script="Tale" typeface="Microsoft Tai Le"/>
+        <a:font script="Talu" typeface="Microsoft New Tai Lue"/>
+        <a:font script="Tfng" typeface="Ebrima"/>
+      </a:minorFont>
+    </a:fontScheme>
+    <a:fmtScheme name="Стандартная">
+      <a:fillStyleLst>
+        <a:solidFill>
+          <a:schemeClr val="phClr"/>
+        </a:solidFill>
+        <a:gradFill rotWithShape="1">
+          <a:gsLst>
+            <a:gs pos="0">
+              <a:schemeClr val="phClr">
+                <a:lumMod val="110000"/>
+                <a:satMod val="105000"/>
+                <a:tint val="67000"/>
+              </a:schemeClr>
+            </a:gs>
+            <a:gs pos="50000">
+              <a:schemeClr val="phClr">
+                <a:lumMod val="105000"/>
+                <a:satMod val="103000"/>
+                <a:tint val="73000"/>
+              </a:schemeClr>
+            </a:gs>
+            <a:gs pos="100000">
+              <a:schemeClr val="phClr">
+                <a:lumMod val="105000"/>
+                <a:satMod val="109000"/>
+                <a:tint val="81000"/>
+              </a:schemeClr>
+            </a:gs>
+          </a:gsLst>
+          <a:lin ang="5400000" scaled="0"/>
+        </a:gradFill>
+        <a:gradFill rotWithShape="1">
+          <a:gsLst>
+            <a:gs pos="0">
+              <a:schemeClr val="phClr">
+                <a:satMod val="103000"/>
+                <a:lumMod val="102000"/>
+                <a:tint val="94000"/>
+              </a:schemeClr>
+            </a:gs>
+            <a:gs pos="50000">
+              <a:schemeClr val="phClr">
+                <a:satMod val="110000"/>
+                <a:lumMod val="100000"/>
+                <a:shade val="100000"/>
+              </a:schemeClr>
+            </a:gs>
+            <a:gs pos="100000">
+              <a:schemeClr val="phClr">
+                <a:lumMod val="99000"/>
+                <a:satMod val="120000"/>
+                <a:shade val="78000"/>
+              </a:schemeClr>
+            </a:gs>
+          </a:gsLst>
+          <a:lin ang="5400000" scaled="0"/>
+        </a:gradFill>
+      </a:fillStyleLst>
+      <a:lnStyleLst>
+        <a:ln w="6350" cap="flat" cmpd="sng" algn="ctr">
+          <a:solidFill>
+            <a:schemeClr val="phClr"/>
+          </a:solidFill>
+          <a:prstDash val="solid"/>
+          <a:miter lim="800000"/>
+        </a:ln>
+        <a:ln w="12700" cap="flat" cmpd="sng" algn="ctr">
+          <a:solidFill>
+            <a:schemeClr val="phClr"/>
+          </a:solidFill>
+          <a:prstDash val="solid"/>
+          <a:miter lim="800000"/>
+        </a:ln>
+        <a:ln w="19050" cap="flat" cmpd="sng" algn="ctr">
+          <a:solidFill>
+            <a:schemeClr val="phClr"/>
+          </a:solidFill>
+          <a:prstDash val="solid"/>
+          <a:miter lim="800000"/>
+        </a:ln>
+      </a:lnStyleLst>
+      <a:effectStyleLst>
+        <a:effectStyle>
+          <a:effectLst/>
+        </a:effectStyle>
+        <a:effectStyle>
+          <a:effectLst/>
+        </a:effectStyle>
+        <a:effectStyle>
+          <a:effectLst>
+            <a:outerShdw blurRad="57150" dist="19050" dir="5400000" algn="ctr" rotWithShape="0">
+              <a:srgbClr val="000000">
+                <a:alpha val="63000"/>
+              </a:srgbClr>
+            </a:outerShdw>
+          </a:effectLst>
+        </a:effectStyle>
+      </a:effectStyleLst>
+      <a:bgFillStyleLst>
+        <a:solidFill>
+          <a:schemeClr val="phClr"/>
+        </a:solidFill>
+        <a:solidFill>
+          <a:schemeClr val="phClr">
+            <a:tint val="95000"/>
+            <a:satMod val="170000"/>
+          </a:schemeClr>
+        </a:solidFill>
+        <a:gradFill rotWithShape="1">
+          <a:gsLst>
+            <a:gs pos="0">
+              <a:schemeClr val="phClr">
+                <a:tint val="93000"/>
+                <a:satMod val="150000"/>
+                <a:shade val="98000"/>
+                <a:lumMod val="102000"/>
+              </a:schemeClr>
+            </a:gs>
+            <a:gs pos="50000">
+              <a:schemeClr val="phClr">
+                <a:tint val="98000"/>
+                <a:satMod val="130000"/>
+                <a:shade val="90000"/>
+                <a:lumMod val="103000"/>
+              </a:schemeClr>
+            </a:gs>
+            <a:gs pos="100000">
+              <a:schemeClr val="phClr">
+                <a:shade val="63000"/>
+                <a:satMod val="120000"/>
+              </a:schemeClr>
+            </a:gs>
+          </a:gsLst>
+          <a:lin ang="5400000" scaled="0"/>
+        </a:gradFill>
+      </a:bgFillStyleLst>
+    </a:fmtScheme>
+  </a:themeElements>
+  <a:objectDefaults/>
+  <a:extraClrSchemeLst/>
+  <a:extLst>
+    <a:ext uri="{05A4C25C-085E-4340-85A3-A5531E510DB2}">
+      <thm15:themeFamily xmlns:thm15="http://schemas.microsoft.com/office/thememl/2012/main" name="Office Theme" id="{62F939B6-93AF-4DB8-9C6B-D6C7DFDC589F}" vid="{4A3C46E8-61CC-4603-A589-7422A47A8E4A}"/>
+    </a:ext>
+  </a:extLst>
+</a:theme>
+</file>
+
+<file path=ppt/theme/theme3.xml><?xml version="1.0" encoding="utf-8"?>
 <a:theme xmlns:a="http://schemas.openxmlformats.org/drawingml/2006/main" name="Office Theme">
   <a:themeElements>
     <a:clrScheme name="Office">

--- a/Презентация ВКР.pptx
+++ b/Презентация ВКР.pptx
@@ -5,31 +5,33 @@
     <p:sldMasterId id="2147483672" r:id="rId1"/>
   </p:sldMasterIdLst>
   <p:notesMasterIdLst>
-    <p:notesMasterId r:id="rId21"/>
+    <p:notesMasterId r:id="rId23"/>
   </p:notesMasterIdLst>
   <p:handoutMasterIdLst>
-    <p:handoutMasterId r:id="rId22"/>
+    <p:handoutMasterId r:id="rId24"/>
   </p:handoutMasterIdLst>
   <p:sldIdLst>
     <p:sldId id="256" r:id="rId2"/>
     <p:sldId id="263" r:id="rId3"/>
     <p:sldId id="264" r:id="rId4"/>
-    <p:sldId id="265" r:id="rId5"/>
-    <p:sldId id="266" r:id="rId6"/>
-    <p:sldId id="267" r:id="rId7"/>
-    <p:sldId id="268" r:id="rId8"/>
-    <p:sldId id="269" r:id="rId9"/>
-    <p:sldId id="270" r:id="rId10"/>
+    <p:sldId id="267" r:id="rId5"/>
+    <p:sldId id="268" r:id="rId6"/>
+    <p:sldId id="269" r:id="rId7"/>
+    <p:sldId id="270" r:id="rId8"/>
+    <p:sldId id="265" r:id="rId9"/>
+    <p:sldId id="266" r:id="rId10"/>
     <p:sldId id="271" r:id="rId11"/>
     <p:sldId id="272" r:id="rId12"/>
     <p:sldId id="273" r:id="rId13"/>
     <p:sldId id="274" r:id="rId14"/>
-    <p:sldId id="275" r:id="rId15"/>
-    <p:sldId id="276" r:id="rId16"/>
-    <p:sldId id="277" r:id="rId17"/>
-    <p:sldId id="278" r:id="rId18"/>
-    <p:sldId id="279" r:id="rId19"/>
-    <p:sldId id="280" r:id="rId20"/>
+    <p:sldId id="282" r:id="rId15"/>
+    <p:sldId id="281" r:id="rId16"/>
+    <p:sldId id="275" r:id="rId17"/>
+    <p:sldId id="276" r:id="rId18"/>
+    <p:sldId id="277" r:id="rId19"/>
+    <p:sldId id="278" r:id="rId20"/>
+    <p:sldId id="279" r:id="rId21"/>
+    <p:sldId id="280" r:id="rId22"/>
   </p:sldIdLst>
   <p:sldSz cx="12192000" cy="6858000"/>
   <p:notesSz cx="6858000" cy="9144000"/>
@@ -136,16 +138,18 @@
             <p14:sldId id="256"/>
             <p14:sldId id="263"/>
             <p14:sldId id="264"/>
-            <p14:sldId id="265"/>
-            <p14:sldId id="266"/>
             <p14:sldId id="267"/>
             <p14:sldId id="268"/>
             <p14:sldId id="269"/>
             <p14:sldId id="270"/>
+            <p14:sldId id="265"/>
+            <p14:sldId id="266"/>
             <p14:sldId id="271"/>
             <p14:sldId id="272"/>
             <p14:sldId id="273"/>
             <p14:sldId id="274"/>
+            <p14:sldId id="282"/>
+            <p14:sldId id="281"/>
             <p14:sldId id="275"/>
             <p14:sldId id="276"/>
             <p14:sldId id="277"/>
@@ -259,7 +263,7 @@
           <a:p>
             <a:fld id="{BE2DD1C9-4BB6-422A-8F34-C157EA500BD9}" type="datetimeFigureOut">
               <a:rPr lang="en-US" smtClean="0"/>
-              <a:t>6/10/2022</a:t>
+              <a:t>6/18/2022</a:t>
             </a:fld>
             <a:endParaRPr lang="en-US"/>
           </a:p>
@@ -424,7 +428,7 @@
           <a:p>
             <a:fld id="{0F5F3A5C-59E9-4C02-8FB1-54280304A31D}" type="datetimeFigureOut">
               <a:rPr lang="ru-RU" smtClean="0"/>
-              <a:t>10.06.2022</a:t>
+              <a:t>18.06.2022</a:t>
             </a:fld>
             <a:endParaRPr lang="ru-RU"/>
           </a:p>
@@ -822,7 +826,7 @@
           <a:p>
             <a:fld id="{4F6EE752-E018-4520-B985-F86648F3A91B}" type="datetime1">
               <a:rPr lang="en-US" smtClean="0"/>
-              <a:t>6/10/2022</a:t>
+              <a:t>6/18/2022</a:t>
             </a:fld>
             <a:endParaRPr lang="en-US"/>
           </a:p>
@@ -993,7 +997,7 @@
           <a:p>
             <a:fld id="{4F6EE752-E018-4520-B985-F86648F3A91B}" type="datetime1">
               <a:rPr lang="en-US" smtClean="0"/>
-              <a:t>6/10/2022</a:t>
+              <a:t>6/18/2022</a:t>
             </a:fld>
             <a:endParaRPr lang="en-US"/>
           </a:p>
@@ -1174,7 +1178,7 @@
           <a:p>
             <a:fld id="{4F6EE752-E018-4520-B985-F86648F3A91B}" type="datetime1">
               <a:rPr lang="en-US" smtClean="0"/>
-              <a:t>6/10/2022</a:t>
+              <a:t>6/18/2022</a:t>
             </a:fld>
             <a:endParaRPr lang="en-US"/>
           </a:p>
@@ -1345,7 +1349,7 @@
           <a:p>
             <a:fld id="{4F6EE752-E018-4520-B985-F86648F3A91B}" type="datetime1">
               <a:rPr lang="en-US" smtClean="0"/>
-              <a:t>6/10/2022</a:t>
+              <a:t>6/18/2022</a:t>
             </a:fld>
             <a:endParaRPr lang="en-US"/>
           </a:p>
@@ -1592,7 +1596,7 @@
           <a:p>
             <a:fld id="{4F6EE752-E018-4520-B985-F86648F3A91B}" type="datetime1">
               <a:rPr lang="en-US" smtClean="0"/>
-              <a:t>6/10/2022</a:t>
+              <a:t>6/18/2022</a:t>
             </a:fld>
             <a:endParaRPr lang="en-US"/>
           </a:p>
@@ -1825,7 +1829,7 @@
           <a:p>
             <a:fld id="{4F6EE752-E018-4520-B985-F86648F3A91B}" type="datetime1">
               <a:rPr lang="en-US" smtClean="0"/>
-              <a:t>6/10/2022</a:t>
+              <a:t>6/18/2022</a:t>
             </a:fld>
             <a:endParaRPr lang="en-US"/>
           </a:p>
@@ -2193,7 +2197,7 @@
           <a:p>
             <a:fld id="{4F6EE752-E018-4520-B985-F86648F3A91B}" type="datetime1">
               <a:rPr lang="en-US" smtClean="0"/>
-              <a:t>6/10/2022</a:t>
+              <a:t>6/18/2022</a:t>
             </a:fld>
             <a:endParaRPr lang="en-US"/>
           </a:p>
@@ -2312,7 +2316,7 @@
           <a:p>
             <a:fld id="{4F6EE752-E018-4520-B985-F86648F3A91B}" type="datetime1">
               <a:rPr lang="en-US" smtClean="0"/>
-              <a:t>6/10/2022</a:t>
+              <a:t>6/18/2022</a:t>
             </a:fld>
             <a:endParaRPr lang="en-US"/>
           </a:p>
@@ -2408,7 +2412,7 @@
           <a:p>
             <a:fld id="{4F6EE752-E018-4520-B985-F86648F3A91B}" type="datetime1">
               <a:rPr lang="en-US" smtClean="0"/>
-              <a:t>6/10/2022</a:t>
+              <a:t>6/18/2022</a:t>
             </a:fld>
             <a:endParaRPr lang="en-US"/>
           </a:p>
@@ -2686,7 +2690,7 @@
           <a:p>
             <a:fld id="{4F6EE752-E018-4520-B985-F86648F3A91B}" type="datetime1">
               <a:rPr lang="en-US" smtClean="0"/>
-              <a:t>6/10/2022</a:t>
+              <a:t>6/18/2022</a:t>
             </a:fld>
             <a:endParaRPr lang="en-US"/>
           </a:p>
@@ -2944,7 +2948,7 @@
           <a:p>
             <a:fld id="{4F6EE752-E018-4520-B985-F86648F3A91B}" type="datetime1">
               <a:rPr lang="en-US" smtClean="0"/>
-              <a:t>6/10/2022</a:t>
+              <a:t>6/18/2022</a:t>
             </a:fld>
             <a:endParaRPr lang="en-US"/>
           </a:p>
@@ -3158,7 +3162,7 @@
           <a:p>
             <a:fld id="{4F6EE752-E018-4520-B985-F86648F3A91B}" type="datetime1">
               <a:rPr lang="en-US" smtClean="0"/>
-              <a:t>6/10/2022</a:t>
+              <a:t>6/18/2022</a:t>
             </a:fld>
             <a:endParaRPr lang="en-US"/>
           </a:p>
@@ -4349,14 +4353,14 @@
           <p:nvPr>
             <p:extLst>
               <p:ext uri="{D42A27DB-BD31-4B8C-83A1-F6EECF244321}">
-                <p14:modId xmlns:p14="http://schemas.microsoft.com/office/powerpoint/2010/main" val="828484379"/>
+                <p14:modId xmlns:p14="http://schemas.microsoft.com/office/powerpoint/2010/main" val="2280128609"/>
               </p:ext>
             </p:extLst>
           </p:nvPr>
         </p:nvGraphicFramePr>
         <p:xfrm>
-          <a:off x="2497974" y="2520237"/>
-          <a:ext cx="7196052" cy="2477831"/>
+          <a:off x="2330920" y="2079171"/>
+          <a:ext cx="7196052" cy="3993973"/>
         </p:xfrm>
         <a:graphic>
           <a:graphicData uri="http://schemas.openxmlformats.org/drawingml/2006/table">
@@ -4476,13 +4480,30 @@
                     <a:bodyPr/>
                     <a:lstStyle/>
                     <a:p>
+                      <a:pPr marL="0" marR="0" lvl="0" indent="0" algn="l" defTabSz="914400" rtl="0" eaLnBrk="1" fontAlgn="auto" latinLnBrk="0" hangingPunct="1">
+                        <a:lnSpc>
+                          <a:spcPct val="100000"/>
+                        </a:lnSpc>
+                        <a:spcBef>
+                          <a:spcPts val="0"/>
+                        </a:spcBef>
+                        <a:spcAft>
+                          <a:spcPts val="0"/>
+                        </a:spcAft>
+                        <a:buClrTx/>
+                        <a:buSzTx/>
+                        <a:buFontTx/>
+                        <a:buNone/>
+                        <a:tabLst/>
+                        <a:defRPr/>
+                      </a:pPr>
                       <a:r>
                         <a:rPr lang="ru-RU" sz="1800" kern="1200" dirty="0">
                           <a:effectLst/>
                         </a:rPr>
-                        <a:t>Занимается формирование возвратных тар, регистрацией нового пользователя</a:t>
+                        <a:t>Просматривает, добавляет, редактирует информацию о поступивших товарах на склад, заказах. Регистрация новых пользователей.</a:t>
                       </a:r>
-                      <a:endParaRPr lang="ru-RU" sz="1800" dirty="0"/>
+                      <a:endParaRPr lang="ru-RU" dirty="0"/>
                     </a:p>
                   </a:txBody>
                   <a:tcPr/>
@@ -4525,7 +4546,7 @@
                         <a:rPr lang="ru-RU" sz="1800" kern="1200" dirty="0">
                           <a:effectLst/>
                         </a:rPr>
-                        <a:t>Добавляет, редактирует информацию о поступивших товарах на склад</a:t>
+                        <a:t>Просматривает, добавляет, редактирует. информацию о поступивших товарах на склад, заказах.</a:t>
                       </a:r>
                       <a:endParaRPr lang="ru-RU" dirty="0"/>
                     </a:p>
@@ -4535,6 +4556,125 @@
                 <a:extLst>
                   <a:ext uri="{0D108BD9-81ED-4DB2-BD59-A6C34878D82A}">
                     <a16:rowId xmlns:a16="http://schemas.microsoft.com/office/drawing/2014/main" val="815044156"/>
+                  </a:ext>
+                </a:extLst>
+              </a:tr>
+              <a:tr h="620911">
+                <a:tc>
+                  <a:txBody>
+                    <a:bodyPr/>
+                    <a:lstStyle/>
+                    <a:p>
+                      <a:pPr algn="ctr"/>
+                      <a:r>
+                        <a:rPr lang="ru-RU" sz="1800" kern="1200" dirty="0">
+                          <a:solidFill>
+                            <a:schemeClr val="tx1"/>
+                          </a:solidFill>
+                          <a:effectLst/>
+                          <a:latin typeface="+mn-lt"/>
+                          <a:ea typeface="+mn-ea"/>
+                          <a:cs typeface="+mn-cs"/>
+                        </a:rPr>
+                        <a:t>Диспетчер</a:t>
+                      </a:r>
+                      <a:endParaRPr lang="ru-RU" b="0" cap="none" spc="0" dirty="0">
+                        <a:ln>
+                          <a:noFill/>
+                        </a:ln>
+                        <a:solidFill>
+                          <a:schemeClr val="tx1"/>
+                        </a:solidFill>
+                        <a:effectLst/>
+                      </a:endParaRPr>
+                    </a:p>
+                  </a:txBody>
+                  <a:tcPr anchor="ctr"/>
+                </a:tc>
+                <a:tc>
+                  <a:txBody>
+                    <a:bodyPr/>
+                    <a:lstStyle/>
+                    <a:p>
+                      <a:r>
+                        <a:rPr lang="ru-RU" dirty="0"/>
+                        <a:t>Просмотр списка товаров, заказов.</a:t>
+                      </a:r>
+                    </a:p>
+                  </a:txBody>
+                  <a:tcPr/>
+                </a:tc>
+                <a:extLst>
+                  <a:ext uri="{0D108BD9-81ED-4DB2-BD59-A6C34878D82A}">
+                    <a16:rowId xmlns:a16="http://schemas.microsoft.com/office/drawing/2014/main" val="548743355"/>
+                  </a:ext>
+                </a:extLst>
+              </a:tr>
+              <a:tr h="620911">
+                <a:tc>
+                  <a:txBody>
+                    <a:bodyPr/>
+                    <a:lstStyle/>
+                    <a:p>
+                      <a:pPr algn="ctr"/>
+                      <a:r>
+                        <a:rPr lang="ru-RU" sz="1800" kern="1200" dirty="0">
+                          <a:solidFill>
+                            <a:schemeClr val="tx1"/>
+                          </a:solidFill>
+                          <a:effectLst/>
+                          <a:latin typeface="+mn-lt"/>
+                          <a:ea typeface="+mn-ea"/>
+                          <a:cs typeface="+mn-cs"/>
+                        </a:rPr>
+                        <a:t>Менеджер</a:t>
+                      </a:r>
+                      <a:endParaRPr lang="ru-RU" b="0" cap="none" spc="0" dirty="0">
+                        <a:ln>
+                          <a:noFill/>
+                        </a:ln>
+                        <a:solidFill>
+                          <a:schemeClr val="tx1"/>
+                        </a:solidFill>
+                        <a:effectLst/>
+                      </a:endParaRPr>
+                    </a:p>
+                  </a:txBody>
+                  <a:tcPr anchor="ctr"/>
+                </a:tc>
+                <a:tc>
+                  <a:txBody>
+                    <a:bodyPr/>
+                    <a:lstStyle/>
+                    <a:p>
+                      <a:pPr marL="0" marR="0" lvl="0" indent="0" algn="l" defTabSz="914400" rtl="0" eaLnBrk="1" fontAlgn="auto" latinLnBrk="0" hangingPunct="1">
+                        <a:lnSpc>
+                          <a:spcPct val="100000"/>
+                        </a:lnSpc>
+                        <a:spcBef>
+                          <a:spcPts val="0"/>
+                        </a:spcBef>
+                        <a:spcAft>
+                          <a:spcPts val="0"/>
+                        </a:spcAft>
+                        <a:buClrTx/>
+                        <a:buSzTx/>
+                        <a:buFontTx/>
+                        <a:buNone/>
+                        <a:tabLst/>
+                        <a:defRPr/>
+                      </a:pPr>
+                      <a:r>
+                        <a:rPr lang="ru-RU" dirty="0"/>
+                        <a:t>Просмотр списка товаров, заказов.</a:t>
+                      </a:r>
+                    </a:p>
+                  </a:txBody>
+                  <a:tcPr/>
+                </a:tc>
+                <a:extLst>
+                  <a:ext uri="{0D108BD9-81ED-4DB2-BD59-A6C34878D82A}">
+                    <a16:rowId xmlns:a16="http://schemas.microsoft.com/office/drawing/2014/main" val="447659457"/>
                   </a:ext>
                 </a:extLst>
               </a:tr>
@@ -4556,7 +4696,7 @@
         </p:nvSpPr>
         <p:spPr>
           <a:xfrm>
-            <a:off x="2497974" y="2131754"/>
+            <a:off x="2330920" y="1690688"/>
             <a:ext cx="5876406" cy="338554"/>
           </a:xfrm>
           <a:prstGeom prst="rect">
@@ -4737,6 +4877,111 @@
   <p:clrMapOvr>
     <a:masterClrMapping/>
   </p:clrMapOvr>
+  <p:timing>
+    <p:tnLst>
+      <p:par>
+        <p:cTn id="1" dur="indefinite" restart="never" nodeType="tmRoot">
+          <p:childTnLst>
+            <p:seq concurrent="1" nextAc="seek">
+              <p:cTn id="2" restart="whenNotActive" fill="hold" evtFilter="cancelBubble" nodeType="interactiveSeq">
+                <p:stCondLst>
+                  <p:cond evt="onClick" delay="0">
+                    <p:tgtEl>
+                      <p:spTgt spid="5"/>
+                    </p:tgtEl>
+                  </p:cond>
+                </p:stCondLst>
+                <p:endSync evt="end" delay="0">
+                  <p:rtn val="all"/>
+                </p:endSync>
+                <p:childTnLst>
+                  <p:par>
+                    <p:cTn id="3" fill="hold">
+                      <p:stCondLst>
+                        <p:cond delay="0"/>
+                      </p:stCondLst>
+                      <p:childTnLst>
+                        <p:par>
+                          <p:cTn id="4" fill="hold">
+                            <p:stCondLst>
+                              <p:cond delay="0"/>
+                            </p:stCondLst>
+                            <p:childTnLst>
+                              <p:par>
+                                <p:cTn id="5" presetID="6" presetClass="emph" presetSubtype="0" fill="hold" nodeType="clickEffect">
+                                  <p:stCondLst>
+                                    <p:cond delay="0"/>
+                                  </p:stCondLst>
+                                  <p:childTnLst>
+                                    <p:animScale>
+                                      <p:cBhvr>
+                                        <p:cTn id="6" dur="500" fill="hold"/>
+                                        <p:tgtEl>
+                                          <p:spTgt spid="5"/>
+                                        </p:tgtEl>
+                                      </p:cBhvr>
+                                      <p:by x="100000" y="100000"/>
+                                    </p:animScale>
+                                  </p:childTnLst>
+                                </p:cTn>
+                              </p:par>
+                            </p:childTnLst>
+                          </p:cTn>
+                        </p:par>
+                      </p:childTnLst>
+                    </p:cTn>
+                  </p:par>
+                  <p:par>
+                    <p:cTn id="7" fill="hold">
+                      <p:stCondLst>
+                        <p:cond delay="indefinite"/>
+                      </p:stCondLst>
+                      <p:childTnLst>
+                        <p:par>
+                          <p:cTn id="8" fill="hold">
+                            <p:stCondLst>
+                              <p:cond delay="0"/>
+                            </p:stCondLst>
+                            <p:childTnLst>
+                              <p:par>
+                                <p:cTn id="9" presetID="6" presetClass="emph" presetSubtype="0" fill="hold" nodeType="clickEffect">
+                                  <p:stCondLst>
+                                    <p:cond delay="0"/>
+                                  </p:stCondLst>
+                                  <p:childTnLst>
+                                    <p:animScale>
+                                      <p:cBhvr>
+                                        <p:cTn id="10" dur="500" fill="hold"/>
+                                        <p:tgtEl>
+                                          <p:spTgt spid="5"/>
+                                        </p:tgtEl>
+                                      </p:cBhvr>
+                                      <p:by x="150000" y="150000"/>
+                                    </p:animScale>
+                                  </p:childTnLst>
+                                </p:cTn>
+                              </p:par>
+                            </p:childTnLst>
+                          </p:cTn>
+                        </p:par>
+                      </p:childTnLst>
+                    </p:cTn>
+                  </p:par>
+                </p:childTnLst>
+              </p:cTn>
+              <p:nextCondLst>
+                <p:cond evt="onClick" delay="0">
+                  <p:tgtEl>
+                    <p:spTgt spid="5"/>
+                  </p:tgtEl>
+                </p:cond>
+              </p:nextCondLst>
+            </p:seq>
+          </p:childTnLst>
+        </p:cTn>
+      </p:par>
+    </p:tnLst>
+  </p:timing>
 </p:sld>
 </file>
 
@@ -4788,40 +5033,6 @@
           </a:p>
         </p:txBody>
       </p:sp>
-      <p:pic>
-        <p:nvPicPr>
-          <p:cNvPr id="5" name="Рисунок 4">
-            <a:extLst>
-              <a:ext uri="{FF2B5EF4-FFF2-40B4-BE49-F238E27FC236}">
-                <a16:creationId xmlns:a16="http://schemas.microsoft.com/office/drawing/2014/main" id="{0B87B375-D93D-4AC7-9CD7-4494A35FCD64}"/>
-              </a:ext>
-            </a:extLst>
-          </p:cNvPr>
-          <p:cNvPicPr>
-            <a:picLocks noChangeAspect="1"/>
-          </p:cNvPicPr>
-          <p:nvPr/>
-        </p:nvPicPr>
-        <p:blipFill rotWithShape="1">
-          <a:blip r:embed="rId2"/>
-          <a:srcRect l="1" r="60207"/>
-          <a:stretch/>
-        </p:blipFill>
-        <p:spPr>
-          <a:xfrm>
-            <a:off x="1128527" y="1673572"/>
-            <a:ext cx="3771133" cy="3606395"/>
-          </a:xfrm>
-          <a:prstGeom prst="rect">
-            <a:avLst/>
-          </a:prstGeom>
-          <a:ln>
-            <a:solidFill>
-              <a:schemeClr val="accent1"/>
-            </a:solidFill>
-          </a:ln>
-        </p:spPr>
-      </p:pic>
       <p:sp>
         <p:nvSpPr>
           <p:cNvPr id="7" name="TextBox 6">
@@ -4836,7 +5047,7 @@
         </p:nvSpPr>
         <p:spPr>
           <a:xfrm>
-            <a:off x="5006342" y="1668206"/>
+            <a:off x="5062139" y="1879574"/>
             <a:ext cx="4572000" cy="584775"/>
           </a:xfrm>
           <a:prstGeom prst="rect">
@@ -4877,7 +5088,7 @@
         </p:nvSpPr>
         <p:spPr>
           <a:xfrm>
-            <a:off x="5904115" y="2638724"/>
+            <a:off x="5501343" y="2655215"/>
             <a:ext cx="4995862" cy="338554"/>
           </a:xfrm>
           <a:prstGeom prst="rect">
@@ -4904,35 +5115,6 @@
           </a:p>
         </p:txBody>
       </p:sp>
-      <p:pic>
-        <p:nvPicPr>
-          <p:cNvPr id="9" name="Рисунок 8">
-            <a:extLst>
-              <a:ext uri="{FF2B5EF4-FFF2-40B4-BE49-F238E27FC236}">
-                <a16:creationId xmlns:a16="http://schemas.microsoft.com/office/drawing/2014/main" id="{B9DA507D-B4CD-4CDF-9632-FF68A6E9C9F1}"/>
-              </a:ext>
-            </a:extLst>
-          </p:cNvPr>
-          <p:cNvPicPr>
-            <a:picLocks noChangeAspect="1"/>
-          </p:cNvPicPr>
-          <p:nvPr/>
-        </p:nvPicPr>
-        <p:blipFill rotWithShape="1">
-          <a:blip r:embed="rId2"/>
-          <a:srcRect l="39913"/>
-          <a:stretch/>
-        </p:blipFill>
-        <p:spPr>
-          <a:xfrm>
-            <a:off x="5817866" y="2977278"/>
-            <a:ext cx="5398007" cy="3418661"/>
-          </a:xfrm>
-          <a:prstGeom prst="rect">
-            <a:avLst/>
-          </a:prstGeom>
-        </p:spPr>
-      </p:pic>
       <p:sp>
         <p:nvSpPr>
           <p:cNvPr id="10" name="Номер слайда 3">
@@ -5077,6 +5259,69 @@
           </a:p>
         </p:txBody>
       </p:sp>
+      <p:pic>
+        <p:nvPicPr>
+          <p:cNvPr id="9" name="Рисунок 8">
+            <a:extLst>
+              <a:ext uri="{FF2B5EF4-FFF2-40B4-BE49-F238E27FC236}">
+                <a16:creationId xmlns:a16="http://schemas.microsoft.com/office/drawing/2014/main" id="{B9DA507D-B4CD-4CDF-9632-FF68A6E9C9F1}"/>
+              </a:ext>
+            </a:extLst>
+          </p:cNvPr>
+          <p:cNvPicPr>
+            <a:picLocks noChangeAspect="1"/>
+          </p:cNvPicPr>
+          <p:nvPr/>
+        </p:nvPicPr>
+        <p:blipFill rotWithShape="1">
+          <a:blip r:embed="rId2"/>
+          <a:srcRect l="39913"/>
+          <a:stretch/>
+        </p:blipFill>
+        <p:spPr>
+          <a:xfrm>
+            <a:off x="5703565" y="2993093"/>
+            <a:ext cx="5814358" cy="3682344"/>
+          </a:xfrm>
+          <a:prstGeom prst="rect">
+            <a:avLst/>
+          </a:prstGeom>
+        </p:spPr>
+      </p:pic>
+      <p:pic>
+        <p:nvPicPr>
+          <p:cNvPr id="12" name="Рисунок 11">
+            <a:extLst>
+              <a:ext uri="{FF2B5EF4-FFF2-40B4-BE49-F238E27FC236}">
+                <a16:creationId xmlns:a16="http://schemas.microsoft.com/office/drawing/2014/main" id="{3BE71E3C-BFC6-4A16-99EF-85C62DA746C0}"/>
+              </a:ext>
+            </a:extLst>
+          </p:cNvPr>
+          <p:cNvPicPr>
+            <a:picLocks noChangeAspect="1"/>
+          </p:cNvPicPr>
+          <p:nvPr/>
+        </p:nvPicPr>
+        <p:blipFill rotWithShape="1">
+          <a:blip r:embed="rId2"/>
+          <a:srcRect l="1" r="60207"/>
+          <a:stretch/>
+        </p:blipFill>
+        <p:spPr>
+          <a:xfrm>
+            <a:off x="838200" y="2171961"/>
+            <a:ext cx="3933461" cy="3761631"/>
+          </a:xfrm>
+          <a:prstGeom prst="rect">
+            <a:avLst/>
+          </a:prstGeom>
+          <a:ln>
+            <a:solidFill>
+              <a:schemeClr val="accent1"/>
+            </a:solidFill>
+          </a:ln>
+        </p:spPr>
+      </p:pic>
     </p:spTree>
     <p:extLst>
       <p:ext uri="{BB962C8B-B14F-4D97-AF65-F5344CB8AC3E}">
@@ -5087,6 +5332,206 @@
   <p:clrMapOvr>
     <a:masterClrMapping/>
   </p:clrMapOvr>
+  <p:timing>
+    <p:tnLst>
+      <p:par>
+        <p:cTn id="1" dur="indefinite" restart="never" nodeType="tmRoot">
+          <p:childTnLst>
+            <p:seq concurrent="1" nextAc="seek">
+              <p:cTn id="2" restart="whenNotActive" fill="hold" evtFilter="cancelBubble" nodeType="interactiveSeq">
+                <p:stCondLst>
+                  <p:cond evt="onClick" delay="0">
+                    <p:tgtEl>
+                      <p:spTgt spid="12"/>
+                    </p:tgtEl>
+                  </p:cond>
+                </p:stCondLst>
+                <p:endSync evt="end" delay="0">
+                  <p:rtn val="all"/>
+                </p:endSync>
+                <p:childTnLst>
+                  <p:par>
+                    <p:cTn id="3" fill="hold">
+                      <p:stCondLst>
+                        <p:cond delay="0"/>
+                      </p:stCondLst>
+                      <p:childTnLst>
+                        <p:par>
+                          <p:cTn id="4" fill="hold">
+                            <p:stCondLst>
+                              <p:cond delay="0"/>
+                            </p:stCondLst>
+                            <p:childTnLst>
+                              <p:par>
+                                <p:cTn id="5" presetID="6" presetClass="emph" presetSubtype="0" fill="hold" nodeType="clickEffect">
+                                  <p:stCondLst>
+                                    <p:cond delay="0"/>
+                                  </p:stCondLst>
+                                  <p:childTnLst>
+                                    <p:animScale>
+                                      <p:cBhvr>
+                                        <p:cTn id="6" dur="500" fill="hold"/>
+                                        <p:tgtEl>
+                                          <p:spTgt spid="12"/>
+                                        </p:tgtEl>
+                                      </p:cBhvr>
+                                      <p:by x="100000" y="100000"/>
+                                    </p:animScale>
+                                  </p:childTnLst>
+                                </p:cTn>
+                              </p:par>
+                            </p:childTnLst>
+                          </p:cTn>
+                        </p:par>
+                      </p:childTnLst>
+                    </p:cTn>
+                  </p:par>
+                  <p:par>
+                    <p:cTn id="7" fill="hold">
+                      <p:stCondLst>
+                        <p:cond delay="indefinite"/>
+                      </p:stCondLst>
+                      <p:childTnLst>
+                        <p:par>
+                          <p:cTn id="8" fill="hold">
+                            <p:stCondLst>
+                              <p:cond delay="0"/>
+                            </p:stCondLst>
+                            <p:childTnLst>
+                              <p:par>
+                                <p:cTn id="9" presetID="6" presetClass="emph" presetSubtype="0" fill="hold" nodeType="clickEffect">
+                                  <p:stCondLst>
+                                    <p:cond delay="0"/>
+                                  </p:stCondLst>
+                                  <p:childTnLst>
+                                    <p:animScale>
+                                      <p:cBhvr>
+                                        <p:cTn id="10" dur="500" fill="hold"/>
+                                        <p:tgtEl>
+                                          <p:spTgt spid="12"/>
+                                        </p:tgtEl>
+                                      </p:cBhvr>
+                                      <p:by x="150000" y="150000"/>
+                                    </p:animScale>
+                                  </p:childTnLst>
+                                </p:cTn>
+                              </p:par>
+                            </p:childTnLst>
+                          </p:cTn>
+                        </p:par>
+                      </p:childTnLst>
+                    </p:cTn>
+                  </p:par>
+                </p:childTnLst>
+              </p:cTn>
+              <p:nextCondLst>
+                <p:cond evt="onClick" delay="0">
+                  <p:tgtEl>
+                    <p:spTgt spid="12"/>
+                  </p:tgtEl>
+                </p:cond>
+              </p:nextCondLst>
+            </p:seq>
+            <p:seq concurrent="1" nextAc="seek">
+              <p:cTn id="11" restart="whenNotActive" fill="hold" evtFilter="cancelBubble" nodeType="interactiveSeq">
+                <p:stCondLst>
+                  <p:cond evt="onClick" delay="0">
+                    <p:tgtEl>
+                      <p:spTgt spid="9"/>
+                    </p:tgtEl>
+                  </p:cond>
+                </p:stCondLst>
+                <p:endSync evt="end" delay="0">
+                  <p:rtn val="all"/>
+                </p:endSync>
+                <p:childTnLst>
+                  <p:par>
+                    <p:cTn id="12" fill="hold">
+                      <p:stCondLst>
+                        <p:cond delay="0"/>
+                      </p:stCondLst>
+                      <p:childTnLst>
+                        <p:par>
+                          <p:cTn id="13" fill="hold">
+                            <p:stCondLst>
+                              <p:cond delay="0"/>
+                            </p:stCondLst>
+                            <p:childTnLst>
+                              <p:par>
+                                <p:cTn id="14" presetID="6" presetClass="emph" presetSubtype="0" fill="hold" nodeType="clickEffect">
+                                  <p:stCondLst>
+                                    <p:cond delay="0"/>
+                                  </p:stCondLst>
+                                  <p:childTnLst>
+                                    <p:animScale>
+                                      <p:cBhvr>
+                                        <p:cTn id="15" dur="500" fill="hold"/>
+                                        <p:tgtEl>
+                                          <p:spTgt spid="9"/>
+                                        </p:tgtEl>
+                                      </p:cBhvr>
+                                      <p:by x="100000" y="100000"/>
+                                    </p:animScale>
+                                  </p:childTnLst>
+                                </p:cTn>
+                              </p:par>
+                            </p:childTnLst>
+                          </p:cTn>
+                        </p:par>
+                      </p:childTnLst>
+                    </p:cTn>
+                  </p:par>
+                  <p:par>
+                    <p:cTn id="16" fill="hold">
+                      <p:stCondLst>
+                        <p:cond delay="indefinite"/>
+                      </p:stCondLst>
+                      <p:childTnLst>
+                        <p:par>
+                          <p:cTn id="17" fill="hold">
+                            <p:stCondLst>
+                              <p:cond delay="0"/>
+                            </p:stCondLst>
+                            <p:childTnLst>
+                              <p:par>
+                                <p:cTn id="18" presetID="6" presetClass="emph" presetSubtype="0" fill="hold" nodeType="clickEffect">
+                                  <p:stCondLst>
+                                    <p:cond delay="0"/>
+                                  </p:stCondLst>
+                                  <p:childTnLst>
+                                    <p:animScale>
+                                      <p:cBhvr>
+                                        <p:cTn id="19" dur="500" fill="hold"/>
+                                        <p:tgtEl>
+                                          <p:spTgt spid="9"/>
+                                        </p:tgtEl>
+                                      </p:cBhvr>
+                                      <p:by x="150000" y="150000"/>
+                                    </p:animScale>
+                                  </p:childTnLst>
+                                </p:cTn>
+                              </p:par>
+                            </p:childTnLst>
+                          </p:cTn>
+                        </p:par>
+                      </p:childTnLst>
+                    </p:cTn>
+                  </p:par>
+                </p:childTnLst>
+              </p:cTn>
+              <p:nextCondLst>
+                <p:cond evt="onClick" delay="0">
+                  <p:tgtEl>
+                    <p:spTgt spid="9"/>
+                  </p:tgtEl>
+                </p:cond>
+              </p:nextCondLst>
+            </p:seq>
+          </p:childTnLst>
+        </p:cTn>
+      </p:par>
+    </p:tnLst>
+  </p:timing>
 </p:sld>
 </file>
 
@@ -5140,38 +5585,6 @@
           </a:p>
         </p:txBody>
       </p:sp>
-      <p:pic>
-        <p:nvPicPr>
-          <p:cNvPr id="5" name="Объект 4">
-            <a:extLst>
-              <a:ext uri="{FF2B5EF4-FFF2-40B4-BE49-F238E27FC236}">
-                <a16:creationId xmlns:a16="http://schemas.microsoft.com/office/drawing/2014/main" id="{BD315A5A-71B2-4649-ACCA-5162336259BC}"/>
-              </a:ext>
-            </a:extLst>
-          </p:cNvPr>
-          <p:cNvPicPr>
-            <a:picLocks noGrp="1" noChangeAspect="1"/>
-          </p:cNvPicPr>
-          <p:nvPr>
-            <p:ph idx="1"/>
-          </p:nvPr>
-        </p:nvPicPr>
-        <p:blipFill>
-          <a:blip r:embed="rId2"/>
-          <a:stretch>
-            <a:fillRect/>
-          </a:stretch>
-        </p:blipFill>
-        <p:spPr>
-          <a:xfrm>
-            <a:off x="2843030" y="1694375"/>
-            <a:ext cx="6262101" cy="4889500"/>
-          </a:xfrm>
-          <a:prstGeom prst="rect">
-            <a:avLst/>
-          </a:prstGeom>
-        </p:spPr>
-      </p:pic>
       <p:sp>
         <p:nvSpPr>
           <p:cNvPr id="6" name="TextBox 5">
@@ -5186,7 +5599,7 @@
         </p:nvSpPr>
         <p:spPr>
           <a:xfrm>
-            <a:off x="2402653" y="6519446"/>
+            <a:off x="1734584" y="5979255"/>
             <a:ext cx="7514776" cy="338554"/>
           </a:xfrm>
           <a:prstGeom prst="rect">
@@ -5369,6 +5782,36 @@
           </a:p>
         </p:txBody>
       </p:sp>
+      <p:pic>
+        <p:nvPicPr>
+          <p:cNvPr id="8" name="Рисунок 7">
+            <a:extLst>
+              <a:ext uri="{FF2B5EF4-FFF2-40B4-BE49-F238E27FC236}">
+                <a16:creationId xmlns:a16="http://schemas.microsoft.com/office/drawing/2014/main" id="{65DDDD21-C7E6-4B76-BEE4-2EFFD3A53A0B}"/>
+              </a:ext>
+            </a:extLst>
+          </p:cNvPr>
+          <p:cNvPicPr>
+            <a:picLocks noChangeAspect="1"/>
+          </p:cNvPicPr>
+          <p:nvPr/>
+        </p:nvPicPr>
+        <p:blipFill>
+          <a:blip r:embed="rId2"/>
+          <a:stretch>
+            <a:fillRect/>
+          </a:stretch>
+        </p:blipFill>
+        <p:spPr>
+          <a:xfrm>
+            <a:off x="2464198" y="1453296"/>
+            <a:ext cx="6336901" cy="4525959"/>
+          </a:xfrm>
+          <a:prstGeom prst="rect">
+            <a:avLst/>
+          </a:prstGeom>
+        </p:spPr>
+      </p:pic>
     </p:spTree>
     <p:extLst>
       <p:ext uri="{BB962C8B-B14F-4D97-AF65-F5344CB8AC3E}">
@@ -5379,6 +5822,111 @@
   <p:clrMapOvr>
     <a:masterClrMapping/>
   </p:clrMapOvr>
+  <p:timing>
+    <p:tnLst>
+      <p:par>
+        <p:cTn id="1" dur="indefinite" restart="never" nodeType="tmRoot">
+          <p:childTnLst>
+            <p:seq concurrent="1" nextAc="seek">
+              <p:cTn id="2" restart="whenNotActive" fill="hold" evtFilter="cancelBubble" nodeType="interactiveSeq">
+                <p:stCondLst>
+                  <p:cond evt="onClick" delay="0">
+                    <p:tgtEl>
+                      <p:spTgt spid="8"/>
+                    </p:tgtEl>
+                  </p:cond>
+                </p:stCondLst>
+                <p:endSync evt="end" delay="0">
+                  <p:rtn val="all"/>
+                </p:endSync>
+                <p:childTnLst>
+                  <p:par>
+                    <p:cTn id="3" fill="hold">
+                      <p:stCondLst>
+                        <p:cond delay="0"/>
+                      </p:stCondLst>
+                      <p:childTnLst>
+                        <p:par>
+                          <p:cTn id="4" fill="hold">
+                            <p:stCondLst>
+                              <p:cond delay="0"/>
+                            </p:stCondLst>
+                            <p:childTnLst>
+                              <p:par>
+                                <p:cTn id="5" presetID="6" presetClass="emph" presetSubtype="0" fill="hold" nodeType="clickEffect">
+                                  <p:stCondLst>
+                                    <p:cond delay="0"/>
+                                  </p:stCondLst>
+                                  <p:childTnLst>
+                                    <p:animScale>
+                                      <p:cBhvr>
+                                        <p:cTn id="6" dur="500" fill="hold"/>
+                                        <p:tgtEl>
+                                          <p:spTgt spid="8"/>
+                                        </p:tgtEl>
+                                      </p:cBhvr>
+                                      <p:by x="100000" y="100000"/>
+                                    </p:animScale>
+                                  </p:childTnLst>
+                                </p:cTn>
+                              </p:par>
+                            </p:childTnLst>
+                          </p:cTn>
+                        </p:par>
+                      </p:childTnLst>
+                    </p:cTn>
+                  </p:par>
+                  <p:par>
+                    <p:cTn id="7" fill="hold">
+                      <p:stCondLst>
+                        <p:cond delay="indefinite"/>
+                      </p:stCondLst>
+                      <p:childTnLst>
+                        <p:par>
+                          <p:cTn id="8" fill="hold">
+                            <p:stCondLst>
+                              <p:cond delay="0"/>
+                            </p:stCondLst>
+                            <p:childTnLst>
+                              <p:par>
+                                <p:cTn id="9" presetID="6" presetClass="emph" presetSubtype="0" fill="hold" nodeType="clickEffect">
+                                  <p:stCondLst>
+                                    <p:cond delay="0"/>
+                                  </p:stCondLst>
+                                  <p:childTnLst>
+                                    <p:animScale>
+                                      <p:cBhvr>
+                                        <p:cTn id="10" dur="500" fill="hold"/>
+                                        <p:tgtEl>
+                                          <p:spTgt spid="8"/>
+                                        </p:tgtEl>
+                                      </p:cBhvr>
+                                      <p:by x="150000" y="150000"/>
+                                    </p:animScale>
+                                  </p:childTnLst>
+                                </p:cTn>
+                              </p:par>
+                            </p:childTnLst>
+                          </p:cTn>
+                        </p:par>
+                      </p:childTnLst>
+                    </p:cTn>
+                  </p:par>
+                </p:childTnLst>
+              </p:cTn>
+              <p:nextCondLst>
+                <p:cond evt="onClick" delay="0">
+                  <p:tgtEl>
+                    <p:spTgt spid="8"/>
+                  </p:tgtEl>
+                </p:cond>
+              </p:nextCondLst>
+            </p:seq>
+          </p:childTnLst>
+        </p:cTn>
+      </p:par>
+    </p:tnLst>
+  </p:timing>
 </p:sld>
 </file>
 
@@ -5425,7 +5973,7 @@
                 <a:latin typeface="Arial" panose="020B0604020202020204" pitchFamily="34" charset="0"/>
                 <a:cs typeface="Arial" panose="020B0604020202020204" pitchFamily="34" charset="0"/>
               </a:rPr>
-              <a:t>Диаграмма </a:t>
+              <a:t>Контекстная диаграмма </a:t>
             </a:r>
             <a:r>
               <a:rPr lang="en-US" sz="3800" dirty="0">
@@ -5441,36 +5989,6 @@
           </a:p>
         </p:txBody>
       </p:sp>
-      <p:pic>
-        <p:nvPicPr>
-          <p:cNvPr id="5" name="Рисунок 4">
-            <a:extLst>
-              <a:ext uri="{FF2B5EF4-FFF2-40B4-BE49-F238E27FC236}">
-                <a16:creationId xmlns:a16="http://schemas.microsoft.com/office/drawing/2014/main" id="{E822CC24-B75C-48A6-B707-8208738A1C96}"/>
-              </a:ext>
-            </a:extLst>
-          </p:cNvPr>
-          <p:cNvPicPr>
-            <a:picLocks noChangeAspect="1"/>
-          </p:cNvPicPr>
-          <p:nvPr/>
-        </p:nvPicPr>
-        <p:blipFill>
-          <a:blip r:embed="rId2"/>
-          <a:stretch>
-            <a:fillRect/>
-          </a:stretch>
-        </p:blipFill>
-        <p:spPr>
-          <a:xfrm>
-            <a:off x="2132162" y="1690688"/>
-            <a:ext cx="7682681" cy="4307140"/>
-          </a:xfrm>
-          <a:prstGeom prst="rect">
-            <a:avLst/>
-          </a:prstGeom>
-        </p:spPr>
-      </p:pic>
       <p:sp>
         <p:nvSpPr>
           <p:cNvPr id="9" name="TextBox 8">
@@ -5485,7 +6003,7 @@
         </p:nvSpPr>
         <p:spPr>
           <a:xfrm>
-            <a:off x="4434839" y="6017796"/>
+            <a:off x="3511647" y="6079343"/>
             <a:ext cx="4984389" cy="338554"/>
           </a:xfrm>
           <a:prstGeom prst="rect">
@@ -5504,7 +6022,7 @@
                 <a:latin typeface="Arial" panose="020B0604020202020204" pitchFamily="34" charset="0"/>
                 <a:cs typeface="Arial" panose="020B0604020202020204" pitchFamily="34" charset="0"/>
               </a:rPr>
-              <a:t>Рисунок 5. Диаграмма </a:t>
+              <a:t>Рисунок 5. Контекстная диаграмма </a:t>
             </a:r>
             <a:r>
               <a:rPr lang="en-US" sz="1600" dirty="0">
@@ -5664,6 +6182,36 @@
           </a:p>
         </p:txBody>
       </p:sp>
+      <p:pic>
+        <p:nvPicPr>
+          <p:cNvPr id="7" name="Рисунок 6">
+            <a:extLst>
+              <a:ext uri="{FF2B5EF4-FFF2-40B4-BE49-F238E27FC236}">
+                <a16:creationId xmlns:a16="http://schemas.microsoft.com/office/drawing/2014/main" id="{C7C5111F-68BA-476A-B15C-1386A2947267}"/>
+              </a:ext>
+            </a:extLst>
+          </p:cNvPr>
+          <p:cNvPicPr>
+            <a:picLocks noChangeAspect="1"/>
+          </p:cNvPicPr>
+          <p:nvPr/>
+        </p:nvPicPr>
+        <p:blipFill>
+          <a:blip r:embed="rId2"/>
+          <a:stretch>
+            <a:fillRect/>
+          </a:stretch>
+        </p:blipFill>
+        <p:spPr>
+          <a:xfrm>
+            <a:off x="3027851" y="1228578"/>
+            <a:ext cx="5591175" cy="4850765"/>
+          </a:xfrm>
+          <a:prstGeom prst="rect">
+            <a:avLst/>
+          </a:prstGeom>
+        </p:spPr>
+      </p:pic>
     </p:spTree>
     <p:extLst>
       <p:ext uri="{BB962C8B-B14F-4D97-AF65-F5344CB8AC3E}">
@@ -5674,10 +6222,642 @@
   <p:clrMapOvr>
     <a:masterClrMapping/>
   </p:clrMapOvr>
+  <p:timing>
+    <p:tnLst>
+      <p:par>
+        <p:cTn id="1" dur="indefinite" restart="never" nodeType="tmRoot">
+          <p:childTnLst>
+            <p:seq concurrent="1" nextAc="seek">
+              <p:cTn id="2" restart="whenNotActive" fill="hold" evtFilter="cancelBubble" nodeType="interactiveSeq">
+                <p:stCondLst>
+                  <p:cond evt="onClick" delay="0">
+                    <p:tgtEl>
+                      <p:spTgt spid="7"/>
+                    </p:tgtEl>
+                  </p:cond>
+                </p:stCondLst>
+                <p:endSync evt="end" delay="0">
+                  <p:rtn val="all"/>
+                </p:endSync>
+                <p:childTnLst>
+                  <p:par>
+                    <p:cTn id="3" fill="hold">
+                      <p:stCondLst>
+                        <p:cond delay="0"/>
+                      </p:stCondLst>
+                      <p:childTnLst>
+                        <p:par>
+                          <p:cTn id="4" fill="hold">
+                            <p:stCondLst>
+                              <p:cond delay="0"/>
+                            </p:stCondLst>
+                            <p:childTnLst>
+                              <p:par>
+                                <p:cTn id="5" presetID="6" presetClass="emph" presetSubtype="0" fill="hold" nodeType="clickEffect">
+                                  <p:stCondLst>
+                                    <p:cond delay="0"/>
+                                  </p:stCondLst>
+                                  <p:childTnLst>
+                                    <p:animScale>
+                                      <p:cBhvr>
+                                        <p:cTn id="6" dur="500" fill="hold"/>
+                                        <p:tgtEl>
+                                          <p:spTgt spid="7"/>
+                                        </p:tgtEl>
+                                      </p:cBhvr>
+                                      <p:by x="100000" y="100000"/>
+                                    </p:animScale>
+                                  </p:childTnLst>
+                                </p:cTn>
+                              </p:par>
+                            </p:childTnLst>
+                          </p:cTn>
+                        </p:par>
+                      </p:childTnLst>
+                    </p:cTn>
+                  </p:par>
+                  <p:par>
+                    <p:cTn id="7" fill="hold">
+                      <p:stCondLst>
+                        <p:cond delay="indefinite"/>
+                      </p:stCondLst>
+                      <p:childTnLst>
+                        <p:par>
+                          <p:cTn id="8" fill="hold">
+                            <p:stCondLst>
+                              <p:cond delay="0"/>
+                            </p:stCondLst>
+                            <p:childTnLst>
+                              <p:par>
+                                <p:cTn id="9" presetID="6" presetClass="emph" presetSubtype="0" fill="hold" nodeType="clickEffect">
+                                  <p:stCondLst>
+                                    <p:cond delay="0"/>
+                                  </p:stCondLst>
+                                  <p:childTnLst>
+                                    <p:animScale>
+                                      <p:cBhvr>
+                                        <p:cTn id="10" dur="500" fill="hold"/>
+                                        <p:tgtEl>
+                                          <p:spTgt spid="7"/>
+                                        </p:tgtEl>
+                                      </p:cBhvr>
+                                      <p:by x="150000" y="150000"/>
+                                    </p:animScale>
+                                  </p:childTnLst>
+                                </p:cTn>
+                              </p:par>
+                            </p:childTnLst>
+                          </p:cTn>
+                        </p:par>
+                      </p:childTnLst>
+                    </p:cTn>
+                  </p:par>
+                </p:childTnLst>
+              </p:cTn>
+              <p:nextCondLst>
+                <p:cond evt="onClick" delay="0">
+                  <p:tgtEl>
+                    <p:spTgt spid="7"/>
+                  </p:tgtEl>
+                </p:cond>
+              </p:nextCondLst>
+            </p:seq>
+          </p:childTnLst>
+        </p:cTn>
+      </p:par>
+    </p:tnLst>
+  </p:timing>
 </p:sld>
 </file>
 
 <file path=ppt/slides/slide14.xml><?xml version="1.0" encoding="utf-8"?>
+<p:sld xmlns:a="http://schemas.openxmlformats.org/drawingml/2006/main" xmlns:r="http://schemas.openxmlformats.org/officeDocument/2006/relationships" xmlns:p="http://schemas.openxmlformats.org/presentationml/2006/main">
+  <p:cSld>
+    <p:spTree>
+      <p:nvGrpSpPr>
+        <p:cNvPr id="1" name=""/>
+        <p:cNvGrpSpPr/>
+        <p:nvPr/>
+      </p:nvGrpSpPr>
+      <p:grpSpPr>
+        <a:xfrm>
+          <a:off x="0" y="0"/>
+          <a:ext cx="0" cy="0"/>
+          <a:chOff x="0" y="0"/>
+          <a:chExt cx="0" cy="0"/>
+        </a:xfrm>
+      </p:grpSpPr>
+      <p:sp>
+        <p:nvSpPr>
+          <p:cNvPr id="2" name="Заголовок 1">
+            <a:extLst>
+              <a:ext uri="{FF2B5EF4-FFF2-40B4-BE49-F238E27FC236}">
+                <a16:creationId xmlns:a16="http://schemas.microsoft.com/office/drawing/2014/main" id="{FF1433D9-CC24-4B75-BDEA-A1054F204852}"/>
+              </a:ext>
+            </a:extLst>
+          </p:cNvPr>
+          <p:cNvSpPr>
+            <a:spLocks noGrp="1"/>
+          </p:cNvSpPr>
+          <p:nvPr>
+            <p:ph type="title"/>
+          </p:nvPr>
+        </p:nvSpPr>
+        <p:spPr/>
+        <p:txBody>
+          <a:bodyPr/>
+          <a:lstStyle/>
+          <a:p>
+            <a:r>
+              <a:rPr lang="ru-RU" sz="3800" dirty="0">
+                <a:latin typeface="Arial" panose="020B0604020202020204" pitchFamily="34" charset="0"/>
+                <a:cs typeface="Arial" panose="020B0604020202020204" pitchFamily="34" charset="0"/>
+              </a:rPr>
+              <a:t>Декомпозиция контекстной диаграммы</a:t>
+            </a:r>
+          </a:p>
+        </p:txBody>
+      </p:sp>
+      <p:sp>
+        <p:nvSpPr>
+          <p:cNvPr id="4" name="Номер слайда 3">
+            <a:extLst>
+              <a:ext uri="{FF2B5EF4-FFF2-40B4-BE49-F238E27FC236}">
+                <a16:creationId xmlns:a16="http://schemas.microsoft.com/office/drawing/2014/main" id="{F0AB296E-33C1-4156-87A2-27700BEB1DEE}"/>
+              </a:ext>
+            </a:extLst>
+          </p:cNvPr>
+          <p:cNvSpPr>
+            <a:spLocks noGrp="1"/>
+          </p:cNvSpPr>
+          <p:nvPr>
+            <p:ph type="sldNum" sz="quarter" idx="12"/>
+          </p:nvPr>
+        </p:nvSpPr>
+        <p:spPr/>
+        <p:txBody>
+          <a:bodyPr/>
+          <a:lstStyle/>
+          <a:p>
+            <a:fld id="{1FE8DF1E-33BB-4377-9A26-35481BA06C7C}" type="slidenum">
+              <a:rPr lang="en-US" smtClean="0"/>
+              <a:t>14</a:t>
+            </a:fld>
+            <a:endParaRPr lang="en-US"/>
+          </a:p>
+        </p:txBody>
+      </p:sp>
+      <p:sp>
+        <p:nvSpPr>
+          <p:cNvPr id="6" name="TextBox 5">
+            <a:extLst>
+              <a:ext uri="{FF2B5EF4-FFF2-40B4-BE49-F238E27FC236}">
+                <a16:creationId xmlns:a16="http://schemas.microsoft.com/office/drawing/2014/main" id="{370FDA94-700E-45D7-B11B-388B73304347}"/>
+              </a:ext>
+            </a:extLst>
+          </p:cNvPr>
+          <p:cNvSpPr txBox="1"/>
+          <p:nvPr/>
+        </p:nvSpPr>
+        <p:spPr>
+          <a:xfrm>
+            <a:off x="3740247" y="6017796"/>
+            <a:ext cx="4984389" cy="338554"/>
+          </a:xfrm>
+          <a:prstGeom prst="rect">
+            <a:avLst/>
+          </a:prstGeom>
+          <a:noFill/>
+        </p:spPr>
+        <p:txBody>
+          <a:bodyPr wrap="square">
+            <a:spAutoFit/>
+          </a:bodyPr>
+          <a:lstStyle/>
+          <a:p>
+            <a:r>
+              <a:rPr lang="ru-RU" sz="1600" dirty="0">
+                <a:latin typeface="Arial" panose="020B0604020202020204" pitchFamily="34" charset="0"/>
+                <a:cs typeface="Arial" panose="020B0604020202020204" pitchFamily="34" charset="0"/>
+              </a:rPr>
+              <a:t>Рисунок 6. Декомпозиция контекстной диаграммы</a:t>
+            </a:r>
+          </a:p>
+        </p:txBody>
+      </p:sp>
+      <p:pic>
+        <p:nvPicPr>
+          <p:cNvPr id="5" name="Рисунок 4">
+            <a:extLst>
+              <a:ext uri="{FF2B5EF4-FFF2-40B4-BE49-F238E27FC236}">
+                <a16:creationId xmlns:a16="http://schemas.microsoft.com/office/drawing/2014/main" id="{88F47016-E417-4AE4-8520-7A9AB6B42439}"/>
+              </a:ext>
+            </a:extLst>
+          </p:cNvPr>
+          <p:cNvPicPr>
+            <a:picLocks noChangeAspect="1"/>
+          </p:cNvPicPr>
+          <p:nvPr/>
+        </p:nvPicPr>
+        <p:blipFill>
+          <a:blip r:embed="rId2"/>
+          <a:stretch>
+            <a:fillRect/>
+          </a:stretch>
+        </p:blipFill>
+        <p:spPr>
+          <a:xfrm>
+            <a:off x="2203156" y="1690688"/>
+            <a:ext cx="7779044" cy="4324443"/>
+          </a:xfrm>
+          <a:prstGeom prst="rect">
+            <a:avLst/>
+          </a:prstGeom>
+        </p:spPr>
+      </p:pic>
+    </p:spTree>
+    <p:extLst>
+      <p:ext uri="{BB962C8B-B14F-4D97-AF65-F5344CB8AC3E}">
+        <p14:creationId xmlns:p14="http://schemas.microsoft.com/office/powerpoint/2010/main" val="3241462205"/>
+      </p:ext>
+    </p:extLst>
+  </p:cSld>
+  <p:clrMapOvr>
+    <a:masterClrMapping/>
+  </p:clrMapOvr>
+  <p:timing>
+    <p:tnLst>
+      <p:par>
+        <p:cTn id="1" dur="indefinite" restart="never" nodeType="tmRoot">
+          <p:childTnLst>
+            <p:seq concurrent="1" nextAc="seek">
+              <p:cTn id="2" restart="whenNotActive" fill="hold" evtFilter="cancelBubble" nodeType="interactiveSeq">
+                <p:stCondLst>
+                  <p:cond evt="onClick" delay="0">
+                    <p:tgtEl>
+                      <p:spTgt spid="5"/>
+                    </p:tgtEl>
+                  </p:cond>
+                </p:stCondLst>
+                <p:endSync evt="end" delay="0">
+                  <p:rtn val="all"/>
+                </p:endSync>
+                <p:childTnLst>
+                  <p:par>
+                    <p:cTn id="3" fill="hold">
+                      <p:stCondLst>
+                        <p:cond delay="0"/>
+                      </p:stCondLst>
+                      <p:childTnLst>
+                        <p:par>
+                          <p:cTn id="4" fill="hold">
+                            <p:stCondLst>
+                              <p:cond delay="0"/>
+                            </p:stCondLst>
+                            <p:childTnLst>
+                              <p:par>
+                                <p:cTn id="5" presetID="6" presetClass="emph" presetSubtype="0" fill="hold" nodeType="clickEffect">
+                                  <p:stCondLst>
+                                    <p:cond delay="0"/>
+                                  </p:stCondLst>
+                                  <p:childTnLst>
+                                    <p:animScale>
+                                      <p:cBhvr>
+                                        <p:cTn id="6" dur="500" fill="hold"/>
+                                        <p:tgtEl>
+                                          <p:spTgt spid="5"/>
+                                        </p:tgtEl>
+                                      </p:cBhvr>
+                                      <p:by x="100000" y="100000"/>
+                                    </p:animScale>
+                                  </p:childTnLst>
+                                </p:cTn>
+                              </p:par>
+                            </p:childTnLst>
+                          </p:cTn>
+                        </p:par>
+                      </p:childTnLst>
+                    </p:cTn>
+                  </p:par>
+                  <p:par>
+                    <p:cTn id="7" fill="hold">
+                      <p:stCondLst>
+                        <p:cond delay="indefinite"/>
+                      </p:stCondLst>
+                      <p:childTnLst>
+                        <p:par>
+                          <p:cTn id="8" fill="hold">
+                            <p:stCondLst>
+                              <p:cond delay="0"/>
+                            </p:stCondLst>
+                            <p:childTnLst>
+                              <p:par>
+                                <p:cTn id="9" presetID="6" presetClass="emph" presetSubtype="0" fill="hold" nodeType="clickEffect">
+                                  <p:stCondLst>
+                                    <p:cond delay="0"/>
+                                  </p:stCondLst>
+                                  <p:childTnLst>
+                                    <p:animScale>
+                                      <p:cBhvr>
+                                        <p:cTn id="10" dur="500" fill="hold"/>
+                                        <p:tgtEl>
+                                          <p:spTgt spid="5"/>
+                                        </p:tgtEl>
+                                      </p:cBhvr>
+                                      <p:by x="150000" y="150000"/>
+                                    </p:animScale>
+                                  </p:childTnLst>
+                                </p:cTn>
+                              </p:par>
+                            </p:childTnLst>
+                          </p:cTn>
+                        </p:par>
+                      </p:childTnLst>
+                    </p:cTn>
+                  </p:par>
+                </p:childTnLst>
+              </p:cTn>
+              <p:nextCondLst>
+                <p:cond evt="onClick" delay="0">
+                  <p:tgtEl>
+                    <p:spTgt spid="5"/>
+                  </p:tgtEl>
+                </p:cond>
+              </p:nextCondLst>
+            </p:seq>
+          </p:childTnLst>
+        </p:cTn>
+      </p:par>
+    </p:tnLst>
+  </p:timing>
+</p:sld>
+</file>
+
+<file path=ppt/slides/slide15.xml><?xml version="1.0" encoding="utf-8"?>
+<p:sld xmlns:a="http://schemas.openxmlformats.org/drawingml/2006/main" xmlns:r="http://schemas.openxmlformats.org/officeDocument/2006/relationships" xmlns:p="http://schemas.openxmlformats.org/presentationml/2006/main">
+  <p:cSld>
+    <p:spTree>
+      <p:nvGrpSpPr>
+        <p:cNvPr id="1" name=""/>
+        <p:cNvGrpSpPr/>
+        <p:nvPr/>
+      </p:nvGrpSpPr>
+      <p:grpSpPr>
+        <a:xfrm>
+          <a:off x="0" y="0"/>
+          <a:ext cx="0" cy="0"/>
+          <a:chOff x="0" y="0"/>
+          <a:chExt cx="0" cy="0"/>
+        </a:xfrm>
+      </p:grpSpPr>
+      <p:sp>
+        <p:nvSpPr>
+          <p:cNvPr id="2" name="Заголовок 1">
+            <a:extLst>
+              <a:ext uri="{FF2B5EF4-FFF2-40B4-BE49-F238E27FC236}">
+                <a16:creationId xmlns:a16="http://schemas.microsoft.com/office/drawing/2014/main" id="{9CE77164-43DB-4400-9A0F-A4044F7A3552}"/>
+              </a:ext>
+            </a:extLst>
+          </p:cNvPr>
+          <p:cNvSpPr>
+            <a:spLocks noGrp="1"/>
+          </p:cNvSpPr>
+          <p:nvPr>
+            <p:ph type="title"/>
+          </p:nvPr>
+        </p:nvSpPr>
+        <p:spPr/>
+        <p:txBody>
+          <a:bodyPr/>
+          <a:lstStyle/>
+          <a:p>
+            <a:r>
+              <a:rPr lang="ru-RU" sz="4400" dirty="0">
+                <a:latin typeface="Arial" panose="020B0604020202020204" pitchFamily="34" charset="0"/>
+                <a:cs typeface="Arial" panose="020B0604020202020204" pitchFamily="34" charset="0"/>
+              </a:rPr>
+              <a:t>Диаграмма потоков данных</a:t>
+            </a:r>
+            <a:endParaRPr lang="ru-RU" dirty="0"/>
+          </a:p>
+        </p:txBody>
+      </p:sp>
+      <p:sp>
+        <p:nvSpPr>
+          <p:cNvPr id="4" name="Номер слайда 3">
+            <a:extLst>
+              <a:ext uri="{FF2B5EF4-FFF2-40B4-BE49-F238E27FC236}">
+                <a16:creationId xmlns:a16="http://schemas.microsoft.com/office/drawing/2014/main" id="{DC757387-41CF-4E73-93D7-9CC4851C0778}"/>
+              </a:ext>
+            </a:extLst>
+          </p:cNvPr>
+          <p:cNvSpPr>
+            <a:spLocks noGrp="1"/>
+          </p:cNvSpPr>
+          <p:nvPr>
+            <p:ph type="sldNum" sz="quarter" idx="12"/>
+          </p:nvPr>
+        </p:nvSpPr>
+        <p:spPr/>
+        <p:txBody>
+          <a:bodyPr/>
+          <a:lstStyle/>
+          <a:p>
+            <a:fld id="{1FE8DF1E-33BB-4377-9A26-35481BA06C7C}" type="slidenum">
+              <a:rPr lang="en-US" smtClean="0"/>
+              <a:t>15</a:t>
+            </a:fld>
+            <a:endParaRPr lang="en-US"/>
+          </a:p>
+        </p:txBody>
+      </p:sp>
+      <p:sp>
+        <p:nvSpPr>
+          <p:cNvPr id="6" name="TextBox 5">
+            <a:extLst>
+              <a:ext uri="{FF2B5EF4-FFF2-40B4-BE49-F238E27FC236}">
+                <a16:creationId xmlns:a16="http://schemas.microsoft.com/office/drawing/2014/main" id="{FCB6E4BE-BB30-4FB3-A86F-0E30EAA34F3D}"/>
+              </a:ext>
+            </a:extLst>
+          </p:cNvPr>
+          <p:cNvSpPr txBox="1"/>
+          <p:nvPr/>
+        </p:nvSpPr>
+        <p:spPr>
+          <a:xfrm>
+            <a:off x="4390293" y="4828757"/>
+            <a:ext cx="4572000" cy="338554"/>
+          </a:xfrm>
+          <a:prstGeom prst="rect">
+            <a:avLst/>
+          </a:prstGeom>
+          <a:noFill/>
+        </p:spPr>
+        <p:txBody>
+          <a:bodyPr wrap="square">
+            <a:spAutoFit/>
+          </a:bodyPr>
+          <a:lstStyle/>
+          <a:p>
+            <a:r>
+              <a:rPr lang="ru-RU" sz="1600" dirty="0">
+                <a:latin typeface="Arial" panose="020B0604020202020204" pitchFamily="34" charset="0"/>
+                <a:cs typeface="Arial" panose="020B0604020202020204" pitchFamily="34" charset="0"/>
+              </a:rPr>
+              <a:t>Рисунок 7. Диаграмма потоков данных</a:t>
+            </a:r>
+          </a:p>
+        </p:txBody>
+      </p:sp>
+      <p:pic>
+        <p:nvPicPr>
+          <p:cNvPr id="5" name="Рисунок 4">
+            <a:extLst>
+              <a:ext uri="{FF2B5EF4-FFF2-40B4-BE49-F238E27FC236}">
+                <a16:creationId xmlns:a16="http://schemas.microsoft.com/office/drawing/2014/main" id="{6FE446F0-8DF7-4B56-B26B-F796BD339185}"/>
+              </a:ext>
+            </a:extLst>
+          </p:cNvPr>
+          <p:cNvPicPr>
+            <a:picLocks noChangeAspect="1"/>
+          </p:cNvPicPr>
+          <p:nvPr/>
+        </p:nvPicPr>
+        <p:blipFill>
+          <a:blip r:embed="rId2"/>
+          <a:stretch>
+            <a:fillRect/>
+          </a:stretch>
+        </p:blipFill>
+        <p:spPr>
+          <a:xfrm>
+            <a:off x="2017835" y="2065456"/>
+            <a:ext cx="8490438" cy="2727087"/>
+          </a:xfrm>
+          <a:prstGeom prst="rect">
+            <a:avLst/>
+          </a:prstGeom>
+        </p:spPr>
+      </p:pic>
+    </p:spTree>
+    <p:extLst>
+      <p:ext uri="{BB962C8B-B14F-4D97-AF65-F5344CB8AC3E}">
+        <p14:creationId xmlns:p14="http://schemas.microsoft.com/office/powerpoint/2010/main" val="1038651641"/>
+      </p:ext>
+    </p:extLst>
+  </p:cSld>
+  <p:clrMapOvr>
+    <a:masterClrMapping/>
+  </p:clrMapOvr>
+  <p:timing>
+    <p:tnLst>
+      <p:par>
+        <p:cTn id="1" dur="indefinite" restart="never" nodeType="tmRoot">
+          <p:childTnLst>
+            <p:seq concurrent="1" nextAc="seek">
+              <p:cTn id="2" restart="whenNotActive" fill="hold" evtFilter="cancelBubble" nodeType="interactiveSeq">
+                <p:stCondLst>
+                  <p:cond evt="onClick" delay="0">
+                    <p:tgtEl>
+                      <p:spTgt spid="5"/>
+                    </p:tgtEl>
+                  </p:cond>
+                </p:stCondLst>
+                <p:endSync evt="end" delay="0">
+                  <p:rtn val="all"/>
+                </p:endSync>
+                <p:childTnLst>
+                  <p:par>
+                    <p:cTn id="3" fill="hold">
+                      <p:stCondLst>
+                        <p:cond delay="0"/>
+                      </p:stCondLst>
+                      <p:childTnLst>
+                        <p:par>
+                          <p:cTn id="4" fill="hold">
+                            <p:stCondLst>
+                              <p:cond delay="0"/>
+                            </p:stCondLst>
+                            <p:childTnLst>
+                              <p:par>
+                                <p:cTn id="5" presetID="6" presetClass="emph" presetSubtype="0" fill="hold" nodeType="clickEffect">
+                                  <p:stCondLst>
+                                    <p:cond delay="0"/>
+                                  </p:stCondLst>
+                                  <p:childTnLst>
+                                    <p:animScale>
+                                      <p:cBhvr>
+                                        <p:cTn id="6" dur="500" fill="hold"/>
+                                        <p:tgtEl>
+                                          <p:spTgt spid="5"/>
+                                        </p:tgtEl>
+                                      </p:cBhvr>
+                                      <p:by x="100000" y="100000"/>
+                                    </p:animScale>
+                                  </p:childTnLst>
+                                </p:cTn>
+                              </p:par>
+                            </p:childTnLst>
+                          </p:cTn>
+                        </p:par>
+                      </p:childTnLst>
+                    </p:cTn>
+                  </p:par>
+                  <p:par>
+                    <p:cTn id="7" fill="hold">
+                      <p:stCondLst>
+                        <p:cond delay="indefinite"/>
+                      </p:stCondLst>
+                      <p:childTnLst>
+                        <p:par>
+                          <p:cTn id="8" fill="hold">
+                            <p:stCondLst>
+                              <p:cond delay="0"/>
+                            </p:stCondLst>
+                            <p:childTnLst>
+                              <p:par>
+                                <p:cTn id="9" presetID="6" presetClass="emph" presetSubtype="0" fill="hold" nodeType="clickEffect">
+                                  <p:stCondLst>
+                                    <p:cond delay="0"/>
+                                  </p:stCondLst>
+                                  <p:childTnLst>
+                                    <p:animScale>
+                                      <p:cBhvr>
+                                        <p:cTn id="10" dur="500" fill="hold"/>
+                                        <p:tgtEl>
+                                          <p:spTgt spid="5"/>
+                                        </p:tgtEl>
+                                      </p:cBhvr>
+                                      <p:by x="150000" y="150000"/>
+                                    </p:animScale>
+                                  </p:childTnLst>
+                                </p:cTn>
+                              </p:par>
+                            </p:childTnLst>
+                          </p:cTn>
+                        </p:par>
+                      </p:childTnLst>
+                    </p:cTn>
+                  </p:par>
+                </p:childTnLst>
+              </p:cTn>
+              <p:nextCondLst>
+                <p:cond evt="onClick" delay="0">
+                  <p:tgtEl>
+                    <p:spTgt spid="5"/>
+                  </p:tgtEl>
+                </p:cond>
+              </p:nextCondLst>
+            </p:seq>
+          </p:childTnLst>
+        </p:cTn>
+      </p:par>
+    </p:tnLst>
+  </p:timing>
+</p:sld>
+</file>
+
+<file path=ppt/slides/slide16.xml><?xml version="1.0" encoding="utf-8"?>
 <p:sld xmlns:a="http://schemas.openxmlformats.org/drawingml/2006/main" xmlns:r="http://schemas.openxmlformats.org/officeDocument/2006/relationships" xmlns:p="http://schemas.openxmlformats.org/presentationml/2006/main">
   <p:cSld>
     <p:spTree>
@@ -5725,36 +6905,6 @@
           </a:p>
         </p:txBody>
       </p:sp>
-      <p:pic>
-        <p:nvPicPr>
-          <p:cNvPr id="5" name="Рисунок 4">
-            <a:extLst>
-              <a:ext uri="{FF2B5EF4-FFF2-40B4-BE49-F238E27FC236}">
-                <a16:creationId xmlns:a16="http://schemas.microsoft.com/office/drawing/2014/main" id="{67EFFFDF-D1A3-4D75-A511-6B0FF2BDB73A}"/>
-              </a:ext>
-            </a:extLst>
-          </p:cNvPr>
-          <p:cNvPicPr>
-            <a:picLocks noChangeAspect="1"/>
-          </p:cNvPicPr>
-          <p:nvPr/>
-        </p:nvPicPr>
-        <p:blipFill>
-          <a:blip r:embed="rId2"/>
-          <a:stretch>
-            <a:fillRect/>
-          </a:stretch>
-        </p:blipFill>
-        <p:spPr>
-          <a:xfrm>
-            <a:off x="2299018" y="1690689"/>
-            <a:ext cx="6756360" cy="4443412"/>
-          </a:xfrm>
-          <a:prstGeom prst="rect">
-            <a:avLst/>
-          </a:prstGeom>
-        </p:spPr>
-      </p:pic>
       <p:sp>
         <p:nvSpPr>
           <p:cNvPr id="7" name="TextBox 6">
@@ -5769,7 +6919,7 @@
         </p:nvSpPr>
         <p:spPr>
           <a:xfrm>
-            <a:off x="4244340" y="6134101"/>
+            <a:off x="4358640" y="6054970"/>
             <a:ext cx="4572000" cy="338554"/>
           </a:xfrm>
           <a:prstGeom prst="rect">
@@ -5788,7 +6938,7 @@
                 <a:latin typeface="Arial" panose="020B0604020202020204" pitchFamily="34" charset="0"/>
                 <a:cs typeface="Arial" panose="020B0604020202020204" pitchFamily="34" charset="0"/>
               </a:rPr>
-              <a:t>Рисунок 6. Диаграмма </a:t>
+              <a:t>Рисунок 8. Диаграмма </a:t>
             </a:r>
             <a:r>
               <a:rPr lang="en-US" sz="1600" dirty="0">
@@ -5939,7 +7089,7 @@
                 <a:cs typeface="Arial" panose="020B0604020202020204" pitchFamily="34" charset="0"/>
               </a:rPr>
               <a:pPr/>
-              <a:t>14</a:t>
+              <a:t>16</a:t>
             </a:fld>
             <a:endParaRPr lang="en-US" dirty="0">
               <a:solidFill>
@@ -5951,6 +7101,36 @@
           </a:p>
         </p:txBody>
       </p:sp>
+      <p:pic>
+        <p:nvPicPr>
+          <p:cNvPr id="8" name="Рисунок 7">
+            <a:extLst>
+              <a:ext uri="{FF2B5EF4-FFF2-40B4-BE49-F238E27FC236}">
+                <a16:creationId xmlns:a16="http://schemas.microsoft.com/office/drawing/2014/main" id="{212B17EF-2B0E-40ED-97FC-451E70F673EA}"/>
+              </a:ext>
+            </a:extLst>
+          </p:cNvPr>
+          <p:cNvPicPr>
+            <a:picLocks noChangeAspect="1"/>
+          </p:cNvPicPr>
+          <p:nvPr/>
+        </p:nvPicPr>
+        <p:blipFill>
+          <a:blip r:embed="rId2"/>
+          <a:stretch>
+            <a:fillRect/>
+          </a:stretch>
+        </p:blipFill>
+        <p:spPr>
+          <a:xfrm>
+            <a:off x="2934800" y="1483778"/>
+            <a:ext cx="5426686" cy="4381485"/>
+          </a:xfrm>
+          <a:prstGeom prst="rect">
+            <a:avLst/>
+          </a:prstGeom>
+        </p:spPr>
+      </p:pic>
     </p:spTree>
     <p:extLst>
       <p:ext uri="{BB962C8B-B14F-4D97-AF65-F5344CB8AC3E}">
@@ -5961,10 +7141,115 @@
   <p:clrMapOvr>
     <a:masterClrMapping/>
   </p:clrMapOvr>
+  <p:timing>
+    <p:tnLst>
+      <p:par>
+        <p:cTn id="1" dur="indefinite" restart="never" nodeType="tmRoot">
+          <p:childTnLst>
+            <p:seq concurrent="1" nextAc="seek">
+              <p:cTn id="2" restart="whenNotActive" fill="hold" evtFilter="cancelBubble" nodeType="interactiveSeq">
+                <p:stCondLst>
+                  <p:cond evt="onClick" delay="0">
+                    <p:tgtEl>
+                      <p:spTgt spid="8"/>
+                    </p:tgtEl>
+                  </p:cond>
+                </p:stCondLst>
+                <p:endSync evt="end" delay="0">
+                  <p:rtn val="all"/>
+                </p:endSync>
+                <p:childTnLst>
+                  <p:par>
+                    <p:cTn id="3" fill="hold">
+                      <p:stCondLst>
+                        <p:cond delay="0"/>
+                      </p:stCondLst>
+                      <p:childTnLst>
+                        <p:par>
+                          <p:cTn id="4" fill="hold">
+                            <p:stCondLst>
+                              <p:cond delay="0"/>
+                            </p:stCondLst>
+                            <p:childTnLst>
+                              <p:par>
+                                <p:cTn id="5" presetID="6" presetClass="emph" presetSubtype="0" fill="hold" nodeType="clickEffect">
+                                  <p:stCondLst>
+                                    <p:cond delay="0"/>
+                                  </p:stCondLst>
+                                  <p:childTnLst>
+                                    <p:animScale>
+                                      <p:cBhvr>
+                                        <p:cTn id="6" dur="500" fill="hold"/>
+                                        <p:tgtEl>
+                                          <p:spTgt spid="8"/>
+                                        </p:tgtEl>
+                                      </p:cBhvr>
+                                      <p:by x="100000" y="100000"/>
+                                    </p:animScale>
+                                  </p:childTnLst>
+                                </p:cTn>
+                              </p:par>
+                            </p:childTnLst>
+                          </p:cTn>
+                        </p:par>
+                      </p:childTnLst>
+                    </p:cTn>
+                  </p:par>
+                  <p:par>
+                    <p:cTn id="7" fill="hold">
+                      <p:stCondLst>
+                        <p:cond delay="indefinite"/>
+                      </p:stCondLst>
+                      <p:childTnLst>
+                        <p:par>
+                          <p:cTn id="8" fill="hold">
+                            <p:stCondLst>
+                              <p:cond delay="0"/>
+                            </p:stCondLst>
+                            <p:childTnLst>
+                              <p:par>
+                                <p:cTn id="9" presetID="6" presetClass="emph" presetSubtype="0" fill="hold" nodeType="clickEffect">
+                                  <p:stCondLst>
+                                    <p:cond delay="0"/>
+                                  </p:stCondLst>
+                                  <p:childTnLst>
+                                    <p:animScale>
+                                      <p:cBhvr>
+                                        <p:cTn id="10" dur="500" fill="hold"/>
+                                        <p:tgtEl>
+                                          <p:spTgt spid="8"/>
+                                        </p:tgtEl>
+                                      </p:cBhvr>
+                                      <p:by x="150000" y="150000"/>
+                                    </p:animScale>
+                                  </p:childTnLst>
+                                </p:cTn>
+                              </p:par>
+                            </p:childTnLst>
+                          </p:cTn>
+                        </p:par>
+                      </p:childTnLst>
+                    </p:cTn>
+                  </p:par>
+                </p:childTnLst>
+              </p:cTn>
+              <p:nextCondLst>
+                <p:cond evt="onClick" delay="0">
+                  <p:tgtEl>
+                    <p:spTgt spid="8"/>
+                  </p:tgtEl>
+                </p:cond>
+              </p:nextCondLst>
+            </p:seq>
+          </p:childTnLst>
+        </p:cTn>
+      </p:par>
+    </p:tnLst>
+  </p:timing>
 </p:sld>
 </file>
 
-<file path=ppt/slides/slide15.xml><?xml version="1.0" encoding="utf-8"?>
+<file path=ppt/slides/slide17.xml><?xml version="1.0" encoding="utf-8"?>
 <p:sld xmlns:a="http://schemas.openxmlformats.org/drawingml/2006/main" xmlns:r="http://schemas.openxmlformats.org/officeDocument/2006/relationships" xmlns:p="http://schemas.openxmlformats.org/presentationml/2006/main">
   <p:cSld>
     <p:spTree>
@@ -6152,7 +7437,7 @@
                 <a:cs typeface="Arial" panose="020B0604020202020204" pitchFamily="34" charset="0"/>
               </a:rPr>
               <a:pPr/>
-              <a:t>15</a:t>
+              <a:t>17</a:t>
             </a:fld>
             <a:endParaRPr lang="en-US" dirty="0">
               <a:solidFill>
@@ -6177,7 +7462,7 @@
 </p:sld>
 </file>
 
-<file path=ppt/slides/slide16.xml><?xml version="1.0" encoding="utf-8"?>
+<file path=ppt/slides/slide18.xml><?xml version="1.0" encoding="utf-8"?>
 <p:sld xmlns:a="http://schemas.openxmlformats.org/drawingml/2006/main" xmlns:r="http://schemas.openxmlformats.org/officeDocument/2006/relationships" xmlns:p="http://schemas.openxmlformats.org/presentationml/2006/main">
   <p:cSld>
     <p:spTree>
@@ -6225,36 +7510,6 @@
           </a:p>
         </p:txBody>
       </p:sp>
-      <p:pic>
-        <p:nvPicPr>
-          <p:cNvPr id="6" name="Рисунок 5">
-            <a:extLst>
-              <a:ext uri="{FF2B5EF4-FFF2-40B4-BE49-F238E27FC236}">
-                <a16:creationId xmlns:a16="http://schemas.microsoft.com/office/drawing/2014/main" id="{D4CC1CBB-C8DE-4EF6-9F1B-5599448BA752}"/>
-              </a:ext>
-            </a:extLst>
-          </p:cNvPr>
-          <p:cNvPicPr>
-            <a:picLocks noChangeAspect="1"/>
-          </p:cNvPicPr>
-          <p:nvPr/>
-        </p:nvPicPr>
-        <p:blipFill>
-          <a:blip r:embed="rId2"/>
-          <a:stretch>
-            <a:fillRect/>
-          </a:stretch>
-        </p:blipFill>
-        <p:spPr>
-          <a:xfrm>
-            <a:off x="2521893" y="1432236"/>
-            <a:ext cx="6553527" cy="4830886"/>
-          </a:xfrm>
-          <a:prstGeom prst="rect">
-            <a:avLst/>
-          </a:prstGeom>
-        </p:spPr>
-      </p:pic>
       <p:sp>
         <p:nvSpPr>
           <p:cNvPr id="7" name="TextBox 6">
@@ -6269,7 +7524,7 @@
         </p:nvSpPr>
         <p:spPr>
           <a:xfrm>
-            <a:off x="4450080" y="6200358"/>
+            <a:off x="4216718" y="5698803"/>
             <a:ext cx="4572000" cy="338554"/>
           </a:xfrm>
           <a:prstGeom prst="rect">
@@ -6288,7 +7543,7 @@
                 <a:latin typeface="Arial" panose="020B0604020202020204" pitchFamily="34" charset="0"/>
                 <a:cs typeface="Arial" panose="020B0604020202020204" pitchFamily="34" charset="0"/>
               </a:rPr>
-              <a:t>Рисунок 7. Схема данных </a:t>
+              <a:t>Рисунок 9. Схема данных </a:t>
             </a:r>
           </a:p>
         </p:txBody>
@@ -6425,7 +7680,7 @@
                 <a:cs typeface="Arial" panose="020B0604020202020204" pitchFamily="34" charset="0"/>
               </a:rPr>
               <a:pPr/>
-              <a:t>16</a:t>
+              <a:t>18</a:t>
             </a:fld>
             <a:endParaRPr lang="en-US" dirty="0">
               <a:solidFill>
@@ -6437,6 +7692,36 @@
           </a:p>
         </p:txBody>
       </p:sp>
+      <p:pic>
+        <p:nvPicPr>
+          <p:cNvPr id="9" name="Рисунок 8">
+            <a:extLst>
+              <a:ext uri="{FF2B5EF4-FFF2-40B4-BE49-F238E27FC236}">
+                <a16:creationId xmlns:a16="http://schemas.microsoft.com/office/drawing/2014/main" id="{3C60C043-59FC-4665-8CB5-A4C08457B3B5}"/>
+              </a:ext>
+            </a:extLst>
+          </p:cNvPr>
+          <p:cNvPicPr>
+            <a:picLocks noChangeAspect="1"/>
+          </p:cNvPicPr>
+          <p:nvPr/>
+        </p:nvPicPr>
+        <p:blipFill>
+          <a:blip r:embed="rId2"/>
+          <a:stretch>
+            <a:fillRect/>
+          </a:stretch>
+        </p:blipFill>
+        <p:spPr>
+          <a:xfrm>
+            <a:off x="2040474" y="1690688"/>
+            <a:ext cx="7595895" cy="4008115"/>
+          </a:xfrm>
+          <a:prstGeom prst="rect">
+            <a:avLst/>
+          </a:prstGeom>
+        </p:spPr>
+      </p:pic>
     </p:spTree>
     <p:extLst>
       <p:ext uri="{BB962C8B-B14F-4D97-AF65-F5344CB8AC3E}">
@@ -6447,10 +7732,115 @@
   <p:clrMapOvr>
     <a:masterClrMapping/>
   </p:clrMapOvr>
+  <p:timing>
+    <p:tnLst>
+      <p:par>
+        <p:cTn id="1" dur="indefinite" restart="never" nodeType="tmRoot">
+          <p:childTnLst>
+            <p:seq concurrent="1" nextAc="seek">
+              <p:cTn id="2" restart="whenNotActive" fill="hold" evtFilter="cancelBubble" nodeType="interactiveSeq">
+                <p:stCondLst>
+                  <p:cond evt="onClick" delay="0">
+                    <p:tgtEl>
+                      <p:spTgt spid="9"/>
+                    </p:tgtEl>
+                  </p:cond>
+                </p:stCondLst>
+                <p:endSync evt="end" delay="0">
+                  <p:rtn val="all"/>
+                </p:endSync>
+                <p:childTnLst>
+                  <p:par>
+                    <p:cTn id="3" fill="hold">
+                      <p:stCondLst>
+                        <p:cond delay="0"/>
+                      </p:stCondLst>
+                      <p:childTnLst>
+                        <p:par>
+                          <p:cTn id="4" fill="hold">
+                            <p:stCondLst>
+                              <p:cond delay="0"/>
+                            </p:stCondLst>
+                            <p:childTnLst>
+                              <p:par>
+                                <p:cTn id="5" presetID="6" presetClass="emph" presetSubtype="0" fill="hold" nodeType="clickEffect">
+                                  <p:stCondLst>
+                                    <p:cond delay="0"/>
+                                  </p:stCondLst>
+                                  <p:childTnLst>
+                                    <p:animScale>
+                                      <p:cBhvr>
+                                        <p:cTn id="6" dur="500" fill="hold"/>
+                                        <p:tgtEl>
+                                          <p:spTgt spid="9"/>
+                                        </p:tgtEl>
+                                      </p:cBhvr>
+                                      <p:by x="100000" y="100000"/>
+                                    </p:animScale>
+                                  </p:childTnLst>
+                                </p:cTn>
+                              </p:par>
+                            </p:childTnLst>
+                          </p:cTn>
+                        </p:par>
+                      </p:childTnLst>
+                    </p:cTn>
+                  </p:par>
+                  <p:par>
+                    <p:cTn id="7" fill="hold">
+                      <p:stCondLst>
+                        <p:cond delay="indefinite"/>
+                      </p:stCondLst>
+                      <p:childTnLst>
+                        <p:par>
+                          <p:cTn id="8" fill="hold">
+                            <p:stCondLst>
+                              <p:cond delay="0"/>
+                            </p:stCondLst>
+                            <p:childTnLst>
+                              <p:par>
+                                <p:cTn id="9" presetID="6" presetClass="emph" presetSubtype="0" fill="hold" nodeType="clickEffect">
+                                  <p:stCondLst>
+                                    <p:cond delay="0"/>
+                                  </p:stCondLst>
+                                  <p:childTnLst>
+                                    <p:animScale>
+                                      <p:cBhvr>
+                                        <p:cTn id="10" dur="500" fill="hold"/>
+                                        <p:tgtEl>
+                                          <p:spTgt spid="9"/>
+                                        </p:tgtEl>
+                                      </p:cBhvr>
+                                      <p:by x="150000" y="150000"/>
+                                    </p:animScale>
+                                  </p:childTnLst>
+                                </p:cTn>
+                              </p:par>
+                            </p:childTnLst>
+                          </p:cTn>
+                        </p:par>
+                      </p:childTnLst>
+                    </p:cTn>
+                  </p:par>
+                </p:childTnLst>
+              </p:cTn>
+              <p:nextCondLst>
+                <p:cond evt="onClick" delay="0">
+                  <p:tgtEl>
+                    <p:spTgt spid="9"/>
+                  </p:tgtEl>
+                </p:cond>
+              </p:nextCondLst>
+            </p:seq>
+          </p:childTnLst>
+        </p:cTn>
+      </p:par>
+    </p:tnLst>
+  </p:timing>
 </p:sld>
 </file>
 
-<file path=ppt/slides/slide17.xml><?xml version="1.0" encoding="utf-8"?>
+<file path=ppt/slides/slide19.xml><?xml version="1.0" encoding="utf-8"?>
 <p:sld xmlns:a="http://schemas.openxmlformats.org/drawingml/2006/main" xmlns:r="http://schemas.openxmlformats.org/officeDocument/2006/relationships" xmlns:p="http://schemas.openxmlformats.org/presentationml/2006/main">
   <p:cSld>
     <p:spTree>
@@ -6528,7 +7918,7 @@
         </p:nvSpPr>
         <p:spPr>
           <a:xfrm>
-            <a:off x="4503420" y="6557546"/>
+            <a:off x="4160520" y="6336883"/>
             <a:ext cx="4572000" cy="338554"/>
           </a:xfrm>
           <a:prstGeom prst="rect">
@@ -6547,7 +7937,7 @@
                 <a:latin typeface="Arial" panose="020B0604020202020204" pitchFamily="34" charset="0"/>
                 <a:cs typeface="Arial" panose="020B0604020202020204" pitchFamily="34" charset="0"/>
               </a:rPr>
-              <a:t>Рисунок 8. Главное окно </a:t>
+              <a:t>Рисунок 10. Главное окно </a:t>
             </a:r>
           </a:p>
         </p:txBody>
@@ -6574,8 +7964,8 @@
         </p:blipFill>
         <p:spPr>
           <a:xfrm>
-            <a:off x="1836906" y="1550401"/>
-            <a:ext cx="7453742" cy="5007145"/>
+            <a:off x="2172772" y="1690688"/>
+            <a:ext cx="6902648" cy="4636941"/>
           </a:xfrm>
           <a:prstGeom prst="rect">
             <a:avLst/>
@@ -6714,7 +8104,7 @@
                 <a:cs typeface="Arial" panose="020B0604020202020204" pitchFamily="34" charset="0"/>
               </a:rPr>
               <a:pPr/>
-              <a:t>17</a:t>
+              <a:t>19</a:t>
             </a:fld>
             <a:endParaRPr lang="en-US" dirty="0">
               <a:solidFill>
@@ -6736,10 +8126,361 @@
   <p:clrMapOvr>
     <a:masterClrMapping/>
   </p:clrMapOvr>
+  <p:timing>
+    <p:tnLst>
+      <p:par>
+        <p:cTn id="1" dur="indefinite" restart="never" nodeType="tmRoot">
+          <p:childTnLst>
+            <p:seq concurrent="1" nextAc="seek">
+              <p:cTn id="2" restart="whenNotActive" fill="hold" evtFilter="cancelBubble" nodeType="interactiveSeq">
+                <p:stCondLst>
+                  <p:cond evt="onClick" delay="0">
+                    <p:tgtEl>
+                      <p:spTgt spid="7"/>
+                    </p:tgtEl>
+                  </p:cond>
+                </p:stCondLst>
+                <p:endSync evt="end" delay="0">
+                  <p:rtn val="all"/>
+                </p:endSync>
+                <p:childTnLst>
+                  <p:par>
+                    <p:cTn id="3" fill="hold">
+                      <p:stCondLst>
+                        <p:cond delay="0"/>
+                      </p:stCondLst>
+                      <p:childTnLst>
+                        <p:par>
+                          <p:cTn id="4" fill="hold">
+                            <p:stCondLst>
+                              <p:cond delay="0"/>
+                            </p:stCondLst>
+                            <p:childTnLst>
+                              <p:par>
+                                <p:cTn id="5" presetID="6" presetClass="emph" presetSubtype="0" fill="hold" nodeType="clickEffect">
+                                  <p:stCondLst>
+                                    <p:cond delay="0"/>
+                                  </p:stCondLst>
+                                  <p:childTnLst>
+                                    <p:animScale>
+                                      <p:cBhvr>
+                                        <p:cTn id="6" dur="500" fill="hold"/>
+                                        <p:tgtEl>
+                                          <p:spTgt spid="7"/>
+                                        </p:tgtEl>
+                                      </p:cBhvr>
+                                      <p:by x="100000" y="100000"/>
+                                    </p:animScale>
+                                  </p:childTnLst>
+                                </p:cTn>
+                              </p:par>
+                            </p:childTnLst>
+                          </p:cTn>
+                        </p:par>
+                      </p:childTnLst>
+                    </p:cTn>
+                  </p:par>
+                  <p:par>
+                    <p:cTn id="7" fill="hold">
+                      <p:stCondLst>
+                        <p:cond delay="indefinite"/>
+                      </p:stCondLst>
+                      <p:childTnLst>
+                        <p:par>
+                          <p:cTn id="8" fill="hold">
+                            <p:stCondLst>
+                              <p:cond delay="0"/>
+                            </p:stCondLst>
+                            <p:childTnLst>
+                              <p:par>
+                                <p:cTn id="9" presetID="6" presetClass="emph" presetSubtype="0" fill="hold" nodeType="clickEffect">
+                                  <p:stCondLst>
+                                    <p:cond delay="0"/>
+                                  </p:stCondLst>
+                                  <p:childTnLst>
+                                    <p:animScale>
+                                      <p:cBhvr>
+                                        <p:cTn id="10" dur="500" fill="hold"/>
+                                        <p:tgtEl>
+                                          <p:spTgt spid="7"/>
+                                        </p:tgtEl>
+                                      </p:cBhvr>
+                                      <p:by x="150000" y="150000"/>
+                                    </p:animScale>
+                                  </p:childTnLst>
+                                </p:cTn>
+                              </p:par>
+                            </p:childTnLst>
+                          </p:cTn>
+                        </p:par>
+                      </p:childTnLst>
+                    </p:cTn>
+                  </p:par>
+                </p:childTnLst>
+              </p:cTn>
+              <p:nextCondLst>
+                <p:cond evt="onClick" delay="0">
+                  <p:tgtEl>
+                    <p:spTgt spid="7"/>
+                  </p:tgtEl>
+                </p:cond>
+              </p:nextCondLst>
+            </p:seq>
+          </p:childTnLst>
+        </p:cTn>
+      </p:par>
+    </p:tnLst>
+  </p:timing>
 </p:sld>
 </file>
 
-<file path=ppt/slides/slide18.xml><?xml version="1.0" encoding="utf-8"?>
+<file path=ppt/slides/slide2.xml><?xml version="1.0" encoding="utf-8"?>
+<p:sld xmlns:a="http://schemas.openxmlformats.org/drawingml/2006/main" xmlns:r="http://schemas.openxmlformats.org/officeDocument/2006/relationships" xmlns:p="http://schemas.openxmlformats.org/presentationml/2006/main">
+  <p:cSld>
+    <p:spTree>
+      <p:nvGrpSpPr>
+        <p:cNvPr id="1" name=""/>
+        <p:cNvGrpSpPr/>
+        <p:nvPr/>
+      </p:nvGrpSpPr>
+      <p:grpSpPr>
+        <a:xfrm>
+          <a:off x="0" y="0"/>
+          <a:ext cx="0" cy="0"/>
+          <a:chOff x="0" y="0"/>
+          <a:chExt cx="0" cy="0"/>
+        </a:xfrm>
+      </p:grpSpPr>
+      <p:sp>
+        <p:nvSpPr>
+          <p:cNvPr id="2" name="Заголовок 1">
+            <a:extLst>
+              <a:ext uri="{FF2B5EF4-FFF2-40B4-BE49-F238E27FC236}">
+                <a16:creationId xmlns:a16="http://schemas.microsoft.com/office/drawing/2014/main" id="{19A09E56-BCCE-3B6E-8CF2-65ECE8C6AE24}"/>
+              </a:ext>
+            </a:extLst>
+          </p:cNvPr>
+          <p:cNvSpPr>
+            <a:spLocks noGrp="1"/>
+          </p:cNvSpPr>
+          <p:nvPr>
+            <p:ph type="title"/>
+          </p:nvPr>
+        </p:nvSpPr>
+        <p:spPr/>
+        <p:txBody>
+          <a:bodyPr>
+            <a:normAutofit/>
+          </a:bodyPr>
+          <a:lstStyle/>
+          <a:p>
+            <a:r>
+              <a:rPr lang="ru-RU" sz="3800" dirty="0">
+                <a:latin typeface="Arial" panose="020B0604020202020204" pitchFamily="34" charset="0"/>
+                <a:cs typeface="Arial" panose="020B0604020202020204" pitchFamily="34" charset="0"/>
+              </a:rPr>
+              <a:t>Цели и задачи работы</a:t>
+            </a:r>
+          </a:p>
+        </p:txBody>
+      </p:sp>
+      <p:sp>
+        <p:nvSpPr>
+          <p:cNvPr id="3" name="Объект 2">
+            <a:extLst>
+              <a:ext uri="{FF2B5EF4-FFF2-40B4-BE49-F238E27FC236}">
+                <a16:creationId xmlns:a16="http://schemas.microsoft.com/office/drawing/2014/main" id="{751ACC5F-FBF8-A082-9649-9732E3343D49}"/>
+              </a:ext>
+            </a:extLst>
+          </p:cNvPr>
+          <p:cNvSpPr>
+            <a:spLocks noGrp="1"/>
+          </p:cNvSpPr>
+          <p:nvPr>
+            <p:ph idx="1"/>
+          </p:nvPr>
+        </p:nvSpPr>
+        <p:spPr/>
+        <p:txBody>
+          <a:bodyPr>
+            <a:normAutofit/>
+          </a:bodyPr>
+          <a:lstStyle/>
+          <a:p>
+            <a:pPr marL="0" indent="0">
+              <a:buNone/>
+            </a:pPr>
+            <a:r>
+              <a:rPr lang="ru-RU" sz="2400" b="1" dirty="0">
+                <a:latin typeface="Arial" panose="020B0604020202020204" pitchFamily="34" charset="0"/>
+                <a:cs typeface="Arial" panose="020B0604020202020204" pitchFamily="34" charset="0"/>
+              </a:rPr>
+              <a:t>Цель</a:t>
+            </a:r>
+            <a:r>
+              <a:rPr lang="en-US" sz="2400" b="1" dirty="0">
+                <a:latin typeface="Arial" panose="020B0604020202020204" pitchFamily="34" charset="0"/>
+                <a:cs typeface="Arial" panose="020B0604020202020204" pitchFamily="34" charset="0"/>
+              </a:rPr>
+              <a:t>:</a:t>
+            </a:r>
+          </a:p>
+          <a:p>
+            <a:pPr marL="0" indent="0">
+              <a:buNone/>
+            </a:pPr>
+            <a:r>
+              <a:rPr lang="ru-RU" sz="2400" dirty="0">
+                <a:latin typeface="Arial" panose="020B0604020202020204" pitchFamily="34" charset="0"/>
+                <a:cs typeface="Arial" panose="020B0604020202020204" pitchFamily="34" charset="0"/>
+              </a:rPr>
+              <a:t>разработать автоматизированную информационную систему, облегчающую работу основного персонала отдела склада фармацевтической компании.</a:t>
+            </a:r>
+          </a:p>
+          <a:p>
+            <a:pPr marL="0" indent="0" algn="just">
+              <a:buNone/>
+            </a:pPr>
+            <a:r>
+              <a:rPr lang="ru-RU" sz="2400" b="1" dirty="0">
+                <a:latin typeface="Arial" panose="020B0604020202020204" pitchFamily="34" charset="0"/>
+                <a:cs typeface="Arial" panose="020B0604020202020204" pitchFamily="34" charset="0"/>
+              </a:rPr>
+              <a:t>Задачи :</a:t>
+            </a:r>
+          </a:p>
+          <a:p>
+            <a:pPr>
+              <a:defRPr/>
+            </a:pPr>
+            <a:r>
+              <a:rPr lang="ru-RU" sz="2400" dirty="0">
+                <a:solidFill>
+                  <a:srgbClr val="000000"/>
+                </a:solidFill>
+                <a:latin typeface="Arial" panose="020B0604020202020204" pitchFamily="34" charset="0"/>
+                <a:cs typeface="Arial" panose="020B0604020202020204" pitchFamily="34" charset="0"/>
+              </a:rPr>
+              <a:t>проанализировать предметную область, аналоги и прототипы;</a:t>
+            </a:r>
+          </a:p>
+          <a:p>
+            <a:pPr>
+              <a:defRPr/>
+            </a:pPr>
+            <a:r>
+              <a:rPr lang="ru-RU" sz="2400" dirty="0">
+                <a:solidFill>
+                  <a:srgbClr val="000000"/>
+                </a:solidFill>
+                <a:latin typeface="Arial" panose="020B0604020202020204" pitchFamily="34" charset="0"/>
+                <a:cs typeface="Arial" panose="020B0604020202020204" pitchFamily="34" charset="0"/>
+              </a:rPr>
+              <a:t>разработать первичную документацию;</a:t>
+            </a:r>
+          </a:p>
+          <a:p>
+            <a:pPr>
+              <a:defRPr/>
+            </a:pPr>
+            <a:r>
+              <a:rPr lang="ru-RU" sz="2400" dirty="0">
+                <a:solidFill>
+                  <a:srgbClr val="000000"/>
+                </a:solidFill>
+                <a:latin typeface="Arial" panose="020B0604020202020204" pitchFamily="34" charset="0"/>
+                <a:cs typeface="Arial" panose="020B0604020202020204" pitchFamily="34" charset="0"/>
+              </a:rPr>
+              <a:t>разработать АИС;</a:t>
+            </a:r>
+          </a:p>
+          <a:p>
+            <a:pPr>
+              <a:defRPr/>
+            </a:pPr>
+            <a:r>
+              <a:rPr lang="ru-RU" sz="2400" dirty="0">
+                <a:solidFill>
+                  <a:srgbClr val="000000"/>
+                </a:solidFill>
+                <a:latin typeface="Arial" panose="020B0604020202020204" pitchFamily="34" charset="0"/>
+                <a:cs typeface="Arial" panose="020B0604020202020204" pitchFamily="34" charset="0"/>
+              </a:rPr>
+              <a:t>протестировать АИС.</a:t>
+            </a:r>
+            <a:endParaRPr lang="ru-RU" sz="2400" dirty="0">
+              <a:latin typeface="Arial" panose="020B0604020202020204" pitchFamily="34" charset="0"/>
+              <a:cs typeface="Arial" panose="020B0604020202020204" pitchFamily="34" charset="0"/>
+            </a:endParaRPr>
+          </a:p>
+          <a:p>
+            <a:pPr marL="0" indent="0">
+              <a:buNone/>
+            </a:pPr>
+            <a:endParaRPr lang="ru-RU" dirty="0"/>
+          </a:p>
+        </p:txBody>
+      </p:sp>
+      <p:sp>
+        <p:nvSpPr>
+          <p:cNvPr id="4" name="Номер слайда 3">
+            <a:extLst>
+              <a:ext uri="{FF2B5EF4-FFF2-40B4-BE49-F238E27FC236}">
+                <a16:creationId xmlns:a16="http://schemas.microsoft.com/office/drawing/2014/main" id="{90D3132B-A204-48AE-A3C0-85587E5621FB}"/>
+              </a:ext>
+            </a:extLst>
+          </p:cNvPr>
+          <p:cNvSpPr>
+            <a:spLocks noGrp="1"/>
+          </p:cNvSpPr>
+          <p:nvPr>
+            <p:ph type="sldNum" sz="quarter" idx="12"/>
+          </p:nvPr>
+        </p:nvSpPr>
+        <p:spPr>
+          <a:xfrm>
+            <a:off x="-2379453" y="6492875"/>
+            <a:ext cx="2743200" cy="365125"/>
+          </a:xfrm>
+        </p:spPr>
+        <p:txBody>
+          <a:bodyPr/>
+          <a:lstStyle/>
+          <a:p>
+            <a:fld id="{1FE8DF1E-33BB-4377-9A26-35481BA06C7C}" type="slidenum">
+              <a:rPr lang="en-US" smtClean="0">
+                <a:solidFill>
+                  <a:schemeClr val="tx1"/>
+                </a:solidFill>
+                <a:latin typeface="Arial" panose="020B0604020202020204" pitchFamily="34" charset="0"/>
+                <a:cs typeface="Arial" panose="020B0604020202020204" pitchFamily="34" charset="0"/>
+              </a:rPr>
+              <a:t>2</a:t>
+            </a:fld>
+            <a:endParaRPr lang="en-US" dirty="0">
+              <a:solidFill>
+                <a:schemeClr val="tx1"/>
+              </a:solidFill>
+              <a:latin typeface="Arial" panose="020B0604020202020204" pitchFamily="34" charset="0"/>
+              <a:cs typeface="Arial" panose="020B0604020202020204" pitchFamily="34" charset="0"/>
+            </a:endParaRPr>
+          </a:p>
+        </p:txBody>
+      </p:sp>
+    </p:spTree>
+    <p:extLst>
+      <p:ext uri="{BB962C8B-B14F-4D97-AF65-F5344CB8AC3E}">
+        <p14:creationId xmlns:p14="http://schemas.microsoft.com/office/powerpoint/2010/main" val="951159068"/>
+      </p:ext>
+    </p:extLst>
+  </p:cSld>
+  <p:clrMapOvr>
+    <a:masterClrMapping/>
+  </p:clrMapOvr>
+</p:sld>
+</file>
+
+<file path=ppt/slides/slide20.xml><?xml version="1.0" encoding="utf-8"?>
 <p:sld xmlns:a="http://schemas.openxmlformats.org/drawingml/2006/main" xmlns:r="http://schemas.openxmlformats.org/officeDocument/2006/relationships" xmlns:p="http://schemas.openxmlformats.org/presentationml/2006/main">
   <p:cSld>
     <p:spTree>
@@ -6880,8 +8621,25 @@
                 <a:latin typeface="Arial" panose="020B0604020202020204" pitchFamily="34" charset="0"/>
                 <a:cs typeface="Arial" panose="020B0604020202020204" pitchFamily="34" charset="0"/>
               </a:rPr>
-              <a:t>Автоматическое формирование маршрута с использованием интерактивной карты,</a:t>
-            </a:r>
+              <a:t>автоматическое формирование штрихкодов по данным заказа</a:t>
+            </a:r>
+            <a:r>
+              <a:rPr lang="en-US" altLang="ru-RU" sz="2400" dirty="0">
+                <a:solidFill>
+                  <a:srgbClr val="000000"/>
+                </a:solidFill>
+                <a:latin typeface="Arial" panose="020B0604020202020204" pitchFamily="34" charset="0"/>
+                <a:cs typeface="Arial" panose="020B0604020202020204" pitchFamily="34" charset="0"/>
+              </a:rPr>
+              <a:t>;</a:t>
+            </a:r>
+            <a:endParaRPr lang="ru-RU" altLang="ru-RU" sz="2400" dirty="0">
+              <a:solidFill>
+                <a:srgbClr val="000000"/>
+              </a:solidFill>
+              <a:latin typeface="Arial" panose="020B0604020202020204" pitchFamily="34" charset="0"/>
+              <a:cs typeface="Arial" panose="020B0604020202020204" pitchFamily="34" charset="0"/>
+            </a:endParaRPr>
           </a:p>
           <a:p>
             <a:pPr marL="449263" algn="just">
@@ -6900,8 +8658,25 @@
                 <a:latin typeface="Arial" panose="020B0604020202020204" pitchFamily="34" charset="0"/>
                 <a:cs typeface="Arial" panose="020B0604020202020204" pitchFamily="34" charset="0"/>
               </a:rPr>
-              <a:t>автоматическое удаление использованных данных,</a:t>
-            </a:r>
+              <a:t>добавление возможности отслеживания заказа</a:t>
+            </a:r>
+            <a:r>
+              <a:rPr lang="en-US" altLang="ru-RU" sz="2400" dirty="0">
+                <a:solidFill>
+                  <a:srgbClr val="000000"/>
+                </a:solidFill>
+                <a:latin typeface="Arial" panose="020B0604020202020204" pitchFamily="34" charset="0"/>
+                <a:cs typeface="Arial" panose="020B0604020202020204" pitchFamily="34" charset="0"/>
+              </a:rPr>
+              <a:t>;</a:t>
+            </a:r>
+            <a:endParaRPr lang="ru-RU" altLang="ru-RU" sz="2400" dirty="0">
+              <a:solidFill>
+                <a:srgbClr val="000000"/>
+              </a:solidFill>
+              <a:latin typeface="Arial" panose="020B0604020202020204" pitchFamily="34" charset="0"/>
+              <a:cs typeface="Arial" panose="020B0604020202020204" pitchFamily="34" charset="0"/>
+            </a:endParaRPr>
           </a:p>
           <a:p>
             <a:pPr marL="449263" algn="just">
@@ -6920,8 +8695,25 @@
                 <a:latin typeface="Arial" panose="020B0604020202020204" pitchFamily="34" charset="0"/>
                 <a:cs typeface="Arial" panose="020B0604020202020204" pitchFamily="34" charset="0"/>
               </a:rPr>
-              <a:t>Добавление новых групп пользователей с новыми правами и возможностями.</a:t>
-            </a:r>
+              <a:t>добавление новых групп пользователей с новыми правами и возможностями</a:t>
+            </a:r>
+            <a:r>
+              <a:rPr lang="en-US" altLang="ru-RU" sz="2400" dirty="0">
+                <a:solidFill>
+                  <a:srgbClr val="000000"/>
+                </a:solidFill>
+                <a:latin typeface="Arial" panose="020B0604020202020204" pitchFamily="34" charset="0"/>
+                <a:cs typeface="Arial" panose="020B0604020202020204" pitchFamily="34" charset="0"/>
+              </a:rPr>
+              <a:t>.</a:t>
+            </a:r>
+            <a:endParaRPr lang="ru-RU" altLang="ru-RU" sz="2400" dirty="0">
+              <a:solidFill>
+                <a:srgbClr val="000000"/>
+              </a:solidFill>
+              <a:latin typeface="Arial" panose="020B0604020202020204" pitchFamily="34" charset="0"/>
+              <a:cs typeface="Arial" panose="020B0604020202020204" pitchFamily="34" charset="0"/>
+            </a:endParaRPr>
           </a:p>
           <a:p>
             <a:endParaRPr lang="ru-RU" dirty="0"/>
@@ -7060,7 +8852,7 @@
                 <a:cs typeface="Arial" panose="020B0604020202020204" pitchFamily="34" charset="0"/>
               </a:rPr>
               <a:pPr/>
-              <a:t>18</a:t>
+              <a:t>20</a:t>
             </a:fld>
             <a:endParaRPr lang="en-US" dirty="0">
               <a:solidFill>
@@ -7085,7 +8877,7 @@
 </p:sld>
 </file>
 
-<file path=ppt/slides/slide19.xml><?xml version="1.0" encoding="utf-8"?>
+<file path=ppt/slides/slide21.xml><?xml version="1.0" encoding="utf-8"?>
 <p:sld xmlns:a="http://schemas.openxmlformats.org/drawingml/2006/main" xmlns:r="http://schemas.openxmlformats.org/officeDocument/2006/relationships" xmlns:p="http://schemas.openxmlformats.org/presentationml/2006/main">
   <p:cSld>
     <p:spTree>
@@ -7299,7 +9091,7 @@
                 <a:cs typeface="Arial" panose="020B0604020202020204" pitchFamily="34" charset="0"/>
               </a:rPr>
               <a:pPr/>
-              <a:t>19</a:t>
+              <a:t>21</a:t>
             </a:fld>
             <a:endParaRPr lang="en-US" dirty="0">
               <a:solidFill>
@@ -7315,252 +9107,6 @@
     <p:extLst>
       <p:ext uri="{BB962C8B-B14F-4D97-AF65-F5344CB8AC3E}">
         <p14:creationId xmlns:p14="http://schemas.microsoft.com/office/powerpoint/2010/main" val="1689808668"/>
-      </p:ext>
-    </p:extLst>
-  </p:cSld>
-  <p:clrMapOvr>
-    <a:masterClrMapping/>
-  </p:clrMapOvr>
-</p:sld>
-</file>
-
-<file path=ppt/slides/slide2.xml><?xml version="1.0" encoding="utf-8"?>
-<p:sld xmlns:a="http://schemas.openxmlformats.org/drawingml/2006/main" xmlns:r="http://schemas.openxmlformats.org/officeDocument/2006/relationships" xmlns:p="http://schemas.openxmlformats.org/presentationml/2006/main">
-  <p:cSld>
-    <p:spTree>
-      <p:nvGrpSpPr>
-        <p:cNvPr id="1" name=""/>
-        <p:cNvGrpSpPr/>
-        <p:nvPr/>
-      </p:nvGrpSpPr>
-      <p:grpSpPr>
-        <a:xfrm>
-          <a:off x="0" y="0"/>
-          <a:ext cx="0" cy="0"/>
-          <a:chOff x="0" y="0"/>
-          <a:chExt cx="0" cy="0"/>
-        </a:xfrm>
-      </p:grpSpPr>
-      <p:sp>
-        <p:nvSpPr>
-          <p:cNvPr id="2" name="Заголовок 1">
-            <a:extLst>
-              <a:ext uri="{FF2B5EF4-FFF2-40B4-BE49-F238E27FC236}">
-                <a16:creationId xmlns:a16="http://schemas.microsoft.com/office/drawing/2014/main" id="{19A09E56-BCCE-3B6E-8CF2-65ECE8C6AE24}"/>
-              </a:ext>
-            </a:extLst>
-          </p:cNvPr>
-          <p:cNvSpPr>
-            <a:spLocks noGrp="1"/>
-          </p:cNvSpPr>
-          <p:nvPr>
-            <p:ph type="title"/>
-          </p:nvPr>
-        </p:nvSpPr>
-        <p:spPr/>
-        <p:txBody>
-          <a:bodyPr>
-            <a:normAutofit/>
-          </a:bodyPr>
-          <a:lstStyle/>
-          <a:p>
-            <a:r>
-              <a:rPr lang="ru-RU" sz="3800" dirty="0">
-                <a:latin typeface="Arial" panose="020B0604020202020204" pitchFamily="34" charset="0"/>
-                <a:cs typeface="Arial" panose="020B0604020202020204" pitchFamily="34" charset="0"/>
-              </a:rPr>
-              <a:t>Цели и задачи работы</a:t>
-            </a:r>
-          </a:p>
-        </p:txBody>
-      </p:sp>
-      <p:sp>
-        <p:nvSpPr>
-          <p:cNvPr id="3" name="Объект 2">
-            <a:extLst>
-              <a:ext uri="{FF2B5EF4-FFF2-40B4-BE49-F238E27FC236}">
-                <a16:creationId xmlns:a16="http://schemas.microsoft.com/office/drawing/2014/main" id="{751ACC5F-FBF8-A082-9649-9732E3343D49}"/>
-              </a:ext>
-            </a:extLst>
-          </p:cNvPr>
-          <p:cNvSpPr>
-            <a:spLocks noGrp="1"/>
-          </p:cNvSpPr>
-          <p:nvPr>
-            <p:ph idx="1"/>
-          </p:nvPr>
-        </p:nvSpPr>
-        <p:spPr/>
-        <p:txBody>
-          <a:bodyPr>
-            <a:normAutofit/>
-          </a:bodyPr>
-          <a:lstStyle/>
-          <a:p>
-            <a:pPr marL="0" indent="0">
-              <a:buNone/>
-            </a:pPr>
-            <a:r>
-              <a:rPr lang="ru-RU" sz="2400" b="1" dirty="0">
-                <a:latin typeface="Arial" panose="020B0604020202020204" pitchFamily="34" charset="0"/>
-                <a:cs typeface="Arial" panose="020B0604020202020204" pitchFamily="34" charset="0"/>
-              </a:rPr>
-              <a:t>Цель</a:t>
-            </a:r>
-            <a:r>
-              <a:rPr lang="en-US" sz="2400" b="1" dirty="0">
-                <a:latin typeface="Arial" panose="020B0604020202020204" pitchFamily="34" charset="0"/>
-                <a:cs typeface="Arial" panose="020B0604020202020204" pitchFamily="34" charset="0"/>
-              </a:rPr>
-              <a:t>:</a:t>
-            </a:r>
-          </a:p>
-          <a:p>
-            <a:pPr marL="0" indent="0">
-              <a:buNone/>
-            </a:pPr>
-            <a:r>
-              <a:rPr lang="ru-RU" sz="2400" dirty="0">
-                <a:latin typeface="Arial" panose="020B0604020202020204" pitchFamily="34" charset="0"/>
-                <a:cs typeface="Arial" panose="020B0604020202020204" pitchFamily="34" charset="0"/>
-              </a:rPr>
-              <a:t>разработать автоматизированную информационную систему, облегчающую работу основного персонала отдела склада фармацевтической компании.</a:t>
-            </a:r>
-          </a:p>
-          <a:p>
-            <a:pPr marL="0" indent="0" algn="just">
-              <a:buNone/>
-            </a:pPr>
-            <a:r>
-              <a:rPr lang="ru-RU" sz="2400" b="1" dirty="0">
-                <a:latin typeface="Arial" panose="020B0604020202020204" pitchFamily="34" charset="0"/>
-                <a:cs typeface="Arial" panose="020B0604020202020204" pitchFamily="34" charset="0"/>
-              </a:rPr>
-              <a:t>Задачи :</a:t>
-            </a:r>
-          </a:p>
-          <a:p>
-            <a:pPr>
-              <a:defRPr/>
-            </a:pPr>
-            <a:r>
-              <a:rPr lang="ru-RU" sz="2400" dirty="0">
-                <a:solidFill>
-                  <a:srgbClr val="000000"/>
-                </a:solidFill>
-                <a:latin typeface="Arial" panose="020B0604020202020204" pitchFamily="34" charset="0"/>
-                <a:cs typeface="Arial" panose="020B0604020202020204" pitchFamily="34" charset="0"/>
-              </a:rPr>
-              <a:t>проанализировать предметную область, аналоги и прототипы;</a:t>
-            </a:r>
-          </a:p>
-          <a:p>
-            <a:pPr>
-              <a:defRPr/>
-            </a:pPr>
-            <a:r>
-              <a:rPr lang="ru-RU" sz="2400" dirty="0">
-                <a:solidFill>
-                  <a:srgbClr val="000000"/>
-                </a:solidFill>
-                <a:latin typeface="Arial" panose="020B0604020202020204" pitchFamily="34" charset="0"/>
-                <a:cs typeface="Arial" panose="020B0604020202020204" pitchFamily="34" charset="0"/>
-              </a:rPr>
-              <a:t>разработать первичную документацию;</a:t>
-            </a:r>
-          </a:p>
-          <a:p>
-            <a:pPr>
-              <a:defRPr/>
-            </a:pPr>
-            <a:r>
-              <a:rPr lang="ru-RU" sz="2400" dirty="0">
-                <a:solidFill>
-                  <a:srgbClr val="000000"/>
-                </a:solidFill>
-                <a:latin typeface="Arial" panose="020B0604020202020204" pitchFamily="34" charset="0"/>
-                <a:cs typeface="Arial" panose="020B0604020202020204" pitchFamily="34" charset="0"/>
-              </a:rPr>
-              <a:t>разработать АИС;</a:t>
-            </a:r>
-          </a:p>
-          <a:p>
-            <a:pPr>
-              <a:defRPr/>
-            </a:pPr>
-            <a:r>
-              <a:rPr lang="ru-RU" sz="2400" dirty="0">
-                <a:solidFill>
-                  <a:srgbClr val="000000"/>
-                </a:solidFill>
-                <a:latin typeface="Arial" panose="020B0604020202020204" pitchFamily="34" charset="0"/>
-                <a:cs typeface="Arial" panose="020B0604020202020204" pitchFamily="34" charset="0"/>
-              </a:rPr>
-              <a:t>протестировать АИС.</a:t>
-            </a:r>
-            <a:endParaRPr lang="ru-RU" sz="2400" dirty="0">
-              <a:latin typeface="Arial" panose="020B0604020202020204" pitchFamily="34" charset="0"/>
-              <a:cs typeface="Arial" panose="020B0604020202020204" pitchFamily="34" charset="0"/>
-            </a:endParaRPr>
-          </a:p>
-          <a:p>
-            <a:pPr marL="0" indent="0">
-              <a:buNone/>
-            </a:pPr>
-            <a:endParaRPr lang="ru-RU" dirty="0"/>
-          </a:p>
-        </p:txBody>
-      </p:sp>
-      <p:sp>
-        <p:nvSpPr>
-          <p:cNvPr id="4" name="Номер слайда 3">
-            <a:extLst>
-              <a:ext uri="{FF2B5EF4-FFF2-40B4-BE49-F238E27FC236}">
-                <a16:creationId xmlns:a16="http://schemas.microsoft.com/office/drawing/2014/main" id="{90D3132B-A204-48AE-A3C0-85587E5621FB}"/>
-              </a:ext>
-            </a:extLst>
-          </p:cNvPr>
-          <p:cNvSpPr>
-            <a:spLocks noGrp="1"/>
-          </p:cNvSpPr>
-          <p:nvPr>
-            <p:ph type="sldNum" sz="quarter" idx="12"/>
-          </p:nvPr>
-        </p:nvSpPr>
-        <p:spPr>
-          <a:xfrm>
-            <a:off x="-2379453" y="6492875"/>
-            <a:ext cx="2743200" cy="365125"/>
-          </a:xfrm>
-        </p:spPr>
-        <p:txBody>
-          <a:bodyPr/>
-          <a:lstStyle/>
-          <a:p>
-            <a:fld id="{1FE8DF1E-33BB-4377-9A26-35481BA06C7C}" type="slidenum">
-              <a:rPr lang="en-US" smtClean="0">
-                <a:solidFill>
-                  <a:schemeClr val="tx1"/>
-                </a:solidFill>
-                <a:latin typeface="Arial" panose="020B0604020202020204" pitchFamily="34" charset="0"/>
-                <a:cs typeface="Arial" panose="020B0604020202020204" pitchFamily="34" charset="0"/>
-              </a:rPr>
-              <a:t>2</a:t>
-            </a:fld>
-            <a:endParaRPr lang="en-US" dirty="0">
-              <a:solidFill>
-                <a:schemeClr val="tx1"/>
-              </a:solidFill>
-              <a:latin typeface="Arial" panose="020B0604020202020204" pitchFamily="34" charset="0"/>
-              <a:cs typeface="Arial" panose="020B0604020202020204" pitchFamily="34" charset="0"/>
-            </a:endParaRPr>
-          </a:p>
-        </p:txBody>
-      </p:sp>
-    </p:spTree>
-    <p:extLst>
-      <p:ext uri="{BB962C8B-B14F-4D97-AF65-F5344CB8AC3E}">
-        <p14:creationId xmlns:p14="http://schemas.microsoft.com/office/powerpoint/2010/main" val="951159068"/>
       </p:ext>
     </p:extLst>
   </p:cSld>
@@ -7846,543 +9392,6 @@
           <p:cNvPr id="2" name="Заголовок 1">
             <a:extLst>
               <a:ext uri="{FF2B5EF4-FFF2-40B4-BE49-F238E27FC236}">
-                <a16:creationId xmlns:a16="http://schemas.microsoft.com/office/drawing/2014/main" id="{8D8C9C9B-0510-41C1-9A58-8A93CBC6230B}"/>
-              </a:ext>
-            </a:extLst>
-          </p:cNvPr>
-          <p:cNvSpPr>
-            <a:spLocks noGrp="1"/>
-          </p:cNvSpPr>
-          <p:nvPr>
-            <p:ph type="title"/>
-          </p:nvPr>
-        </p:nvSpPr>
-        <p:spPr>
-          <a:xfrm>
-            <a:off x="2161055" y="400781"/>
-            <a:ext cx="7869890" cy="6056437"/>
-          </a:xfrm>
-        </p:spPr>
-        <p:txBody>
-          <a:bodyPr>
-            <a:normAutofit/>
-          </a:bodyPr>
-          <a:lstStyle/>
-          <a:p>
-            <a:pPr algn="ctr"/>
-            <a:r>
-              <a:rPr lang="ru-RU" sz="6000" b="1" dirty="0">
-                <a:latin typeface="Arial" panose="020B0604020202020204" pitchFamily="34" charset="0"/>
-                <a:cs typeface="Arial" panose="020B0604020202020204" pitchFamily="34" charset="0"/>
-              </a:rPr>
-              <a:t>Проектирование информационной системы</a:t>
-            </a:r>
-            <a:endParaRPr lang="ru-RU" sz="6000" dirty="0">
-              <a:latin typeface="Arial" panose="020B0604020202020204" pitchFamily="34" charset="0"/>
-              <a:cs typeface="Arial" panose="020B0604020202020204" pitchFamily="34" charset="0"/>
-            </a:endParaRPr>
-          </a:p>
-        </p:txBody>
-      </p:sp>
-      <p:sp>
-        <p:nvSpPr>
-          <p:cNvPr id="4" name="Номер слайда 3">
-            <a:extLst>
-              <a:ext uri="{FF2B5EF4-FFF2-40B4-BE49-F238E27FC236}">
-                <a16:creationId xmlns:a16="http://schemas.microsoft.com/office/drawing/2014/main" id="{48331DB8-3523-40A1-864A-5A361FCC16D6}"/>
-              </a:ext>
-            </a:extLst>
-          </p:cNvPr>
-          <p:cNvSpPr txBox="1">
-            <a:spLocks/>
-          </p:cNvSpPr>
-          <p:nvPr/>
-        </p:nvSpPr>
-        <p:spPr>
-          <a:xfrm>
-            <a:off x="-2379453" y="6492875"/>
-            <a:ext cx="2743200" cy="365125"/>
-          </a:xfrm>
-          <a:prstGeom prst="rect">
-            <a:avLst/>
-          </a:prstGeom>
-        </p:spPr>
-        <p:txBody>
-          <a:bodyPr vert="horz" lIns="91440" tIns="45720" rIns="91440" bIns="45720" rtlCol="0" anchor="ctr"/>
-          <a:lstStyle>
-            <a:defPPr>
-              <a:defRPr lang="en-US"/>
-            </a:defPPr>
-            <a:lvl1pPr marL="0" algn="r" defTabSz="457200" rtl="0" eaLnBrk="1" latinLnBrk="0" hangingPunct="1">
-              <a:defRPr sz="1200" kern="1200">
-                <a:solidFill>
-                  <a:schemeClr val="tx1">
-                    <a:tint val="75000"/>
-                  </a:schemeClr>
-                </a:solidFill>
-                <a:latin typeface="+mn-lt"/>
-                <a:ea typeface="+mn-ea"/>
-                <a:cs typeface="+mn-cs"/>
-              </a:defRPr>
-            </a:lvl1pPr>
-            <a:lvl2pPr marL="457200" algn="l" defTabSz="457200" rtl="0" eaLnBrk="1" latinLnBrk="0" hangingPunct="1">
-              <a:defRPr sz="1800" kern="1200">
-                <a:solidFill>
-                  <a:schemeClr val="tx1"/>
-                </a:solidFill>
-                <a:latin typeface="+mn-lt"/>
-                <a:ea typeface="+mn-ea"/>
-                <a:cs typeface="+mn-cs"/>
-              </a:defRPr>
-            </a:lvl2pPr>
-            <a:lvl3pPr marL="914400" algn="l" defTabSz="457200" rtl="0" eaLnBrk="1" latinLnBrk="0" hangingPunct="1">
-              <a:defRPr sz="1800" kern="1200">
-                <a:solidFill>
-                  <a:schemeClr val="tx1"/>
-                </a:solidFill>
-                <a:latin typeface="+mn-lt"/>
-                <a:ea typeface="+mn-ea"/>
-                <a:cs typeface="+mn-cs"/>
-              </a:defRPr>
-            </a:lvl3pPr>
-            <a:lvl4pPr marL="1371600" algn="l" defTabSz="457200" rtl="0" eaLnBrk="1" latinLnBrk="0" hangingPunct="1">
-              <a:defRPr sz="1800" kern="1200">
-                <a:solidFill>
-                  <a:schemeClr val="tx1"/>
-                </a:solidFill>
-                <a:latin typeface="+mn-lt"/>
-                <a:ea typeface="+mn-ea"/>
-                <a:cs typeface="+mn-cs"/>
-              </a:defRPr>
-            </a:lvl4pPr>
-            <a:lvl5pPr marL="1828800" algn="l" defTabSz="457200" rtl="0" eaLnBrk="1" latinLnBrk="0" hangingPunct="1">
-              <a:defRPr sz="1800" kern="1200">
-                <a:solidFill>
-                  <a:schemeClr val="tx1"/>
-                </a:solidFill>
-                <a:latin typeface="+mn-lt"/>
-                <a:ea typeface="+mn-ea"/>
-                <a:cs typeface="+mn-cs"/>
-              </a:defRPr>
-            </a:lvl5pPr>
-            <a:lvl6pPr marL="2286000" algn="l" defTabSz="457200" rtl="0" eaLnBrk="1" latinLnBrk="0" hangingPunct="1">
-              <a:defRPr sz="1800" kern="1200">
-                <a:solidFill>
-                  <a:schemeClr val="tx1"/>
-                </a:solidFill>
-                <a:latin typeface="+mn-lt"/>
-                <a:ea typeface="+mn-ea"/>
-                <a:cs typeface="+mn-cs"/>
-              </a:defRPr>
-            </a:lvl6pPr>
-            <a:lvl7pPr marL="2743200" algn="l" defTabSz="457200" rtl="0" eaLnBrk="1" latinLnBrk="0" hangingPunct="1">
-              <a:defRPr sz="1800" kern="1200">
-                <a:solidFill>
-                  <a:schemeClr val="tx1"/>
-                </a:solidFill>
-                <a:latin typeface="+mn-lt"/>
-                <a:ea typeface="+mn-ea"/>
-                <a:cs typeface="+mn-cs"/>
-              </a:defRPr>
-            </a:lvl7pPr>
-            <a:lvl8pPr marL="3200400" algn="l" defTabSz="457200" rtl="0" eaLnBrk="1" latinLnBrk="0" hangingPunct="1">
-              <a:defRPr sz="1800" kern="1200">
-                <a:solidFill>
-                  <a:schemeClr val="tx1"/>
-                </a:solidFill>
-                <a:latin typeface="+mn-lt"/>
-                <a:ea typeface="+mn-ea"/>
-                <a:cs typeface="+mn-cs"/>
-              </a:defRPr>
-            </a:lvl8pPr>
-            <a:lvl9pPr marL="3657600" algn="l" defTabSz="457200" rtl="0" eaLnBrk="1" latinLnBrk="0" hangingPunct="1">
-              <a:defRPr sz="1800" kern="1200">
-                <a:solidFill>
-                  <a:schemeClr val="tx1"/>
-                </a:solidFill>
-                <a:latin typeface="+mn-lt"/>
-                <a:ea typeface="+mn-ea"/>
-                <a:cs typeface="+mn-cs"/>
-              </a:defRPr>
-            </a:lvl9pPr>
-          </a:lstStyle>
-          <a:p>
-            <a:fld id="{1FE8DF1E-33BB-4377-9A26-35481BA06C7C}" type="slidenum">
-              <a:rPr lang="en-US" smtClean="0">
-                <a:solidFill>
-                  <a:schemeClr val="tx1"/>
-                </a:solidFill>
-                <a:latin typeface="Arial" panose="020B0604020202020204" pitchFamily="34" charset="0"/>
-                <a:cs typeface="Arial" panose="020B0604020202020204" pitchFamily="34" charset="0"/>
-              </a:rPr>
-              <a:pPr/>
-              <a:t>4</a:t>
-            </a:fld>
-            <a:endParaRPr lang="en-US" dirty="0">
-              <a:solidFill>
-                <a:schemeClr val="tx1"/>
-              </a:solidFill>
-              <a:latin typeface="Arial" panose="020B0604020202020204" pitchFamily="34" charset="0"/>
-              <a:cs typeface="Arial" panose="020B0604020202020204" pitchFamily="34" charset="0"/>
-            </a:endParaRPr>
-          </a:p>
-        </p:txBody>
-      </p:sp>
-    </p:spTree>
-    <p:extLst>
-      <p:ext uri="{BB962C8B-B14F-4D97-AF65-F5344CB8AC3E}">
-        <p14:creationId xmlns:p14="http://schemas.microsoft.com/office/powerpoint/2010/main" val="1260266758"/>
-      </p:ext>
-    </p:extLst>
-  </p:cSld>
-  <p:clrMapOvr>
-    <a:masterClrMapping/>
-  </p:clrMapOvr>
-</p:sld>
-</file>
-
-<file path=ppt/slides/slide5.xml><?xml version="1.0" encoding="utf-8"?>
-<p:sld xmlns:a="http://schemas.openxmlformats.org/drawingml/2006/main" xmlns:r="http://schemas.openxmlformats.org/officeDocument/2006/relationships" xmlns:p="http://schemas.openxmlformats.org/presentationml/2006/main">
-  <p:cSld>
-    <p:spTree>
-      <p:nvGrpSpPr>
-        <p:cNvPr id="1" name=""/>
-        <p:cNvGrpSpPr/>
-        <p:nvPr/>
-      </p:nvGrpSpPr>
-      <p:grpSpPr>
-        <a:xfrm>
-          <a:off x="0" y="0"/>
-          <a:ext cx="0" cy="0"/>
-          <a:chOff x="0" y="0"/>
-          <a:chExt cx="0" cy="0"/>
-        </a:xfrm>
-      </p:grpSpPr>
-      <p:sp>
-        <p:nvSpPr>
-          <p:cNvPr id="2" name="Заголовок 1">
-            <a:extLst>
-              <a:ext uri="{FF2B5EF4-FFF2-40B4-BE49-F238E27FC236}">
-                <a16:creationId xmlns:a16="http://schemas.microsoft.com/office/drawing/2014/main" id="{8D5B2C20-435E-41B1-A9C8-7B37EC44D064}"/>
-              </a:ext>
-            </a:extLst>
-          </p:cNvPr>
-          <p:cNvSpPr>
-            <a:spLocks noGrp="1"/>
-          </p:cNvSpPr>
-          <p:nvPr>
-            <p:ph type="title"/>
-          </p:nvPr>
-        </p:nvSpPr>
-        <p:spPr/>
-        <p:txBody>
-          <a:bodyPr/>
-          <a:lstStyle/>
-          <a:p>
-            <a:r>
-              <a:rPr lang="ru-RU" sz="3800" dirty="0">
-                <a:latin typeface="Arial" panose="020B0604020202020204" pitchFamily="34" charset="0"/>
-                <a:cs typeface="Arial" panose="020B0604020202020204" pitchFamily="34" charset="0"/>
-              </a:rPr>
-              <a:t>Предметная область</a:t>
-            </a:r>
-          </a:p>
-        </p:txBody>
-      </p:sp>
-      <p:sp>
-        <p:nvSpPr>
-          <p:cNvPr id="3" name="Объект 2">
-            <a:extLst>
-              <a:ext uri="{FF2B5EF4-FFF2-40B4-BE49-F238E27FC236}">
-                <a16:creationId xmlns:a16="http://schemas.microsoft.com/office/drawing/2014/main" id="{21015D5B-C95B-4FD4-9743-BFC56049CC9A}"/>
-              </a:ext>
-            </a:extLst>
-          </p:cNvPr>
-          <p:cNvSpPr>
-            <a:spLocks noGrp="1"/>
-          </p:cNvSpPr>
-          <p:nvPr>
-            <p:ph idx="1"/>
-          </p:nvPr>
-        </p:nvSpPr>
-        <p:spPr/>
-        <p:txBody>
-          <a:bodyPr>
-            <a:normAutofit/>
-          </a:bodyPr>
-          <a:lstStyle/>
-          <a:p>
-            <a:pPr marL="0" indent="0">
-              <a:buNone/>
-            </a:pPr>
-            <a:r>
-              <a:rPr lang="ru-RU" sz="2400" b="1" dirty="0">
-                <a:solidFill>
-                  <a:srgbClr val="000000"/>
-                </a:solidFill>
-                <a:latin typeface="Arial" panose="020B0604020202020204" pitchFamily="34" charset="0"/>
-                <a:ea typeface="Times New Roman" panose="02020603050405020304" pitchFamily="18" charset="0"/>
-                <a:cs typeface="Arial" panose="020B0604020202020204" pitchFamily="34" charset="0"/>
-              </a:rPr>
-              <a:t>Фармацевтическая компания </a:t>
-            </a:r>
-            <a:r>
-              <a:rPr lang="ru-RU" sz="2400" dirty="0">
-                <a:solidFill>
-                  <a:srgbClr val="000000"/>
-                </a:solidFill>
-                <a:latin typeface="Arial" panose="020B0604020202020204" pitchFamily="34" charset="0"/>
-                <a:ea typeface="Times New Roman" panose="02020603050405020304" pitchFamily="18" charset="0"/>
-                <a:cs typeface="Arial" panose="020B0604020202020204" pitchFamily="34" charset="0"/>
-              </a:rPr>
-              <a:t>— коммерческое предприятие, основной деятельностью которого является исследования, разработка, изучение рынка и дистрибьюция лекарственных веществ, большей частью в сфере здравоохранения.</a:t>
-            </a:r>
-          </a:p>
-          <a:p>
-            <a:pPr marL="0" indent="0">
-              <a:buNone/>
-            </a:pPr>
-            <a:r>
-              <a:rPr lang="ru-RU" sz="2400" b="1" dirty="0">
-                <a:solidFill>
-                  <a:srgbClr val="000000"/>
-                </a:solidFill>
-                <a:latin typeface="Arial" panose="020B0604020202020204" pitchFamily="34" charset="0"/>
-                <a:cs typeface="Arial" panose="020B0604020202020204" pitchFamily="34" charset="0"/>
-              </a:rPr>
-              <a:t>Клиент</a:t>
-            </a:r>
-            <a:r>
-              <a:rPr lang="ru-RU" sz="2400" dirty="0">
-                <a:solidFill>
-                  <a:srgbClr val="000000"/>
-                </a:solidFill>
-                <a:latin typeface="Arial" panose="020B0604020202020204" pitchFamily="34" charset="0"/>
-                <a:cs typeface="Arial" panose="020B0604020202020204" pitchFamily="34" charset="0"/>
-              </a:rPr>
-              <a:t> сообщает заказ </a:t>
-            </a:r>
-            <a:r>
-              <a:rPr lang="ru-RU" sz="2400" b="1" dirty="0">
-                <a:solidFill>
-                  <a:srgbClr val="000000"/>
-                </a:solidFill>
-                <a:latin typeface="Arial" panose="020B0604020202020204" pitchFamily="34" charset="0"/>
-                <a:cs typeface="Arial" panose="020B0604020202020204" pitchFamily="34" charset="0"/>
-              </a:rPr>
-              <a:t>менеджеру</a:t>
-            </a:r>
-          </a:p>
-          <a:p>
-            <a:pPr marL="0" indent="0">
-              <a:buNone/>
-            </a:pPr>
-            <a:r>
-              <a:rPr lang="ru-RU" sz="2400" b="1" dirty="0">
-                <a:solidFill>
-                  <a:srgbClr val="000000"/>
-                </a:solidFill>
-                <a:latin typeface="Arial" panose="020B0604020202020204" pitchFamily="34" charset="0"/>
-                <a:cs typeface="Arial" panose="020B0604020202020204" pitchFamily="34" charset="0"/>
-              </a:rPr>
-              <a:t>Менеджер</a:t>
-            </a:r>
-            <a:r>
-              <a:rPr lang="ru-RU" sz="2400" dirty="0">
-                <a:solidFill>
-                  <a:srgbClr val="000000"/>
-                </a:solidFill>
-                <a:latin typeface="Arial" panose="020B0604020202020204" pitchFamily="34" charset="0"/>
-                <a:cs typeface="Arial" panose="020B0604020202020204" pitchFamily="34" charset="0"/>
-              </a:rPr>
-              <a:t> передаёт заказ на склад, где его собирают в возвратную тару для последующей перевозки</a:t>
-            </a:r>
-            <a:endParaRPr lang="ru-RU" sz="2400" dirty="0">
-              <a:latin typeface="Arial" panose="020B0604020202020204" pitchFamily="34" charset="0"/>
-              <a:cs typeface="Arial" panose="020B0604020202020204" pitchFamily="34" charset="0"/>
-            </a:endParaRPr>
-          </a:p>
-        </p:txBody>
-      </p:sp>
-      <p:sp>
-        <p:nvSpPr>
-          <p:cNvPr id="5" name="Номер слайда 3">
-            <a:extLst>
-              <a:ext uri="{FF2B5EF4-FFF2-40B4-BE49-F238E27FC236}">
-                <a16:creationId xmlns:a16="http://schemas.microsoft.com/office/drawing/2014/main" id="{7C173385-D6AB-4EA8-8DA7-54833B4427DF}"/>
-              </a:ext>
-            </a:extLst>
-          </p:cNvPr>
-          <p:cNvSpPr txBox="1">
-            <a:spLocks/>
-          </p:cNvSpPr>
-          <p:nvPr/>
-        </p:nvSpPr>
-        <p:spPr>
-          <a:xfrm>
-            <a:off x="-2379453" y="6492875"/>
-            <a:ext cx="2743200" cy="365125"/>
-          </a:xfrm>
-          <a:prstGeom prst="rect">
-            <a:avLst/>
-          </a:prstGeom>
-        </p:spPr>
-        <p:txBody>
-          <a:bodyPr vert="horz" lIns="91440" tIns="45720" rIns="91440" bIns="45720" rtlCol="0" anchor="ctr"/>
-          <a:lstStyle>
-            <a:defPPr>
-              <a:defRPr lang="en-US"/>
-            </a:defPPr>
-            <a:lvl1pPr marL="0" algn="r" defTabSz="457200" rtl="0" eaLnBrk="1" latinLnBrk="0" hangingPunct="1">
-              <a:defRPr sz="1200" kern="1200">
-                <a:solidFill>
-                  <a:schemeClr val="tx1">
-                    <a:tint val="75000"/>
-                  </a:schemeClr>
-                </a:solidFill>
-                <a:latin typeface="+mn-lt"/>
-                <a:ea typeface="+mn-ea"/>
-                <a:cs typeface="+mn-cs"/>
-              </a:defRPr>
-            </a:lvl1pPr>
-            <a:lvl2pPr marL="457200" algn="l" defTabSz="457200" rtl="0" eaLnBrk="1" latinLnBrk="0" hangingPunct="1">
-              <a:defRPr sz="1800" kern="1200">
-                <a:solidFill>
-                  <a:schemeClr val="tx1"/>
-                </a:solidFill>
-                <a:latin typeface="+mn-lt"/>
-                <a:ea typeface="+mn-ea"/>
-                <a:cs typeface="+mn-cs"/>
-              </a:defRPr>
-            </a:lvl2pPr>
-            <a:lvl3pPr marL="914400" algn="l" defTabSz="457200" rtl="0" eaLnBrk="1" latinLnBrk="0" hangingPunct="1">
-              <a:defRPr sz="1800" kern="1200">
-                <a:solidFill>
-                  <a:schemeClr val="tx1"/>
-                </a:solidFill>
-                <a:latin typeface="+mn-lt"/>
-                <a:ea typeface="+mn-ea"/>
-                <a:cs typeface="+mn-cs"/>
-              </a:defRPr>
-            </a:lvl3pPr>
-            <a:lvl4pPr marL="1371600" algn="l" defTabSz="457200" rtl="0" eaLnBrk="1" latinLnBrk="0" hangingPunct="1">
-              <a:defRPr sz="1800" kern="1200">
-                <a:solidFill>
-                  <a:schemeClr val="tx1"/>
-                </a:solidFill>
-                <a:latin typeface="+mn-lt"/>
-                <a:ea typeface="+mn-ea"/>
-                <a:cs typeface="+mn-cs"/>
-              </a:defRPr>
-            </a:lvl4pPr>
-            <a:lvl5pPr marL="1828800" algn="l" defTabSz="457200" rtl="0" eaLnBrk="1" latinLnBrk="0" hangingPunct="1">
-              <a:defRPr sz="1800" kern="1200">
-                <a:solidFill>
-                  <a:schemeClr val="tx1"/>
-                </a:solidFill>
-                <a:latin typeface="+mn-lt"/>
-                <a:ea typeface="+mn-ea"/>
-                <a:cs typeface="+mn-cs"/>
-              </a:defRPr>
-            </a:lvl5pPr>
-            <a:lvl6pPr marL="2286000" algn="l" defTabSz="457200" rtl="0" eaLnBrk="1" latinLnBrk="0" hangingPunct="1">
-              <a:defRPr sz="1800" kern="1200">
-                <a:solidFill>
-                  <a:schemeClr val="tx1"/>
-                </a:solidFill>
-                <a:latin typeface="+mn-lt"/>
-                <a:ea typeface="+mn-ea"/>
-                <a:cs typeface="+mn-cs"/>
-              </a:defRPr>
-            </a:lvl6pPr>
-            <a:lvl7pPr marL="2743200" algn="l" defTabSz="457200" rtl="0" eaLnBrk="1" latinLnBrk="0" hangingPunct="1">
-              <a:defRPr sz="1800" kern="1200">
-                <a:solidFill>
-                  <a:schemeClr val="tx1"/>
-                </a:solidFill>
-                <a:latin typeface="+mn-lt"/>
-                <a:ea typeface="+mn-ea"/>
-                <a:cs typeface="+mn-cs"/>
-              </a:defRPr>
-            </a:lvl7pPr>
-            <a:lvl8pPr marL="3200400" algn="l" defTabSz="457200" rtl="0" eaLnBrk="1" latinLnBrk="0" hangingPunct="1">
-              <a:defRPr sz="1800" kern="1200">
-                <a:solidFill>
-                  <a:schemeClr val="tx1"/>
-                </a:solidFill>
-                <a:latin typeface="+mn-lt"/>
-                <a:ea typeface="+mn-ea"/>
-                <a:cs typeface="+mn-cs"/>
-              </a:defRPr>
-            </a:lvl8pPr>
-            <a:lvl9pPr marL="3657600" algn="l" defTabSz="457200" rtl="0" eaLnBrk="1" latinLnBrk="0" hangingPunct="1">
-              <a:defRPr sz="1800" kern="1200">
-                <a:solidFill>
-                  <a:schemeClr val="tx1"/>
-                </a:solidFill>
-                <a:latin typeface="+mn-lt"/>
-                <a:ea typeface="+mn-ea"/>
-                <a:cs typeface="+mn-cs"/>
-              </a:defRPr>
-            </a:lvl9pPr>
-          </a:lstStyle>
-          <a:p>
-            <a:fld id="{1FE8DF1E-33BB-4377-9A26-35481BA06C7C}" type="slidenum">
-              <a:rPr lang="en-US" smtClean="0">
-                <a:solidFill>
-                  <a:schemeClr val="tx1"/>
-                </a:solidFill>
-                <a:latin typeface="Arial" panose="020B0604020202020204" pitchFamily="34" charset="0"/>
-                <a:cs typeface="Arial" panose="020B0604020202020204" pitchFamily="34" charset="0"/>
-              </a:rPr>
-              <a:pPr/>
-              <a:t>5</a:t>
-            </a:fld>
-            <a:endParaRPr lang="en-US" dirty="0">
-              <a:solidFill>
-                <a:schemeClr val="tx1"/>
-              </a:solidFill>
-              <a:latin typeface="Arial" panose="020B0604020202020204" pitchFamily="34" charset="0"/>
-              <a:cs typeface="Arial" panose="020B0604020202020204" pitchFamily="34" charset="0"/>
-            </a:endParaRPr>
-          </a:p>
-        </p:txBody>
-      </p:sp>
-    </p:spTree>
-    <p:extLst>
-      <p:ext uri="{BB962C8B-B14F-4D97-AF65-F5344CB8AC3E}">
-        <p14:creationId xmlns:p14="http://schemas.microsoft.com/office/powerpoint/2010/main" val="404080449"/>
-      </p:ext>
-    </p:extLst>
-  </p:cSld>
-  <p:clrMapOvr>
-    <a:masterClrMapping/>
-  </p:clrMapOvr>
-</p:sld>
-</file>
-
-<file path=ppt/slides/slide6.xml><?xml version="1.0" encoding="utf-8"?>
-<p:sld xmlns:a="http://schemas.openxmlformats.org/drawingml/2006/main" xmlns:r="http://schemas.openxmlformats.org/officeDocument/2006/relationships" xmlns:p="http://schemas.openxmlformats.org/presentationml/2006/main">
-  <p:cSld>
-    <p:spTree>
-      <p:nvGrpSpPr>
-        <p:cNvPr id="1" name=""/>
-        <p:cNvGrpSpPr/>
-        <p:nvPr/>
-      </p:nvGrpSpPr>
-      <p:grpSpPr>
-        <a:xfrm>
-          <a:off x="0" y="0"/>
-          <a:ext cx="0" cy="0"/>
-          <a:chOff x="0" y="0"/>
-          <a:chExt cx="0" cy="0"/>
-        </a:xfrm>
-      </p:grpSpPr>
-      <p:sp>
-        <p:nvSpPr>
-          <p:cNvPr id="2" name="Заголовок 1">
-            <a:extLst>
-              <a:ext uri="{FF2B5EF4-FFF2-40B4-BE49-F238E27FC236}">
                 <a16:creationId xmlns:a16="http://schemas.microsoft.com/office/drawing/2014/main" id="{138B01BD-CE2F-45BF-8D87-5F17D286E204}"/>
               </a:ext>
             </a:extLst>
@@ -8735,7 +9744,7 @@
                 <a:cs typeface="Arial" panose="020B0604020202020204" pitchFamily="34" charset="0"/>
               </a:rPr>
               <a:pPr/>
-              <a:t>6</a:t>
+              <a:t>4</a:t>
             </a:fld>
             <a:endParaRPr lang="en-US" dirty="0">
               <a:solidFill>
@@ -8760,7 +9769,7 @@
 </p:sld>
 </file>
 
-<file path=ppt/slides/slide7.xml><?xml version="1.0" encoding="utf-8"?>
+<file path=ppt/slides/slide5.xml><?xml version="1.0" encoding="utf-8"?>
 <p:sld xmlns:a="http://schemas.openxmlformats.org/drawingml/2006/main" xmlns:r="http://schemas.openxmlformats.org/officeDocument/2006/relationships" xmlns:p="http://schemas.openxmlformats.org/presentationml/2006/main">
   <p:cSld>
     <p:spTree>
@@ -8808,52 +9817,6 @@
           </a:p>
         </p:txBody>
       </p:sp>
-      <p:pic>
-        <p:nvPicPr>
-          <p:cNvPr id="4" name="Объект 3">
-            <a:extLst>
-              <a:ext uri="{FF2B5EF4-FFF2-40B4-BE49-F238E27FC236}">
-                <a16:creationId xmlns:a16="http://schemas.microsoft.com/office/drawing/2014/main" id="{D5742787-00F0-4DF2-85B6-C715E359D93A}"/>
-              </a:ext>
-            </a:extLst>
-          </p:cNvPr>
-          <p:cNvPicPr>
-            <a:picLocks noGrp="1" noChangeAspect="1"/>
-          </p:cNvPicPr>
-          <p:nvPr>
-            <p:ph idx="1"/>
-          </p:nvPr>
-        </p:nvPicPr>
-        <p:blipFill rotWithShape="1">
-          <a:blip r:embed="rId2" cstate="print">
-            <a:extLst>
-              <a:ext uri="{28A0092B-C50C-407E-A947-70E740481C1C}">
-                <a14:useLocalDpi xmlns:a14="http://schemas.microsoft.com/office/drawing/2010/main" val="0"/>
-              </a:ext>
-            </a:extLst>
-          </a:blip>
-          <a:srcRect l="25473" t="26612" r="28861" b="16716"/>
-          <a:stretch/>
-        </p:blipFill>
-        <p:spPr bwMode="auto">
-          <a:xfrm rot="16200000">
-            <a:off x="3728299" y="-721277"/>
-            <a:ext cx="4008345" cy="8832276"/>
-          </a:xfrm>
-          <a:prstGeom prst="rect">
-            <a:avLst/>
-          </a:prstGeom>
-          <a:noFill/>
-          <a:ln>
-            <a:noFill/>
-          </a:ln>
-          <a:extLst>
-            <a:ext uri="{53640926-AAD7-44D8-BBD7-CCE9431645EC}">
-              <a14:shadowObscured xmlns:a14="http://schemas.microsoft.com/office/drawing/2010/main"/>
-            </a:ext>
-          </a:extLst>
-        </p:spPr>
-      </p:pic>
       <p:sp>
         <p:nvSpPr>
           <p:cNvPr id="5" name="TextBox 4">
@@ -9052,7 +10015,7 @@
                 <a:cs typeface="Arial" panose="020B0604020202020204" pitchFamily="34" charset="0"/>
               </a:rPr>
               <a:pPr/>
-              <a:t>7</a:t>
+              <a:t>5</a:t>
             </a:fld>
             <a:endParaRPr lang="en-US" dirty="0">
               <a:solidFill>
@@ -9064,6 +10027,52 @@
           </a:p>
         </p:txBody>
       </p:sp>
+      <p:pic>
+        <p:nvPicPr>
+          <p:cNvPr id="4" name="Объект 3">
+            <a:extLst>
+              <a:ext uri="{FF2B5EF4-FFF2-40B4-BE49-F238E27FC236}">
+                <a16:creationId xmlns:a16="http://schemas.microsoft.com/office/drawing/2014/main" id="{D5742787-00F0-4DF2-85B6-C715E359D93A}"/>
+              </a:ext>
+            </a:extLst>
+          </p:cNvPr>
+          <p:cNvPicPr>
+            <a:picLocks noGrp="1" noChangeAspect="1"/>
+          </p:cNvPicPr>
+          <p:nvPr>
+            <p:ph idx="1"/>
+          </p:nvPr>
+        </p:nvPicPr>
+        <p:blipFill rotWithShape="1">
+          <a:blip r:embed="rId2" cstate="print">
+            <a:extLst>
+              <a:ext uri="{28A0092B-C50C-407E-A947-70E740481C1C}">
+                <a14:useLocalDpi xmlns:a14="http://schemas.microsoft.com/office/drawing/2010/main" val="0"/>
+              </a:ext>
+            </a:extLst>
+          </a:blip>
+          <a:srcRect l="25473" t="26612" r="28861" b="16716"/>
+          <a:stretch/>
+        </p:blipFill>
+        <p:spPr bwMode="auto">
+          <a:xfrm rot="16200000">
+            <a:off x="3773733" y="-242066"/>
+            <a:ext cx="3645503" cy="8032764"/>
+          </a:xfrm>
+          <a:prstGeom prst="rect">
+            <a:avLst/>
+          </a:prstGeom>
+          <a:noFill/>
+          <a:ln>
+            <a:noFill/>
+          </a:ln>
+          <a:extLst>
+            <a:ext uri="{53640926-AAD7-44D8-BBD7-CCE9431645EC}">
+              <a14:shadowObscured xmlns:a14="http://schemas.microsoft.com/office/drawing/2010/main"/>
+            </a:ext>
+          </a:extLst>
+        </p:spPr>
+      </p:pic>
     </p:spTree>
     <p:extLst>
       <p:ext uri="{BB962C8B-B14F-4D97-AF65-F5344CB8AC3E}">
@@ -9074,10 +10083,115 @@
   <p:clrMapOvr>
     <a:masterClrMapping/>
   </p:clrMapOvr>
+  <p:timing>
+    <p:tnLst>
+      <p:par>
+        <p:cTn id="1" dur="indefinite" restart="never" nodeType="tmRoot">
+          <p:childTnLst>
+            <p:seq concurrent="1" nextAc="seek">
+              <p:cTn id="2" restart="whenNotActive" fill="hold" evtFilter="cancelBubble" nodeType="interactiveSeq">
+                <p:stCondLst>
+                  <p:cond evt="onClick" delay="0">
+                    <p:tgtEl>
+                      <p:spTgt spid="4"/>
+                    </p:tgtEl>
+                  </p:cond>
+                </p:stCondLst>
+                <p:endSync evt="end" delay="0">
+                  <p:rtn val="all"/>
+                </p:endSync>
+                <p:childTnLst>
+                  <p:par>
+                    <p:cTn id="3" fill="hold">
+                      <p:stCondLst>
+                        <p:cond delay="0"/>
+                      </p:stCondLst>
+                      <p:childTnLst>
+                        <p:par>
+                          <p:cTn id="4" fill="hold">
+                            <p:stCondLst>
+                              <p:cond delay="0"/>
+                            </p:stCondLst>
+                            <p:childTnLst>
+                              <p:par>
+                                <p:cTn id="5" presetID="6" presetClass="emph" presetSubtype="0" fill="hold" nodeType="clickEffect">
+                                  <p:stCondLst>
+                                    <p:cond delay="0"/>
+                                  </p:stCondLst>
+                                  <p:childTnLst>
+                                    <p:animScale>
+                                      <p:cBhvr>
+                                        <p:cTn id="6" dur="500" fill="hold"/>
+                                        <p:tgtEl>
+                                          <p:spTgt spid="4"/>
+                                        </p:tgtEl>
+                                      </p:cBhvr>
+                                      <p:by x="100000" y="100000"/>
+                                    </p:animScale>
+                                  </p:childTnLst>
+                                </p:cTn>
+                              </p:par>
+                            </p:childTnLst>
+                          </p:cTn>
+                        </p:par>
+                      </p:childTnLst>
+                    </p:cTn>
+                  </p:par>
+                  <p:par>
+                    <p:cTn id="7" fill="hold">
+                      <p:stCondLst>
+                        <p:cond delay="indefinite"/>
+                      </p:stCondLst>
+                      <p:childTnLst>
+                        <p:par>
+                          <p:cTn id="8" fill="hold">
+                            <p:stCondLst>
+                              <p:cond delay="0"/>
+                            </p:stCondLst>
+                            <p:childTnLst>
+                              <p:par>
+                                <p:cTn id="9" presetID="6" presetClass="emph" presetSubtype="0" fill="hold" nodeType="clickEffect">
+                                  <p:stCondLst>
+                                    <p:cond delay="0"/>
+                                  </p:stCondLst>
+                                  <p:childTnLst>
+                                    <p:animScale>
+                                      <p:cBhvr>
+                                        <p:cTn id="10" dur="500" fill="hold"/>
+                                        <p:tgtEl>
+                                          <p:spTgt spid="4"/>
+                                        </p:tgtEl>
+                                      </p:cBhvr>
+                                      <p:by x="150000" y="150000"/>
+                                    </p:animScale>
+                                  </p:childTnLst>
+                                </p:cTn>
+                              </p:par>
+                            </p:childTnLst>
+                          </p:cTn>
+                        </p:par>
+                      </p:childTnLst>
+                    </p:cTn>
+                  </p:par>
+                </p:childTnLst>
+              </p:cTn>
+              <p:nextCondLst>
+                <p:cond evt="onClick" delay="0">
+                  <p:tgtEl>
+                    <p:spTgt spid="4"/>
+                  </p:tgtEl>
+                </p:cond>
+              </p:nextCondLst>
+            </p:seq>
+          </p:childTnLst>
+        </p:cTn>
+      </p:par>
+    </p:tnLst>
+  </p:timing>
 </p:sld>
 </file>
 
-<file path=ppt/slides/slide8.xml><?xml version="1.0" encoding="utf-8"?>
+<file path=ppt/slides/slide6.xml><?xml version="1.0" encoding="utf-8"?>
 <p:sld xmlns:a="http://schemas.openxmlformats.org/drawingml/2006/main" xmlns:r="http://schemas.openxmlformats.org/officeDocument/2006/relationships" xmlns:p="http://schemas.openxmlformats.org/presentationml/2006/main">
   <p:cSld>
     <p:spTree>
@@ -9122,6 +10236,200 @@
               </a:rPr>
               <a:t>Анализ аналогов и прототипов</a:t>
             </a:r>
+          </a:p>
+        </p:txBody>
+      </p:sp>
+      <p:sp>
+        <p:nvSpPr>
+          <p:cNvPr id="10" name="TextBox 9">
+            <a:extLst>
+              <a:ext uri="{FF2B5EF4-FFF2-40B4-BE49-F238E27FC236}">
+                <a16:creationId xmlns:a16="http://schemas.microsoft.com/office/drawing/2014/main" id="{198CD569-8161-4360-91E3-67EB0F9EB157}"/>
+              </a:ext>
+            </a:extLst>
+          </p:cNvPr>
+          <p:cNvSpPr txBox="1"/>
+          <p:nvPr/>
+        </p:nvSpPr>
+        <p:spPr>
+          <a:xfrm>
+            <a:off x="2129117" y="5594637"/>
+            <a:ext cx="7853083" cy="646331"/>
+          </a:xfrm>
+          <a:prstGeom prst="rect">
+            <a:avLst/>
+          </a:prstGeom>
+          <a:noFill/>
+        </p:spPr>
+        <p:txBody>
+          <a:bodyPr wrap="square" rtlCol="0">
+            <a:spAutoFit/>
+          </a:bodyPr>
+          <a:lstStyle/>
+          <a:p>
+            <a:pPr algn="ctr"/>
+            <a:r>
+              <a:rPr lang="ru-RU" sz="1600" dirty="0">
+                <a:latin typeface="Arial" panose="020B0604020202020204" pitchFamily="34" charset="0"/>
+                <a:cs typeface="Arial" panose="020B0604020202020204" pitchFamily="34" charset="0"/>
+              </a:rPr>
+              <a:t>Рисунок 2. Рабочее место диспетчера </a:t>
+            </a:r>
+            <a:r>
+              <a:rPr lang="en-US" dirty="0">
+                <a:latin typeface="Times New Roman" panose="02020603050405020304" pitchFamily="18" charset="0"/>
+                <a:ea typeface="Times New Roman" panose="02020603050405020304" pitchFamily="18" charset="0"/>
+              </a:rPr>
+              <a:t>Oracle E-Business Suite (Oracle Applications)</a:t>
+            </a:r>
+            <a:endParaRPr lang="ru-RU" sz="1600" dirty="0">
+              <a:latin typeface="Arial" panose="020B0604020202020204" pitchFamily="34" charset="0"/>
+              <a:cs typeface="Arial" panose="020B0604020202020204" pitchFamily="34" charset="0"/>
+            </a:endParaRPr>
+          </a:p>
+        </p:txBody>
+      </p:sp>
+      <p:sp>
+        <p:nvSpPr>
+          <p:cNvPr id="6" name="Номер слайда 3">
+            <a:extLst>
+              <a:ext uri="{FF2B5EF4-FFF2-40B4-BE49-F238E27FC236}">
+                <a16:creationId xmlns:a16="http://schemas.microsoft.com/office/drawing/2014/main" id="{4059D300-47A9-4556-967C-061335860169}"/>
+              </a:ext>
+            </a:extLst>
+          </p:cNvPr>
+          <p:cNvSpPr txBox="1">
+            <a:spLocks/>
+          </p:cNvSpPr>
+          <p:nvPr/>
+        </p:nvSpPr>
+        <p:spPr>
+          <a:xfrm>
+            <a:off x="-2379453" y="6492875"/>
+            <a:ext cx="2743200" cy="365125"/>
+          </a:xfrm>
+          <a:prstGeom prst="rect">
+            <a:avLst/>
+          </a:prstGeom>
+        </p:spPr>
+        <p:txBody>
+          <a:bodyPr vert="horz" lIns="91440" tIns="45720" rIns="91440" bIns="45720" rtlCol="0" anchor="ctr"/>
+          <a:lstStyle>
+            <a:defPPr>
+              <a:defRPr lang="en-US"/>
+            </a:defPPr>
+            <a:lvl1pPr marL="0" algn="r" defTabSz="457200" rtl="0" eaLnBrk="1" latinLnBrk="0" hangingPunct="1">
+              <a:defRPr sz="1200" kern="1200">
+                <a:solidFill>
+                  <a:schemeClr val="tx1">
+                    <a:tint val="75000"/>
+                  </a:schemeClr>
+                </a:solidFill>
+                <a:latin typeface="+mn-lt"/>
+                <a:ea typeface="+mn-ea"/>
+                <a:cs typeface="+mn-cs"/>
+              </a:defRPr>
+            </a:lvl1pPr>
+            <a:lvl2pPr marL="457200" algn="l" defTabSz="457200" rtl="0" eaLnBrk="1" latinLnBrk="0" hangingPunct="1">
+              <a:defRPr sz="1800" kern="1200">
+                <a:solidFill>
+                  <a:schemeClr val="tx1"/>
+                </a:solidFill>
+                <a:latin typeface="+mn-lt"/>
+                <a:ea typeface="+mn-ea"/>
+                <a:cs typeface="+mn-cs"/>
+              </a:defRPr>
+            </a:lvl2pPr>
+            <a:lvl3pPr marL="914400" algn="l" defTabSz="457200" rtl="0" eaLnBrk="1" latinLnBrk="0" hangingPunct="1">
+              <a:defRPr sz="1800" kern="1200">
+                <a:solidFill>
+                  <a:schemeClr val="tx1"/>
+                </a:solidFill>
+                <a:latin typeface="+mn-lt"/>
+                <a:ea typeface="+mn-ea"/>
+                <a:cs typeface="+mn-cs"/>
+              </a:defRPr>
+            </a:lvl3pPr>
+            <a:lvl4pPr marL="1371600" algn="l" defTabSz="457200" rtl="0" eaLnBrk="1" latinLnBrk="0" hangingPunct="1">
+              <a:defRPr sz="1800" kern="1200">
+                <a:solidFill>
+                  <a:schemeClr val="tx1"/>
+                </a:solidFill>
+                <a:latin typeface="+mn-lt"/>
+                <a:ea typeface="+mn-ea"/>
+                <a:cs typeface="+mn-cs"/>
+              </a:defRPr>
+            </a:lvl4pPr>
+            <a:lvl5pPr marL="1828800" algn="l" defTabSz="457200" rtl="0" eaLnBrk="1" latinLnBrk="0" hangingPunct="1">
+              <a:defRPr sz="1800" kern="1200">
+                <a:solidFill>
+                  <a:schemeClr val="tx1"/>
+                </a:solidFill>
+                <a:latin typeface="+mn-lt"/>
+                <a:ea typeface="+mn-ea"/>
+                <a:cs typeface="+mn-cs"/>
+              </a:defRPr>
+            </a:lvl5pPr>
+            <a:lvl6pPr marL="2286000" algn="l" defTabSz="457200" rtl="0" eaLnBrk="1" latinLnBrk="0" hangingPunct="1">
+              <a:defRPr sz="1800" kern="1200">
+                <a:solidFill>
+                  <a:schemeClr val="tx1"/>
+                </a:solidFill>
+                <a:latin typeface="+mn-lt"/>
+                <a:ea typeface="+mn-ea"/>
+                <a:cs typeface="+mn-cs"/>
+              </a:defRPr>
+            </a:lvl6pPr>
+            <a:lvl7pPr marL="2743200" algn="l" defTabSz="457200" rtl="0" eaLnBrk="1" latinLnBrk="0" hangingPunct="1">
+              <a:defRPr sz="1800" kern="1200">
+                <a:solidFill>
+                  <a:schemeClr val="tx1"/>
+                </a:solidFill>
+                <a:latin typeface="+mn-lt"/>
+                <a:ea typeface="+mn-ea"/>
+                <a:cs typeface="+mn-cs"/>
+              </a:defRPr>
+            </a:lvl7pPr>
+            <a:lvl8pPr marL="3200400" algn="l" defTabSz="457200" rtl="0" eaLnBrk="1" latinLnBrk="0" hangingPunct="1">
+              <a:defRPr sz="1800" kern="1200">
+                <a:solidFill>
+                  <a:schemeClr val="tx1"/>
+                </a:solidFill>
+                <a:latin typeface="+mn-lt"/>
+                <a:ea typeface="+mn-ea"/>
+                <a:cs typeface="+mn-cs"/>
+              </a:defRPr>
+            </a:lvl8pPr>
+            <a:lvl9pPr marL="3657600" algn="l" defTabSz="457200" rtl="0" eaLnBrk="1" latinLnBrk="0" hangingPunct="1">
+              <a:defRPr sz="1800" kern="1200">
+                <a:solidFill>
+                  <a:schemeClr val="tx1"/>
+                </a:solidFill>
+                <a:latin typeface="+mn-lt"/>
+                <a:ea typeface="+mn-ea"/>
+                <a:cs typeface="+mn-cs"/>
+              </a:defRPr>
+            </a:lvl9pPr>
+          </a:lstStyle>
+          <a:p>
+            <a:fld id="{1FE8DF1E-33BB-4377-9A26-35481BA06C7C}" type="slidenum">
+              <a:rPr lang="en-US" smtClean="0">
+                <a:solidFill>
+                  <a:schemeClr val="tx1"/>
+                </a:solidFill>
+                <a:latin typeface="Arial" panose="020B0604020202020204" pitchFamily="34" charset="0"/>
+                <a:cs typeface="Arial" panose="020B0604020202020204" pitchFamily="34" charset="0"/>
+              </a:rPr>
+              <a:pPr/>
+              <a:t>6</a:t>
+            </a:fld>
+            <a:endParaRPr lang="en-US" dirty="0">
+              <a:solidFill>
+                <a:schemeClr val="tx1"/>
+              </a:solidFill>
+              <a:latin typeface="Arial" panose="020B0604020202020204" pitchFamily="34" charset="0"/>
+              <a:cs typeface="Arial" panose="020B0604020202020204" pitchFamily="34" charset="0"/>
+            </a:endParaRPr>
           </a:p>
         </p:txBody>
       </p:sp>
@@ -9169,200 +10477,6 @@
           </a:extLst>
         </p:spPr>
       </p:pic>
-      <p:sp>
-        <p:nvSpPr>
-          <p:cNvPr id="10" name="TextBox 9">
-            <a:extLst>
-              <a:ext uri="{FF2B5EF4-FFF2-40B4-BE49-F238E27FC236}">
-                <a16:creationId xmlns:a16="http://schemas.microsoft.com/office/drawing/2014/main" id="{198CD569-8161-4360-91E3-67EB0F9EB157}"/>
-              </a:ext>
-            </a:extLst>
-          </p:cNvPr>
-          <p:cNvSpPr txBox="1"/>
-          <p:nvPr/>
-        </p:nvSpPr>
-        <p:spPr>
-          <a:xfrm>
-            <a:off x="2129117" y="5594637"/>
-            <a:ext cx="7853083" cy="646331"/>
-          </a:xfrm>
-          <a:prstGeom prst="rect">
-            <a:avLst/>
-          </a:prstGeom>
-          <a:noFill/>
-        </p:spPr>
-        <p:txBody>
-          <a:bodyPr wrap="square" rtlCol="0">
-            <a:spAutoFit/>
-          </a:bodyPr>
-          <a:lstStyle/>
-          <a:p>
-            <a:pPr algn="ctr"/>
-            <a:r>
-              <a:rPr lang="ru-RU" sz="1600" dirty="0">
-                <a:latin typeface="Arial" panose="020B0604020202020204" pitchFamily="34" charset="0"/>
-                <a:cs typeface="Arial" panose="020B0604020202020204" pitchFamily="34" charset="0"/>
-              </a:rPr>
-              <a:t>Рисунок 2. Рабочее место диспетчера </a:t>
-            </a:r>
-            <a:r>
-              <a:rPr lang="en-US" dirty="0">
-                <a:latin typeface="Times New Roman" panose="02020603050405020304" pitchFamily="18" charset="0"/>
-                <a:ea typeface="Times New Roman" panose="02020603050405020304" pitchFamily="18" charset="0"/>
-              </a:rPr>
-              <a:t>Oracle E-Business Suite (Oracle Applications)</a:t>
-            </a:r>
-            <a:endParaRPr lang="ru-RU" sz="1600" dirty="0">
-              <a:latin typeface="Arial" panose="020B0604020202020204" pitchFamily="34" charset="0"/>
-              <a:cs typeface="Arial" panose="020B0604020202020204" pitchFamily="34" charset="0"/>
-            </a:endParaRPr>
-          </a:p>
-        </p:txBody>
-      </p:sp>
-      <p:sp>
-        <p:nvSpPr>
-          <p:cNvPr id="6" name="Номер слайда 3">
-            <a:extLst>
-              <a:ext uri="{FF2B5EF4-FFF2-40B4-BE49-F238E27FC236}">
-                <a16:creationId xmlns:a16="http://schemas.microsoft.com/office/drawing/2014/main" id="{4059D300-47A9-4556-967C-061335860169}"/>
-              </a:ext>
-            </a:extLst>
-          </p:cNvPr>
-          <p:cNvSpPr txBox="1">
-            <a:spLocks/>
-          </p:cNvSpPr>
-          <p:nvPr/>
-        </p:nvSpPr>
-        <p:spPr>
-          <a:xfrm>
-            <a:off x="-2379453" y="6492875"/>
-            <a:ext cx="2743200" cy="365125"/>
-          </a:xfrm>
-          <a:prstGeom prst="rect">
-            <a:avLst/>
-          </a:prstGeom>
-        </p:spPr>
-        <p:txBody>
-          <a:bodyPr vert="horz" lIns="91440" tIns="45720" rIns="91440" bIns="45720" rtlCol="0" anchor="ctr"/>
-          <a:lstStyle>
-            <a:defPPr>
-              <a:defRPr lang="en-US"/>
-            </a:defPPr>
-            <a:lvl1pPr marL="0" algn="r" defTabSz="457200" rtl="0" eaLnBrk="1" latinLnBrk="0" hangingPunct="1">
-              <a:defRPr sz="1200" kern="1200">
-                <a:solidFill>
-                  <a:schemeClr val="tx1">
-                    <a:tint val="75000"/>
-                  </a:schemeClr>
-                </a:solidFill>
-                <a:latin typeface="+mn-lt"/>
-                <a:ea typeface="+mn-ea"/>
-                <a:cs typeface="+mn-cs"/>
-              </a:defRPr>
-            </a:lvl1pPr>
-            <a:lvl2pPr marL="457200" algn="l" defTabSz="457200" rtl="0" eaLnBrk="1" latinLnBrk="0" hangingPunct="1">
-              <a:defRPr sz="1800" kern="1200">
-                <a:solidFill>
-                  <a:schemeClr val="tx1"/>
-                </a:solidFill>
-                <a:latin typeface="+mn-lt"/>
-                <a:ea typeface="+mn-ea"/>
-                <a:cs typeface="+mn-cs"/>
-              </a:defRPr>
-            </a:lvl2pPr>
-            <a:lvl3pPr marL="914400" algn="l" defTabSz="457200" rtl="0" eaLnBrk="1" latinLnBrk="0" hangingPunct="1">
-              <a:defRPr sz="1800" kern="1200">
-                <a:solidFill>
-                  <a:schemeClr val="tx1"/>
-                </a:solidFill>
-                <a:latin typeface="+mn-lt"/>
-                <a:ea typeface="+mn-ea"/>
-                <a:cs typeface="+mn-cs"/>
-              </a:defRPr>
-            </a:lvl3pPr>
-            <a:lvl4pPr marL="1371600" algn="l" defTabSz="457200" rtl="0" eaLnBrk="1" latinLnBrk="0" hangingPunct="1">
-              <a:defRPr sz="1800" kern="1200">
-                <a:solidFill>
-                  <a:schemeClr val="tx1"/>
-                </a:solidFill>
-                <a:latin typeface="+mn-lt"/>
-                <a:ea typeface="+mn-ea"/>
-                <a:cs typeface="+mn-cs"/>
-              </a:defRPr>
-            </a:lvl4pPr>
-            <a:lvl5pPr marL="1828800" algn="l" defTabSz="457200" rtl="0" eaLnBrk="1" latinLnBrk="0" hangingPunct="1">
-              <a:defRPr sz="1800" kern="1200">
-                <a:solidFill>
-                  <a:schemeClr val="tx1"/>
-                </a:solidFill>
-                <a:latin typeface="+mn-lt"/>
-                <a:ea typeface="+mn-ea"/>
-                <a:cs typeface="+mn-cs"/>
-              </a:defRPr>
-            </a:lvl5pPr>
-            <a:lvl6pPr marL="2286000" algn="l" defTabSz="457200" rtl="0" eaLnBrk="1" latinLnBrk="0" hangingPunct="1">
-              <a:defRPr sz="1800" kern="1200">
-                <a:solidFill>
-                  <a:schemeClr val="tx1"/>
-                </a:solidFill>
-                <a:latin typeface="+mn-lt"/>
-                <a:ea typeface="+mn-ea"/>
-                <a:cs typeface="+mn-cs"/>
-              </a:defRPr>
-            </a:lvl6pPr>
-            <a:lvl7pPr marL="2743200" algn="l" defTabSz="457200" rtl="0" eaLnBrk="1" latinLnBrk="0" hangingPunct="1">
-              <a:defRPr sz="1800" kern="1200">
-                <a:solidFill>
-                  <a:schemeClr val="tx1"/>
-                </a:solidFill>
-                <a:latin typeface="+mn-lt"/>
-                <a:ea typeface="+mn-ea"/>
-                <a:cs typeface="+mn-cs"/>
-              </a:defRPr>
-            </a:lvl7pPr>
-            <a:lvl8pPr marL="3200400" algn="l" defTabSz="457200" rtl="0" eaLnBrk="1" latinLnBrk="0" hangingPunct="1">
-              <a:defRPr sz="1800" kern="1200">
-                <a:solidFill>
-                  <a:schemeClr val="tx1"/>
-                </a:solidFill>
-                <a:latin typeface="+mn-lt"/>
-                <a:ea typeface="+mn-ea"/>
-                <a:cs typeface="+mn-cs"/>
-              </a:defRPr>
-            </a:lvl8pPr>
-            <a:lvl9pPr marL="3657600" algn="l" defTabSz="457200" rtl="0" eaLnBrk="1" latinLnBrk="0" hangingPunct="1">
-              <a:defRPr sz="1800" kern="1200">
-                <a:solidFill>
-                  <a:schemeClr val="tx1"/>
-                </a:solidFill>
-                <a:latin typeface="+mn-lt"/>
-                <a:ea typeface="+mn-ea"/>
-                <a:cs typeface="+mn-cs"/>
-              </a:defRPr>
-            </a:lvl9pPr>
-          </a:lstStyle>
-          <a:p>
-            <a:fld id="{1FE8DF1E-33BB-4377-9A26-35481BA06C7C}" type="slidenum">
-              <a:rPr lang="en-US" smtClean="0">
-                <a:solidFill>
-                  <a:schemeClr val="tx1"/>
-                </a:solidFill>
-                <a:latin typeface="Arial" panose="020B0604020202020204" pitchFamily="34" charset="0"/>
-                <a:cs typeface="Arial" panose="020B0604020202020204" pitchFamily="34" charset="0"/>
-              </a:rPr>
-              <a:pPr/>
-              <a:t>8</a:t>
-            </a:fld>
-            <a:endParaRPr lang="en-US" dirty="0">
-              <a:solidFill>
-                <a:schemeClr val="tx1"/>
-              </a:solidFill>
-              <a:latin typeface="Arial" panose="020B0604020202020204" pitchFamily="34" charset="0"/>
-              <a:cs typeface="Arial" panose="020B0604020202020204" pitchFamily="34" charset="0"/>
-            </a:endParaRPr>
-          </a:p>
-        </p:txBody>
-      </p:sp>
     </p:spTree>
     <p:extLst>
       <p:ext uri="{BB962C8B-B14F-4D97-AF65-F5344CB8AC3E}">
@@ -9373,10 +10487,115 @@
   <p:clrMapOvr>
     <a:masterClrMapping/>
   </p:clrMapOvr>
+  <p:timing>
+    <p:tnLst>
+      <p:par>
+        <p:cTn id="1" dur="indefinite" restart="never" nodeType="tmRoot">
+          <p:childTnLst>
+            <p:seq concurrent="1" nextAc="seek">
+              <p:cTn id="2" restart="whenNotActive" fill="hold" evtFilter="cancelBubble" nodeType="interactiveSeq">
+                <p:stCondLst>
+                  <p:cond evt="onClick" delay="0">
+                    <p:tgtEl>
+                      <p:spTgt spid="9"/>
+                    </p:tgtEl>
+                  </p:cond>
+                </p:stCondLst>
+                <p:endSync evt="end" delay="0">
+                  <p:rtn val="all"/>
+                </p:endSync>
+                <p:childTnLst>
+                  <p:par>
+                    <p:cTn id="3" fill="hold">
+                      <p:stCondLst>
+                        <p:cond delay="0"/>
+                      </p:stCondLst>
+                      <p:childTnLst>
+                        <p:par>
+                          <p:cTn id="4" fill="hold">
+                            <p:stCondLst>
+                              <p:cond delay="0"/>
+                            </p:stCondLst>
+                            <p:childTnLst>
+                              <p:par>
+                                <p:cTn id="5" presetID="6" presetClass="emph" presetSubtype="0" fill="hold" nodeType="clickEffect">
+                                  <p:stCondLst>
+                                    <p:cond delay="0"/>
+                                  </p:stCondLst>
+                                  <p:childTnLst>
+                                    <p:animScale>
+                                      <p:cBhvr>
+                                        <p:cTn id="6" dur="500" fill="hold"/>
+                                        <p:tgtEl>
+                                          <p:spTgt spid="9"/>
+                                        </p:tgtEl>
+                                      </p:cBhvr>
+                                      <p:by x="100000" y="100000"/>
+                                    </p:animScale>
+                                  </p:childTnLst>
+                                </p:cTn>
+                              </p:par>
+                            </p:childTnLst>
+                          </p:cTn>
+                        </p:par>
+                      </p:childTnLst>
+                    </p:cTn>
+                  </p:par>
+                  <p:par>
+                    <p:cTn id="7" fill="hold">
+                      <p:stCondLst>
+                        <p:cond delay="indefinite"/>
+                      </p:stCondLst>
+                      <p:childTnLst>
+                        <p:par>
+                          <p:cTn id="8" fill="hold">
+                            <p:stCondLst>
+                              <p:cond delay="0"/>
+                            </p:stCondLst>
+                            <p:childTnLst>
+                              <p:par>
+                                <p:cTn id="9" presetID="6" presetClass="emph" presetSubtype="0" fill="hold" nodeType="clickEffect">
+                                  <p:stCondLst>
+                                    <p:cond delay="0"/>
+                                  </p:stCondLst>
+                                  <p:childTnLst>
+                                    <p:animScale>
+                                      <p:cBhvr>
+                                        <p:cTn id="10" dur="500" fill="hold"/>
+                                        <p:tgtEl>
+                                          <p:spTgt spid="9"/>
+                                        </p:tgtEl>
+                                      </p:cBhvr>
+                                      <p:by x="150000" y="150000"/>
+                                    </p:animScale>
+                                  </p:childTnLst>
+                                </p:cTn>
+                              </p:par>
+                            </p:childTnLst>
+                          </p:cTn>
+                        </p:par>
+                      </p:childTnLst>
+                    </p:cTn>
+                  </p:par>
+                </p:childTnLst>
+              </p:cTn>
+              <p:nextCondLst>
+                <p:cond evt="onClick" delay="0">
+                  <p:tgtEl>
+                    <p:spTgt spid="9"/>
+                  </p:tgtEl>
+                </p:cond>
+              </p:nextCondLst>
+            </p:seq>
+          </p:childTnLst>
+        </p:cTn>
+      </p:par>
+    </p:tnLst>
+  </p:timing>
 </p:sld>
 </file>
 
-<file path=ppt/slides/slide9.xml><?xml version="1.0" encoding="utf-8"?>
+<file path=ppt/slides/slide7.xml><?xml version="1.0" encoding="utf-8"?>
 <p:sld xmlns:a="http://schemas.openxmlformats.org/drawingml/2006/main" xmlns:r="http://schemas.openxmlformats.org/officeDocument/2006/relationships" xmlns:p="http://schemas.openxmlformats.org/presentationml/2006/main">
   <p:cSld>
     <p:spTree>
@@ -11833,6 +13052,648 @@
                 <a:cs typeface="Arial" panose="020B0604020202020204" pitchFamily="34" charset="0"/>
               </a:rPr>
               <a:pPr/>
+              <a:t>7</a:t>
+            </a:fld>
+            <a:endParaRPr lang="en-US" dirty="0">
+              <a:solidFill>
+                <a:schemeClr val="tx1"/>
+              </a:solidFill>
+              <a:latin typeface="Arial" panose="020B0604020202020204" pitchFamily="34" charset="0"/>
+              <a:cs typeface="Arial" panose="020B0604020202020204" pitchFamily="34" charset="0"/>
+            </a:endParaRPr>
+          </a:p>
+        </p:txBody>
+      </p:sp>
+    </p:spTree>
+    <p:extLst>
+      <p:ext uri="{BB962C8B-B14F-4D97-AF65-F5344CB8AC3E}">
+        <p14:creationId xmlns:p14="http://schemas.microsoft.com/office/powerpoint/2010/main" val="3654424854"/>
+      </p:ext>
+    </p:extLst>
+  </p:cSld>
+  <p:clrMapOvr>
+    <a:masterClrMapping/>
+  </p:clrMapOvr>
+  <p:timing>
+    <p:tnLst>
+      <p:par>
+        <p:cTn id="1" dur="indefinite" restart="never" nodeType="tmRoot">
+          <p:childTnLst>
+            <p:seq concurrent="1" nextAc="seek">
+              <p:cTn id="2" restart="whenNotActive" fill="hold" evtFilter="cancelBubble" nodeType="interactiveSeq">
+                <p:stCondLst>
+                  <p:cond evt="onClick" delay="0">
+                    <p:tgtEl>
+                      <p:spTgt spid="5"/>
+                    </p:tgtEl>
+                  </p:cond>
+                </p:stCondLst>
+                <p:endSync evt="end" delay="0">
+                  <p:rtn val="all"/>
+                </p:endSync>
+                <p:childTnLst>
+                  <p:par>
+                    <p:cTn id="3" fill="hold">
+                      <p:stCondLst>
+                        <p:cond delay="0"/>
+                      </p:stCondLst>
+                      <p:childTnLst>
+                        <p:par>
+                          <p:cTn id="4" fill="hold">
+                            <p:stCondLst>
+                              <p:cond delay="0"/>
+                            </p:stCondLst>
+                            <p:childTnLst>
+                              <p:par>
+                                <p:cTn id="5" presetID="6" presetClass="emph" presetSubtype="0" fill="hold" nodeType="clickEffect">
+                                  <p:stCondLst>
+                                    <p:cond delay="0"/>
+                                  </p:stCondLst>
+                                  <p:childTnLst>
+                                    <p:animScale>
+                                      <p:cBhvr>
+                                        <p:cTn id="6" dur="500" fill="hold"/>
+                                        <p:tgtEl>
+                                          <p:spTgt spid="5"/>
+                                        </p:tgtEl>
+                                      </p:cBhvr>
+                                      <p:by x="100000" y="100000"/>
+                                    </p:animScale>
+                                  </p:childTnLst>
+                                </p:cTn>
+                              </p:par>
+                            </p:childTnLst>
+                          </p:cTn>
+                        </p:par>
+                      </p:childTnLst>
+                    </p:cTn>
+                  </p:par>
+                  <p:par>
+                    <p:cTn id="7" fill="hold">
+                      <p:stCondLst>
+                        <p:cond delay="indefinite"/>
+                      </p:stCondLst>
+                      <p:childTnLst>
+                        <p:par>
+                          <p:cTn id="8" fill="hold">
+                            <p:stCondLst>
+                              <p:cond delay="0"/>
+                            </p:stCondLst>
+                            <p:childTnLst>
+                              <p:par>
+                                <p:cTn id="9" presetID="6" presetClass="emph" presetSubtype="0" fill="hold" nodeType="clickEffect">
+                                  <p:stCondLst>
+                                    <p:cond delay="0"/>
+                                  </p:stCondLst>
+                                  <p:childTnLst>
+                                    <p:animScale>
+                                      <p:cBhvr>
+                                        <p:cTn id="10" dur="500" fill="hold"/>
+                                        <p:tgtEl>
+                                          <p:spTgt spid="5"/>
+                                        </p:tgtEl>
+                                      </p:cBhvr>
+                                      <p:by x="150000" y="150000"/>
+                                    </p:animScale>
+                                  </p:childTnLst>
+                                </p:cTn>
+                              </p:par>
+                            </p:childTnLst>
+                          </p:cTn>
+                        </p:par>
+                      </p:childTnLst>
+                    </p:cTn>
+                  </p:par>
+                </p:childTnLst>
+              </p:cTn>
+              <p:nextCondLst>
+                <p:cond evt="onClick" delay="0">
+                  <p:tgtEl>
+                    <p:spTgt spid="5"/>
+                  </p:tgtEl>
+                </p:cond>
+              </p:nextCondLst>
+            </p:seq>
+          </p:childTnLst>
+        </p:cTn>
+      </p:par>
+    </p:tnLst>
+  </p:timing>
+</p:sld>
+</file>
+
+<file path=ppt/slides/slide8.xml><?xml version="1.0" encoding="utf-8"?>
+<p:sld xmlns:a="http://schemas.openxmlformats.org/drawingml/2006/main" xmlns:r="http://schemas.openxmlformats.org/officeDocument/2006/relationships" xmlns:p="http://schemas.openxmlformats.org/presentationml/2006/main">
+  <p:cSld>
+    <p:spTree>
+      <p:nvGrpSpPr>
+        <p:cNvPr id="1" name=""/>
+        <p:cNvGrpSpPr/>
+        <p:nvPr/>
+      </p:nvGrpSpPr>
+      <p:grpSpPr>
+        <a:xfrm>
+          <a:off x="0" y="0"/>
+          <a:ext cx="0" cy="0"/>
+          <a:chOff x="0" y="0"/>
+          <a:chExt cx="0" cy="0"/>
+        </a:xfrm>
+      </p:grpSpPr>
+      <p:sp>
+        <p:nvSpPr>
+          <p:cNvPr id="2" name="Заголовок 1">
+            <a:extLst>
+              <a:ext uri="{FF2B5EF4-FFF2-40B4-BE49-F238E27FC236}">
+                <a16:creationId xmlns:a16="http://schemas.microsoft.com/office/drawing/2014/main" id="{8D8C9C9B-0510-41C1-9A58-8A93CBC6230B}"/>
+              </a:ext>
+            </a:extLst>
+          </p:cNvPr>
+          <p:cNvSpPr>
+            <a:spLocks noGrp="1"/>
+          </p:cNvSpPr>
+          <p:nvPr>
+            <p:ph type="title"/>
+          </p:nvPr>
+        </p:nvSpPr>
+        <p:spPr>
+          <a:xfrm>
+            <a:off x="2161055" y="400781"/>
+            <a:ext cx="7869890" cy="6056437"/>
+          </a:xfrm>
+        </p:spPr>
+        <p:txBody>
+          <a:bodyPr>
+            <a:normAutofit/>
+          </a:bodyPr>
+          <a:lstStyle/>
+          <a:p>
+            <a:pPr algn="ctr"/>
+            <a:r>
+              <a:rPr lang="ru-RU" sz="6000" b="1" dirty="0">
+                <a:latin typeface="Arial" panose="020B0604020202020204" pitchFamily="34" charset="0"/>
+                <a:cs typeface="Arial" panose="020B0604020202020204" pitchFamily="34" charset="0"/>
+              </a:rPr>
+              <a:t>Проектирование информационной системы</a:t>
+            </a:r>
+            <a:endParaRPr lang="ru-RU" sz="6000" dirty="0">
+              <a:latin typeface="Arial" panose="020B0604020202020204" pitchFamily="34" charset="0"/>
+              <a:cs typeface="Arial" panose="020B0604020202020204" pitchFamily="34" charset="0"/>
+            </a:endParaRPr>
+          </a:p>
+        </p:txBody>
+      </p:sp>
+      <p:sp>
+        <p:nvSpPr>
+          <p:cNvPr id="4" name="Номер слайда 3">
+            <a:extLst>
+              <a:ext uri="{FF2B5EF4-FFF2-40B4-BE49-F238E27FC236}">
+                <a16:creationId xmlns:a16="http://schemas.microsoft.com/office/drawing/2014/main" id="{48331DB8-3523-40A1-864A-5A361FCC16D6}"/>
+              </a:ext>
+            </a:extLst>
+          </p:cNvPr>
+          <p:cNvSpPr txBox="1">
+            <a:spLocks/>
+          </p:cNvSpPr>
+          <p:nvPr/>
+        </p:nvSpPr>
+        <p:spPr>
+          <a:xfrm>
+            <a:off x="-2379453" y="6492875"/>
+            <a:ext cx="2743200" cy="365125"/>
+          </a:xfrm>
+          <a:prstGeom prst="rect">
+            <a:avLst/>
+          </a:prstGeom>
+        </p:spPr>
+        <p:txBody>
+          <a:bodyPr vert="horz" lIns="91440" tIns="45720" rIns="91440" bIns="45720" rtlCol="0" anchor="ctr"/>
+          <a:lstStyle>
+            <a:defPPr>
+              <a:defRPr lang="en-US"/>
+            </a:defPPr>
+            <a:lvl1pPr marL="0" algn="r" defTabSz="457200" rtl="0" eaLnBrk="1" latinLnBrk="0" hangingPunct="1">
+              <a:defRPr sz="1200" kern="1200">
+                <a:solidFill>
+                  <a:schemeClr val="tx1">
+                    <a:tint val="75000"/>
+                  </a:schemeClr>
+                </a:solidFill>
+                <a:latin typeface="+mn-lt"/>
+                <a:ea typeface="+mn-ea"/>
+                <a:cs typeface="+mn-cs"/>
+              </a:defRPr>
+            </a:lvl1pPr>
+            <a:lvl2pPr marL="457200" algn="l" defTabSz="457200" rtl="0" eaLnBrk="1" latinLnBrk="0" hangingPunct="1">
+              <a:defRPr sz="1800" kern="1200">
+                <a:solidFill>
+                  <a:schemeClr val="tx1"/>
+                </a:solidFill>
+                <a:latin typeface="+mn-lt"/>
+                <a:ea typeface="+mn-ea"/>
+                <a:cs typeface="+mn-cs"/>
+              </a:defRPr>
+            </a:lvl2pPr>
+            <a:lvl3pPr marL="914400" algn="l" defTabSz="457200" rtl="0" eaLnBrk="1" latinLnBrk="0" hangingPunct="1">
+              <a:defRPr sz="1800" kern="1200">
+                <a:solidFill>
+                  <a:schemeClr val="tx1"/>
+                </a:solidFill>
+                <a:latin typeface="+mn-lt"/>
+                <a:ea typeface="+mn-ea"/>
+                <a:cs typeface="+mn-cs"/>
+              </a:defRPr>
+            </a:lvl3pPr>
+            <a:lvl4pPr marL="1371600" algn="l" defTabSz="457200" rtl="0" eaLnBrk="1" latinLnBrk="0" hangingPunct="1">
+              <a:defRPr sz="1800" kern="1200">
+                <a:solidFill>
+                  <a:schemeClr val="tx1"/>
+                </a:solidFill>
+                <a:latin typeface="+mn-lt"/>
+                <a:ea typeface="+mn-ea"/>
+                <a:cs typeface="+mn-cs"/>
+              </a:defRPr>
+            </a:lvl4pPr>
+            <a:lvl5pPr marL="1828800" algn="l" defTabSz="457200" rtl="0" eaLnBrk="1" latinLnBrk="0" hangingPunct="1">
+              <a:defRPr sz="1800" kern="1200">
+                <a:solidFill>
+                  <a:schemeClr val="tx1"/>
+                </a:solidFill>
+                <a:latin typeface="+mn-lt"/>
+                <a:ea typeface="+mn-ea"/>
+                <a:cs typeface="+mn-cs"/>
+              </a:defRPr>
+            </a:lvl5pPr>
+            <a:lvl6pPr marL="2286000" algn="l" defTabSz="457200" rtl="0" eaLnBrk="1" latinLnBrk="0" hangingPunct="1">
+              <a:defRPr sz="1800" kern="1200">
+                <a:solidFill>
+                  <a:schemeClr val="tx1"/>
+                </a:solidFill>
+                <a:latin typeface="+mn-lt"/>
+                <a:ea typeface="+mn-ea"/>
+                <a:cs typeface="+mn-cs"/>
+              </a:defRPr>
+            </a:lvl6pPr>
+            <a:lvl7pPr marL="2743200" algn="l" defTabSz="457200" rtl="0" eaLnBrk="1" latinLnBrk="0" hangingPunct="1">
+              <a:defRPr sz="1800" kern="1200">
+                <a:solidFill>
+                  <a:schemeClr val="tx1"/>
+                </a:solidFill>
+                <a:latin typeface="+mn-lt"/>
+                <a:ea typeface="+mn-ea"/>
+                <a:cs typeface="+mn-cs"/>
+              </a:defRPr>
+            </a:lvl7pPr>
+            <a:lvl8pPr marL="3200400" algn="l" defTabSz="457200" rtl="0" eaLnBrk="1" latinLnBrk="0" hangingPunct="1">
+              <a:defRPr sz="1800" kern="1200">
+                <a:solidFill>
+                  <a:schemeClr val="tx1"/>
+                </a:solidFill>
+                <a:latin typeface="+mn-lt"/>
+                <a:ea typeface="+mn-ea"/>
+                <a:cs typeface="+mn-cs"/>
+              </a:defRPr>
+            </a:lvl8pPr>
+            <a:lvl9pPr marL="3657600" algn="l" defTabSz="457200" rtl="0" eaLnBrk="1" latinLnBrk="0" hangingPunct="1">
+              <a:defRPr sz="1800" kern="1200">
+                <a:solidFill>
+                  <a:schemeClr val="tx1"/>
+                </a:solidFill>
+                <a:latin typeface="+mn-lt"/>
+                <a:ea typeface="+mn-ea"/>
+                <a:cs typeface="+mn-cs"/>
+              </a:defRPr>
+            </a:lvl9pPr>
+          </a:lstStyle>
+          <a:p>
+            <a:fld id="{1FE8DF1E-33BB-4377-9A26-35481BA06C7C}" type="slidenum">
+              <a:rPr lang="en-US" smtClean="0">
+                <a:solidFill>
+                  <a:schemeClr val="tx1"/>
+                </a:solidFill>
+                <a:latin typeface="Arial" panose="020B0604020202020204" pitchFamily="34" charset="0"/>
+                <a:cs typeface="Arial" panose="020B0604020202020204" pitchFamily="34" charset="0"/>
+              </a:rPr>
+              <a:pPr/>
+              <a:t>8</a:t>
+            </a:fld>
+            <a:endParaRPr lang="en-US" dirty="0">
+              <a:solidFill>
+                <a:schemeClr val="tx1"/>
+              </a:solidFill>
+              <a:latin typeface="Arial" panose="020B0604020202020204" pitchFamily="34" charset="0"/>
+              <a:cs typeface="Arial" panose="020B0604020202020204" pitchFamily="34" charset="0"/>
+            </a:endParaRPr>
+          </a:p>
+        </p:txBody>
+      </p:sp>
+    </p:spTree>
+    <p:extLst>
+      <p:ext uri="{BB962C8B-B14F-4D97-AF65-F5344CB8AC3E}">
+        <p14:creationId xmlns:p14="http://schemas.microsoft.com/office/powerpoint/2010/main" val="1260266758"/>
+      </p:ext>
+    </p:extLst>
+  </p:cSld>
+  <p:clrMapOvr>
+    <a:masterClrMapping/>
+  </p:clrMapOvr>
+</p:sld>
+</file>
+
+<file path=ppt/slides/slide9.xml><?xml version="1.0" encoding="utf-8"?>
+<p:sld xmlns:a="http://schemas.openxmlformats.org/drawingml/2006/main" xmlns:r="http://schemas.openxmlformats.org/officeDocument/2006/relationships" xmlns:p="http://schemas.openxmlformats.org/presentationml/2006/main">
+  <p:cSld>
+    <p:spTree>
+      <p:nvGrpSpPr>
+        <p:cNvPr id="1" name=""/>
+        <p:cNvGrpSpPr/>
+        <p:nvPr/>
+      </p:nvGrpSpPr>
+      <p:grpSpPr>
+        <a:xfrm>
+          <a:off x="0" y="0"/>
+          <a:ext cx="0" cy="0"/>
+          <a:chOff x="0" y="0"/>
+          <a:chExt cx="0" cy="0"/>
+        </a:xfrm>
+      </p:grpSpPr>
+      <p:sp>
+        <p:nvSpPr>
+          <p:cNvPr id="2" name="Заголовок 1">
+            <a:extLst>
+              <a:ext uri="{FF2B5EF4-FFF2-40B4-BE49-F238E27FC236}">
+                <a16:creationId xmlns:a16="http://schemas.microsoft.com/office/drawing/2014/main" id="{8D5B2C20-435E-41B1-A9C8-7B37EC44D064}"/>
+              </a:ext>
+            </a:extLst>
+          </p:cNvPr>
+          <p:cNvSpPr>
+            <a:spLocks noGrp="1"/>
+          </p:cNvSpPr>
+          <p:nvPr>
+            <p:ph type="title"/>
+          </p:nvPr>
+        </p:nvSpPr>
+        <p:spPr/>
+        <p:txBody>
+          <a:bodyPr/>
+          <a:lstStyle/>
+          <a:p>
+            <a:r>
+              <a:rPr lang="ru-RU" sz="3800" dirty="0">
+                <a:latin typeface="Arial" panose="020B0604020202020204" pitchFamily="34" charset="0"/>
+                <a:cs typeface="Arial" panose="020B0604020202020204" pitchFamily="34" charset="0"/>
+              </a:rPr>
+              <a:t>Предметная область</a:t>
+            </a:r>
+          </a:p>
+        </p:txBody>
+      </p:sp>
+      <p:sp>
+        <p:nvSpPr>
+          <p:cNvPr id="3" name="Объект 2">
+            <a:extLst>
+              <a:ext uri="{FF2B5EF4-FFF2-40B4-BE49-F238E27FC236}">
+                <a16:creationId xmlns:a16="http://schemas.microsoft.com/office/drawing/2014/main" id="{21015D5B-C95B-4FD4-9743-BFC56049CC9A}"/>
+              </a:ext>
+            </a:extLst>
+          </p:cNvPr>
+          <p:cNvSpPr>
+            <a:spLocks noGrp="1"/>
+          </p:cNvSpPr>
+          <p:nvPr>
+            <p:ph idx="1"/>
+          </p:nvPr>
+        </p:nvSpPr>
+        <p:spPr/>
+        <p:txBody>
+          <a:bodyPr>
+            <a:normAutofit/>
+          </a:bodyPr>
+          <a:lstStyle/>
+          <a:p>
+            <a:pPr marL="0" indent="0">
+              <a:buNone/>
+            </a:pPr>
+            <a:r>
+              <a:rPr lang="ru-RU" sz="2400" b="1" dirty="0">
+                <a:solidFill>
+                  <a:srgbClr val="000000"/>
+                </a:solidFill>
+                <a:latin typeface="Arial" panose="020B0604020202020204" pitchFamily="34" charset="0"/>
+                <a:ea typeface="Times New Roman" panose="02020603050405020304" pitchFamily="18" charset="0"/>
+                <a:cs typeface="Arial" panose="020B0604020202020204" pitchFamily="34" charset="0"/>
+              </a:rPr>
+              <a:t>Фармацевтическая компания </a:t>
+            </a:r>
+            <a:r>
+              <a:rPr lang="ru-RU" sz="2400" dirty="0">
+                <a:solidFill>
+                  <a:srgbClr val="000000"/>
+                </a:solidFill>
+                <a:latin typeface="Arial" panose="020B0604020202020204" pitchFamily="34" charset="0"/>
+                <a:ea typeface="Times New Roman" panose="02020603050405020304" pitchFamily="18" charset="0"/>
+                <a:cs typeface="Arial" panose="020B0604020202020204" pitchFamily="34" charset="0"/>
+              </a:rPr>
+              <a:t>— коммерческое предприятие, основной деятельностью которого является исследования, разработка, изучение рынка и дистрибьюция лекарственных веществ, большей частью в сфере здравоохранения.</a:t>
+            </a:r>
+          </a:p>
+          <a:p>
+            <a:pPr marL="0" indent="0">
+              <a:buNone/>
+            </a:pPr>
+            <a:r>
+              <a:rPr lang="ru-RU" sz="2400" b="1" dirty="0">
+                <a:solidFill>
+                  <a:srgbClr val="000000"/>
+                </a:solidFill>
+                <a:latin typeface="Arial" panose="020B0604020202020204" pitchFamily="34" charset="0"/>
+                <a:cs typeface="Arial" panose="020B0604020202020204" pitchFamily="34" charset="0"/>
+              </a:rPr>
+              <a:t>Клиент</a:t>
+            </a:r>
+            <a:r>
+              <a:rPr lang="ru-RU" sz="2400" dirty="0">
+                <a:solidFill>
+                  <a:srgbClr val="000000"/>
+                </a:solidFill>
+                <a:latin typeface="Arial" panose="020B0604020202020204" pitchFamily="34" charset="0"/>
+                <a:cs typeface="Arial" panose="020B0604020202020204" pitchFamily="34" charset="0"/>
+              </a:rPr>
+              <a:t> сообщает заказ </a:t>
+            </a:r>
+            <a:r>
+              <a:rPr lang="ru-RU" sz="2400" b="1" dirty="0">
+                <a:solidFill>
+                  <a:srgbClr val="000000"/>
+                </a:solidFill>
+                <a:latin typeface="Arial" panose="020B0604020202020204" pitchFamily="34" charset="0"/>
+                <a:cs typeface="Arial" panose="020B0604020202020204" pitchFamily="34" charset="0"/>
+              </a:rPr>
+              <a:t>менеджеру</a:t>
+            </a:r>
+          </a:p>
+          <a:p>
+            <a:pPr marL="0" indent="0">
+              <a:buNone/>
+            </a:pPr>
+            <a:r>
+              <a:rPr lang="ru-RU" sz="2400" b="1" dirty="0">
+                <a:solidFill>
+                  <a:srgbClr val="000000"/>
+                </a:solidFill>
+                <a:latin typeface="Arial" panose="020B0604020202020204" pitchFamily="34" charset="0"/>
+                <a:cs typeface="Arial" panose="020B0604020202020204" pitchFamily="34" charset="0"/>
+              </a:rPr>
+              <a:t>Менеджер</a:t>
+            </a:r>
+            <a:r>
+              <a:rPr lang="ru-RU" sz="2400" dirty="0">
+                <a:solidFill>
+                  <a:srgbClr val="000000"/>
+                </a:solidFill>
+                <a:latin typeface="Arial" panose="020B0604020202020204" pitchFamily="34" charset="0"/>
+                <a:cs typeface="Arial" panose="020B0604020202020204" pitchFamily="34" charset="0"/>
+              </a:rPr>
+              <a:t> передаёт заказ на склад, где его собирают в возвратную тару для последующей перевозки</a:t>
+            </a:r>
+            <a:endParaRPr lang="ru-RU" sz="2400" dirty="0">
+              <a:latin typeface="Arial" panose="020B0604020202020204" pitchFamily="34" charset="0"/>
+              <a:cs typeface="Arial" panose="020B0604020202020204" pitchFamily="34" charset="0"/>
+            </a:endParaRPr>
+          </a:p>
+        </p:txBody>
+      </p:sp>
+      <p:sp>
+        <p:nvSpPr>
+          <p:cNvPr id="5" name="Номер слайда 3">
+            <a:extLst>
+              <a:ext uri="{FF2B5EF4-FFF2-40B4-BE49-F238E27FC236}">
+                <a16:creationId xmlns:a16="http://schemas.microsoft.com/office/drawing/2014/main" id="{7C173385-D6AB-4EA8-8DA7-54833B4427DF}"/>
+              </a:ext>
+            </a:extLst>
+          </p:cNvPr>
+          <p:cNvSpPr txBox="1">
+            <a:spLocks/>
+          </p:cNvSpPr>
+          <p:nvPr/>
+        </p:nvSpPr>
+        <p:spPr>
+          <a:xfrm>
+            <a:off x="-2379453" y="6492875"/>
+            <a:ext cx="2743200" cy="365125"/>
+          </a:xfrm>
+          <a:prstGeom prst="rect">
+            <a:avLst/>
+          </a:prstGeom>
+        </p:spPr>
+        <p:txBody>
+          <a:bodyPr vert="horz" lIns="91440" tIns="45720" rIns="91440" bIns="45720" rtlCol="0" anchor="ctr"/>
+          <a:lstStyle>
+            <a:defPPr>
+              <a:defRPr lang="en-US"/>
+            </a:defPPr>
+            <a:lvl1pPr marL="0" algn="r" defTabSz="457200" rtl="0" eaLnBrk="1" latinLnBrk="0" hangingPunct="1">
+              <a:defRPr sz="1200" kern="1200">
+                <a:solidFill>
+                  <a:schemeClr val="tx1">
+                    <a:tint val="75000"/>
+                  </a:schemeClr>
+                </a:solidFill>
+                <a:latin typeface="+mn-lt"/>
+                <a:ea typeface="+mn-ea"/>
+                <a:cs typeface="+mn-cs"/>
+              </a:defRPr>
+            </a:lvl1pPr>
+            <a:lvl2pPr marL="457200" algn="l" defTabSz="457200" rtl="0" eaLnBrk="1" latinLnBrk="0" hangingPunct="1">
+              <a:defRPr sz="1800" kern="1200">
+                <a:solidFill>
+                  <a:schemeClr val="tx1"/>
+                </a:solidFill>
+                <a:latin typeface="+mn-lt"/>
+                <a:ea typeface="+mn-ea"/>
+                <a:cs typeface="+mn-cs"/>
+              </a:defRPr>
+            </a:lvl2pPr>
+            <a:lvl3pPr marL="914400" algn="l" defTabSz="457200" rtl="0" eaLnBrk="1" latinLnBrk="0" hangingPunct="1">
+              <a:defRPr sz="1800" kern="1200">
+                <a:solidFill>
+                  <a:schemeClr val="tx1"/>
+                </a:solidFill>
+                <a:latin typeface="+mn-lt"/>
+                <a:ea typeface="+mn-ea"/>
+                <a:cs typeface="+mn-cs"/>
+              </a:defRPr>
+            </a:lvl3pPr>
+            <a:lvl4pPr marL="1371600" algn="l" defTabSz="457200" rtl="0" eaLnBrk="1" latinLnBrk="0" hangingPunct="1">
+              <a:defRPr sz="1800" kern="1200">
+                <a:solidFill>
+                  <a:schemeClr val="tx1"/>
+                </a:solidFill>
+                <a:latin typeface="+mn-lt"/>
+                <a:ea typeface="+mn-ea"/>
+                <a:cs typeface="+mn-cs"/>
+              </a:defRPr>
+            </a:lvl4pPr>
+            <a:lvl5pPr marL="1828800" algn="l" defTabSz="457200" rtl="0" eaLnBrk="1" latinLnBrk="0" hangingPunct="1">
+              <a:defRPr sz="1800" kern="1200">
+                <a:solidFill>
+                  <a:schemeClr val="tx1"/>
+                </a:solidFill>
+                <a:latin typeface="+mn-lt"/>
+                <a:ea typeface="+mn-ea"/>
+                <a:cs typeface="+mn-cs"/>
+              </a:defRPr>
+            </a:lvl5pPr>
+            <a:lvl6pPr marL="2286000" algn="l" defTabSz="457200" rtl="0" eaLnBrk="1" latinLnBrk="0" hangingPunct="1">
+              <a:defRPr sz="1800" kern="1200">
+                <a:solidFill>
+                  <a:schemeClr val="tx1"/>
+                </a:solidFill>
+                <a:latin typeface="+mn-lt"/>
+                <a:ea typeface="+mn-ea"/>
+                <a:cs typeface="+mn-cs"/>
+              </a:defRPr>
+            </a:lvl6pPr>
+            <a:lvl7pPr marL="2743200" algn="l" defTabSz="457200" rtl="0" eaLnBrk="1" latinLnBrk="0" hangingPunct="1">
+              <a:defRPr sz="1800" kern="1200">
+                <a:solidFill>
+                  <a:schemeClr val="tx1"/>
+                </a:solidFill>
+                <a:latin typeface="+mn-lt"/>
+                <a:ea typeface="+mn-ea"/>
+                <a:cs typeface="+mn-cs"/>
+              </a:defRPr>
+            </a:lvl7pPr>
+            <a:lvl8pPr marL="3200400" algn="l" defTabSz="457200" rtl="0" eaLnBrk="1" latinLnBrk="0" hangingPunct="1">
+              <a:defRPr sz="1800" kern="1200">
+                <a:solidFill>
+                  <a:schemeClr val="tx1"/>
+                </a:solidFill>
+                <a:latin typeface="+mn-lt"/>
+                <a:ea typeface="+mn-ea"/>
+                <a:cs typeface="+mn-cs"/>
+              </a:defRPr>
+            </a:lvl8pPr>
+            <a:lvl9pPr marL="3657600" algn="l" defTabSz="457200" rtl="0" eaLnBrk="1" latinLnBrk="0" hangingPunct="1">
+              <a:defRPr sz="1800" kern="1200">
+                <a:solidFill>
+                  <a:schemeClr val="tx1"/>
+                </a:solidFill>
+                <a:latin typeface="+mn-lt"/>
+                <a:ea typeface="+mn-ea"/>
+                <a:cs typeface="+mn-cs"/>
+              </a:defRPr>
+            </a:lvl9pPr>
+          </a:lstStyle>
+          <a:p>
+            <a:fld id="{1FE8DF1E-33BB-4377-9A26-35481BA06C7C}" type="slidenum">
+              <a:rPr lang="en-US" smtClean="0">
+                <a:solidFill>
+                  <a:schemeClr val="tx1"/>
+                </a:solidFill>
+                <a:latin typeface="Arial" panose="020B0604020202020204" pitchFamily="34" charset="0"/>
+                <a:cs typeface="Arial" panose="020B0604020202020204" pitchFamily="34" charset="0"/>
+              </a:rPr>
+              <a:pPr/>
               <a:t>9</a:t>
             </a:fld>
             <a:endParaRPr lang="en-US" dirty="0">
@@ -11848,7 +13709,7 @@
     </p:spTree>
     <p:extLst>
       <p:ext uri="{BB962C8B-B14F-4D97-AF65-F5344CB8AC3E}">
-        <p14:creationId xmlns:p14="http://schemas.microsoft.com/office/powerpoint/2010/main" val="3654424854"/>
+        <p14:creationId xmlns:p14="http://schemas.microsoft.com/office/powerpoint/2010/main" val="404080449"/>
       </p:ext>
     </p:extLst>
   </p:cSld>
